--- a/Reviews/2016/wip/1 Introduction.pptx
+++ b/Reviews/2016/wip/1 Introduction.pptx
@@ -1,27 +1,455 @@
 
 <file path=ppt/presentation.xml><?xml version="1.0" encoding="utf-8"?>
-<p:presentation xmlns:a="http://schemas.openxmlformats.org/drawingml/2006/main" xmlns:p="http://schemas.openxmlformats.org/presentationml/2006/main" xmlns:r="http://schemas.openxmlformats.org/officeDocument/2006/relationships" xmlns:p14="http://schemas.microsoft.com/office/powerpoint/2010/main" xmlns:p15="http://schemas.microsoft.com/office/powerpoint/2012/main" xmlns:mc="http://schemas.openxmlformats.org/markup-compatibility/2006">
+<p:presentation xmlns:a="http://schemas.openxmlformats.org/drawingml/2006/main" xmlns:r="http://schemas.openxmlformats.org/officeDocument/2006/relationships" xmlns:p="http://schemas.openxmlformats.org/presentationml/2006/main">
   <p:sldMasterIdLst>
-    <p:sldMasterId id="2147483648" r:id="rId2"/>
-    <p:sldMasterId id="2147483661" r:id="rId3"/>
+    <p:sldMasterId id="2147483648" r:id="rId1"/>
+    <p:sldMasterId id="2147483661" r:id="rId2"/>
   </p:sldMasterIdLst>
   <p:notesMasterIdLst>
-    <p:notesMasterId r:id="rId4"/>
+    <p:notesMasterId r:id="rId8"/>
   </p:notesMasterIdLst>
   <p:sldIdLst>
-    <p:sldId id="256" r:id="rId5"/>
-    <p:sldId id="257" r:id="rId6"/>
-    <p:sldId id="258" r:id="rId7"/>
-    <p:sldId id="259" r:id="rId8"/>
-    <p:sldId id="260" r:id="rId9"/>
+    <p:sldId id="256" r:id="rId3"/>
+    <p:sldId id="257" r:id="rId4"/>
+    <p:sldId id="258" r:id="rId5"/>
+    <p:sldId id="260" r:id="rId6"/>
+    <p:sldId id="259" r:id="rId7"/>
   </p:sldIdLst>
-  <p:sldSz cx="9144000" cy="6858000"/>
+  <p:sldSz cx="9144000" cy="6858000" type="screen4x3"/>
   <p:notesSz cx="6858000" cy="9144000"/>
+  <p:defaultTextStyle>
+    <a:defPPr>
+      <a:defRPr lang="tr-TR"/>
+    </a:defPPr>
+    <a:lvl1pPr marL="0" algn="l" defTabSz="914400" rtl="0" eaLnBrk="1" latinLnBrk="0" hangingPunct="1">
+      <a:defRPr sz="1800" kern="1200">
+        <a:solidFill>
+          <a:schemeClr val="tx1"/>
+        </a:solidFill>
+        <a:latin typeface="+mn-lt"/>
+        <a:ea typeface="+mn-ea"/>
+        <a:cs typeface="+mn-cs"/>
+      </a:defRPr>
+    </a:lvl1pPr>
+    <a:lvl2pPr marL="457200" algn="l" defTabSz="914400" rtl="0" eaLnBrk="1" latinLnBrk="0" hangingPunct="1">
+      <a:defRPr sz="1800" kern="1200">
+        <a:solidFill>
+          <a:schemeClr val="tx1"/>
+        </a:solidFill>
+        <a:latin typeface="+mn-lt"/>
+        <a:ea typeface="+mn-ea"/>
+        <a:cs typeface="+mn-cs"/>
+      </a:defRPr>
+    </a:lvl2pPr>
+    <a:lvl3pPr marL="914400" algn="l" defTabSz="914400" rtl="0" eaLnBrk="1" latinLnBrk="0" hangingPunct="1">
+      <a:defRPr sz="1800" kern="1200">
+        <a:solidFill>
+          <a:schemeClr val="tx1"/>
+        </a:solidFill>
+        <a:latin typeface="+mn-lt"/>
+        <a:ea typeface="+mn-ea"/>
+        <a:cs typeface="+mn-cs"/>
+      </a:defRPr>
+    </a:lvl3pPr>
+    <a:lvl4pPr marL="1371600" algn="l" defTabSz="914400" rtl="0" eaLnBrk="1" latinLnBrk="0" hangingPunct="1">
+      <a:defRPr sz="1800" kern="1200">
+        <a:solidFill>
+          <a:schemeClr val="tx1"/>
+        </a:solidFill>
+        <a:latin typeface="+mn-lt"/>
+        <a:ea typeface="+mn-ea"/>
+        <a:cs typeface="+mn-cs"/>
+      </a:defRPr>
+    </a:lvl4pPr>
+    <a:lvl5pPr marL="1828800" algn="l" defTabSz="914400" rtl="0" eaLnBrk="1" latinLnBrk="0" hangingPunct="1">
+      <a:defRPr sz="1800" kern="1200">
+        <a:solidFill>
+          <a:schemeClr val="tx1"/>
+        </a:solidFill>
+        <a:latin typeface="+mn-lt"/>
+        <a:ea typeface="+mn-ea"/>
+        <a:cs typeface="+mn-cs"/>
+      </a:defRPr>
+    </a:lvl5pPr>
+    <a:lvl6pPr marL="2286000" algn="l" defTabSz="914400" rtl="0" eaLnBrk="1" latinLnBrk="0" hangingPunct="1">
+      <a:defRPr sz="1800" kern="1200">
+        <a:solidFill>
+          <a:schemeClr val="tx1"/>
+        </a:solidFill>
+        <a:latin typeface="+mn-lt"/>
+        <a:ea typeface="+mn-ea"/>
+        <a:cs typeface="+mn-cs"/>
+      </a:defRPr>
+    </a:lvl6pPr>
+    <a:lvl7pPr marL="2743200" algn="l" defTabSz="914400" rtl="0" eaLnBrk="1" latinLnBrk="0" hangingPunct="1">
+      <a:defRPr sz="1800" kern="1200">
+        <a:solidFill>
+          <a:schemeClr val="tx1"/>
+        </a:solidFill>
+        <a:latin typeface="+mn-lt"/>
+        <a:ea typeface="+mn-ea"/>
+        <a:cs typeface="+mn-cs"/>
+      </a:defRPr>
+    </a:lvl7pPr>
+    <a:lvl8pPr marL="3200400" algn="l" defTabSz="914400" rtl="0" eaLnBrk="1" latinLnBrk="0" hangingPunct="1">
+      <a:defRPr sz="1800" kern="1200">
+        <a:solidFill>
+          <a:schemeClr val="tx1"/>
+        </a:solidFill>
+        <a:latin typeface="+mn-lt"/>
+        <a:ea typeface="+mn-ea"/>
+        <a:cs typeface="+mn-cs"/>
+      </a:defRPr>
+    </a:lvl8pPr>
+    <a:lvl9pPr marL="3657600" algn="l" defTabSz="914400" rtl="0" eaLnBrk="1" latinLnBrk="0" hangingPunct="1">
+      <a:defRPr sz="1800" kern="1200">
+        <a:solidFill>
+          <a:schemeClr val="tx1"/>
+        </a:solidFill>
+        <a:latin typeface="+mn-lt"/>
+        <a:ea typeface="+mn-ea"/>
+        <a:cs typeface="+mn-cs"/>
+      </a:defRPr>
+    </a:lvl9pPr>
+  </p:defaultTextStyle>
 </p:presentation>
 </file>
 
 <file path=ppt/notesMasters/notesMaster1.xml><?xml version="1.0" encoding="utf-8"?>
-<p:notesMaster xmlns:a="http://schemas.openxmlformats.org/drawingml/2006/main" xmlns:p="http://schemas.openxmlformats.org/presentationml/2006/main" xmlns:r="http://schemas.openxmlformats.org/officeDocument/2006/relationships" xmlns:p14="http://schemas.microsoft.com/office/powerpoint/2010/main" xmlns:p15="http://schemas.microsoft.com/office/powerpoint/2012/main" xmlns:mc="http://schemas.openxmlformats.org/markup-compatibility/2006">
+<p:notesMaster xmlns:a="http://schemas.openxmlformats.org/drawingml/2006/main" xmlns:r="http://schemas.openxmlformats.org/officeDocument/2006/relationships" xmlns:p="http://schemas.openxmlformats.org/presentationml/2006/main">
+  <p:cSld>
+    <p:bg>
+      <p:bgRef idx="1001">
+        <a:schemeClr val="bg1"/>
+      </p:bgRef>
+    </p:bg>
+    <p:spTree>
+      <p:nvGrpSpPr>
+        <p:cNvPr id="1" name=""/>
+        <p:cNvGrpSpPr/>
+        <p:nvPr/>
+      </p:nvGrpSpPr>
+      <p:grpSpPr>
+        <a:xfrm>
+          <a:off x="0" y="0"/>
+          <a:ext cx="0" cy="0"/>
+          <a:chOff x="0" y="0"/>
+          <a:chExt cx="0" cy="0"/>
+        </a:xfrm>
+      </p:grpSpPr>
+      <p:sp>
+        <p:nvSpPr>
+          <p:cNvPr id="74" name="PlaceHolder 1"/>
+          <p:cNvSpPr>
+            <a:spLocks noGrp="1"/>
+          </p:cNvSpPr>
+          <p:nvPr>
+            <p:ph type="body"/>
+          </p:nvPr>
+        </p:nvSpPr>
+        <p:spPr>
+          <a:xfrm>
+            <a:off x="777240" y="4777560"/>
+            <a:ext cx="6217560" cy="4525920"/>
+          </a:xfrm>
+          <a:prstGeom prst="rect">
+            <a:avLst/>
+          </a:prstGeom>
+        </p:spPr>
+        <p:txBody>
+          <a:bodyPr lIns="0" tIns="0" rIns="0" bIns="0"/>
+          <a:lstStyle/>
+          <a:p>
+            <a:r>
+              <a:rPr lang="en-US" sz="2000" b="0" strike="noStrike" spc="-1">
+                <a:solidFill>
+                  <a:srgbClr val="000000"/>
+                </a:solidFill>
+                <a:uFill>
+                  <a:solidFill>
+                    <a:srgbClr val="FFFFFF"/>
+                  </a:solidFill>
+                </a:uFill>
+                <a:latin typeface="Arial"/>
+              </a:rPr>
+              <a:t>Click to edit the notes format</a:t>
+            </a:r>
+          </a:p>
+        </p:txBody>
+      </p:sp>
+      <p:sp>
+        <p:nvSpPr>
+          <p:cNvPr id="75" name="PlaceHolder 2"/>
+          <p:cNvSpPr>
+            <a:spLocks noGrp="1"/>
+          </p:cNvSpPr>
+          <p:nvPr>
+            <p:ph type="hdr"/>
+          </p:nvPr>
+        </p:nvSpPr>
+        <p:spPr>
+          <a:xfrm>
+            <a:off x="0" y="0"/>
+            <a:ext cx="3372840" cy="502560"/>
+          </a:xfrm>
+          <a:prstGeom prst="rect">
+            <a:avLst/>
+          </a:prstGeom>
+        </p:spPr>
+        <p:txBody>
+          <a:bodyPr lIns="0" tIns="0" rIns="0" bIns="0"/>
+          <a:lstStyle/>
+          <a:p>
+            <a:r>
+              <a:rPr lang="en-US" sz="1400" b="0" strike="noStrike" spc="-1">
+                <a:solidFill>
+                  <a:srgbClr val="000000"/>
+                </a:solidFill>
+                <a:uFill>
+                  <a:solidFill>
+                    <a:srgbClr val="FFFFFF"/>
+                  </a:solidFill>
+                </a:uFill>
+                <a:latin typeface="Times New Roman"/>
+              </a:rPr>
+              <a:t>&lt;header&gt;</a:t>
+            </a:r>
+          </a:p>
+        </p:txBody>
+      </p:sp>
+      <p:sp>
+        <p:nvSpPr>
+          <p:cNvPr id="76" name="PlaceHolder 3"/>
+          <p:cNvSpPr>
+            <a:spLocks noGrp="1"/>
+          </p:cNvSpPr>
+          <p:nvPr>
+            <p:ph type="dt"/>
+          </p:nvPr>
+        </p:nvSpPr>
+        <p:spPr>
+          <a:xfrm>
+            <a:off x="4399200" y="0"/>
+            <a:ext cx="3372840" cy="502560"/>
+          </a:xfrm>
+          <a:prstGeom prst="rect">
+            <a:avLst/>
+          </a:prstGeom>
+        </p:spPr>
+        <p:txBody>
+          <a:bodyPr lIns="0" tIns="0" rIns="0" bIns="0"/>
+          <a:lstStyle/>
+          <a:p>
+            <a:pPr algn="r"/>
+            <a:r>
+              <a:rPr lang="en-US" sz="1400" b="0" strike="noStrike" spc="-1">
+                <a:solidFill>
+                  <a:srgbClr val="000000"/>
+                </a:solidFill>
+                <a:uFill>
+                  <a:solidFill>
+                    <a:srgbClr val="FFFFFF"/>
+                  </a:solidFill>
+                </a:uFill>
+                <a:latin typeface="Times New Roman"/>
+              </a:rPr>
+              <a:t>&lt;date/time&gt;</a:t>
+            </a:r>
+          </a:p>
+        </p:txBody>
+      </p:sp>
+      <p:sp>
+        <p:nvSpPr>
+          <p:cNvPr id="77" name="PlaceHolder 4"/>
+          <p:cNvSpPr>
+            <a:spLocks noGrp="1"/>
+          </p:cNvSpPr>
+          <p:nvPr>
+            <p:ph type="ftr"/>
+          </p:nvPr>
+        </p:nvSpPr>
+        <p:spPr>
+          <a:xfrm>
+            <a:off x="0" y="9555480"/>
+            <a:ext cx="3372840" cy="502560"/>
+          </a:xfrm>
+          <a:prstGeom prst="rect">
+            <a:avLst/>
+          </a:prstGeom>
+        </p:spPr>
+        <p:txBody>
+          <a:bodyPr lIns="0" tIns="0" rIns="0" bIns="0" anchor="b"/>
+          <a:lstStyle/>
+          <a:p>
+            <a:r>
+              <a:rPr lang="en-US" sz="1400" b="0" strike="noStrike" spc="-1">
+                <a:solidFill>
+                  <a:srgbClr val="000000"/>
+                </a:solidFill>
+                <a:uFill>
+                  <a:solidFill>
+                    <a:srgbClr val="FFFFFF"/>
+                  </a:solidFill>
+                </a:uFill>
+                <a:latin typeface="Times New Roman"/>
+              </a:rPr>
+              <a:t>&lt;footer&gt;</a:t>
+            </a:r>
+          </a:p>
+        </p:txBody>
+      </p:sp>
+      <p:sp>
+        <p:nvSpPr>
+          <p:cNvPr id="78" name="PlaceHolder 5"/>
+          <p:cNvSpPr>
+            <a:spLocks noGrp="1"/>
+          </p:cNvSpPr>
+          <p:nvPr>
+            <p:ph type="sldNum"/>
+          </p:nvPr>
+        </p:nvSpPr>
+        <p:spPr>
+          <a:xfrm>
+            <a:off x="4399200" y="9555480"/>
+            <a:ext cx="3372840" cy="502560"/>
+          </a:xfrm>
+          <a:prstGeom prst="rect">
+            <a:avLst/>
+          </a:prstGeom>
+        </p:spPr>
+        <p:txBody>
+          <a:bodyPr lIns="0" tIns="0" rIns="0" bIns="0" anchor="b"/>
+          <a:lstStyle/>
+          <a:p>
+            <a:pPr algn="r"/>
+            <a:fld id="{B70C3FC0-16C8-456D-AB6C-BCC8542A9D6A}" type="slidenum">
+              <a:rPr lang="en-US" sz="1400" b="0" strike="noStrike" spc="-1">
+                <a:solidFill>
+                  <a:srgbClr val="000000"/>
+                </a:solidFill>
+                <a:uFill>
+                  <a:solidFill>
+                    <a:srgbClr val="FFFFFF"/>
+                  </a:solidFill>
+                </a:uFill>
+                <a:latin typeface="Times New Roman"/>
+              </a:rPr>
+              <a:t>‹#›</a:t>
+            </a:fld>
+            <a:endParaRPr lang="en-US" sz="1400" b="0" strike="noStrike" spc="-1">
+              <a:solidFill>
+                <a:srgbClr val="000000"/>
+              </a:solidFill>
+              <a:uFill>
+                <a:solidFill>
+                  <a:srgbClr val="FFFFFF"/>
+                </a:solidFill>
+              </a:uFill>
+              <a:latin typeface="Times New Roman"/>
+            </a:endParaRPr>
+          </a:p>
+        </p:txBody>
+      </p:sp>
+    </p:spTree>
+  </p:cSld>
+  <p:clrMap bg1="lt1" tx1="dk1" bg2="lt2" tx2="dk2" accent1="accent1" accent2="accent2" accent3="accent3" accent4="accent4" accent5="accent5" accent6="accent6" hlink="hlink" folHlink="folHlink"/>
+  <p:notesStyle>
+    <a:lvl1pPr marL="0" algn="l" defTabSz="914400" rtl="0" eaLnBrk="1" latinLnBrk="0" hangingPunct="1">
+      <a:defRPr sz="1200" kern="1200">
+        <a:solidFill>
+          <a:schemeClr val="tx1"/>
+        </a:solidFill>
+        <a:latin typeface="+mn-lt"/>
+        <a:ea typeface="+mn-ea"/>
+        <a:cs typeface="+mn-cs"/>
+      </a:defRPr>
+    </a:lvl1pPr>
+    <a:lvl2pPr marL="457200" algn="l" defTabSz="914400" rtl="0" eaLnBrk="1" latinLnBrk="0" hangingPunct="1">
+      <a:defRPr sz="1200" kern="1200">
+        <a:solidFill>
+          <a:schemeClr val="tx1"/>
+        </a:solidFill>
+        <a:latin typeface="+mn-lt"/>
+        <a:ea typeface="+mn-ea"/>
+        <a:cs typeface="+mn-cs"/>
+      </a:defRPr>
+    </a:lvl2pPr>
+    <a:lvl3pPr marL="914400" algn="l" defTabSz="914400" rtl="0" eaLnBrk="1" latinLnBrk="0" hangingPunct="1">
+      <a:defRPr sz="1200" kern="1200">
+        <a:solidFill>
+          <a:schemeClr val="tx1"/>
+        </a:solidFill>
+        <a:latin typeface="+mn-lt"/>
+        <a:ea typeface="+mn-ea"/>
+        <a:cs typeface="+mn-cs"/>
+      </a:defRPr>
+    </a:lvl3pPr>
+    <a:lvl4pPr marL="1371600" algn="l" defTabSz="914400" rtl="0" eaLnBrk="1" latinLnBrk="0" hangingPunct="1">
+      <a:defRPr sz="1200" kern="1200">
+        <a:solidFill>
+          <a:schemeClr val="tx1"/>
+        </a:solidFill>
+        <a:latin typeface="+mn-lt"/>
+        <a:ea typeface="+mn-ea"/>
+        <a:cs typeface="+mn-cs"/>
+      </a:defRPr>
+    </a:lvl4pPr>
+    <a:lvl5pPr marL="1828800" algn="l" defTabSz="914400" rtl="0" eaLnBrk="1" latinLnBrk="0" hangingPunct="1">
+      <a:defRPr sz="1200" kern="1200">
+        <a:solidFill>
+          <a:schemeClr val="tx1"/>
+        </a:solidFill>
+        <a:latin typeface="+mn-lt"/>
+        <a:ea typeface="+mn-ea"/>
+        <a:cs typeface="+mn-cs"/>
+      </a:defRPr>
+    </a:lvl5pPr>
+    <a:lvl6pPr marL="2286000" algn="l" defTabSz="914400" rtl="0" eaLnBrk="1" latinLnBrk="0" hangingPunct="1">
+      <a:defRPr sz="1200" kern="1200">
+        <a:solidFill>
+          <a:schemeClr val="tx1"/>
+        </a:solidFill>
+        <a:latin typeface="+mn-lt"/>
+        <a:ea typeface="+mn-ea"/>
+        <a:cs typeface="+mn-cs"/>
+      </a:defRPr>
+    </a:lvl6pPr>
+    <a:lvl7pPr marL="2743200" algn="l" defTabSz="914400" rtl="0" eaLnBrk="1" latinLnBrk="0" hangingPunct="1">
+      <a:defRPr sz="1200" kern="1200">
+        <a:solidFill>
+          <a:schemeClr val="tx1"/>
+        </a:solidFill>
+        <a:latin typeface="+mn-lt"/>
+        <a:ea typeface="+mn-ea"/>
+        <a:cs typeface="+mn-cs"/>
+      </a:defRPr>
+    </a:lvl7pPr>
+    <a:lvl8pPr marL="3200400" algn="l" defTabSz="914400" rtl="0" eaLnBrk="1" latinLnBrk="0" hangingPunct="1">
+      <a:defRPr sz="1200" kern="1200">
+        <a:solidFill>
+          <a:schemeClr val="tx1"/>
+        </a:solidFill>
+        <a:latin typeface="+mn-lt"/>
+        <a:ea typeface="+mn-ea"/>
+        <a:cs typeface="+mn-cs"/>
+      </a:defRPr>
+    </a:lvl8pPr>
+    <a:lvl9pPr marL="3657600" algn="l" defTabSz="914400" rtl="0" eaLnBrk="1" latinLnBrk="0" hangingPunct="1">
+      <a:defRPr sz="1200" kern="1200">
+        <a:solidFill>
+          <a:schemeClr val="tx1"/>
+        </a:solidFill>
+        <a:latin typeface="+mn-lt"/>
+        <a:ea typeface="+mn-ea"/>
+        <a:cs typeface="+mn-cs"/>
+      </a:defRPr>
+    </a:lvl9pPr>
+  </p:notesStyle>
+</p:notesMaster>
+</file>
+
+<file path=ppt/notesSlides/notesSlide1.xml><?xml version="1.0" encoding="utf-8"?>
+<p:notes xmlns:a="http://schemas.openxmlformats.org/drawingml/2006/main" xmlns:r="http://schemas.openxmlformats.org/officeDocument/2006/relationships" xmlns:p="http://schemas.openxmlformats.org/presentationml/2006/main">
   <p:cSld>
     <p:spTree>
       <p:nvGrpSpPr>
@@ -39,7 +467,7 @@
       </p:grpSpPr>
       <p:sp>
         <p:nvSpPr>
-          <p:cNvPr id="74" name="PlaceHolder 1"/>
+          <p:cNvPr id="108" name="PlaceHolder 1"/>
           <p:cNvSpPr>
             <a:spLocks noGrp="1"/>
           </p:cNvSpPr>
@@ -49,239 +477,169 @@
         </p:nvSpPr>
         <p:spPr>
           <a:xfrm>
-            <a:off x="777240" y="4777560"/>
-            <a:ext cx="6217560" cy="4525920"/>
-          </a:xfrm>
-          <a:prstGeom prst="rect">
-            <a:avLst/>
-          </a:prstGeom>
-        </p:spPr>
-        <p:txBody>
-          <a:bodyPr lIns="0" rIns="0" tIns="0" bIns="0"/>
-          <a:p>
-            <a:r>
-              <a:rPr b="0" lang="en-US" sz="2000" spc="-1" strike="noStrike">
+            <a:off x="685800" y="4400640"/>
+            <a:ext cx="5486040" cy="3600000"/>
+          </a:xfrm>
+          <a:prstGeom prst="rect">
+            <a:avLst/>
+          </a:prstGeom>
+        </p:spPr>
+        <p:txBody>
+          <a:bodyPr/>
+          <a:lstStyle/>
+          <a:p>
+            <a:pPr rtl="0"/>
+            <a:r>
+              <a:rPr lang="en-US" sz="1200" b="0" i="0" u="none" strike="noStrike" kern="1200" dirty="0">
+                <a:solidFill>
+                  <a:schemeClr val="tx1"/>
+                </a:solidFill>
+                <a:effectLst/>
+                <a:latin typeface="+mn-lt"/>
+                <a:ea typeface="+mn-ea"/>
+                <a:cs typeface="+mn-cs"/>
+              </a:rPr>
+              <a:t>I’d like to begin by thanking you all for coming today.</a:t>
+            </a:r>
+            <a:endParaRPr lang="en-US" sz="2000" b="0" dirty="0">
+              <a:effectLst/>
+            </a:endParaRPr>
+          </a:p>
+          <a:p>
+            <a:pPr rtl="0"/>
+            <a:br>
+              <a:rPr lang="en-US" sz="2000" b="0" dirty="0">
+                <a:effectLst/>
+              </a:rPr>
+            </a:br>
+            <a:endParaRPr lang="en-US" sz="2000" b="0" dirty="0">
+              <a:effectLst/>
+            </a:endParaRPr>
+          </a:p>
+          <a:p>
+            <a:pPr rtl="0"/>
+            <a:r>
+              <a:rPr lang="en-US" sz="1200" b="0" i="0" u="none" strike="noStrike" kern="1200" dirty="0">
+                <a:solidFill>
+                  <a:schemeClr val="tx1"/>
+                </a:solidFill>
+                <a:effectLst/>
+                <a:latin typeface="+mn-lt"/>
+                <a:ea typeface="+mn-ea"/>
+                <a:cs typeface="+mn-cs"/>
+              </a:rPr>
+              <a:t>My name is [Ferhat Erata] from [UNIT Information Technologies Research &amp; Development].</a:t>
+            </a:r>
+            <a:endParaRPr lang="en-US" sz="2000" b="0" dirty="0">
+              <a:effectLst/>
+            </a:endParaRPr>
+          </a:p>
+          <a:p>
+            <a:pPr rtl="0"/>
+            <a:r>
+              <a:rPr lang="en-US" sz="1200" b="0" i="0" u="none" strike="noStrike" kern="1200" dirty="0">
+                <a:solidFill>
+                  <a:schemeClr val="tx1"/>
+                </a:solidFill>
+                <a:effectLst/>
+                <a:latin typeface="+mn-lt"/>
+                <a:ea typeface="+mn-ea"/>
+                <a:cs typeface="+mn-cs"/>
+              </a:rPr>
+              <a:t>I am the project leader of ModelWriter project.</a:t>
+            </a:r>
+            <a:endParaRPr lang="en-US" sz="2000" b="0" dirty="0">
+              <a:effectLst/>
+            </a:endParaRPr>
+          </a:p>
+          <a:p>
+            <a:pPr rtl="0"/>
+            <a:br>
+              <a:rPr lang="en-US" sz="2000" b="0" dirty="0">
+                <a:effectLst/>
+              </a:rPr>
+            </a:br>
+            <a:endParaRPr lang="en-US" sz="2000" b="0" dirty="0">
+              <a:effectLst/>
+            </a:endParaRPr>
+          </a:p>
+          <a:p>
+            <a:r>
+              <a:rPr lang="en-US" sz="1200" b="0" i="0" u="none" strike="noStrike" kern="1200" dirty="0">
+                <a:solidFill>
+                  <a:schemeClr val="tx1"/>
+                </a:solidFill>
+                <a:effectLst/>
+                <a:latin typeface="+mn-lt"/>
+                <a:ea typeface="+mn-ea"/>
+                <a:cs typeface="+mn-cs"/>
+              </a:rPr>
+              <a:t>Before starting the presentations, I would like to invite review chairman to make the introductory speech for today’s review.</a:t>
+            </a:r>
+            <a:endParaRPr lang="en-US" sz="2000" b="0" strike="noStrike" spc="-1" dirty="0">
+              <a:solidFill>
+                <a:srgbClr val="000000"/>
+              </a:solidFill>
+              <a:uFill>
+                <a:solidFill>
+                  <a:srgbClr val="FFFFFF"/>
+                </a:solidFill>
+              </a:uFill>
+              <a:latin typeface="Arial"/>
+            </a:endParaRPr>
+          </a:p>
+        </p:txBody>
+      </p:sp>
+      <p:sp>
+        <p:nvSpPr>
+          <p:cNvPr id="109" name="TextShape 2"/>
+          <p:cNvSpPr txBox="1"/>
+          <p:nvPr/>
+        </p:nvSpPr>
+        <p:spPr>
+          <a:xfrm>
+            <a:off x="3884760" y="8685360"/>
+            <a:ext cx="2971440" cy="458280"/>
+          </a:xfrm>
+          <a:prstGeom prst="rect">
+            <a:avLst/>
+          </a:prstGeom>
+          <a:noFill/>
+          <a:ln>
+            <a:noFill/>
+          </a:ln>
+        </p:spPr>
+        <p:txBody>
+          <a:bodyPr anchor="b"/>
+          <a:lstStyle/>
+          <a:p>
+            <a:pPr algn="r">
+              <a:lnSpc>
+                <a:spcPct val="100000"/>
+              </a:lnSpc>
+            </a:pPr>
+            <a:fld id="{CF26C816-DA16-4E84-ADA7-3FAA6ADFED3B}" type="slidenum">
+              <a:rPr lang="en-US" sz="1800" b="0" strike="noStrike" spc="-1">
                 <a:solidFill>
                   <a:srgbClr val="000000"/>
                 </a:solidFill>
                 <a:uFill>
                   <a:solidFill>
-                    <a:srgbClr val="ffffff"/>
-                  </a:solidFill>
-                </a:uFill>
-                <a:latin typeface="Arial"/>
-              </a:rPr>
-              <a:t>Click to edit the notes format</a:t>
-            </a:r>
-            <a:endParaRPr b="0" lang="en-US" sz="2000" spc="-1" strike="noStrike">
-              <a:solidFill>
-                <a:srgbClr val="000000"/>
-              </a:solidFill>
-              <a:uFill>
-                <a:solidFill>
-                  <a:srgbClr val="ffffff"/>
-                </a:solidFill>
-              </a:uFill>
-              <a:latin typeface="Arial"/>
-            </a:endParaRPr>
-          </a:p>
-        </p:txBody>
-      </p:sp>
-      <p:sp>
-        <p:nvSpPr>
-          <p:cNvPr id="75" name="PlaceHolder 2"/>
-          <p:cNvSpPr>
-            <a:spLocks noGrp="1"/>
-          </p:cNvSpPr>
-          <p:nvPr>
-            <p:ph type="hdr"/>
-          </p:nvPr>
-        </p:nvSpPr>
-        <p:spPr>
-          <a:xfrm>
-            <a:off x="0" y="0"/>
-            <a:ext cx="3372840" cy="502560"/>
-          </a:xfrm>
-          <a:prstGeom prst="rect">
-            <a:avLst/>
-          </a:prstGeom>
-        </p:spPr>
-        <p:txBody>
-          <a:bodyPr lIns="0" rIns="0" tIns="0" bIns="0"/>
-          <a:p>
-            <a:r>
-              <a:rPr b="0" lang="en-US" sz="1400" spc="-1" strike="noStrike">
-                <a:solidFill>
-                  <a:srgbClr val="000000"/>
-                </a:solidFill>
-                <a:uFill>
-                  <a:solidFill>
-                    <a:srgbClr val="ffffff"/>
-                  </a:solidFill>
-                </a:uFill>
-                <a:latin typeface="Times New Roman"/>
-              </a:rPr>
-              <a:t>&lt;header&gt;</a:t>
-            </a:r>
-            <a:endParaRPr b="0" lang="en-US" sz="1400" spc="-1" strike="noStrike">
-              <a:solidFill>
-                <a:srgbClr val="000000"/>
-              </a:solidFill>
-              <a:uFill>
-                <a:solidFill>
-                  <a:srgbClr val="ffffff"/>
-                </a:solidFill>
-              </a:uFill>
-              <a:latin typeface="Times New Roman"/>
-            </a:endParaRPr>
-          </a:p>
-        </p:txBody>
-      </p:sp>
-      <p:sp>
-        <p:nvSpPr>
-          <p:cNvPr id="76" name="PlaceHolder 3"/>
-          <p:cNvSpPr>
-            <a:spLocks noGrp="1"/>
-          </p:cNvSpPr>
-          <p:nvPr>
-            <p:ph type="dt"/>
-          </p:nvPr>
-        </p:nvSpPr>
-        <p:spPr>
-          <a:xfrm>
-            <a:off x="4399200" y="0"/>
-            <a:ext cx="3372840" cy="502560"/>
-          </a:xfrm>
-          <a:prstGeom prst="rect">
-            <a:avLst/>
-          </a:prstGeom>
-        </p:spPr>
-        <p:txBody>
-          <a:bodyPr lIns="0" rIns="0" tIns="0" bIns="0"/>
-          <a:p>
-            <a:pPr algn="r"/>
-            <a:r>
-              <a:rPr b="0" lang="en-US" sz="1400" spc="-1" strike="noStrike">
-                <a:solidFill>
-                  <a:srgbClr val="000000"/>
-                </a:solidFill>
-                <a:uFill>
-                  <a:solidFill>
-                    <a:srgbClr val="ffffff"/>
-                  </a:solidFill>
-                </a:uFill>
-                <a:latin typeface="Times New Roman"/>
-              </a:rPr>
-              <a:t>&lt;date/time&gt;</a:t>
-            </a:r>
-            <a:endParaRPr b="0" lang="en-US" sz="1400" spc="-1" strike="noStrike">
-              <a:solidFill>
-                <a:srgbClr val="000000"/>
-              </a:solidFill>
-              <a:uFill>
-                <a:solidFill>
-                  <a:srgbClr val="ffffff"/>
-                </a:solidFill>
-              </a:uFill>
-              <a:latin typeface="Times New Roman"/>
-            </a:endParaRPr>
-          </a:p>
-        </p:txBody>
-      </p:sp>
-      <p:sp>
-        <p:nvSpPr>
-          <p:cNvPr id="77" name="PlaceHolder 4"/>
-          <p:cNvSpPr>
-            <a:spLocks noGrp="1"/>
-          </p:cNvSpPr>
-          <p:nvPr>
-            <p:ph type="ftr"/>
-          </p:nvPr>
-        </p:nvSpPr>
-        <p:spPr>
-          <a:xfrm>
-            <a:off x="0" y="9555480"/>
-            <a:ext cx="3372840" cy="502560"/>
-          </a:xfrm>
-          <a:prstGeom prst="rect">
-            <a:avLst/>
-          </a:prstGeom>
-        </p:spPr>
-        <p:txBody>
-          <a:bodyPr lIns="0" rIns="0" tIns="0" bIns="0" anchor="b"/>
-          <a:p>
-            <a:r>
-              <a:rPr b="0" lang="en-US" sz="1400" spc="-1" strike="noStrike">
-                <a:solidFill>
-                  <a:srgbClr val="000000"/>
-                </a:solidFill>
-                <a:uFill>
-                  <a:solidFill>
-                    <a:srgbClr val="ffffff"/>
-                  </a:solidFill>
-                </a:uFill>
-                <a:latin typeface="Times New Roman"/>
-              </a:rPr>
-              <a:t>&lt;footer&gt;</a:t>
-            </a:r>
-            <a:endParaRPr b="0" lang="en-US" sz="1400" spc="-1" strike="noStrike">
-              <a:solidFill>
-                <a:srgbClr val="000000"/>
-              </a:solidFill>
-              <a:uFill>
-                <a:solidFill>
-                  <a:srgbClr val="ffffff"/>
-                </a:solidFill>
-              </a:uFill>
-              <a:latin typeface="Times New Roman"/>
-            </a:endParaRPr>
-          </a:p>
-        </p:txBody>
-      </p:sp>
-      <p:sp>
-        <p:nvSpPr>
-          <p:cNvPr id="78" name="PlaceHolder 5"/>
-          <p:cNvSpPr>
-            <a:spLocks noGrp="1"/>
-          </p:cNvSpPr>
-          <p:nvPr>
-            <p:ph type="sldNum"/>
-          </p:nvPr>
-        </p:nvSpPr>
-        <p:spPr>
-          <a:xfrm>
-            <a:off x="4399200" y="9555480"/>
-            <a:ext cx="3372840" cy="502560"/>
-          </a:xfrm>
-          <a:prstGeom prst="rect">
-            <a:avLst/>
-          </a:prstGeom>
-        </p:spPr>
-        <p:txBody>
-          <a:bodyPr lIns="0" rIns="0" tIns="0" bIns="0" anchor="b"/>
-          <a:p>
-            <a:pPr algn="r"/>
-            <a:fld id="{B70C3FC0-16C8-456D-AB6C-BCC8542A9D6A}" type="slidenum">
-              <a:rPr b="0" lang="en-US" sz="1400" spc="-1" strike="noStrike">
-                <a:solidFill>
-                  <a:srgbClr val="000000"/>
-                </a:solidFill>
-                <a:uFill>
-                  <a:solidFill>
-                    <a:srgbClr val="ffffff"/>
-                  </a:solidFill>
-                </a:uFill>
-                <a:latin typeface="Times New Roman"/>
-              </a:rPr>
-              <a:t>&lt;number&gt;</a:t>
+                    <a:srgbClr val="FFFFFF"/>
+                  </a:solidFill>
+                </a:uFill>
+                <a:latin typeface="+mn-lt"/>
+                <a:ea typeface="+mn-ea"/>
+              </a:rPr>
+              <a:t>1</a:t>
             </a:fld>
-            <a:endParaRPr b="0" lang="en-US" sz="1400" spc="-1" strike="noStrike">
-              <a:solidFill>
-                <a:srgbClr val="000000"/>
-              </a:solidFill>
-              <a:uFill>
-                <a:solidFill>
-                  <a:srgbClr val="ffffff"/>
+            <a:endParaRPr lang="en-US" sz="1400" b="0" strike="noStrike" spc="-1">
+              <a:solidFill>
+                <a:srgbClr val="000000"/>
+              </a:solidFill>
+              <a:uFill>
+                <a:solidFill>
+                  <a:srgbClr val="FFFFFF"/>
                 </a:solidFill>
               </a:uFill>
               <a:latin typeface="Times New Roman"/>
@@ -291,12 +649,14 @@
       </p:sp>
     </p:spTree>
   </p:cSld>
-  <p:clrMap bg1="lt1" bg2="lt2" tx1="dk1" tx2="dk2" accent1="accent1" accent2="accent2" accent3="accent3" accent4="accent4" accent5="accent5" accent6="accent6" hlink="hlink" folHlink="folHlink"/>
-</p:notesMaster>
+  <p:clrMapOvr>
+    <a:masterClrMapping/>
+  </p:clrMapOvr>
+</p:notes>
 </file>
 
-<file path=ppt/notesSlides/notesSlide1.xml><?xml version="1.0" encoding="utf-8"?>
-<p:notes xmlns:a="http://schemas.openxmlformats.org/drawingml/2006/main" xmlns:p="http://schemas.openxmlformats.org/presentationml/2006/main" xmlns:r="http://schemas.openxmlformats.org/officeDocument/2006/relationships" xmlns:p14="http://schemas.microsoft.com/office/powerpoint/2010/main" xmlns:p15="http://schemas.microsoft.com/office/powerpoint/2012/main" xmlns:mc="http://schemas.openxmlformats.org/markup-compatibility/2006">
+<file path=ppt/notesSlides/notesSlide2.xml><?xml version="1.0" encoding="utf-8"?>
+<p:notes xmlns:a="http://schemas.openxmlformats.org/drawingml/2006/main" xmlns:r="http://schemas.openxmlformats.org/officeDocument/2006/relationships" xmlns:p="http://schemas.openxmlformats.org/presentationml/2006/main">
   <p:cSld>
     <p:spTree>
       <p:nvGrpSpPr>
@@ -314,7 +674,7 @@
       </p:grpSpPr>
       <p:sp>
         <p:nvSpPr>
-          <p:cNvPr id="108" name="PlaceHolder 1"/>
+          <p:cNvPr id="110" name="PlaceHolder 1"/>
           <p:cNvSpPr>
             <a:spLocks noGrp="1"/>
           </p:cNvSpPr>
@@ -333,162 +693,33 @@
         </p:spPr>
         <p:txBody>
           <a:bodyPr/>
-          <a:p>
-            <a:pPr>
-              <a:lnSpc>
-                <a:spcPct val="100000"/>
-              </a:lnSpc>
-            </a:pPr>
-            <a:r>
-              <a:rPr b="0" i="1" lang="en-US" sz="1200" spc="-1" strike="noStrike">
-                <a:solidFill>
-                  <a:srgbClr val="000000"/>
-                </a:solidFill>
-                <a:uFill>
-                  <a:solidFill>
-                    <a:srgbClr val="ffffff"/>
-                  </a:solidFill>
-                </a:uFill>
-                <a:latin typeface="Arial"/>
-              </a:rPr>
-              <a:t>Thank you all very much for coming today.</a:t>
-            </a:r>
-            <a:endParaRPr b="0" lang="en-US" sz="2000" spc="-1" strike="noStrike">
-              <a:solidFill>
-                <a:srgbClr val="000000"/>
-              </a:solidFill>
-              <a:uFill>
-                <a:solidFill>
-                  <a:srgbClr val="ffffff"/>
-                </a:solidFill>
-              </a:uFill>
-              <a:latin typeface="Arial"/>
-            </a:endParaRPr>
-          </a:p>
-          <a:p>
-            <a:pPr>
-              <a:lnSpc>
-                <a:spcPct val="100000"/>
-              </a:lnSpc>
-            </a:pPr>
-            <a:r>
-              <a:rPr b="0" i="1" lang="en-US" sz="1200" spc="-1" strike="noStrike">
-                <a:solidFill>
-                  <a:srgbClr val="000000"/>
-                </a:solidFill>
-                <a:uFill>
-                  <a:solidFill>
-                    <a:srgbClr val="ffffff"/>
-                  </a:solidFill>
-                </a:uFill>
-                <a:latin typeface="Arial"/>
-              </a:rPr>
-              <a:t>My name is [Ferhat Erata] from </a:t>
-            </a:r>
-            <a:r>
-              <a:rPr b="0" lang="en-US" sz="1200" spc="-1" strike="noStrike">
-                <a:solidFill>
-                  <a:srgbClr val="000000"/>
-                </a:solidFill>
-                <a:uFill>
-                  <a:solidFill>
-                    <a:srgbClr val="ffffff"/>
-                  </a:solidFill>
-                </a:uFill>
-                <a:latin typeface="Arial"/>
-              </a:rPr>
-              <a:t>[UNIT Information Technologies Research &amp; Development].</a:t>
-            </a:r>
-            <a:endParaRPr b="0" lang="en-US" sz="2000" spc="-1" strike="noStrike">
-              <a:solidFill>
-                <a:srgbClr val="000000"/>
-              </a:solidFill>
-              <a:uFill>
-                <a:solidFill>
-                  <a:srgbClr val="ffffff"/>
-                </a:solidFill>
-              </a:uFill>
-              <a:latin typeface="Arial"/>
-            </a:endParaRPr>
-          </a:p>
-          <a:p>
-            <a:pPr>
-              <a:lnSpc>
-                <a:spcPct val="100000"/>
-              </a:lnSpc>
-            </a:pPr>
-            <a:r>
-              <a:rPr b="0" lang="en-US" sz="1200" spc="-1" strike="noStrike">
-                <a:solidFill>
-                  <a:srgbClr val="000000"/>
-                </a:solidFill>
-                <a:uFill>
-                  <a:solidFill>
-                    <a:srgbClr val="ffffff"/>
-                  </a:solidFill>
-                </a:uFill>
-                <a:latin typeface="Arial"/>
-              </a:rPr>
-              <a:t>I am the project leader of ModelWriter project.</a:t>
-            </a:r>
-            <a:endParaRPr b="0" lang="en-US" sz="2000" spc="-1" strike="noStrike">
-              <a:solidFill>
-                <a:srgbClr val="000000"/>
-              </a:solidFill>
-              <a:uFill>
-                <a:solidFill>
-                  <a:srgbClr val="ffffff"/>
-                </a:solidFill>
-              </a:uFill>
-              <a:latin typeface="Arial"/>
-            </a:endParaRPr>
-          </a:p>
-          <a:p>
-            <a:pPr>
-              <a:lnSpc>
-                <a:spcPct val="100000"/>
-              </a:lnSpc>
-            </a:pPr>
-            <a:endParaRPr b="0" lang="en-US" sz="2000" spc="-1" strike="noStrike">
-              <a:solidFill>
-                <a:srgbClr val="000000"/>
-              </a:solidFill>
-              <a:uFill>
-                <a:solidFill>
-                  <a:srgbClr val="ffffff"/>
-                </a:solidFill>
-              </a:uFill>
-              <a:latin typeface="Arial"/>
-            </a:endParaRPr>
-          </a:p>
-          <a:p>
-            <a:pPr>
-              <a:lnSpc>
-                <a:spcPct val="100000"/>
-              </a:lnSpc>
-            </a:pPr>
-            <a:r>
-              <a:rPr b="0" lang="en-US" sz="1200" spc="-1" strike="noStrike">
-                <a:solidFill>
-                  <a:srgbClr val="000000"/>
-                </a:solidFill>
-                <a:uFill>
-                  <a:solidFill>
-                    <a:srgbClr val="ffffff"/>
-                  </a:solidFill>
-                </a:uFill>
+          <a:lstStyle/>
+          <a:p>
+            <a:pPr rtl="0"/>
+            <a:r>
+              <a:rPr lang="en-US" sz="1200" b="0" i="0" u="none" strike="noStrike" kern="1200" dirty="0">
+                <a:solidFill>
+                  <a:schemeClr val="tx1"/>
+                </a:solidFill>
+                <a:effectLst/>
                 <a:latin typeface="+mn-lt"/>
                 <a:ea typeface="+mn-ea"/>
-              </a:rPr>
-              <a:t>Before starting the presentations, I would like to invite review chairman to make the introductory speech for today’s review.</a:t>
-            </a:r>
-            <a:endParaRPr b="0" lang="en-US" sz="2000" spc="-1" strike="noStrike">
-              <a:solidFill>
-                <a:srgbClr val="000000"/>
-              </a:solidFill>
-              <a:uFill>
-                <a:solidFill>
-                  <a:srgbClr val="ffffff"/>
+                <a:cs typeface="+mn-cs"/>
+              </a:rPr>
+              <a:t>The graphics on the former slide was a mock-up that shows what was envisioned before starting off the project. The latter one, this one, clearly shows that we achieved  the goal of having a working User Interfaces on Eclipse platform. That was what we as we anticipated. </a:t>
+            </a:r>
+            <a:endParaRPr lang="en-US" sz="2000" b="0" dirty="0">
+              <a:effectLst/>
+            </a:endParaRPr>
+          </a:p>
+          <a:p>
+            <a:endParaRPr lang="en-US" sz="2000" b="0" strike="noStrike" spc="-1" dirty="0">
+              <a:solidFill>
+                <a:srgbClr val="000000"/>
+              </a:solidFill>
+              <a:uFill>
+                <a:solidFill>
+                  <a:srgbClr val="FFFFFF"/>
                 </a:solidFill>
               </a:uFill>
               <a:latin typeface="Arial"/>
@@ -498,7 +729,7 @@
       </p:sp>
       <p:sp>
         <p:nvSpPr>
-          <p:cNvPr id="109" name="TextShape 2"/>
+          <p:cNvPr id="111" name="TextShape 2"/>
           <p:cNvSpPr txBox="1"/>
           <p:nvPr/>
         </p:nvSpPr>
@@ -517,34 +748,35 @@
         </p:spPr>
         <p:txBody>
           <a:bodyPr anchor="b"/>
+          <a:lstStyle/>
           <a:p>
             <a:pPr algn="r">
               <a:lnSpc>
                 <a:spcPct val="100000"/>
               </a:lnSpc>
             </a:pPr>
-            <a:fld id="{CF26C816-DA16-4E84-ADA7-3FAA6ADFED3B}" type="slidenum">
-              <a:rPr b="0" lang="en-US" sz="1800" spc="-1" strike="noStrike">
+            <a:fld id="{6CBFFA31-E01D-4F77-A934-FE8E79239705}" type="slidenum">
+              <a:rPr lang="en-US" sz="1800" b="0" strike="noStrike" spc="-1">
                 <a:solidFill>
                   <a:srgbClr val="000000"/>
                 </a:solidFill>
                 <a:uFill>
                   <a:solidFill>
-                    <a:srgbClr val="ffffff"/>
+                    <a:srgbClr val="FFFFFF"/>
                   </a:solidFill>
                 </a:uFill>
                 <a:latin typeface="+mn-lt"/>
                 <a:ea typeface="+mn-ea"/>
               </a:rPr>
-              <a:t>&lt;number&gt;</a:t>
+              <a:t>2</a:t>
             </a:fld>
-            <a:endParaRPr b="0" lang="en-US" sz="1400" spc="-1" strike="noStrike">
-              <a:solidFill>
-                <a:srgbClr val="000000"/>
-              </a:solidFill>
-              <a:uFill>
-                <a:solidFill>
-                  <a:srgbClr val="ffffff"/>
+            <a:endParaRPr lang="en-US" sz="1400" b="0" strike="noStrike" spc="-1">
+              <a:solidFill>
+                <a:srgbClr val="000000"/>
+              </a:solidFill>
+              <a:uFill>
+                <a:solidFill>
+                  <a:srgbClr val="FFFFFF"/>
                 </a:solidFill>
               </a:uFill>
               <a:latin typeface="Times New Roman"/>
@@ -554,11 +786,14 @@
       </p:sp>
     </p:spTree>
   </p:cSld>
+  <p:clrMapOvr>
+    <a:masterClrMapping/>
+  </p:clrMapOvr>
 </p:notes>
 </file>
 
-<file path=ppt/notesSlides/notesSlide2.xml><?xml version="1.0" encoding="utf-8"?>
-<p:notes xmlns:a="http://schemas.openxmlformats.org/drawingml/2006/main" xmlns:p="http://schemas.openxmlformats.org/presentationml/2006/main" xmlns:r="http://schemas.openxmlformats.org/officeDocument/2006/relationships" xmlns:p14="http://schemas.microsoft.com/office/powerpoint/2010/main" xmlns:p15="http://schemas.microsoft.com/office/powerpoint/2012/main" xmlns:mc="http://schemas.openxmlformats.org/markup-compatibility/2006">
+<file path=ppt/notesSlides/notesSlide3.xml><?xml version="1.0" encoding="utf-8"?>
+<p:notes xmlns:a="http://schemas.openxmlformats.org/drawingml/2006/main" xmlns:r="http://schemas.openxmlformats.org/officeDocument/2006/relationships" xmlns:p="http://schemas.openxmlformats.org/presentationml/2006/main">
   <p:cSld>
     <p:spTree>
       <p:nvGrpSpPr>
@@ -576,7 +811,7 @@
       </p:grpSpPr>
       <p:sp>
         <p:nvSpPr>
-          <p:cNvPr id="110" name="PlaceHolder 1"/>
+          <p:cNvPr id="112" name="PlaceHolder 1"/>
           <p:cNvSpPr>
             <a:spLocks noGrp="1"/>
           </p:cNvSpPr>
@@ -595,14 +830,47 @@
         </p:spPr>
         <p:txBody>
           <a:bodyPr/>
-          <a:p>
-            <a:endParaRPr b="0" lang="en-US" sz="2000" spc="-1" strike="noStrike">
-              <a:solidFill>
-                <a:srgbClr val="000000"/>
-              </a:solidFill>
-              <a:uFill>
-                <a:solidFill>
-                  <a:srgbClr val="ffffff"/>
+          <a:lstStyle/>
+          <a:p>
+            <a:r>
+              <a:rPr lang="en-US" sz="2000" b="0" strike="noStrike" spc="-1" dirty="0">
+                <a:solidFill>
+                  <a:srgbClr val="000000"/>
+                </a:solidFill>
+                <a:uFill>
+                  <a:solidFill>
+                    <a:srgbClr val="FFFFFF"/>
+                  </a:solidFill>
+                </a:uFill>
+                <a:latin typeface="Arial"/>
+              </a:rPr>
+              <a:t>Let me introduce the partners attends today’s meeting.  I have already introduced myself. </a:t>
+            </a:r>
+          </a:p>
+          <a:p>
+            <a:r>
+              <a:rPr lang="en-US" sz="2000" b="0" strike="noStrike" spc="-1" dirty="0">
+                <a:solidFill>
+                  <a:srgbClr val="000000"/>
+                </a:solidFill>
+                <a:uFill>
+                  <a:solidFill>
+                    <a:srgbClr val="FFFFFF"/>
+                  </a:solidFill>
+                </a:uFill>
+                <a:latin typeface="Arial"/>
+              </a:rPr>
+              <a:t>Let’s begin with CNRS/LORIA, Prof. Claire, could you introduce yourself and your research organization…</a:t>
+            </a:r>
+          </a:p>
+          <a:p>
+            <a:endParaRPr lang="en-US" sz="2000" b="0" strike="noStrike" spc="-1" dirty="0">
+              <a:solidFill>
+                <a:srgbClr val="000000"/>
+              </a:solidFill>
+              <a:uFill>
+                <a:solidFill>
+                  <a:srgbClr val="FFFFFF"/>
                 </a:solidFill>
               </a:uFill>
               <a:latin typeface="Arial"/>
@@ -612,7 +880,7 @@
       </p:sp>
       <p:sp>
         <p:nvSpPr>
-          <p:cNvPr id="111" name="TextShape 2"/>
+          <p:cNvPr id="113" name="TextShape 2"/>
           <p:cNvSpPr txBox="1"/>
           <p:nvPr/>
         </p:nvSpPr>
@@ -631,34 +899,35 @@
         </p:spPr>
         <p:txBody>
           <a:bodyPr anchor="b"/>
+          <a:lstStyle/>
           <a:p>
             <a:pPr algn="r">
               <a:lnSpc>
                 <a:spcPct val="100000"/>
               </a:lnSpc>
             </a:pPr>
-            <a:fld id="{6CBFFA31-E01D-4F77-A934-FE8E79239705}" type="slidenum">
-              <a:rPr b="0" lang="en-US" sz="1800" spc="-1" strike="noStrike">
+            <a:fld id="{5BE92C48-2F76-4FB5-82D5-5D61945BA464}" type="slidenum">
+              <a:rPr lang="en-US" sz="1200" b="0" strike="noStrike" spc="-1">
                 <a:solidFill>
                   <a:srgbClr val="000000"/>
                 </a:solidFill>
                 <a:uFill>
                   <a:solidFill>
-                    <a:srgbClr val="ffffff"/>
+                    <a:srgbClr val="FFFFFF"/>
                   </a:solidFill>
                 </a:uFill>
                 <a:latin typeface="+mn-lt"/>
                 <a:ea typeface="+mn-ea"/>
               </a:rPr>
-              <a:t>&lt;number&gt;</a:t>
+              <a:t>3</a:t>
             </a:fld>
-            <a:endParaRPr b="0" lang="en-US" sz="1400" spc="-1" strike="noStrike">
-              <a:solidFill>
-                <a:srgbClr val="000000"/>
-              </a:solidFill>
-              <a:uFill>
-                <a:solidFill>
-                  <a:srgbClr val="ffffff"/>
+            <a:endParaRPr lang="en-US" sz="1400" b="0" strike="noStrike" spc="-1">
+              <a:solidFill>
+                <a:srgbClr val="000000"/>
+              </a:solidFill>
+              <a:uFill>
+                <a:solidFill>
+                  <a:srgbClr val="FFFFFF"/>
                 </a:solidFill>
               </a:uFill>
               <a:latin typeface="Times New Roman"/>
@@ -668,11 +937,14 @@
       </p:sp>
     </p:spTree>
   </p:cSld>
+  <p:clrMapOvr>
+    <a:masterClrMapping/>
+  </p:clrMapOvr>
 </p:notes>
 </file>
 
-<file path=ppt/notesSlides/notesSlide3.xml><?xml version="1.0" encoding="utf-8"?>
-<p:notes xmlns:a="http://schemas.openxmlformats.org/drawingml/2006/main" xmlns:p="http://schemas.openxmlformats.org/presentationml/2006/main" xmlns:r="http://schemas.openxmlformats.org/officeDocument/2006/relationships" xmlns:p14="http://schemas.microsoft.com/office/powerpoint/2010/main" xmlns:p15="http://schemas.microsoft.com/office/powerpoint/2012/main" xmlns:mc="http://schemas.openxmlformats.org/markup-compatibility/2006">
+<file path=ppt/notesSlides/notesSlide4.xml><?xml version="1.0" encoding="utf-8"?>
+<p:notes xmlns:a="http://schemas.openxmlformats.org/drawingml/2006/main" xmlns:r="http://schemas.openxmlformats.org/officeDocument/2006/relationships" xmlns:p="http://schemas.openxmlformats.org/presentationml/2006/main">
   <p:cSld>
     <p:spTree>
       <p:nvGrpSpPr>
@@ -690,7 +962,7 @@
       </p:grpSpPr>
       <p:sp>
         <p:nvSpPr>
-          <p:cNvPr id="112" name="PlaceHolder 1"/>
+          <p:cNvPr id="114" name="PlaceHolder 1"/>
           <p:cNvSpPr>
             <a:spLocks noGrp="1"/>
           </p:cNvSpPr>
@@ -709,105 +981,85 @@
         </p:spPr>
         <p:txBody>
           <a:bodyPr/>
-          <a:p>
-            <a:r>
-              <a:rPr b="0" lang="en-US" sz="2000" spc="-1" strike="noStrike">
+          <a:lstStyle/>
+          <a:p>
+            <a:r>
+              <a:rPr lang="en-US" sz="2000" b="0" strike="noStrike" spc="-1" dirty="0">
                 <a:solidFill>
                   <a:srgbClr val="000000"/>
                 </a:solidFill>
                 <a:uFill>
                   <a:solidFill>
-                    <a:srgbClr val="ffffff"/>
-                  </a:solidFill>
-                </a:uFill>
-                <a:latin typeface="Arial"/>
+                    <a:srgbClr val="FFFFFF"/>
+                  </a:solidFill>
+                </a:uFill>
+                <a:latin typeface="+mn-lt"/>
               </a:rPr>
               <a:t>Let me introduce the partners attends today’s meeting.  I have already introduced myself. </a:t>
             </a:r>
-            <a:endParaRPr b="0" lang="en-US" sz="2000" spc="-1" strike="noStrike">
-              <a:solidFill>
-                <a:srgbClr val="000000"/>
-              </a:solidFill>
-              <a:uFill>
-                <a:solidFill>
-                  <a:srgbClr val="ffffff"/>
+          </a:p>
+          <a:p>
+            <a:r>
+              <a:rPr lang="en-US" sz="2000" b="0" strike="noStrike" spc="-1" dirty="0">
+                <a:solidFill>
+                  <a:srgbClr val="000000"/>
+                </a:solidFill>
+                <a:uFill>
+                  <a:solidFill>
+                    <a:srgbClr val="FFFFFF"/>
+                  </a:solidFill>
+                </a:uFill>
+                <a:latin typeface="+mn-lt"/>
+              </a:rPr>
+              <a:t>Let’s begin with CNRS/LORIA, Prof. Claire, could you introduce yourself and your research organization…</a:t>
+            </a:r>
+          </a:p>
+          <a:p>
+            <a:r>
+              <a:rPr lang="en-US" sz="2000" b="0" strike="noStrike" spc="-1" dirty="0">
+                <a:solidFill>
+                  <a:srgbClr val="000000"/>
+                </a:solidFill>
+                <a:uFill>
+                  <a:solidFill>
+                    <a:srgbClr val="FFFFFF"/>
+                  </a:solidFill>
+                </a:uFill>
+                <a:latin typeface="Arial"/>
+              </a:rPr>
+              <a:t>I would like to specially thank Claire fo</a:t>
+            </a:r>
+            <a:r>
+              <a:rPr lang="en-US" sz="2000" b="0" strike="noStrike" spc="-1" baseline="0" dirty="0">
+                <a:solidFill>
+                  <a:srgbClr val="000000"/>
+                </a:solidFill>
+                <a:uFill>
+                  <a:solidFill>
+                    <a:srgbClr val="FFFFFF"/>
+                  </a:solidFill>
+                </a:uFill>
+                <a:latin typeface="Arial"/>
+              </a:rPr>
+              <a:t>r hosting the meeting, to Vincent for his mentorship.</a:t>
+            </a:r>
+            <a:endParaRPr lang="en-US" sz="2000" b="0" strike="noStrike" spc="-1" dirty="0">
+              <a:solidFill>
+                <a:srgbClr val="000000"/>
+              </a:solidFill>
+              <a:uFill>
+                <a:solidFill>
+                  <a:srgbClr val="FFFFFF"/>
                 </a:solidFill>
               </a:uFill>
               <a:latin typeface="Arial"/>
             </a:endParaRPr>
           </a:p>
-          <a:p>
-            <a:r>
-              <a:rPr b="0" lang="en-US" sz="2000" spc="-1" strike="noStrike">
-                <a:solidFill>
-                  <a:srgbClr val="000000"/>
-                </a:solidFill>
-                <a:uFill>
-                  <a:solidFill>
-                    <a:srgbClr val="ffffff"/>
-                  </a:solidFill>
-                </a:uFill>
-                <a:latin typeface="Arial"/>
-              </a:rPr>
-              <a:t>My collegue, Moharram Challanger, could not participate in this meeting because of a series of problems regarding his passport and visa affairs.</a:t>
-            </a:r>
-            <a:endParaRPr b="0" lang="en-US" sz="2000" spc="-1" strike="noStrike">
-              <a:solidFill>
-                <a:srgbClr val="000000"/>
-              </a:solidFill>
-              <a:uFill>
-                <a:solidFill>
-                  <a:srgbClr val="ffffff"/>
-                </a:solidFill>
-              </a:uFill>
-              <a:latin typeface="Arial"/>
-            </a:endParaRPr>
-          </a:p>
-          <a:p>
-            <a:r>
-              <a:rPr b="0" lang="en-US" sz="2000" spc="-1" strike="noStrike">
-                <a:solidFill>
-                  <a:srgbClr val="000000"/>
-                </a:solidFill>
-                <a:uFill>
-                  <a:solidFill>
-                    <a:srgbClr val="ffffff"/>
-                  </a:solidFill>
-                </a:uFill>
-                <a:latin typeface="Arial"/>
-              </a:rPr>
-              <a:t>Let’s begin with CNRS/LORIA, Prof. Claire, could you introduce yourself and your research organization…</a:t>
-            </a:r>
-            <a:endParaRPr b="0" lang="en-US" sz="2000" spc="-1" strike="noStrike">
-              <a:solidFill>
-                <a:srgbClr val="000000"/>
-              </a:solidFill>
-              <a:uFill>
-                <a:solidFill>
-                  <a:srgbClr val="ffffff"/>
-                </a:solidFill>
-              </a:uFill>
-              <a:latin typeface="Arial"/>
-            </a:endParaRPr>
-          </a:p>
-          <a:p>
-            <a:endParaRPr b="0" lang="en-US" sz="2000" spc="-1" strike="noStrike">
-              <a:solidFill>
-                <a:srgbClr val="000000"/>
-              </a:solidFill>
-              <a:uFill>
-                <a:solidFill>
-                  <a:srgbClr val="ffffff"/>
-                </a:solidFill>
-              </a:uFill>
-              <a:latin typeface="Arial"/>
-            </a:endParaRPr>
-          </a:p>
-        </p:txBody>
-      </p:sp>
-      <p:sp>
-        <p:nvSpPr>
-          <p:cNvPr id="113" name="TextShape 2"/>
+        </p:txBody>
+      </p:sp>
+      <p:sp>
+        <p:nvSpPr>
+          <p:cNvPr id="115" name="TextShape 2"/>
           <p:cNvSpPr txBox="1"/>
           <p:nvPr/>
         </p:nvSpPr>
@@ -826,34 +1078,35 @@
         </p:spPr>
         <p:txBody>
           <a:bodyPr anchor="b"/>
+          <a:lstStyle/>
           <a:p>
             <a:pPr algn="r">
               <a:lnSpc>
                 <a:spcPct val="100000"/>
               </a:lnSpc>
             </a:pPr>
-            <a:fld id="{5BE92C48-2F76-4FB5-82D5-5D61945BA464}" type="slidenum">
-              <a:rPr b="0" lang="en-US" sz="1200" spc="-1" strike="noStrike">
+            <a:fld id="{8930ECF0-78D3-4B67-8C3D-DB34F858B119}" type="slidenum">
+              <a:rPr lang="en-US" sz="1200" b="0" strike="noStrike" spc="-1">
                 <a:solidFill>
                   <a:srgbClr val="000000"/>
                 </a:solidFill>
                 <a:uFill>
                   <a:solidFill>
-                    <a:srgbClr val="ffffff"/>
+                    <a:srgbClr val="FFFFFF"/>
                   </a:solidFill>
                 </a:uFill>
                 <a:latin typeface="+mn-lt"/>
                 <a:ea typeface="+mn-ea"/>
               </a:rPr>
-              <a:t>&lt;number&gt;</a:t>
+              <a:t>4</a:t>
             </a:fld>
-            <a:endParaRPr b="0" lang="en-US" sz="1400" spc="-1" strike="noStrike">
-              <a:solidFill>
-                <a:srgbClr val="000000"/>
-              </a:solidFill>
-              <a:uFill>
-                <a:solidFill>
-                  <a:srgbClr val="ffffff"/>
+            <a:endParaRPr lang="en-US" sz="1400" b="0" strike="noStrike" spc="-1">
+              <a:solidFill>
+                <a:srgbClr val="000000"/>
+              </a:solidFill>
+              <a:uFill>
+                <a:solidFill>
+                  <a:srgbClr val="FFFFFF"/>
                 </a:solidFill>
               </a:uFill>
               <a:latin typeface="Times New Roman"/>
@@ -863,11 +1116,14 @@
       </p:sp>
     </p:spTree>
   </p:cSld>
+  <p:clrMapOvr>
+    <a:masterClrMapping/>
+  </p:clrMapOvr>
 </p:notes>
 </file>
 
 <file path=ppt/notesSlides/notesSlide5.xml><?xml version="1.0" encoding="utf-8"?>
-<p:notes xmlns:a="http://schemas.openxmlformats.org/drawingml/2006/main" xmlns:p="http://schemas.openxmlformats.org/presentationml/2006/main" xmlns:r="http://schemas.openxmlformats.org/officeDocument/2006/relationships" xmlns:p14="http://schemas.microsoft.com/office/powerpoint/2010/main" xmlns:p15="http://schemas.microsoft.com/office/powerpoint/2012/main" xmlns:mc="http://schemas.openxmlformats.org/markup-compatibility/2006">
+<p:notes xmlns:a="http://schemas.openxmlformats.org/drawingml/2006/main" xmlns:r="http://schemas.openxmlformats.org/officeDocument/2006/relationships" xmlns:p="http://schemas.openxmlformats.org/presentationml/2006/main">
   <p:cSld>
     <p:spTree>
       <p:nvGrpSpPr>
@@ -885,89 +1141,86 @@
       </p:grpSpPr>
       <p:sp>
         <p:nvSpPr>
-          <p:cNvPr id="114" name="PlaceHolder 1"/>
+          <p:cNvPr id="2" name="Slide Image Placeholder 1"/>
+          <p:cNvSpPr>
+            <a:spLocks noGrp="1" noRot="1" noChangeAspect="1"/>
+          </p:cNvSpPr>
+          <p:nvPr>
+            <p:ph type="sldImg"/>
+          </p:nvPr>
+        </p:nvSpPr>
+        <p:spPr>
+          <a:xfrm>
+            <a:off x="1371600" y="1143000"/>
+            <a:ext cx="4114800" cy="3086100"/>
+          </a:xfrm>
+          <a:prstGeom prst="rect">
+            <a:avLst/>
+          </a:prstGeom>
+          <a:noFill/>
+          <a:ln w="12700">
+            <a:solidFill>
+              <a:prstClr val="black"/>
+            </a:solidFill>
+          </a:ln>
+        </p:spPr>
+      </p:sp>
+      <p:sp>
+        <p:nvSpPr>
+          <p:cNvPr id="3" name="Notes Placeholder 2"/>
           <p:cNvSpPr>
             <a:spLocks noGrp="1"/>
           </p:cNvSpPr>
           <p:nvPr>
-            <p:ph type="body"/>
+            <p:ph type="body" idx="1"/>
           </p:nvPr>
         </p:nvSpPr>
-        <p:spPr>
-          <a:xfrm>
-            <a:off x="685800" y="4400640"/>
-            <a:ext cx="5486040" cy="3600000"/>
-          </a:xfrm>
-          <a:prstGeom prst="rect">
-            <a:avLst/>
-          </a:prstGeom>
-        </p:spPr>
+        <p:spPr/>
         <p:txBody>
           <a:bodyPr/>
-          <a:p>
-            <a:endParaRPr b="0" lang="en-US" sz="2000" spc="-1" strike="noStrike">
-              <a:solidFill>
-                <a:srgbClr val="000000"/>
-              </a:solidFill>
-              <a:uFill>
-                <a:solidFill>
-                  <a:srgbClr val="ffffff"/>
-                </a:solidFill>
-              </a:uFill>
-              <a:latin typeface="Arial"/>
-            </a:endParaRPr>
-          </a:p>
-        </p:txBody>
-      </p:sp>
-      <p:sp>
-        <p:nvSpPr>
-          <p:cNvPr id="115" name="TextShape 2"/>
-          <p:cNvSpPr txBox="1"/>
-          <p:nvPr/>
-        </p:nvSpPr>
-        <p:spPr>
-          <a:xfrm>
-            <a:off x="3884760" y="8685360"/>
-            <a:ext cx="2971440" cy="458280"/>
-          </a:xfrm>
-          <a:prstGeom prst="rect">
-            <a:avLst/>
-          </a:prstGeom>
-          <a:noFill/>
-          <a:ln>
-            <a:noFill/>
-          </a:ln>
-        </p:spPr>
-        <p:txBody>
-          <a:bodyPr anchor="b"/>
-          <a:p>
-            <a:pPr algn="r">
-              <a:lnSpc>
-                <a:spcPct val="100000"/>
-              </a:lnSpc>
-            </a:pPr>
-            <a:fld id="{8930ECF0-78D3-4B67-8C3D-DB34F858B119}" type="slidenum">
-              <a:rPr b="0" lang="en-US" sz="1200" spc="-1" strike="noStrike">
+          <a:lstStyle/>
+          <a:p>
+            <a:endParaRPr lang="tr-TR" dirty="0"/>
+          </a:p>
+        </p:txBody>
+      </p:sp>
+      <p:sp>
+        <p:nvSpPr>
+          <p:cNvPr id="4" name="Slide Number Placeholder 3"/>
+          <p:cNvSpPr>
+            <a:spLocks noGrp="1"/>
+          </p:cNvSpPr>
+          <p:nvPr>
+            <p:ph type="sldNum" idx="10"/>
+          </p:nvPr>
+        </p:nvSpPr>
+        <p:spPr/>
+        <p:txBody>
+          <a:bodyPr/>
+          <a:lstStyle/>
+          <a:p>
+            <a:pPr algn="r"/>
+            <a:fld id="{B70C3FC0-16C8-456D-AB6C-BCC8542A9D6A}" type="slidenum">
+              <a:rPr lang="en-US" sz="1400" b="0" strike="noStrike" spc="-1" smtClean="0">
                 <a:solidFill>
                   <a:srgbClr val="000000"/>
                 </a:solidFill>
                 <a:uFill>
                   <a:solidFill>
-                    <a:srgbClr val="ffffff"/>
-                  </a:solidFill>
-                </a:uFill>
-                <a:latin typeface="+mn-lt"/>
-                <a:ea typeface="+mn-ea"/>
-              </a:rPr>
-              <a:t>&lt;number&gt;</a:t>
+                    <a:srgbClr val="FFFFFF"/>
+                  </a:solidFill>
+                </a:uFill>
+                <a:latin typeface="Times New Roman"/>
+              </a:rPr>
+              <a:t>5</a:t>
             </a:fld>
-            <a:endParaRPr b="0" lang="en-US" sz="1400" spc="-1" strike="noStrike">
-              <a:solidFill>
-                <a:srgbClr val="000000"/>
-              </a:solidFill>
-              <a:uFill>
-                <a:solidFill>
-                  <a:srgbClr val="ffffff"/>
+            <a:endParaRPr lang="en-US" sz="1400" b="0" strike="noStrike" spc="-1">
+              <a:solidFill>
+                <a:srgbClr val="000000"/>
+              </a:solidFill>
+              <a:uFill>
+                <a:solidFill>
+                  <a:srgbClr val="FFFFFF"/>
                 </a:solidFill>
               </a:uFill>
               <a:latin typeface="Times New Roman"/>
@@ -976,12 +1229,20 @@
         </p:txBody>
       </p:sp>
     </p:spTree>
+    <p:extLst>
+      <p:ext uri="{BB962C8B-B14F-4D97-AF65-F5344CB8AC3E}">
+        <p14:creationId xmlns:p14="http://schemas.microsoft.com/office/powerpoint/2010/main" val="74081051"/>
+      </p:ext>
+    </p:extLst>
   </p:cSld>
+  <p:clrMapOvr>
+    <a:masterClrMapping/>
+  </p:clrMapOvr>
 </p:notes>
 </file>
 
 <file path=ppt/slideLayouts/slideLayout1.xml><?xml version="1.0" encoding="utf-8"?>
-<p:sldLayout xmlns:a="http://schemas.openxmlformats.org/drawingml/2006/main" xmlns:p="http://schemas.openxmlformats.org/presentationml/2006/main" xmlns:r="http://schemas.openxmlformats.org/officeDocument/2006/relationships" xmlns:p14="http://schemas.microsoft.com/office/powerpoint/2010/main" xmlns:p15="http://schemas.microsoft.com/office/powerpoint/2012/main" xmlns:mc="http://schemas.openxmlformats.org/markup-compatibility/2006" type="blank" preserve="1">
+<p:sldLayout xmlns:a="http://schemas.openxmlformats.org/drawingml/2006/main" xmlns:r="http://schemas.openxmlformats.org/officeDocument/2006/relationships" xmlns:p="http://schemas.openxmlformats.org/presentationml/2006/main" type="blank" preserve="1">
   <p:cSld name="Blank Slide">
     <p:spTree>
       <p:nvGrpSpPr>
@@ -999,11 +1260,14 @@
       </p:grpSpPr>
     </p:spTree>
   </p:cSld>
+  <p:clrMapOvr>
+    <a:masterClrMapping/>
+  </p:clrMapOvr>
 </p:sldLayout>
 </file>
 
 <file path=ppt/slideLayouts/slideLayout10.xml><?xml version="1.0" encoding="utf-8"?>
-<p:sldLayout xmlns:a="http://schemas.openxmlformats.org/drawingml/2006/main" xmlns:p="http://schemas.openxmlformats.org/presentationml/2006/main" xmlns:r="http://schemas.openxmlformats.org/officeDocument/2006/relationships" xmlns:p14="http://schemas.microsoft.com/office/powerpoint/2010/main" xmlns:p15="http://schemas.microsoft.com/office/powerpoint/2012/main" xmlns:mc="http://schemas.openxmlformats.org/markup-compatibility/2006" type="objOverTx" preserve="1">
+<p:sldLayout xmlns:a="http://schemas.openxmlformats.org/drawingml/2006/main" xmlns:r="http://schemas.openxmlformats.org/officeDocument/2006/relationships" xmlns:p="http://schemas.openxmlformats.org/presentationml/2006/main" type="objOverTx" preserve="1">
   <p:cSld name="Title, Content over Content">
     <p:spTree>
       <p:nvGrpSpPr>
@@ -1039,15 +1303,16 @@
           </a:prstGeom>
         </p:spPr>
         <p:txBody>
-          <a:bodyPr lIns="0" rIns="0" tIns="0" bIns="0" anchor="ctr"/>
-          <a:p>
-            <a:endParaRPr b="0" lang="nl-NL" sz="1800" spc="-1" strike="noStrike">
-              <a:solidFill>
-                <a:srgbClr val="000000"/>
-              </a:solidFill>
-              <a:uFill>
-                <a:solidFill>
-                  <a:srgbClr val="ffffff"/>
+          <a:bodyPr lIns="0" tIns="0" rIns="0" bIns="0" anchor="ctr"/>
+          <a:lstStyle/>
+          <a:p>
+            <a:endParaRPr lang="nl-NL" sz="1800" b="0" strike="noStrike" spc="-1">
+              <a:solidFill>
+                <a:srgbClr val="000000"/>
+              </a:solidFill>
+              <a:uFill>
+                <a:solidFill>
+                  <a:srgbClr val="FFFFFF"/>
                 </a:solidFill>
               </a:uFill>
               <a:latin typeface="Calibri"/>
@@ -1075,15 +1340,16 @@
           </a:prstGeom>
         </p:spPr>
         <p:txBody>
-          <a:bodyPr lIns="0" rIns="0" tIns="0" bIns="0"/>
-          <a:p>
-            <a:endParaRPr b="0" lang="nl-NL" sz="2200" spc="-1" strike="noStrike">
-              <a:solidFill>
-                <a:srgbClr val="000000"/>
-              </a:solidFill>
-              <a:uFill>
-                <a:solidFill>
-                  <a:srgbClr val="ffffff"/>
+          <a:bodyPr lIns="0" tIns="0" rIns="0" bIns="0"/>
+          <a:lstStyle/>
+          <a:p>
+            <a:endParaRPr lang="nl-NL" sz="2200" b="0" strike="noStrike" spc="-1">
+              <a:solidFill>
+                <a:srgbClr val="000000"/>
+              </a:solidFill>
+              <a:uFill>
+                <a:solidFill>
+                  <a:srgbClr val="FFFFFF"/>
                 </a:solidFill>
               </a:uFill>
               <a:latin typeface="Arial"/>
@@ -1111,15 +1377,16 @@
           </a:prstGeom>
         </p:spPr>
         <p:txBody>
-          <a:bodyPr lIns="0" rIns="0" tIns="0" bIns="0"/>
-          <a:p>
-            <a:endParaRPr b="0" lang="nl-NL" sz="2200" spc="-1" strike="noStrike">
-              <a:solidFill>
-                <a:srgbClr val="000000"/>
-              </a:solidFill>
-              <a:uFill>
-                <a:solidFill>
-                  <a:srgbClr val="ffffff"/>
+          <a:bodyPr lIns="0" tIns="0" rIns="0" bIns="0"/>
+          <a:lstStyle/>
+          <a:p>
+            <a:endParaRPr lang="nl-NL" sz="2200" b="0" strike="noStrike" spc="-1">
+              <a:solidFill>
+                <a:srgbClr val="000000"/>
+              </a:solidFill>
+              <a:uFill>
+                <a:solidFill>
+                  <a:srgbClr val="FFFFFF"/>
                 </a:solidFill>
               </a:uFill>
               <a:latin typeface="Arial"/>
@@ -1129,11 +1396,14 @@
       </p:sp>
     </p:spTree>
   </p:cSld>
+  <p:clrMapOvr>
+    <a:masterClrMapping/>
+  </p:clrMapOvr>
 </p:sldLayout>
 </file>
 
 <file path=ppt/slideLayouts/slideLayout11.xml><?xml version="1.0" encoding="utf-8"?>
-<p:sldLayout xmlns:a="http://schemas.openxmlformats.org/drawingml/2006/main" xmlns:p="http://schemas.openxmlformats.org/presentationml/2006/main" xmlns:r="http://schemas.openxmlformats.org/officeDocument/2006/relationships" xmlns:p14="http://schemas.microsoft.com/office/powerpoint/2010/main" xmlns:p15="http://schemas.microsoft.com/office/powerpoint/2012/main" xmlns:mc="http://schemas.openxmlformats.org/markup-compatibility/2006" type="fourObj" preserve="1">
+<p:sldLayout xmlns:a="http://schemas.openxmlformats.org/drawingml/2006/main" xmlns:r="http://schemas.openxmlformats.org/officeDocument/2006/relationships" xmlns:p="http://schemas.openxmlformats.org/presentationml/2006/main" type="fourObj" preserve="1">
   <p:cSld name="Title, 4 Content">
     <p:spTree>
       <p:nvGrpSpPr>
@@ -1169,15 +1439,16 @@
           </a:prstGeom>
         </p:spPr>
         <p:txBody>
-          <a:bodyPr lIns="0" rIns="0" tIns="0" bIns="0" anchor="ctr"/>
-          <a:p>
-            <a:endParaRPr b="0" lang="nl-NL" sz="1800" spc="-1" strike="noStrike">
-              <a:solidFill>
-                <a:srgbClr val="000000"/>
-              </a:solidFill>
-              <a:uFill>
-                <a:solidFill>
-                  <a:srgbClr val="ffffff"/>
+          <a:bodyPr lIns="0" tIns="0" rIns="0" bIns="0" anchor="ctr"/>
+          <a:lstStyle/>
+          <a:p>
+            <a:endParaRPr lang="nl-NL" sz="1800" b="0" strike="noStrike" spc="-1">
+              <a:solidFill>
+                <a:srgbClr val="000000"/>
+              </a:solidFill>
+              <a:uFill>
+                <a:solidFill>
+                  <a:srgbClr val="FFFFFF"/>
                 </a:solidFill>
               </a:uFill>
               <a:latin typeface="Calibri"/>
@@ -1205,15 +1476,16 @@
           </a:prstGeom>
         </p:spPr>
         <p:txBody>
-          <a:bodyPr lIns="0" rIns="0" tIns="0" bIns="0"/>
-          <a:p>
-            <a:endParaRPr b="0" lang="nl-NL" sz="2200" spc="-1" strike="noStrike">
-              <a:solidFill>
-                <a:srgbClr val="000000"/>
-              </a:solidFill>
-              <a:uFill>
-                <a:solidFill>
-                  <a:srgbClr val="ffffff"/>
+          <a:bodyPr lIns="0" tIns="0" rIns="0" bIns="0"/>
+          <a:lstStyle/>
+          <a:p>
+            <a:endParaRPr lang="nl-NL" sz="2200" b="0" strike="noStrike" spc="-1">
+              <a:solidFill>
+                <a:srgbClr val="000000"/>
+              </a:solidFill>
+              <a:uFill>
+                <a:solidFill>
+                  <a:srgbClr val="FFFFFF"/>
                 </a:solidFill>
               </a:uFill>
               <a:latin typeface="Arial"/>
@@ -1241,15 +1513,16 @@
           </a:prstGeom>
         </p:spPr>
         <p:txBody>
-          <a:bodyPr lIns="0" rIns="0" tIns="0" bIns="0"/>
-          <a:p>
-            <a:endParaRPr b="0" lang="nl-NL" sz="2200" spc="-1" strike="noStrike">
-              <a:solidFill>
-                <a:srgbClr val="000000"/>
-              </a:solidFill>
-              <a:uFill>
-                <a:solidFill>
-                  <a:srgbClr val="ffffff"/>
+          <a:bodyPr lIns="0" tIns="0" rIns="0" bIns="0"/>
+          <a:lstStyle/>
+          <a:p>
+            <a:endParaRPr lang="nl-NL" sz="2200" b="0" strike="noStrike" spc="-1">
+              <a:solidFill>
+                <a:srgbClr val="000000"/>
+              </a:solidFill>
+              <a:uFill>
+                <a:solidFill>
+                  <a:srgbClr val="FFFFFF"/>
                 </a:solidFill>
               </a:uFill>
               <a:latin typeface="Arial"/>
@@ -1277,15 +1550,16 @@
           </a:prstGeom>
         </p:spPr>
         <p:txBody>
-          <a:bodyPr lIns="0" rIns="0" tIns="0" bIns="0"/>
-          <a:p>
-            <a:endParaRPr b="0" lang="nl-NL" sz="2200" spc="-1" strike="noStrike">
-              <a:solidFill>
-                <a:srgbClr val="000000"/>
-              </a:solidFill>
-              <a:uFill>
-                <a:solidFill>
-                  <a:srgbClr val="ffffff"/>
+          <a:bodyPr lIns="0" tIns="0" rIns="0" bIns="0"/>
+          <a:lstStyle/>
+          <a:p>
+            <a:endParaRPr lang="nl-NL" sz="2200" b="0" strike="noStrike" spc="-1">
+              <a:solidFill>
+                <a:srgbClr val="000000"/>
+              </a:solidFill>
+              <a:uFill>
+                <a:solidFill>
+                  <a:srgbClr val="FFFFFF"/>
                 </a:solidFill>
               </a:uFill>
               <a:latin typeface="Arial"/>
@@ -1313,15 +1587,16 @@
           </a:prstGeom>
         </p:spPr>
         <p:txBody>
-          <a:bodyPr lIns="0" rIns="0" tIns="0" bIns="0"/>
-          <a:p>
-            <a:endParaRPr b="0" lang="nl-NL" sz="2200" spc="-1" strike="noStrike">
-              <a:solidFill>
-                <a:srgbClr val="000000"/>
-              </a:solidFill>
-              <a:uFill>
-                <a:solidFill>
-                  <a:srgbClr val="ffffff"/>
+          <a:bodyPr lIns="0" tIns="0" rIns="0" bIns="0"/>
+          <a:lstStyle/>
+          <a:p>
+            <a:endParaRPr lang="nl-NL" sz="2200" b="0" strike="noStrike" spc="-1">
+              <a:solidFill>
+                <a:srgbClr val="000000"/>
+              </a:solidFill>
+              <a:uFill>
+                <a:solidFill>
+                  <a:srgbClr val="FFFFFF"/>
                 </a:solidFill>
               </a:uFill>
               <a:latin typeface="Arial"/>
@@ -1331,11 +1606,14 @@
       </p:sp>
     </p:spTree>
   </p:cSld>
+  <p:clrMapOvr>
+    <a:masterClrMapping/>
+  </p:clrMapOvr>
 </p:sldLayout>
 </file>
 
 <file path=ppt/slideLayouts/slideLayout12.xml><?xml version="1.0" encoding="utf-8"?>
-<p:sldLayout xmlns:a="http://schemas.openxmlformats.org/drawingml/2006/main" xmlns:p="http://schemas.openxmlformats.org/presentationml/2006/main" xmlns:r="http://schemas.openxmlformats.org/officeDocument/2006/relationships" xmlns:p14="http://schemas.microsoft.com/office/powerpoint/2010/main" xmlns:p15="http://schemas.microsoft.com/office/powerpoint/2012/main" xmlns:mc="http://schemas.openxmlformats.org/markup-compatibility/2006" type="blank" preserve="1">
+<p:sldLayout xmlns:a="http://schemas.openxmlformats.org/drawingml/2006/main" xmlns:r="http://schemas.openxmlformats.org/officeDocument/2006/relationships" xmlns:p="http://schemas.openxmlformats.org/presentationml/2006/main" type="blank" preserve="1">
   <p:cSld name="Title, 6 Content">
     <p:spTree>
       <p:nvGrpSpPr>
@@ -1371,15 +1649,16 @@
           </a:prstGeom>
         </p:spPr>
         <p:txBody>
-          <a:bodyPr lIns="0" rIns="0" tIns="0" bIns="0" anchor="ctr"/>
-          <a:p>
-            <a:endParaRPr b="0" lang="nl-NL" sz="1800" spc="-1" strike="noStrike">
-              <a:solidFill>
-                <a:srgbClr val="000000"/>
-              </a:solidFill>
-              <a:uFill>
-                <a:solidFill>
-                  <a:srgbClr val="ffffff"/>
+          <a:bodyPr lIns="0" tIns="0" rIns="0" bIns="0" anchor="ctr"/>
+          <a:lstStyle/>
+          <a:p>
+            <a:endParaRPr lang="nl-NL" sz="1800" b="0" strike="noStrike" spc="-1">
+              <a:solidFill>
+                <a:srgbClr val="000000"/>
+              </a:solidFill>
+              <a:uFill>
+                <a:solidFill>
+                  <a:srgbClr val="FFFFFF"/>
                 </a:solidFill>
               </a:uFill>
               <a:latin typeface="Calibri"/>
@@ -1407,15 +1686,16 @@
           </a:prstGeom>
         </p:spPr>
         <p:txBody>
-          <a:bodyPr lIns="0" rIns="0" tIns="0" bIns="0"/>
-          <a:p>
-            <a:endParaRPr b="0" lang="nl-NL" sz="2200" spc="-1" strike="noStrike">
-              <a:solidFill>
-                <a:srgbClr val="000000"/>
-              </a:solidFill>
-              <a:uFill>
-                <a:solidFill>
-                  <a:srgbClr val="ffffff"/>
+          <a:bodyPr lIns="0" tIns="0" rIns="0" bIns="0"/>
+          <a:lstStyle/>
+          <a:p>
+            <a:endParaRPr lang="nl-NL" sz="2200" b="0" strike="noStrike" spc="-1">
+              <a:solidFill>
+                <a:srgbClr val="000000"/>
+              </a:solidFill>
+              <a:uFill>
+                <a:solidFill>
+                  <a:srgbClr val="FFFFFF"/>
                 </a:solidFill>
               </a:uFill>
               <a:latin typeface="Arial"/>
@@ -1443,15 +1723,16 @@
           </a:prstGeom>
         </p:spPr>
         <p:txBody>
-          <a:bodyPr lIns="0" rIns="0" tIns="0" bIns="0"/>
-          <a:p>
-            <a:endParaRPr b="0" lang="nl-NL" sz="2200" spc="-1" strike="noStrike">
-              <a:solidFill>
-                <a:srgbClr val="000000"/>
-              </a:solidFill>
-              <a:uFill>
-                <a:solidFill>
-                  <a:srgbClr val="ffffff"/>
+          <a:bodyPr lIns="0" tIns="0" rIns="0" bIns="0"/>
+          <a:lstStyle/>
+          <a:p>
+            <a:endParaRPr lang="nl-NL" sz="2200" b="0" strike="noStrike" spc="-1">
+              <a:solidFill>
+                <a:srgbClr val="000000"/>
+              </a:solidFill>
+              <a:uFill>
+                <a:solidFill>
+                  <a:srgbClr val="FFFFFF"/>
                 </a:solidFill>
               </a:uFill>
               <a:latin typeface="Arial"/>
@@ -1461,7 +1742,7 @@
       </p:sp>
       <p:pic>
         <p:nvPicPr>
-          <p:cNvPr id="35" name="" descr=""/>
+          <p:cNvPr id="35" name="Picture 34"/>
           <p:cNvPicPr/>
           <p:nvPr/>
         </p:nvPicPr>
@@ -1484,12 +1765,12 @@
       </p:pic>
       <p:pic>
         <p:nvPicPr>
-          <p:cNvPr id="36" name="" descr=""/>
+          <p:cNvPr id="36" name="Picture 35"/>
           <p:cNvPicPr/>
           <p:nvPr/>
         </p:nvPicPr>
         <p:blipFill>
-          <a:blip r:embed="rId3"/>
+          <a:blip r:embed="rId2"/>
           <a:stretch/>
         </p:blipFill>
         <p:spPr>
@@ -1507,11 +1788,14 @@
       </p:pic>
     </p:spTree>
   </p:cSld>
+  <p:clrMapOvr>
+    <a:masterClrMapping/>
+  </p:clrMapOvr>
 </p:sldLayout>
 </file>
 
 <file path=ppt/slideLayouts/slideLayout13.xml><?xml version="1.0" encoding="utf-8"?>
-<p:sldLayout xmlns:a="http://schemas.openxmlformats.org/drawingml/2006/main" xmlns:p="http://schemas.openxmlformats.org/presentationml/2006/main" xmlns:r="http://schemas.openxmlformats.org/officeDocument/2006/relationships" xmlns:p14="http://schemas.microsoft.com/office/powerpoint/2010/main" xmlns:p15="http://schemas.microsoft.com/office/powerpoint/2012/main" xmlns:mc="http://schemas.openxmlformats.org/markup-compatibility/2006" type="blank" preserve="1">
+<p:sldLayout xmlns:a="http://schemas.openxmlformats.org/drawingml/2006/main" xmlns:r="http://schemas.openxmlformats.org/officeDocument/2006/relationships" xmlns:p="http://schemas.openxmlformats.org/presentationml/2006/main" type="blank" preserve="1">
   <p:cSld name="Blank Slide">
     <p:spTree>
       <p:nvGrpSpPr>
@@ -1529,11 +1813,14 @@
       </p:grpSpPr>
     </p:spTree>
   </p:cSld>
+  <p:clrMapOvr>
+    <a:masterClrMapping/>
+  </p:clrMapOvr>
 </p:sldLayout>
 </file>
 
 <file path=ppt/slideLayouts/slideLayout14.xml><?xml version="1.0" encoding="utf-8"?>
-<p:sldLayout xmlns:a="http://schemas.openxmlformats.org/drawingml/2006/main" xmlns:p="http://schemas.openxmlformats.org/presentationml/2006/main" xmlns:r="http://schemas.openxmlformats.org/officeDocument/2006/relationships" xmlns:p14="http://schemas.microsoft.com/office/powerpoint/2010/main" xmlns:p15="http://schemas.microsoft.com/office/powerpoint/2012/main" xmlns:mc="http://schemas.openxmlformats.org/markup-compatibility/2006" type="tx" preserve="1">
+<p:sldLayout xmlns:a="http://schemas.openxmlformats.org/drawingml/2006/main" xmlns:r="http://schemas.openxmlformats.org/officeDocument/2006/relationships" xmlns:p="http://schemas.openxmlformats.org/presentationml/2006/main" type="tx" preserve="1">
   <p:cSld name="Title Slide">
     <p:spTree>
       <p:nvGrpSpPr>
@@ -1569,15 +1856,16 @@
           </a:prstGeom>
         </p:spPr>
         <p:txBody>
-          <a:bodyPr lIns="0" rIns="0" tIns="0" bIns="0" anchor="ctr"/>
-          <a:p>
-            <a:endParaRPr b="0" lang="nl-NL" sz="1800" spc="-1" strike="noStrike">
-              <a:solidFill>
-                <a:srgbClr val="000000"/>
-              </a:solidFill>
-              <a:uFill>
-                <a:solidFill>
-                  <a:srgbClr val="ffffff"/>
+          <a:bodyPr lIns="0" tIns="0" rIns="0" bIns="0" anchor="ctr"/>
+          <a:lstStyle/>
+          <a:p>
+            <a:endParaRPr lang="nl-NL" sz="1800" b="0" strike="noStrike" spc="-1">
+              <a:solidFill>
+                <a:srgbClr val="000000"/>
+              </a:solidFill>
+              <a:uFill>
+                <a:solidFill>
+                  <a:srgbClr val="FFFFFF"/>
                 </a:solidFill>
               </a:uFill>
               <a:latin typeface="Calibri"/>
@@ -1605,16 +1893,17 @@
           </a:prstGeom>
         </p:spPr>
         <p:txBody>
-          <a:bodyPr lIns="0" rIns="0" tIns="0" bIns="0" anchor="ctr"/>
+          <a:bodyPr lIns="0" tIns="0" rIns="0" bIns="0" anchor="ctr"/>
+          <a:lstStyle/>
           <a:p>
             <a:pPr algn="ctr"/>
-            <a:endParaRPr b="0" lang="en-US" sz="3200" spc="-1" strike="noStrike">
-              <a:solidFill>
-                <a:srgbClr val="000000"/>
-              </a:solidFill>
-              <a:uFill>
-                <a:solidFill>
-                  <a:srgbClr val="ffffff"/>
+            <a:endParaRPr lang="en-US" sz="3200" b="0" strike="noStrike" spc="-1">
+              <a:solidFill>
+                <a:srgbClr val="000000"/>
+              </a:solidFill>
+              <a:uFill>
+                <a:solidFill>
+                  <a:srgbClr val="FFFFFF"/>
                 </a:solidFill>
               </a:uFill>
               <a:latin typeface="Arial"/>
@@ -1624,11 +1913,14 @@
       </p:sp>
     </p:spTree>
   </p:cSld>
+  <p:clrMapOvr>
+    <a:masterClrMapping/>
+  </p:clrMapOvr>
 </p:sldLayout>
 </file>
 
 <file path=ppt/slideLayouts/slideLayout15.xml><?xml version="1.0" encoding="utf-8"?>
-<p:sldLayout xmlns:a="http://schemas.openxmlformats.org/drawingml/2006/main" xmlns:p="http://schemas.openxmlformats.org/presentationml/2006/main" xmlns:r="http://schemas.openxmlformats.org/officeDocument/2006/relationships" xmlns:p14="http://schemas.microsoft.com/office/powerpoint/2010/main" xmlns:p15="http://schemas.microsoft.com/office/powerpoint/2012/main" xmlns:mc="http://schemas.openxmlformats.org/markup-compatibility/2006" type="obj" preserve="1">
+<p:sldLayout xmlns:a="http://schemas.openxmlformats.org/drawingml/2006/main" xmlns:r="http://schemas.openxmlformats.org/officeDocument/2006/relationships" xmlns:p="http://schemas.openxmlformats.org/presentationml/2006/main" type="obj" preserve="1">
   <p:cSld name="Title, Content">
     <p:spTree>
       <p:nvGrpSpPr>
@@ -1664,15 +1956,16 @@
           </a:prstGeom>
         </p:spPr>
         <p:txBody>
-          <a:bodyPr lIns="0" rIns="0" tIns="0" bIns="0" anchor="ctr"/>
-          <a:p>
-            <a:endParaRPr b="0" lang="nl-NL" sz="1800" spc="-1" strike="noStrike">
-              <a:solidFill>
-                <a:srgbClr val="000000"/>
-              </a:solidFill>
-              <a:uFill>
-                <a:solidFill>
-                  <a:srgbClr val="ffffff"/>
+          <a:bodyPr lIns="0" tIns="0" rIns="0" bIns="0" anchor="ctr"/>
+          <a:lstStyle/>
+          <a:p>
+            <a:endParaRPr lang="nl-NL" sz="1800" b="0" strike="noStrike" spc="-1">
+              <a:solidFill>
+                <a:srgbClr val="000000"/>
+              </a:solidFill>
+              <a:uFill>
+                <a:solidFill>
+                  <a:srgbClr val="FFFFFF"/>
                 </a:solidFill>
               </a:uFill>
               <a:latin typeface="Calibri"/>
@@ -1700,15 +1993,16 @@
           </a:prstGeom>
         </p:spPr>
         <p:txBody>
-          <a:bodyPr lIns="0" rIns="0" tIns="0" bIns="0"/>
-          <a:p>
-            <a:endParaRPr b="0" lang="nl-NL" sz="2200" spc="-1" strike="noStrike">
-              <a:solidFill>
-                <a:srgbClr val="000000"/>
-              </a:solidFill>
-              <a:uFill>
-                <a:solidFill>
-                  <a:srgbClr val="ffffff"/>
+          <a:bodyPr lIns="0" tIns="0" rIns="0" bIns="0"/>
+          <a:lstStyle/>
+          <a:p>
+            <a:endParaRPr lang="nl-NL" sz="2200" b="0" strike="noStrike" spc="-1">
+              <a:solidFill>
+                <a:srgbClr val="000000"/>
+              </a:solidFill>
+              <a:uFill>
+                <a:solidFill>
+                  <a:srgbClr val="FFFFFF"/>
                 </a:solidFill>
               </a:uFill>
               <a:latin typeface="Arial"/>
@@ -1718,11 +2012,14 @@
       </p:sp>
     </p:spTree>
   </p:cSld>
+  <p:clrMapOvr>
+    <a:masterClrMapping/>
+  </p:clrMapOvr>
 </p:sldLayout>
 </file>
 
 <file path=ppt/slideLayouts/slideLayout16.xml><?xml version="1.0" encoding="utf-8"?>
-<p:sldLayout xmlns:a="http://schemas.openxmlformats.org/drawingml/2006/main" xmlns:p="http://schemas.openxmlformats.org/presentationml/2006/main" xmlns:r="http://schemas.openxmlformats.org/officeDocument/2006/relationships" xmlns:p14="http://schemas.microsoft.com/office/powerpoint/2010/main" xmlns:p15="http://schemas.microsoft.com/office/powerpoint/2012/main" xmlns:mc="http://schemas.openxmlformats.org/markup-compatibility/2006" type="twoObj" preserve="1">
+<p:sldLayout xmlns:a="http://schemas.openxmlformats.org/drawingml/2006/main" xmlns:r="http://schemas.openxmlformats.org/officeDocument/2006/relationships" xmlns:p="http://schemas.openxmlformats.org/presentationml/2006/main" type="twoObj" preserve="1">
   <p:cSld name="Title, 2 Content">
     <p:spTree>
       <p:nvGrpSpPr>
@@ -1758,15 +2055,16 @@
           </a:prstGeom>
         </p:spPr>
         <p:txBody>
-          <a:bodyPr lIns="0" rIns="0" tIns="0" bIns="0" anchor="ctr"/>
-          <a:p>
-            <a:endParaRPr b="0" lang="nl-NL" sz="1800" spc="-1" strike="noStrike">
-              <a:solidFill>
-                <a:srgbClr val="000000"/>
-              </a:solidFill>
-              <a:uFill>
-                <a:solidFill>
-                  <a:srgbClr val="ffffff"/>
+          <a:bodyPr lIns="0" tIns="0" rIns="0" bIns="0" anchor="ctr"/>
+          <a:lstStyle/>
+          <a:p>
+            <a:endParaRPr lang="nl-NL" sz="1800" b="0" strike="noStrike" spc="-1">
+              <a:solidFill>
+                <a:srgbClr val="000000"/>
+              </a:solidFill>
+              <a:uFill>
+                <a:solidFill>
+                  <a:srgbClr val="FFFFFF"/>
                 </a:solidFill>
               </a:uFill>
               <a:latin typeface="Calibri"/>
@@ -1794,15 +2092,16 @@
           </a:prstGeom>
         </p:spPr>
         <p:txBody>
-          <a:bodyPr lIns="0" rIns="0" tIns="0" bIns="0"/>
-          <a:p>
-            <a:endParaRPr b="0" lang="nl-NL" sz="2200" spc="-1" strike="noStrike">
-              <a:solidFill>
-                <a:srgbClr val="000000"/>
-              </a:solidFill>
-              <a:uFill>
-                <a:solidFill>
-                  <a:srgbClr val="ffffff"/>
+          <a:bodyPr lIns="0" tIns="0" rIns="0" bIns="0"/>
+          <a:lstStyle/>
+          <a:p>
+            <a:endParaRPr lang="nl-NL" sz="2200" b="0" strike="noStrike" spc="-1">
+              <a:solidFill>
+                <a:srgbClr val="000000"/>
+              </a:solidFill>
+              <a:uFill>
+                <a:solidFill>
+                  <a:srgbClr val="FFFFFF"/>
                 </a:solidFill>
               </a:uFill>
               <a:latin typeface="Arial"/>
@@ -1830,15 +2129,16 @@
           </a:prstGeom>
         </p:spPr>
         <p:txBody>
-          <a:bodyPr lIns="0" rIns="0" tIns="0" bIns="0"/>
-          <a:p>
-            <a:endParaRPr b="0" lang="nl-NL" sz="2200" spc="-1" strike="noStrike">
-              <a:solidFill>
-                <a:srgbClr val="000000"/>
-              </a:solidFill>
-              <a:uFill>
-                <a:solidFill>
-                  <a:srgbClr val="ffffff"/>
+          <a:bodyPr lIns="0" tIns="0" rIns="0" bIns="0"/>
+          <a:lstStyle/>
+          <a:p>
+            <a:endParaRPr lang="nl-NL" sz="2200" b="0" strike="noStrike" spc="-1">
+              <a:solidFill>
+                <a:srgbClr val="000000"/>
+              </a:solidFill>
+              <a:uFill>
+                <a:solidFill>
+                  <a:srgbClr val="FFFFFF"/>
                 </a:solidFill>
               </a:uFill>
               <a:latin typeface="Arial"/>
@@ -1848,11 +2148,14 @@
       </p:sp>
     </p:spTree>
   </p:cSld>
+  <p:clrMapOvr>
+    <a:masterClrMapping/>
+  </p:clrMapOvr>
 </p:sldLayout>
 </file>
 
 <file path=ppt/slideLayouts/slideLayout17.xml><?xml version="1.0" encoding="utf-8"?>
-<p:sldLayout xmlns:a="http://schemas.openxmlformats.org/drawingml/2006/main" xmlns:p="http://schemas.openxmlformats.org/presentationml/2006/main" xmlns:r="http://schemas.openxmlformats.org/officeDocument/2006/relationships" xmlns:p14="http://schemas.microsoft.com/office/powerpoint/2010/main" xmlns:p15="http://schemas.microsoft.com/office/powerpoint/2012/main" xmlns:mc="http://schemas.openxmlformats.org/markup-compatibility/2006" type="titleOnly" preserve="1">
+<p:sldLayout xmlns:a="http://schemas.openxmlformats.org/drawingml/2006/main" xmlns:r="http://schemas.openxmlformats.org/officeDocument/2006/relationships" xmlns:p="http://schemas.openxmlformats.org/presentationml/2006/main" type="titleOnly" preserve="1">
   <p:cSld name="Title Only">
     <p:spTree>
       <p:nvGrpSpPr>
@@ -1888,15 +2191,16 @@
           </a:prstGeom>
         </p:spPr>
         <p:txBody>
-          <a:bodyPr lIns="0" rIns="0" tIns="0" bIns="0" anchor="ctr"/>
-          <a:p>
-            <a:endParaRPr b="0" lang="nl-NL" sz="1800" spc="-1" strike="noStrike">
-              <a:solidFill>
-                <a:srgbClr val="000000"/>
-              </a:solidFill>
-              <a:uFill>
-                <a:solidFill>
-                  <a:srgbClr val="ffffff"/>
+          <a:bodyPr lIns="0" tIns="0" rIns="0" bIns="0" anchor="ctr"/>
+          <a:lstStyle/>
+          <a:p>
+            <a:endParaRPr lang="nl-NL" sz="1800" b="0" strike="noStrike" spc="-1">
+              <a:solidFill>
+                <a:srgbClr val="000000"/>
+              </a:solidFill>
+              <a:uFill>
+                <a:solidFill>
+                  <a:srgbClr val="FFFFFF"/>
                 </a:solidFill>
               </a:uFill>
               <a:latin typeface="Calibri"/>
@@ -1906,11 +2210,14 @@
       </p:sp>
     </p:spTree>
   </p:cSld>
+  <p:clrMapOvr>
+    <a:masterClrMapping/>
+  </p:clrMapOvr>
 </p:sldLayout>
 </file>
 
 <file path=ppt/slideLayouts/slideLayout18.xml><?xml version="1.0" encoding="utf-8"?>
-<p:sldLayout xmlns:a="http://schemas.openxmlformats.org/drawingml/2006/main" xmlns:p="http://schemas.openxmlformats.org/presentationml/2006/main" xmlns:r="http://schemas.openxmlformats.org/officeDocument/2006/relationships" xmlns:p14="http://schemas.microsoft.com/office/powerpoint/2010/main" xmlns:p15="http://schemas.microsoft.com/office/powerpoint/2012/main" xmlns:mc="http://schemas.openxmlformats.org/markup-compatibility/2006" type="objOnly" preserve="1">
+<p:sldLayout xmlns:a="http://schemas.openxmlformats.org/drawingml/2006/main" xmlns:r="http://schemas.openxmlformats.org/officeDocument/2006/relationships" xmlns:p="http://schemas.openxmlformats.org/presentationml/2006/main" type="objOnly" preserve="1">
   <p:cSld name="Centered Text">
     <p:spTree>
       <p:nvGrpSpPr>
@@ -1946,16 +2253,17 @@
           </a:prstGeom>
         </p:spPr>
         <p:txBody>
-          <a:bodyPr lIns="0" rIns="0" tIns="0" bIns="0" anchor="ctr"/>
+          <a:bodyPr lIns="0" tIns="0" rIns="0" bIns="0" anchor="ctr"/>
+          <a:lstStyle/>
           <a:p>
             <a:pPr algn="ctr"/>
-            <a:endParaRPr b="0" lang="en-US" sz="3200" spc="-1" strike="noStrike">
-              <a:solidFill>
-                <a:srgbClr val="000000"/>
-              </a:solidFill>
-              <a:uFill>
-                <a:solidFill>
-                  <a:srgbClr val="ffffff"/>
+            <a:endParaRPr lang="en-US" sz="3200" b="0" strike="noStrike" spc="-1">
+              <a:solidFill>
+                <a:srgbClr val="000000"/>
+              </a:solidFill>
+              <a:uFill>
+                <a:solidFill>
+                  <a:srgbClr val="FFFFFF"/>
                 </a:solidFill>
               </a:uFill>
               <a:latin typeface="Arial"/>
@@ -1965,11 +2273,14 @@
       </p:sp>
     </p:spTree>
   </p:cSld>
+  <p:clrMapOvr>
+    <a:masterClrMapping/>
+  </p:clrMapOvr>
 </p:sldLayout>
 </file>
 
 <file path=ppt/slideLayouts/slideLayout19.xml><?xml version="1.0" encoding="utf-8"?>
-<p:sldLayout xmlns:a="http://schemas.openxmlformats.org/drawingml/2006/main" xmlns:p="http://schemas.openxmlformats.org/presentationml/2006/main" xmlns:r="http://schemas.openxmlformats.org/officeDocument/2006/relationships" xmlns:p14="http://schemas.microsoft.com/office/powerpoint/2010/main" xmlns:p15="http://schemas.microsoft.com/office/powerpoint/2012/main" xmlns:mc="http://schemas.openxmlformats.org/markup-compatibility/2006" type="twoObjAndObj" preserve="1">
+<p:sldLayout xmlns:a="http://schemas.openxmlformats.org/drawingml/2006/main" xmlns:r="http://schemas.openxmlformats.org/officeDocument/2006/relationships" xmlns:p="http://schemas.openxmlformats.org/presentationml/2006/main" type="twoObjAndObj" preserve="1">
   <p:cSld name="Title, 2 Content and Content">
     <p:spTree>
       <p:nvGrpSpPr>
@@ -2005,15 +2316,16 @@
           </a:prstGeom>
         </p:spPr>
         <p:txBody>
-          <a:bodyPr lIns="0" rIns="0" tIns="0" bIns="0" anchor="ctr"/>
-          <a:p>
-            <a:endParaRPr b="0" lang="nl-NL" sz="1800" spc="-1" strike="noStrike">
-              <a:solidFill>
-                <a:srgbClr val="000000"/>
-              </a:solidFill>
-              <a:uFill>
-                <a:solidFill>
-                  <a:srgbClr val="ffffff"/>
+          <a:bodyPr lIns="0" tIns="0" rIns="0" bIns="0" anchor="ctr"/>
+          <a:lstStyle/>
+          <a:p>
+            <a:endParaRPr lang="nl-NL" sz="1800" b="0" strike="noStrike" spc="-1">
+              <a:solidFill>
+                <a:srgbClr val="000000"/>
+              </a:solidFill>
+              <a:uFill>
+                <a:solidFill>
+                  <a:srgbClr val="FFFFFF"/>
                 </a:solidFill>
               </a:uFill>
               <a:latin typeface="Calibri"/>
@@ -2041,15 +2353,16 @@
           </a:prstGeom>
         </p:spPr>
         <p:txBody>
-          <a:bodyPr lIns="0" rIns="0" tIns="0" bIns="0"/>
-          <a:p>
-            <a:endParaRPr b="0" lang="nl-NL" sz="2200" spc="-1" strike="noStrike">
-              <a:solidFill>
-                <a:srgbClr val="000000"/>
-              </a:solidFill>
-              <a:uFill>
-                <a:solidFill>
-                  <a:srgbClr val="ffffff"/>
+          <a:bodyPr lIns="0" tIns="0" rIns="0" bIns="0"/>
+          <a:lstStyle/>
+          <a:p>
+            <a:endParaRPr lang="nl-NL" sz="2200" b="0" strike="noStrike" spc="-1">
+              <a:solidFill>
+                <a:srgbClr val="000000"/>
+              </a:solidFill>
+              <a:uFill>
+                <a:solidFill>
+                  <a:srgbClr val="FFFFFF"/>
                 </a:solidFill>
               </a:uFill>
               <a:latin typeface="Arial"/>
@@ -2077,15 +2390,16 @@
           </a:prstGeom>
         </p:spPr>
         <p:txBody>
-          <a:bodyPr lIns="0" rIns="0" tIns="0" bIns="0"/>
-          <a:p>
-            <a:endParaRPr b="0" lang="nl-NL" sz="2200" spc="-1" strike="noStrike">
-              <a:solidFill>
-                <a:srgbClr val="000000"/>
-              </a:solidFill>
-              <a:uFill>
-                <a:solidFill>
-                  <a:srgbClr val="ffffff"/>
+          <a:bodyPr lIns="0" tIns="0" rIns="0" bIns="0"/>
+          <a:lstStyle/>
+          <a:p>
+            <a:endParaRPr lang="nl-NL" sz="2200" b="0" strike="noStrike" spc="-1">
+              <a:solidFill>
+                <a:srgbClr val="000000"/>
+              </a:solidFill>
+              <a:uFill>
+                <a:solidFill>
+                  <a:srgbClr val="FFFFFF"/>
                 </a:solidFill>
               </a:uFill>
               <a:latin typeface="Arial"/>
@@ -2113,15 +2427,16 @@
           </a:prstGeom>
         </p:spPr>
         <p:txBody>
-          <a:bodyPr lIns="0" rIns="0" tIns="0" bIns="0"/>
-          <a:p>
-            <a:endParaRPr b="0" lang="nl-NL" sz="2200" spc="-1" strike="noStrike">
-              <a:solidFill>
-                <a:srgbClr val="000000"/>
-              </a:solidFill>
-              <a:uFill>
-                <a:solidFill>
-                  <a:srgbClr val="ffffff"/>
+          <a:bodyPr lIns="0" tIns="0" rIns="0" bIns="0"/>
+          <a:lstStyle/>
+          <a:p>
+            <a:endParaRPr lang="nl-NL" sz="2200" b="0" strike="noStrike" spc="-1">
+              <a:solidFill>
+                <a:srgbClr val="000000"/>
+              </a:solidFill>
+              <a:uFill>
+                <a:solidFill>
+                  <a:srgbClr val="FFFFFF"/>
                 </a:solidFill>
               </a:uFill>
               <a:latin typeface="Arial"/>
@@ -2131,11 +2446,14 @@
       </p:sp>
     </p:spTree>
   </p:cSld>
+  <p:clrMapOvr>
+    <a:masterClrMapping/>
+  </p:clrMapOvr>
 </p:sldLayout>
 </file>
 
 <file path=ppt/slideLayouts/slideLayout2.xml><?xml version="1.0" encoding="utf-8"?>
-<p:sldLayout xmlns:a="http://schemas.openxmlformats.org/drawingml/2006/main" xmlns:p="http://schemas.openxmlformats.org/presentationml/2006/main" xmlns:r="http://schemas.openxmlformats.org/officeDocument/2006/relationships" xmlns:p14="http://schemas.microsoft.com/office/powerpoint/2010/main" xmlns:p15="http://schemas.microsoft.com/office/powerpoint/2012/main" xmlns:mc="http://schemas.openxmlformats.org/markup-compatibility/2006" type="tx" preserve="1">
+<p:sldLayout xmlns:a="http://schemas.openxmlformats.org/drawingml/2006/main" xmlns:r="http://schemas.openxmlformats.org/officeDocument/2006/relationships" xmlns:p="http://schemas.openxmlformats.org/presentationml/2006/main" type="tx" preserve="1">
   <p:cSld name="Title Slide">
     <p:spTree>
       <p:nvGrpSpPr>
@@ -2171,15 +2489,16 @@
           </a:prstGeom>
         </p:spPr>
         <p:txBody>
-          <a:bodyPr lIns="0" rIns="0" tIns="0" bIns="0" anchor="ctr"/>
-          <a:p>
-            <a:endParaRPr b="0" lang="nl-NL" sz="1800" spc="-1" strike="noStrike">
-              <a:solidFill>
-                <a:srgbClr val="000000"/>
-              </a:solidFill>
-              <a:uFill>
-                <a:solidFill>
-                  <a:srgbClr val="ffffff"/>
+          <a:bodyPr lIns="0" tIns="0" rIns="0" bIns="0" anchor="ctr"/>
+          <a:lstStyle/>
+          <a:p>
+            <a:endParaRPr lang="nl-NL" sz="1800" b="0" strike="noStrike" spc="-1">
+              <a:solidFill>
+                <a:srgbClr val="000000"/>
+              </a:solidFill>
+              <a:uFill>
+                <a:solidFill>
+                  <a:srgbClr val="FFFFFF"/>
                 </a:solidFill>
               </a:uFill>
               <a:latin typeface="Calibri"/>
@@ -2207,16 +2526,17 @@
           </a:prstGeom>
         </p:spPr>
         <p:txBody>
-          <a:bodyPr lIns="0" rIns="0" tIns="0" bIns="0" anchor="ctr"/>
+          <a:bodyPr lIns="0" tIns="0" rIns="0" bIns="0" anchor="ctr"/>
+          <a:lstStyle/>
           <a:p>
             <a:pPr algn="ctr"/>
-            <a:endParaRPr b="0" lang="en-US" sz="3200" spc="-1" strike="noStrike">
-              <a:solidFill>
-                <a:srgbClr val="000000"/>
-              </a:solidFill>
-              <a:uFill>
-                <a:solidFill>
-                  <a:srgbClr val="ffffff"/>
+            <a:endParaRPr lang="en-US" sz="3200" b="0" strike="noStrike" spc="-1">
+              <a:solidFill>
+                <a:srgbClr val="000000"/>
+              </a:solidFill>
+              <a:uFill>
+                <a:solidFill>
+                  <a:srgbClr val="FFFFFF"/>
                 </a:solidFill>
               </a:uFill>
               <a:latin typeface="Arial"/>
@@ -2226,11 +2546,14 @@
       </p:sp>
     </p:spTree>
   </p:cSld>
+  <p:clrMapOvr>
+    <a:masterClrMapping/>
+  </p:clrMapOvr>
 </p:sldLayout>
 </file>
 
 <file path=ppt/slideLayouts/slideLayout20.xml><?xml version="1.0" encoding="utf-8"?>
-<p:sldLayout xmlns:a="http://schemas.openxmlformats.org/drawingml/2006/main" xmlns:p="http://schemas.openxmlformats.org/presentationml/2006/main" xmlns:r="http://schemas.openxmlformats.org/officeDocument/2006/relationships" xmlns:p14="http://schemas.microsoft.com/office/powerpoint/2010/main" xmlns:p15="http://schemas.microsoft.com/office/powerpoint/2012/main" xmlns:mc="http://schemas.openxmlformats.org/markup-compatibility/2006" type="objAndTwoObj" preserve="1">
+<p:sldLayout xmlns:a="http://schemas.openxmlformats.org/drawingml/2006/main" xmlns:r="http://schemas.openxmlformats.org/officeDocument/2006/relationships" xmlns:p="http://schemas.openxmlformats.org/presentationml/2006/main" type="objAndTwoObj" preserve="1">
   <p:cSld name="Title Content and 2 Content">
     <p:spTree>
       <p:nvGrpSpPr>
@@ -2266,15 +2589,16 @@
           </a:prstGeom>
         </p:spPr>
         <p:txBody>
-          <a:bodyPr lIns="0" rIns="0" tIns="0" bIns="0" anchor="ctr"/>
-          <a:p>
-            <a:endParaRPr b="0" lang="nl-NL" sz="1800" spc="-1" strike="noStrike">
-              <a:solidFill>
-                <a:srgbClr val="000000"/>
-              </a:solidFill>
-              <a:uFill>
-                <a:solidFill>
-                  <a:srgbClr val="ffffff"/>
+          <a:bodyPr lIns="0" tIns="0" rIns="0" bIns="0" anchor="ctr"/>
+          <a:lstStyle/>
+          <a:p>
+            <a:endParaRPr lang="nl-NL" sz="1800" b="0" strike="noStrike" spc="-1">
+              <a:solidFill>
+                <a:srgbClr val="000000"/>
+              </a:solidFill>
+              <a:uFill>
+                <a:solidFill>
+                  <a:srgbClr val="FFFFFF"/>
                 </a:solidFill>
               </a:uFill>
               <a:latin typeface="Calibri"/>
@@ -2302,15 +2626,16 @@
           </a:prstGeom>
         </p:spPr>
         <p:txBody>
-          <a:bodyPr lIns="0" rIns="0" tIns="0" bIns="0"/>
-          <a:p>
-            <a:endParaRPr b="0" lang="nl-NL" sz="2200" spc="-1" strike="noStrike">
-              <a:solidFill>
-                <a:srgbClr val="000000"/>
-              </a:solidFill>
-              <a:uFill>
-                <a:solidFill>
-                  <a:srgbClr val="ffffff"/>
+          <a:bodyPr lIns="0" tIns="0" rIns="0" bIns="0"/>
+          <a:lstStyle/>
+          <a:p>
+            <a:endParaRPr lang="nl-NL" sz="2200" b="0" strike="noStrike" spc="-1">
+              <a:solidFill>
+                <a:srgbClr val="000000"/>
+              </a:solidFill>
+              <a:uFill>
+                <a:solidFill>
+                  <a:srgbClr val="FFFFFF"/>
                 </a:solidFill>
               </a:uFill>
               <a:latin typeface="Arial"/>
@@ -2338,15 +2663,16 @@
           </a:prstGeom>
         </p:spPr>
         <p:txBody>
-          <a:bodyPr lIns="0" rIns="0" tIns="0" bIns="0"/>
-          <a:p>
-            <a:endParaRPr b="0" lang="nl-NL" sz="2200" spc="-1" strike="noStrike">
-              <a:solidFill>
-                <a:srgbClr val="000000"/>
-              </a:solidFill>
-              <a:uFill>
-                <a:solidFill>
-                  <a:srgbClr val="ffffff"/>
+          <a:bodyPr lIns="0" tIns="0" rIns="0" bIns="0"/>
+          <a:lstStyle/>
+          <a:p>
+            <a:endParaRPr lang="nl-NL" sz="2200" b="0" strike="noStrike" spc="-1">
+              <a:solidFill>
+                <a:srgbClr val="000000"/>
+              </a:solidFill>
+              <a:uFill>
+                <a:solidFill>
+                  <a:srgbClr val="FFFFFF"/>
                 </a:solidFill>
               </a:uFill>
               <a:latin typeface="Arial"/>
@@ -2374,15 +2700,16 @@
           </a:prstGeom>
         </p:spPr>
         <p:txBody>
-          <a:bodyPr lIns="0" rIns="0" tIns="0" bIns="0"/>
-          <a:p>
-            <a:endParaRPr b="0" lang="nl-NL" sz="2200" spc="-1" strike="noStrike">
-              <a:solidFill>
-                <a:srgbClr val="000000"/>
-              </a:solidFill>
-              <a:uFill>
-                <a:solidFill>
-                  <a:srgbClr val="ffffff"/>
+          <a:bodyPr lIns="0" tIns="0" rIns="0" bIns="0"/>
+          <a:lstStyle/>
+          <a:p>
+            <a:endParaRPr lang="nl-NL" sz="2200" b="0" strike="noStrike" spc="-1">
+              <a:solidFill>
+                <a:srgbClr val="000000"/>
+              </a:solidFill>
+              <a:uFill>
+                <a:solidFill>
+                  <a:srgbClr val="FFFFFF"/>
                 </a:solidFill>
               </a:uFill>
               <a:latin typeface="Arial"/>
@@ -2392,11 +2719,14 @@
       </p:sp>
     </p:spTree>
   </p:cSld>
+  <p:clrMapOvr>
+    <a:masterClrMapping/>
+  </p:clrMapOvr>
 </p:sldLayout>
 </file>
 
 <file path=ppt/slideLayouts/slideLayout21.xml><?xml version="1.0" encoding="utf-8"?>
-<p:sldLayout xmlns:a="http://schemas.openxmlformats.org/drawingml/2006/main" xmlns:p="http://schemas.openxmlformats.org/presentationml/2006/main" xmlns:r="http://schemas.openxmlformats.org/officeDocument/2006/relationships" xmlns:p14="http://schemas.microsoft.com/office/powerpoint/2010/main" xmlns:p15="http://schemas.microsoft.com/office/powerpoint/2012/main" xmlns:mc="http://schemas.openxmlformats.org/markup-compatibility/2006" type="twoObjOverTx" preserve="1">
+<p:sldLayout xmlns:a="http://schemas.openxmlformats.org/drawingml/2006/main" xmlns:r="http://schemas.openxmlformats.org/officeDocument/2006/relationships" xmlns:p="http://schemas.openxmlformats.org/presentationml/2006/main" type="twoObjOverTx" preserve="1">
   <p:cSld name="Title, 2 Content over Content">
     <p:spTree>
       <p:nvGrpSpPr>
@@ -2432,15 +2762,16 @@
           </a:prstGeom>
         </p:spPr>
         <p:txBody>
-          <a:bodyPr lIns="0" rIns="0" tIns="0" bIns="0" anchor="ctr"/>
-          <a:p>
-            <a:endParaRPr b="0" lang="nl-NL" sz="1800" spc="-1" strike="noStrike">
-              <a:solidFill>
-                <a:srgbClr val="000000"/>
-              </a:solidFill>
-              <a:uFill>
-                <a:solidFill>
-                  <a:srgbClr val="ffffff"/>
+          <a:bodyPr lIns="0" tIns="0" rIns="0" bIns="0" anchor="ctr"/>
+          <a:lstStyle/>
+          <a:p>
+            <a:endParaRPr lang="nl-NL" sz="1800" b="0" strike="noStrike" spc="-1">
+              <a:solidFill>
+                <a:srgbClr val="000000"/>
+              </a:solidFill>
+              <a:uFill>
+                <a:solidFill>
+                  <a:srgbClr val="FFFFFF"/>
                 </a:solidFill>
               </a:uFill>
               <a:latin typeface="Calibri"/>
@@ -2468,15 +2799,16 @@
           </a:prstGeom>
         </p:spPr>
         <p:txBody>
-          <a:bodyPr lIns="0" rIns="0" tIns="0" bIns="0"/>
-          <a:p>
-            <a:endParaRPr b="0" lang="nl-NL" sz="2200" spc="-1" strike="noStrike">
-              <a:solidFill>
-                <a:srgbClr val="000000"/>
-              </a:solidFill>
-              <a:uFill>
-                <a:solidFill>
-                  <a:srgbClr val="ffffff"/>
+          <a:bodyPr lIns="0" tIns="0" rIns="0" bIns="0"/>
+          <a:lstStyle/>
+          <a:p>
+            <a:endParaRPr lang="nl-NL" sz="2200" b="0" strike="noStrike" spc="-1">
+              <a:solidFill>
+                <a:srgbClr val="000000"/>
+              </a:solidFill>
+              <a:uFill>
+                <a:solidFill>
+                  <a:srgbClr val="FFFFFF"/>
                 </a:solidFill>
               </a:uFill>
               <a:latin typeface="Arial"/>
@@ -2504,15 +2836,16 @@
           </a:prstGeom>
         </p:spPr>
         <p:txBody>
-          <a:bodyPr lIns="0" rIns="0" tIns="0" bIns="0"/>
-          <a:p>
-            <a:endParaRPr b="0" lang="nl-NL" sz="2200" spc="-1" strike="noStrike">
-              <a:solidFill>
-                <a:srgbClr val="000000"/>
-              </a:solidFill>
-              <a:uFill>
-                <a:solidFill>
-                  <a:srgbClr val="ffffff"/>
+          <a:bodyPr lIns="0" tIns="0" rIns="0" bIns="0"/>
+          <a:lstStyle/>
+          <a:p>
+            <a:endParaRPr lang="nl-NL" sz="2200" b="0" strike="noStrike" spc="-1">
+              <a:solidFill>
+                <a:srgbClr val="000000"/>
+              </a:solidFill>
+              <a:uFill>
+                <a:solidFill>
+                  <a:srgbClr val="FFFFFF"/>
                 </a:solidFill>
               </a:uFill>
               <a:latin typeface="Arial"/>
@@ -2540,15 +2873,16 @@
           </a:prstGeom>
         </p:spPr>
         <p:txBody>
-          <a:bodyPr lIns="0" rIns="0" tIns="0" bIns="0"/>
-          <a:p>
-            <a:endParaRPr b="0" lang="nl-NL" sz="2200" spc="-1" strike="noStrike">
-              <a:solidFill>
-                <a:srgbClr val="000000"/>
-              </a:solidFill>
-              <a:uFill>
-                <a:solidFill>
-                  <a:srgbClr val="ffffff"/>
+          <a:bodyPr lIns="0" tIns="0" rIns="0" bIns="0"/>
+          <a:lstStyle/>
+          <a:p>
+            <a:endParaRPr lang="nl-NL" sz="2200" b="0" strike="noStrike" spc="-1">
+              <a:solidFill>
+                <a:srgbClr val="000000"/>
+              </a:solidFill>
+              <a:uFill>
+                <a:solidFill>
+                  <a:srgbClr val="FFFFFF"/>
                 </a:solidFill>
               </a:uFill>
               <a:latin typeface="Arial"/>
@@ -2558,11 +2892,14 @@
       </p:sp>
     </p:spTree>
   </p:cSld>
+  <p:clrMapOvr>
+    <a:masterClrMapping/>
+  </p:clrMapOvr>
 </p:sldLayout>
 </file>
 
 <file path=ppt/slideLayouts/slideLayout22.xml><?xml version="1.0" encoding="utf-8"?>
-<p:sldLayout xmlns:a="http://schemas.openxmlformats.org/drawingml/2006/main" xmlns:p="http://schemas.openxmlformats.org/presentationml/2006/main" xmlns:r="http://schemas.openxmlformats.org/officeDocument/2006/relationships" xmlns:p14="http://schemas.microsoft.com/office/powerpoint/2010/main" xmlns:p15="http://schemas.microsoft.com/office/powerpoint/2012/main" xmlns:mc="http://schemas.openxmlformats.org/markup-compatibility/2006" type="objOverTx" preserve="1">
+<p:sldLayout xmlns:a="http://schemas.openxmlformats.org/drawingml/2006/main" xmlns:r="http://schemas.openxmlformats.org/officeDocument/2006/relationships" xmlns:p="http://schemas.openxmlformats.org/presentationml/2006/main" type="objOverTx" preserve="1">
   <p:cSld name="Title, Content over Content">
     <p:spTree>
       <p:nvGrpSpPr>
@@ -2598,15 +2935,16 @@
           </a:prstGeom>
         </p:spPr>
         <p:txBody>
-          <a:bodyPr lIns="0" rIns="0" tIns="0" bIns="0" anchor="ctr"/>
-          <a:p>
-            <a:endParaRPr b="0" lang="nl-NL" sz="1800" spc="-1" strike="noStrike">
-              <a:solidFill>
-                <a:srgbClr val="000000"/>
-              </a:solidFill>
-              <a:uFill>
-                <a:solidFill>
-                  <a:srgbClr val="ffffff"/>
+          <a:bodyPr lIns="0" tIns="0" rIns="0" bIns="0" anchor="ctr"/>
+          <a:lstStyle/>
+          <a:p>
+            <a:endParaRPr lang="nl-NL" sz="1800" b="0" strike="noStrike" spc="-1">
+              <a:solidFill>
+                <a:srgbClr val="000000"/>
+              </a:solidFill>
+              <a:uFill>
+                <a:solidFill>
+                  <a:srgbClr val="FFFFFF"/>
                 </a:solidFill>
               </a:uFill>
               <a:latin typeface="Calibri"/>
@@ -2634,15 +2972,16 @@
           </a:prstGeom>
         </p:spPr>
         <p:txBody>
-          <a:bodyPr lIns="0" rIns="0" tIns="0" bIns="0"/>
-          <a:p>
-            <a:endParaRPr b="0" lang="nl-NL" sz="2200" spc="-1" strike="noStrike">
-              <a:solidFill>
-                <a:srgbClr val="000000"/>
-              </a:solidFill>
-              <a:uFill>
-                <a:solidFill>
-                  <a:srgbClr val="ffffff"/>
+          <a:bodyPr lIns="0" tIns="0" rIns="0" bIns="0"/>
+          <a:lstStyle/>
+          <a:p>
+            <a:endParaRPr lang="nl-NL" sz="2200" b="0" strike="noStrike" spc="-1">
+              <a:solidFill>
+                <a:srgbClr val="000000"/>
+              </a:solidFill>
+              <a:uFill>
+                <a:solidFill>
+                  <a:srgbClr val="FFFFFF"/>
                 </a:solidFill>
               </a:uFill>
               <a:latin typeface="Arial"/>
@@ -2670,15 +3009,16 @@
           </a:prstGeom>
         </p:spPr>
         <p:txBody>
-          <a:bodyPr lIns="0" rIns="0" tIns="0" bIns="0"/>
-          <a:p>
-            <a:endParaRPr b="0" lang="nl-NL" sz="2200" spc="-1" strike="noStrike">
-              <a:solidFill>
-                <a:srgbClr val="000000"/>
-              </a:solidFill>
-              <a:uFill>
-                <a:solidFill>
-                  <a:srgbClr val="ffffff"/>
+          <a:bodyPr lIns="0" tIns="0" rIns="0" bIns="0"/>
+          <a:lstStyle/>
+          <a:p>
+            <a:endParaRPr lang="nl-NL" sz="2200" b="0" strike="noStrike" spc="-1">
+              <a:solidFill>
+                <a:srgbClr val="000000"/>
+              </a:solidFill>
+              <a:uFill>
+                <a:solidFill>
+                  <a:srgbClr val="FFFFFF"/>
                 </a:solidFill>
               </a:uFill>
               <a:latin typeface="Arial"/>
@@ -2688,11 +3028,14 @@
       </p:sp>
     </p:spTree>
   </p:cSld>
+  <p:clrMapOvr>
+    <a:masterClrMapping/>
+  </p:clrMapOvr>
 </p:sldLayout>
 </file>
 
 <file path=ppt/slideLayouts/slideLayout23.xml><?xml version="1.0" encoding="utf-8"?>
-<p:sldLayout xmlns:a="http://schemas.openxmlformats.org/drawingml/2006/main" xmlns:p="http://schemas.openxmlformats.org/presentationml/2006/main" xmlns:r="http://schemas.openxmlformats.org/officeDocument/2006/relationships" xmlns:p14="http://schemas.microsoft.com/office/powerpoint/2010/main" xmlns:p15="http://schemas.microsoft.com/office/powerpoint/2012/main" xmlns:mc="http://schemas.openxmlformats.org/markup-compatibility/2006" type="fourObj" preserve="1">
+<p:sldLayout xmlns:a="http://schemas.openxmlformats.org/drawingml/2006/main" xmlns:r="http://schemas.openxmlformats.org/officeDocument/2006/relationships" xmlns:p="http://schemas.openxmlformats.org/presentationml/2006/main" type="fourObj" preserve="1">
   <p:cSld name="Title, 4 Content">
     <p:spTree>
       <p:nvGrpSpPr>
@@ -2728,15 +3071,16 @@
           </a:prstGeom>
         </p:spPr>
         <p:txBody>
-          <a:bodyPr lIns="0" rIns="0" tIns="0" bIns="0" anchor="ctr"/>
-          <a:p>
-            <a:endParaRPr b="0" lang="nl-NL" sz="1800" spc="-1" strike="noStrike">
-              <a:solidFill>
-                <a:srgbClr val="000000"/>
-              </a:solidFill>
-              <a:uFill>
-                <a:solidFill>
-                  <a:srgbClr val="ffffff"/>
+          <a:bodyPr lIns="0" tIns="0" rIns="0" bIns="0" anchor="ctr"/>
+          <a:lstStyle/>
+          <a:p>
+            <a:endParaRPr lang="nl-NL" sz="1800" b="0" strike="noStrike" spc="-1">
+              <a:solidFill>
+                <a:srgbClr val="000000"/>
+              </a:solidFill>
+              <a:uFill>
+                <a:solidFill>
+                  <a:srgbClr val="FFFFFF"/>
                 </a:solidFill>
               </a:uFill>
               <a:latin typeface="Calibri"/>
@@ -2764,15 +3108,16 @@
           </a:prstGeom>
         </p:spPr>
         <p:txBody>
-          <a:bodyPr lIns="0" rIns="0" tIns="0" bIns="0"/>
-          <a:p>
-            <a:endParaRPr b="0" lang="nl-NL" sz="2200" spc="-1" strike="noStrike">
-              <a:solidFill>
-                <a:srgbClr val="000000"/>
-              </a:solidFill>
-              <a:uFill>
-                <a:solidFill>
-                  <a:srgbClr val="ffffff"/>
+          <a:bodyPr lIns="0" tIns="0" rIns="0" bIns="0"/>
+          <a:lstStyle/>
+          <a:p>
+            <a:endParaRPr lang="nl-NL" sz="2200" b="0" strike="noStrike" spc="-1">
+              <a:solidFill>
+                <a:srgbClr val="000000"/>
+              </a:solidFill>
+              <a:uFill>
+                <a:solidFill>
+                  <a:srgbClr val="FFFFFF"/>
                 </a:solidFill>
               </a:uFill>
               <a:latin typeface="Arial"/>
@@ -2800,15 +3145,16 @@
           </a:prstGeom>
         </p:spPr>
         <p:txBody>
-          <a:bodyPr lIns="0" rIns="0" tIns="0" bIns="0"/>
-          <a:p>
-            <a:endParaRPr b="0" lang="nl-NL" sz="2200" spc="-1" strike="noStrike">
-              <a:solidFill>
-                <a:srgbClr val="000000"/>
-              </a:solidFill>
-              <a:uFill>
-                <a:solidFill>
-                  <a:srgbClr val="ffffff"/>
+          <a:bodyPr lIns="0" tIns="0" rIns="0" bIns="0"/>
+          <a:lstStyle/>
+          <a:p>
+            <a:endParaRPr lang="nl-NL" sz="2200" b="0" strike="noStrike" spc="-1">
+              <a:solidFill>
+                <a:srgbClr val="000000"/>
+              </a:solidFill>
+              <a:uFill>
+                <a:solidFill>
+                  <a:srgbClr val="FFFFFF"/>
                 </a:solidFill>
               </a:uFill>
               <a:latin typeface="Arial"/>
@@ -2836,15 +3182,16 @@
           </a:prstGeom>
         </p:spPr>
         <p:txBody>
-          <a:bodyPr lIns="0" rIns="0" tIns="0" bIns="0"/>
-          <a:p>
-            <a:endParaRPr b="0" lang="nl-NL" sz="2200" spc="-1" strike="noStrike">
-              <a:solidFill>
-                <a:srgbClr val="000000"/>
-              </a:solidFill>
-              <a:uFill>
-                <a:solidFill>
-                  <a:srgbClr val="ffffff"/>
+          <a:bodyPr lIns="0" tIns="0" rIns="0" bIns="0"/>
+          <a:lstStyle/>
+          <a:p>
+            <a:endParaRPr lang="nl-NL" sz="2200" b="0" strike="noStrike" spc="-1">
+              <a:solidFill>
+                <a:srgbClr val="000000"/>
+              </a:solidFill>
+              <a:uFill>
+                <a:solidFill>
+                  <a:srgbClr val="FFFFFF"/>
                 </a:solidFill>
               </a:uFill>
               <a:latin typeface="Arial"/>
@@ -2872,15 +3219,16 @@
           </a:prstGeom>
         </p:spPr>
         <p:txBody>
-          <a:bodyPr lIns="0" rIns="0" tIns="0" bIns="0"/>
-          <a:p>
-            <a:endParaRPr b="0" lang="nl-NL" sz="2200" spc="-1" strike="noStrike">
-              <a:solidFill>
-                <a:srgbClr val="000000"/>
-              </a:solidFill>
-              <a:uFill>
-                <a:solidFill>
-                  <a:srgbClr val="ffffff"/>
+          <a:bodyPr lIns="0" tIns="0" rIns="0" bIns="0"/>
+          <a:lstStyle/>
+          <a:p>
+            <a:endParaRPr lang="nl-NL" sz="2200" b="0" strike="noStrike" spc="-1">
+              <a:solidFill>
+                <a:srgbClr val="000000"/>
+              </a:solidFill>
+              <a:uFill>
+                <a:solidFill>
+                  <a:srgbClr val="FFFFFF"/>
                 </a:solidFill>
               </a:uFill>
               <a:latin typeface="Arial"/>
@@ -2890,11 +3238,14 @@
       </p:sp>
     </p:spTree>
   </p:cSld>
+  <p:clrMapOvr>
+    <a:masterClrMapping/>
+  </p:clrMapOvr>
 </p:sldLayout>
 </file>
 
 <file path=ppt/slideLayouts/slideLayout24.xml><?xml version="1.0" encoding="utf-8"?>
-<p:sldLayout xmlns:a="http://schemas.openxmlformats.org/drawingml/2006/main" xmlns:p="http://schemas.openxmlformats.org/presentationml/2006/main" xmlns:r="http://schemas.openxmlformats.org/officeDocument/2006/relationships" xmlns:p14="http://schemas.microsoft.com/office/powerpoint/2010/main" xmlns:p15="http://schemas.microsoft.com/office/powerpoint/2012/main" xmlns:mc="http://schemas.openxmlformats.org/markup-compatibility/2006" type="blank" preserve="1">
+<p:sldLayout xmlns:a="http://schemas.openxmlformats.org/drawingml/2006/main" xmlns:r="http://schemas.openxmlformats.org/officeDocument/2006/relationships" xmlns:p="http://schemas.openxmlformats.org/presentationml/2006/main" type="blank" preserve="1">
   <p:cSld name="Title, 6 Content">
     <p:spTree>
       <p:nvGrpSpPr>
@@ -2930,15 +3281,16 @@
           </a:prstGeom>
         </p:spPr>
         <p:txBody>
-          <a:bodyPr lIns="0" rIns="0" tIns="0" bIns="0" anchor="ctr"/>
-          <a:p>
-            <a:endParaRPr b="0" lang="nl-NL" sz="1800" spc="-1" strike="noStrike">
-              <a:solidFill>
-                <a:srgbClr val="000000"/>
-              </a:solidFill>
-              <a:uFill>
-                <a:solidFill>
-                  <a:srgbClr val="ffffff"/>
+          <a:bodyPr lIns="0" tIns="0" rIns="0" bIns="0" anchor="ctr"/>
+          <a:lstStyle/>
+          <a:p>
+            <a:endParaRPr lang="nl-NL" sz="1800" b="0" strike="noStrike" spc="-1">
+              <a:solidFill>
+                <a:srgbClr val="000000"/>
+              </a:solidFill>
+              <a:uFill>
+                <a:solidFill>
+                  <a:srgbClr val="FFFFFF"/>
                 </a:solidFill>
               </a:uFill>
               <a:latin typeface="Calibri"/>
@@ -2966,15 +3318,16 @@
           </a:prstGeom>
         </p:spPr>
         <p:txBody>
-          <a:bodyPr lIns="0" rIns="0" tIns="0" bIns="0"/>
-          <a:p>
-            <a:endParaRPr b="0" lang="nl-NL" sz="2200" spc="-1" strike="noStrike">
-              <a:solidFill>
-                <a:srgbClr val="000000"/>
-              </a:solidFill>
-              <a:uFill>
-                <a:solidFill>
-                  <a:srgbClr val="ffffff"/>
+          <a:bodyPr lIns="0" tIns="0" rIns="0" bIns="0"/>
+          <a:lstStyle/>
+          <a:p>
+            <a:endParaRPr lang="nl-NL" sz="2200" b="0" strike="noStrike" spc="-1">
+              <a:solidFill>
+                <a:srgbClr val="000000"/>
+              </a:solidFill>
+              <a:uFill>
+                <a:solidFill>
+                  <a:srgbClr val="FFFFFF"/>
                 </a:solidFill>
               </a:uFill>
               <a:latin typeface="Arial"/>
@@ -3002,15 +3355,16 @@
           </a:prstGeom>
         </p:spPr>
         <p:txBody>
-          <a:bodyPr lIns="0" rIns="0" tIns="0" bIns="0"/>
-          <a:p>
-            <a:endParaRPr b="0" lang="nl-NL" sz="2200" spc="-1" strike="noStrike">
-              <a:solidFill>
-                <a:srgbClr val="000000"/>
-              </a:solidFill>
-              <a:uFill>
-                <a:solidFill>
-                  <a:srgbClr val="ffffff"/>
+          <a:bodyPr lIns="0" tIns="0" rIns="0" bIns="0"/>
+          <a:lstStyle/>
+          <a:p>
+            <a:endParaRPr lang="nl-NL" sz="2200" b="0" strike="noStrike" spc="-1">
+              <a:solidFill>
+                <a:srgbClr val="000000"/>
+              </a:solidFill>
+              <a:uFill>
+                <a:solidFill>
+                  <a:srgbClr val="FFFFFF"/>
                 </a:solidFill>
               </a:uFill>
               <a:latin typeface="Arial"/>
@@ -3020,7 +3374,7 @@
       </p:sp>
       <p:pic>
         <p:nvPicPr>
-          <p:cNvPr id="72" name="" descr=""/>
+          <p:cNvPr id="72" name="Picture 71"/>
           <p:cNvPicPr/>
           <p:nvPr/>
         </p:nvPicPr>
@@ -3043,12 +3397,12 @@
       </p:pic>
       <p:pic>
         <p:nvPicPr>
-          <p:cNvPr id="73" name="" descr=""/>
+          <p:cNvPr id="73" name="Picture 72"/>
           <p:cNvPicPr/>
           <p:nvPr/>
         </p:nvPicPr>
         <p:blipFill>
-          <a:blip r:embed="rId3"/>
+          <a:blip r:embed="rId2"/>
           <a:stretch/>
         </p:blipFill>
         <p:spPr>
@@ -3066,11 +3420,14 @@
       </p:pic>
     </p:spTree>
   </p:cSld>
+  <p:clrMapOvr>
+    <a:masterClrMapping/>
+  </p:clrMapOvr>
 </p:sldLayout>
 </file>
 
 <file path=ppt/slideLayouts/slideLayout3.xml><?xml version="1.0" encoding="utf-8"?>
-<p:sldLayout xmlns:a="http://schemas.openxmlformats.org/drawingml/2006/main" xmlns:p="http://schemas.openxmlformats.org/presentationml/2006/main" xmlns:r="http://schemas.openxmlformats.org/officeDocument/2006/relationships" xmlns:p14="http://schemas.microsoft.com/office/powerpoint/2010/main" xmlns:p15="http://schemas.microsoft.com/office/powerpoint/2012/main" xmlns:mc="http://schemas.openxmlformats.org/markup-compatibility/2006" type="obj" preserve="1">
+<p:sldLayout xmlns:a="http://schemas.openxmlformats.org/drawingml/2006/main" xmlns:r="http://schemas.openxmlformats.org/officeDocument/2006/relationships" xmlns:p="http://schemas.openxmlformats.org/presentationml/2006/main" type="obj" preserve="1">
   <p:cSld name="Title, Content">
     <p:spTree>
       <p:nvGrpSpPr>
@@ -3106,15 +3463,16 @@
           </a:prstGeom>
         </p:spPr>
         <p:txBody>
-          <a:bodyPr lIns="0" rIns="0" tIns="0" bIns="0" anchor="ctr"/>
-          <a:p>
-            <a:endParaRPr b="0" lang="nl-NL" sz="1800" spc="-1" strike="noStrike">
-              <a:solidFill>
-                <a:srgbClr val="000000"/>
-              </a:solidFill>
-              <a:uFill>
-                <a:solidFill>
-                  <a:srgbClr val="ffffff"/>
+          <a:bodyPr lIns="0" tIns="0" rIns="0" bIns="0" anchor="ctr"/>
+          <a:lstStyle/>
+          <a:p>
+            <a:endParaRPr lang="nl-NL" sz="1800" b="0" strike="noStrike" spc="-1">
+              <a:solidFill>
+                <a:srgbClr val="000000"/>
+              </a:solidFill>
+              <a:uFill>
+                <a:solidFill>
+                  <a:srgbClr val="FFFFFF"/>
                 </a:solidFill>
               </a:uFill>
               <a:latin typeface="Calibri"/>
@@ -3142,15 +3500,16 @@
           </a:prstGeom>
         </p:spPr>
         <p:txBody>
-          <a:bodyPr lIns="0" rIns="0" tIns="0" bIns="0"/>
-          <a:p>
-            <a:endParaRPr b="0" lang="nl-NL" sz="2200" spc="-1" strike="noStrike">
-              <a:solidFill>
-                <a:srgbClr val="000000"/>
-              </a:solidFill>
-              <a:uFill>
-                <a:solidFill>
-                  <a:srgbClr val="ffffff"/>
+          <a:bodyPr lIns="0" tIns="0" rIns="0" bIns="0"/>
+          <a:lstStyle/>
+          <a:p>
+            <a:endParaRPr lang="nl-NL" sz="2200" b="0" strike="noStrike" spc="-1">
+              <a:solidFill>
+                <a:srgbClr val="000000"/>
+              </a:solidFill>
+              <a:uFill>
+                <a:solidFill>
+                  <a:srgbClr val="FFFFFF"/>
                 </a:solidFill>
               </a:uFill>
               <a:latin typeface="Arial"/>
@@ -3160,11 +3519,14 @@
       </p:sp>
     </p:spTree>
   </p:cSld>
+  <p:clrMapOvr>
+    <a:masterClrMapping/>
+  </p:clrMapOvr>
 </p:sldLayout>
 </file>
 
 <file path=ppt/slideLayouts/slideLayout4.xml><?xml version="1.0" encoding="utf-8"?>
-<p:sldLayout xmlns:a="http://schemas.openxmlformats.org/drawingml/2006/main" xmlns:p="http://schemas.openxmlformats.org/presentationml/2006/main" xmlns:r="http://schemas.openxmlformats.org/officeDocument/2006/relationships" xmlns:p14="http://schemas.microsoft.com/office/powerpoint/2010/main" xmlns:p15="http://schemas.microsoft.com/office/powerpoint/2012/main" xmlns:mc="http://schemas.openxmlformats.org/markup-compatibility/2006" type="twoObj" preserve="1">
+<p:sldLayout xmlns:a="http://schemas.openxmlformats.org/drawingml/2006/main" xmlns:r="http://schemas.openxmlformats.org/officeDocument/2006/relationships" xmlns:p="http://schemas.openxmlformats.org/presentationml/2006/main" type="twoObj" preserve="1">
   <p:cSld name="Title, 2 Content">
     <p:spTree>
       <p:nvGrpSpPr>
@@ -3200,15 +3562,16 @@
           </a:prstGeom>
         </p:spPr>
         <p:txBody>
-          <a:bodyPr lIns="0" rIns="0" tIns="0" bIns="0" anchor="ctr"/>
-          <a:p>
-            <a:endParaRPr b="0" lang="nl-NL" sz="1800" spc="-1" strike="noStrike">
-              <a:solidFill>
-                <a:srgbClr val="000000"/>
-              </a:solidFill>
-              <a:uFill>
-                <a:solidFill>
-                  <a:srgbClr val="ffffff"/>
+          <a:bodyPr lIns="0" tIns="0" rIns="0" bIns="0" anchor="ctr"/>
+          <a:lstStyle/>
+          <a:p>
+            <a:endParaRPr lang="nl-NL" sz="1800" b="0" strike="noStrike" spc="-1">
+              <a:solidFill>
+                <a:srgbClr val="000000"/>
+              </a:solidFill>
+              <a:uFill>
+                <a:solidFill>
+                  <a:srgbClr val="FFFFFF"/>
                 </a:solidFill>
               </a:uFill>
               <a:latin typeface="Calibri"/>
@@ -3236,15 +3599,16 @@
           </a:prstGeom>
         </p:spPr>
         <p:txBody>
-          <a:bodyPr lIns="0" rIns="0" tIns="0" bIns="0"/>
-          <a:p>
-            <a:endParaRPr b="0" lang="nl-NL" sz="2200" spc="-1" strike="noStrike">
-              <a:solidFill>
-                <a:srgbClr val="000000"/>
-              </a:solidFill>
-              <a:uFill>
-                <a:solidFill>
-                  <a:srgbClr val="ffffff"/>
+          <a:bodyPr lIns="0" tIns="0" rIns="0" bIns="0"/>
+          <a:lstStyle/>
+          <a:p>
+            <a:endParaRPr lang="nl-NL" sz="2200" b="0" strike="noStrike" spc="-1">
+              <a:solidFill>
+                <a:srgbClr val="000000"/>
+              </a:solidFill>
+              <a:uFill>
+                <a:solidFill>
+                  <a:srgbClr val="FFFFFF"/>
                 </a:solidFill>
               </a:uFill>
               <a:latin typeface="Arial"/>
@@ -3272,15 +3636,16 @@
           </a:prstGeom>
         </p:spPr>
         <p:txBody>
-          <a:bodyPr lIns="0" rIns="0" tIns="0" bIns="0"/>
-          <a:p>
-            <a:endParaRPr b="0" lang="nl-NL" sz="2200" spc="-1" strike="noStrike">
-              <a:solidFill>
-                <a:srgbClr val="000000"/>
-              </a:solidFill>
-              <a:uFill>
-                <a:solidFill>
-                  <a:srgbClr val="ffffff"/>
+          <a:bodyPr lIns="0" tIns="0" rIns="0" bIns="0"/>
+          <a:lstStyle/>
+          <a:p>
+            <a:endParaRPr lang="nl-NL" sz="2200" b="0" strike="noStrike" spc="-1">
+              <a:solidFill>
+                <a:srgbClr val="000000"/>
+              </a:solidFill>
+              <a:uFill>
+                <a:solidFill>
+                  <a:srgbClr val="FFFFFF"/>
                 </a:solidFill>
               </a:uFill>
               <a:latin typeface="Arial"/>
@@ -3290,11 +3655,14 @@
       </p:sp>
     </p:spTree>
   </p:cSld>
+  <p:clrMapOvr>
+    <a:masterClrMapping/>
+  </p:clrMapOvr>
 </p:sldLayout>
 </file>
 
 <file path=ppt/slideLayouts/slideLayout5.xml><?xml version="1.0" encoding="utf-8"?>
-<p:sldLayout xmlns:a="http://schemas.openxmlformats.org/drawingml/2006/main" xmlns:p="http://schemas.openxmlformats.org/presentationml/2006/main" xmlns:r="http://schemas.openxmlformats.org/officeDocument/2006/relationships" xmlns:p14="http://schemas.microsoft.com/office/powerpoint/2010/main" xmlns:p15="http://schemas.microsoft.com/office/powerpoint/2012/main" xmlns:mc="http://schemas.openxmlformats.org/markup-compatibility/2006" type="titleOnly" preserve="1">
+<p:sldLayout xmlns:a="http://schemas.openxmlformats.org/drawingml/2006/main" xmlns:r="http://schemas.openxmlformats.org/officeDocument/2006/relationships" xmlns:p="http://schemas.openxmlformats.org/presentationml/2006/main" type="titleOnly" preserve="1">
   <p:cSld name="Title Only">
     <p:spTree>
       <p:nvGrpSpPr>
@@ -3330,15 +3698,16 @@
           </a:prstGeom>
         </p:spPr>
         <p:txBody>
-          <a:bodyPr lIns="0" rIns="0" tIns="0" bIns="0" anchor="ctr"/>
-          <a:p>
-            <a:endParaRPr b="0" lang="nl-NL" sz="1800" spc="-1" strike="noStrike">
-              <a:solidFill>
-                <a:srgbClr val="000000"/>
-              </a:solidFill>
-              <a:uFill>
-                <a:solidFill>
-                  <a:srgbClr val="ffffff"/>
+          <a:bodyPr lIns="0" tIns="0" rIns="0" bIns="0" anchor="ctr"/>
+          <a:lstStyle/>
+          <a:p>
+            <a:endParaRPr lang="nl-NL" sz="1800" b="0" strike="noStrike" spc="-1">
+              <a:solidFill>
+                <a:srgbClr val="000000"/>
+              </a:solidFill>
+              <a:uFill>
+                <a:solidFill>
+                  <a:srgbClr val="FFFFFF"/>
                 </a:solidFill>
               </a:uFill>
               <a:latin typeface="Calibri"/>
@@ -3348,11 +3717,14 @@
       </p:sp>
     </p:spTree>
   </p:cSld>
+  <p:clrMapOvr>
+    <a:masterClrMapping/>
+  </p:clrMapOvr>
 </p:sldLayout>
 </file>
 
 <file path=ppt/slideLayouts/slideLayout6.xml><?xml version="1.0" encoding="utf-8"?>
-<p:sldLayout xmlns:a="http://schemas.openxmlformats.org/drawingml/2006/main" xmlns:p="http://schemas.openxmlformats.org/presentationml/2006/main" xmlns:r="http://schemas.openxmlformats.org/officeDocument/2006/relationships" xmlns:p14="http://schemas.microsoft.com/office/powerpoint/2010/main" xmlns:p15="http://schemas.microsoft.com/office/powerpoint/2012/main" xmlns:mc="http://schemas.openxmlformats.org/markup-compatibility/2006" type="objOnly" preserve="1">
+<p:sldLayout xmlns:a="http://schemas.openxmlformats.org/drawingml/2006/main" xmlns:r="http://schemas.openxmlformats.org/officeDocument/2006/relationships" xmlns:p="http://schemas.openxmlformats.org/presentationml/2006/main" type="objOnly" preserve="1">
   <p:cSld name="Centered Text">
     <p:spTree>
       <p:nvGrpSpPr>
@@ -3388,16 +3760,17 @@
           </a:prstGeom>
         </p:spPr>
         <p:txBody>
-          <a:bodyPr lIns="0" rIns="0" tIns="0" bIns="0" anchor="ctr"/>
+          <a:bodyPr lIns="0" tIns="0" rIns="0" bIns="0" anchor="ctr"/>
+          <a:lstStyle/>
           <a:p>
             <a:pPr algn="ctr"/>
-            <a:endParaRPr b="0" lang="en-US" sz="3200" spc="-1" strike="noStrike">
-              <a:solidFill>
-                <a:srgbClr val="000000"/>
-              </a:solidFill>
-              <a:uFill>
-                <a:solidFill>
-                  <a:srgbClr val="ffffff"/>
+            <a:endParaRPr lang="en-US" sz="3200" b="0" strike="noStrike" spc="-1">
+              <a:solidFill>
+                <a:srgbClr val="000000"/>
+              </a:solidFill>
+              <a:uFill>
+                <a:solidFill>
+                  <a:srgbClr val="FFFFFF"/>
                 </a:solidFill>
               </a:uFill>
               <a:latin typeface="Arial"/>
@@ -3407,11 +3780,14 @@
       </p:sp>
     </p:spTree>
   </p:cSld>
+  <p:clrMapOvr>
+    <a:masterClrMapping/>
+  </p:clrMapOvr>
 </p:sldLayout>
 </file>
 
 <file path=ppt/slideLayouts/slideLayout7.xml><?xml version="1.0" encoding="utf-8"?>
-<p:sldLayout xmlns:a="http://schemas.openxmlformats.org/drawingml/2006/main" xmlns:p="http://schemas.openxmlformats.org/presentationml/2006/main" xmlns:r="http://schemas.openxmlformats.org/officeDocument/2006/relationships" xmlns:p14="http://schemas.microsoft.com/office/powerpoint/2010/main" xmlns:p15="http://schemas.microsoft.com/office/powerpoint/2012/main" xmlns:mc="http://schemas.openxmlformats.org/markup-compatibility/2006" type="twoObjAndObj" preserve="1">
+<p:sldLayout xmlns:a="http://schemas.openxmlformats.org/drawingml/2006/main" xmlns:r="http://schemas.openxmlformats.org/officeDocument/2006/relationships" xmlns:p="http://schemas.openxmlformats.org/presentationml/2006/main" type="twoObjAndObj" preserve="1">
   <p:cSld name="Title, 2 Content and Content">
     <p:spTree>
       <p:nvGrpSpPr>
@@ -3447,15 +3823,16 @@
           </a:prstGeom>
         </p:spPr>
         <p:txBody>
-          <a:bodyPr lIns="0" rIns="0" tIns="0" bIns="0" anchor="ctr"/>
-          <a:p>
-            <a:endParaRPr b="0" lang="nl-NL" sz="1800" spc="-1" strike="noStrike">
-              <a:solidFill>
-                <a:srgbClr val="000000"/>
-              </a:solidFill>
-              <a:uFill>
-                <a:solidFill>
-                  <a:srgbClr val="ffffff"/>
+          <a:bodyPr lIns="0" tIns="0" rIns="0" bIns="0" anchor="ctr"/>
+          <a:lstStyle/>
+          <a:p>
+            <a:endParaRPr lang="nl-NL" sz="1800" b="0" strike="noStrike" spc="-1">
+              <a:solidFill>
+                <a:srgbClr val="000000"/>
+              </a:solidFill>
+              <a:uFill>
+                <a:solidFill>
+                  <a:srgbClr val="FFFFFF"/>
                 </a:solidFill>
               </a:uFill>
               <a:latin typeface="Calibri"/>
@@ -3483,15 +3860,16 @@
           </a:prstGeom>
         </p:spPr>
         <p:txBody>
-          <a:bodyPr lIns="0" rIns="0" tIns="0" bIns="0"/>
-          <a:p>
-            <a:endParaRPr b="0" lang="nl-NL" sz="2200" spc="-1" strike="noStrike">
-              <a:solidFill>
-                <a:srgbClr val="000000"/>
-              </a:solidFill>
-              <a:uFill>
-                <a:solidFill>
-                  <a:srgbClr val="ffffff"/>
+          <a:bodyPr lIns="0" tIns="0" rIns="0" bIns="0"/>
+          <a:lstStyle/>
+          <a:p>
+            <a:endParaRPr lang="nl-NL" sz="2200" b="0" strike="noStrike" spc="-1">
+              <a:solidFill>
+                <a:srgbClr val="000000"/>
+              </a:solidFill>
+              <a:uFill>
+                <a:solidFill>
+                  <a:srgbClr val="FFFFFF"/>
                 </a:solidFill>
               </a:uFill>
               <a:latin typeface="Arial"/>
@@ -3519,15 +3897,16 @@
           </a:prstGeom>
         </p:spPr>
         <p:txBody>
-          <a:bodyPr lIns="0" rIns="0" tIns="0" bIns="0"/>
-          <a:p>
-            <a:endParaRPr b="0" lang="nl-NL" sz="2200" spc="-1" strike="noStrike">
-              <a:solidFill>
-                <a:srgbClr val="000000"/>
-              </a:solidFill>
-              <a:uFill>
-                <a:solidFill>
-                  <a:srgbClr val="ffffff"/>
+          <a:bodyPr lIns="0" tIns="0" rIns="0" bIns="0"/>
+          <a:lstStyle/>
+          <a:p>
+            <a:endParaRPr lang="nl-NL" sz="2200" b="0" strike="noStrike" spc="-1">
+              <a:solidFill>
+                <a:srgbClr val="000000"/>
+              </a:solidFill>
+              <a:uFill>
+                <a:solidFill>
+                  <a:srgbClr val="FFFFFF"/>
                 </a:solidFill>
               </a:uFill>
               <a:latin typeface="Arial"/>
@@ -3555,15 +3934,16 @@
           </a:prstGeom>
         </p:spPr>
         <p:txBody>
-          <a:bodyPr lIns="0" rIns="0" tIns="0" bIns="0"/>
-          <a:p>
-            <a:endParaRPr b="0" lang="nl-NL" sz="2200" spc="-1" strike="noStrike">
-              <a:solidFill>
-                <a:srgbClr val="000000"/>
-              </a:solidFill>
-              <a:uFill>
-                <a:solidFill>
-                  <a:srgbClr val="ffffff"/>
+          <a:bodyPr lIns="0" tIns="0" rIns="0" bIns="0"/>
+          <a:lstStyle/>
+          <a:p>
+            <a:endParaRPr lang="nl-NL" sz="2200" b="0" strike="noStrike" spc="-1">
+              <a:solidFill>
+                <a:srgbClr val="000000"/>
+              </a:solidFill>
+              <a:uFill>
+                <a:solidFill>
+                  <a:srgbClr val="FFFFFF"/>
                 </a:solidFill>
               </a:uFill>
               <a:latin typeface="Arial"/>
@@ -3573,11 +3953,14 @@
       </p:sp>
     </p:spTree>
   </p:cSld>
+  <p:clrMapOvr>
+    <a:masterClrMapping/>
+  </p:clrMapOvr>
 </p:sldLayout>
 </file>
 
 <file path=ppt/slideLayouts/slideLayout8.xml><?xml version="1.0" encoding="utf-8"?>
-<p:sldLayout xmlns:a="http://schemas.openxmlformats.org/drawingml/2006/main" xmlns:p="http://schemas.openxmlformats.org/presentationml/2006/main" xmlns:r="http://schemas.openxmlformats.org/officeDocument/2006/relationships" xmlns:p14="http://schemas.microsoft.com/office/powerpoint/2010/main" xmlns:p15="http://schemas.microsoft.com/office/powerpoint/2012/main" xmlns:mc="http://schemas.openxmlformats.org/markup-compatibility/2006" type="objAndTwoObj" preserve="1">
+<p:sldLayout xmlns:a="http://schemas.openxmlformats.org/drawingml/2006/main" xmlns:r="http://schemas.openxmlformats.org/officeDocument/2006/relationships" xmlns:p="http://schemas.openxmlformats.org/presentationml/2006/main" type="objAndTwoObj" preserve="1">
   <p:cSld name="Title Content and 2 Content">
     <p:spTree>
       <p:nvGrpSpPr>
@@ -3613,15 +3996,16 @@
           </a:prstGeom>
         </p:spPr>
         <p:txBody>
-          <a:bodyPr lIns="0" rIns="0" tIns="0" bIns="0" anchor="ctr"/>
-          <a:p>
-            <a:endParaRPr b="0" lang="nl-NL" sz="1800" spc="-1" strike="noStrike">
-              <a:solidFill>
-                <a:srgbClr val="000000"/>
-              </a:solidFill>
-              <a:uFill>
-                <a:solidFill>
-                  <a:srgbClr val="ffffff"/>
+          <a:bodyPr lIns="0" tIns="0" rIns="0" bIns="0" anchor="ctr"/>
+          <a:lstStyle/>
+          <a:p>
+            <a:endParaRPr lang="nl-NL" sz="1800" b="0" strike="noStrike" spc="-1">
+              <a:solidFill>
+                <a:srgbClr val="000000"/>
+              </a:solidFill>
+              <a:uFill>
+                <a:solidFill>
+                  <a:srgbClr val="FFFFFF"/>
                 </a:solidFill>
               </a:uFill>
               <a:latin typeface="Calibri"/>
@@ -3649,15 +4033,16 @@
           </a:prstGeom>
         </p:spPr>
         <p:txBody>
-          <a:bodyPr lIns="0" rIns="0" tIns="0" bIns="0"/>
-          <a:p>
-            <a:endParaRPr b="0" lang="nl-NL" sz="2200" spc="-1" strike="noStrike">
-              <a:solidFill>
-                <a:srgbClr val="000000"/>
-              </a:solidFill>
-              <a:uFill>
-                <a:solidFill>
-                  <a:srgbClr val="ffffff"/>
+          <a:bodyPr lIns="0" tIns="0" rIns="0" bIns="0"/>
+          <a:lstStyle/>
+          <a:p>
+            <a:endParaRPr lang="nl-NL" sz="2200" b="0" strike="noStrike" spc="-1">
+              <a:solidFill>
+                <a:srgbClr val="000000"/>
+              </a:solidFill>
+              <a:uFill>
+                <a:solidFill>
+                  <a:srgbClr val="FFFFFF"/>
                 </a:solidFill>
               </a:uFill>
               <a:latin typeface="Arial"/>
@@ -3685,15 +4070,16 @@
           </a:prstGeom>
         </p:spPr>
         <p:txBody>
-          <a:bodyPr lIns="0" rIns="0" tIns="0" bIns="0"/>
-          <a:p>
-            <a:endParaRPr b="0" lang="nl-NL" sz="2200" spc="-1" strike="noStrike">
-              <a:solidFill>
-                <a:srgbClr val="000000"/>
-              </a:solidFill>
-              <a:uFill>
-                <a:solidFill>
-                  <a:srgbClr val="ffffff"/>
+          <a:bodyPr lIns="0" tIns="0" rIns="0" bIns="0"/>
+          <a:lstStyle/>
+          <a:p>
+            <a:endParaRPr lang="nl-NL" sz="2200" b="0" strike="noStrike" spc="-1">
+              <a:solidFill>
+                <a:srgbClr val="000000"/>
+              </a:solidFill>
+              <a:uFill>
+                <a:solidFill>
+                  <a:srgbClr val="FFFFFF"/>
                 </a:solidFill>
               </a:uFill>
               <a:latin typeface="Arial"/>
@@ -3721,15 +4107,16 @@
           </a:prstGeom>
         </p:spPr>
         <p:txBody>
-          <a:bodyPr lIns="0" rIns="0" tIns="0" bIns="0"/>
-          <a:p>
-            <a:endParaRPr b="0" lang="nl-NL" sz="2200" spc="-1" strike="noStrike">
-              <a:solidFill>
-                <a:srgbClr val="000000"/>
-              </a:solidFill>
-              <a:uFill>
-                <a:solidFill>
-                  <a:srgbClr val="ffffff"/>
+          <a:bodyPr lIns="0" tIns="0" rIns="0" bIns="0"/>
+          <a:lstStyle/>
+          <a:p>
+            <a:endParaRPr lang="nl-NL" sz="2200" b="0" strike="noStrike" spc="-1">
+              <a:solidFill>
+                <a:srgbClr val="000000"/>
+              </a:solidFill>
+              <a:uFill>
+                <a:solidFill>
+                  <a:srgbClr val="FFFFFF"/>
                 </a:solidFill>
               </a:uFill>
               <a:latin typeface="Arial"/>
@@ -3739,11 +4126,14 @@
       </p:sp>
     </p:spTree>
   </p:cSld>
+  <p:clrMapOvr>
+    <a:masterClrMapping/>
+  </p:clrMapOvr>
 </p:sldLayout>
 </file>
 
 <file path=ppt/slideLayouts/slideLayout9.xml><?xml version="1.0" encoding="utf-8"?>
-<p:sldLayout xmlns:a="http://schemas.openxmlformats.org/drawingml/2006/main" xmlns:p="http://schemas.openxmlformats.org/presentationml/2006/main" xmlns:r="http://schemas.openxmlformats.org/officeDocument/2006/relationships" xmlns:p14="http://schemas.microsoft.com/office/powerpoint/2010/main" xmlns:p15="http://schemas.microsoft.com/office/powerpoint/2012/main" xmlns:mc="http://schemas.openxmlformats.org/markup-compatibility/2006" type="twoObjOverTx" preserve="1">
+<p:sldLayout xmlns:a="http://schemas.openxmlformats.org/drawingml/2006/main" xmlns:r="http://schemas.openxmlformats.org/officeDocument/2006/relationships" xmlns:p="http://schemas.openxmlformats.org/presentationml/2006/main" type="twoObjOverTx" preserve="1">
   <p:cSld name="Title, 2 Content over Content">
     <p:spTree>
       <p:nvGrpSpPr>
@@ -3779,15 +4169,16 @@
           </a:prstGeom>
         </p:spPr>
         <p:txBody>
-          <a:bodyPr lIns="0" rIns="0" tIns="0" bIns="0" anchor="ctr"/>
-          <a:p>
-            <a:endParaRPr b="0" lang="nl-NL" sz="1800" spc="-1" strike="noStrike">
-              <a:solidFill>
-                <a:srgbClr val="000000"/>
-              </a:solidFill>
-              <a:uFill>
-                <a:solidFill>
-                  <a:srgbClr val="ffffff"/>
+          <a:bodyPr lIns="0" tIns="0" rIns="0" bIns="0" anchor="ctr"/>
+          <a:lstStyle/>
+          <a:p>
+            <a:endParaRPr lang="nl-NL" sz="1800" b="0" strike="noStrike" spc="-1">
+              <a:solidFill>
+                <a:srgbClr val="000000"/>
+              </a:solidFill>
+              <a:uFill>
+                <a:solidFill>
+                  <a:srgbClr val="FFFFFF"/>
                 </a:solidFill>
               </a:uFill>
               <a:latin typeface="Calibri"/>
@@ -3815,15 +4206,16 @@
           </a:prstGeom>
         </p:spPr>
         <p:txBody>
-          <a:bodyPr lIns="0" rIns="0" tIns="0" bIns="0"/>
-          <a:p>
-            <a:endParaRPr b="0" lang="nl-NL" sz="2200" spc="-1" strike="noStrike">
-              <a:solidFill>
-                <a:srgbClr val="000000"/>
-              </a:solidFill>
-              <a:uFill>
-                <a:solidFill>
-                  <a:srgbClr val="ffffff"/>
+          <a:bodyPr lIns="0" tIns="0" rIns="0" bIns="0"/>
+          <a:lstStyle/>
+          <a:p>
+            <a:endParaRPr lang="nl-NL" sz="2200" b="0" strike="noStrike" spc="-1">
+              <a:solidFill>
+                <a:srgbClr val="000000"/>
+              </a:solidFill>
+              <a:uFill>
+                <a:solidFill>
+                  <a:srgbClr val="FFFFFF"/>
                 </a:solidFill>
               </a:uFill>
               <a:latin typeface="Arial"/>
@@ -3851,15 +4243,16 @@
           </a:prstGeom>
         </p:spPr>
         <p:txBody>
-          <a:bodyPr lIns="0" rIns="0" tIns="0" bIns="0"/>
-          <a:p>
-            <a:endParaRPr b="0" lang="nl-NL" sz="2200" spc="-1" strike="noStrike">
-              <a:solidFill>
-                <a:srgbClr val="000000"/>
-              </a:solidFill>
-              <a:uFill>
-                <a:solidFill>
-                  <a:srgbClr val="ffffff"/>
+          <a:bodyPr lIns="0" tIns="0" rIns="0" bIns="0"/>
+          <a:lstStyle/>
+          <a:p>
+            <a:endParaRPr lang="nl-NL" sz="2200" b="0" strike="noStrike" spc="-1">
+              <a:solidFill>
+                <a:srgbClr val="000000"/>
+              </a:solidFill>
+              <a:uFill>
+                <a:solidFill>
+                  <a:srgbClr val="FFFFFF"/>
                 </a:solidFill>
               </a:uFill>
               <a:latin typeface="Arial"/>
@@ -3887,15 +4280,16 @@
           </a:prstGeom>
         </p:spPr>
         <p:txBody>
-          <a:bodyPr lIns="0" rIns="0" tIns="0" bIns="0"/>
-          <a:p>
-            <a:endParaRPr b="0" lang="nl-NL" sz="2200" spc="-1" strike="noStrike">
-              <a:solidFill>
-                <a:srgbClr val="000000"/>
-              </a:solidFill>
-              <a:uFill>
-                <a:solidFill>
-                  <a:srgbClr val="ffffff"/>
+          <a:bodyPr lIns="0" tIns="0" rIns="0" bIns="0"/>
+          <a:lstStyle/>
+          <a:p>
+            <a:endParaRPr lang="nl-NL" sz="2200" b="0" strike="noStrike" spc="-1">
+              <a:solidFill>
+                <a:srgbClr val="000000"/>
+              </a:solidFill>
+              <a:uFill>
+                <a:solidFill>
+                  <a:srgbClr val="FFFFFF"/>
                 </a:solidFill>
               </a:uFill>
               <a:latin typeface="Arial"/>
@@ -3905,20 +4299,24 @@
       </p:sp>
     </p:spTree>
   </p:cSld>
+  <p:clrMapOvr>
+    <a:masterClrMapping/>
+  </p:clrMapOvr>
 </p:sldLayout>
 </file>
 
 <file path=ppt/slideMasters/slideMaster1.xml><?xml version="1.0" encoding="utf-8"?>
-<p:sldMaster xmlns:a="http://schemas.openxmlformats.org/drawingml/2006/main" xmlns:p="http://schemas.openxmlformats.org/presentationml/2006/main" xmlns:r="http://schemas.openxmlformats.org/officeDocument/2006/relationships" xmlns:p14="http://schemas.microsoft.com/office/powerpoint/2010/main" xmlns:p15="http://schemas.microsoft.com/office/powerpoint/2012/main" xmlns:mc="http://schemas.openxmlformats.org/markup-compatibility/2006">
+<p:sldMaster xmlns:a="http://schemas.openxmlformats.org/drawingml/2006/main" xmlns:r="http://schemas.openxmlformats.org/officeDocument/2006/relationships" xmlns:p="http://schemas.openxmlformats.org/presentationml/2006/main">
   <p:cSld>
     <p:bg>
       <p:bgPr>
         <a:blipFill>
-          <a:blip r:embed="rId2"/>
+          <a:blip r:embed="rId14"/>
           <a:stretch>
             <a:fillRect/>
           </a:stretch>
         </a:blipFill>
+        <a:effectLst/>
       </p:bgPr>
     </p:bg>
     <p:spTree>
@@ -3937,7 +4335,7 @@
       </p:grpSpPr>
       <p:sp>
         <p:nvSpPr>
-          <p:cNvPr id="0" name="CustomShape 1" hidden="1"/>
+          <p:cNvPr id="3" name="CustomShape 1" hidden="1"/>
           <p:cNvSpPr/>
           <p:nvPr/>
         </p:nvSpPr>
@@ -3955,13 +4353,20 @@
           </a:ln>
         </p:spPr>
         <p:style>
-          <a:lnRef idx="0"/>
-          <a:fillRef idx="0"/>
-          <a:effectRef idx="0"/>
+          <a:lnRef idx="0">
+            <a:scrgbClr r="0" g="0" b="0"/>
+          </a:lnRef>
+          <a:fillRef idx="0">
+            <a:scrgbClr r="0" g="0" b="0"/>
+          </a:fillRef>
+          <a:effectRef idx="0">
+            <a:scrgbClr r="0" g="0" b="0"/>
+          </a:effectRef>
           <a:fontRef idx="minor"/>
         </p:style>
         <p:txBody>
-          <a:bodyPr lIns="90000" rIns="90000" tIns="45000" bIns="45000" anchor="b"/>
+          <a:bodyPr lIns="90000" tIns="45000" rIns="90000" bIns="45000" anchor="b"/>
+          <a:lstStyle/>
           <a:p>
             <a:pPr algn="r">
               <a:lnSpc>
@@ -3969,26 +4374,26 @@
               </a:lnSpc>
             </a:pPr>
             <a:fld id="{778135DA-D833-4B9A-B3C4-4D0A617FD125}" type="slidenum">
-              <a:rPr b="0" lang="en-US" sz="800" spc="-1" strike="noStrike">
+              <a:rPr lang="en-US" sz="800" b="0" strike="noStrike" spc="-1">
                 <a:solidFill>
                   <a:srgbClr val="004621"/>
                 </a:solidFill>
                 <a:uFill>
                   <a:solidFill>
-                    <a:srgbClr val="ffffff"/>
-                  </a:solidFill>
-                </a:uFill>
-                <a:latin typeface="Arial"/>
-              </a:rPr>
-              <a:t>&lt;number&gt;</a:t>
+                    <a:srgbClr val="FFFFFF"/>
+                  </a:solidFill>
+                </a:uFill>
+                <a:latin typeface="Arial"/>
+              </a:rPr>
+              <a:t>‹#›</a:t>
             </a:fld>
-            <a:endParaRPr b="0" lang="en-US" sz="1800" spc="-1" strike="noStrike">
-              <a:solidFill>
-                <a:srgbClr val="000000"/>
-              </a:solidFill>
-              <a:uFill>
-                <a:solidFill>
-                  <a:srgbClr val="ffffff"/>
+            <a:endParaRPr lang="en-US" sz="1800" b="0" strike="noStrike" spc="-1">
+              <a:solidFill>
+                <a:srgbClr val="000000"/>
+              </a:solidFill>
+              <a:uFill>
+                <a:solidFill>
+                  <a:srgbClr val="FFFFFF"/>
                 </a:solidFill>
               </a:uFill>
               <a:latin typeface="Arial"/>
@@ -3998,7 +4403,7 @@
       </p:sp>
       <p:sp>
         <p:nvSpPr>
-          <p:cNvPr id="1" name="PlaceHolder 2"/>
+          <p:cNvPr id="4" name="PlaceHolder 2"/>
           <p:cNvSpPr>
             <a:spLocks noGrp="1"/>
           </p:cNvSpPr>
@@ -4017,6 +4422,7 @@
         </p:spPr>
         <p:txBody>
           <a:bodyPr anchor="b"/>
+          <a:lstStyle/>
           <a:p>
             <a:pPr>
               <a:lnSpc>
@@ -4024,55 +4430,27 @@
               </a:lnSpc>
             </a:pPr>
             <a:r>
-              <a:rPr b="1" lang="nl-NL" sz="2800" spc="-1" strike="noStrike">
-                <a:solidFill>
-                  <a:srgbClr val="ffffff"/>
-                </a:solidFill>
-                <a:uFill>
-                  <a:solidFill>
-                    <a:srgbClr val="ffffff"/>
-                  </a:solidFill>
-                </a:uFill>
-                <a:latin typeface="Arial"/>
-              </a:rPr>
-              <a:t>Title of your separator slide </a:t>
-            </a:r>
-            <a:r>
-              <a:rPr b="1" lang="nl-NL" sz="2800" spc="-1" strike="noStrike">
-                <a:solidFill>
-                  <a:srgbClr val="ffffff"/>
-                </a:solidFill>
-                <a:uFill>
-                  <a:solidFill>
-                    <a:srgbClr val="ffffff"/>
-                  </a:solidFill>
-                </a:uFill>
-                <a:latin typeface="Arial"/>
-              </a:rPr>
-              <a:t>
-</a:t>
-            </a:r>
-            <a:r>
-              <a:rPr b="1" lang="nl-NL" sz="2800" spc="-1" strike="noStrike">
-                <a:solidFill>
-                  <a:srgbClr val="ffffff"/>
-                </a:solidFill>
-                <a:uFill>
-                  <a:solidFill>
-                    <a:srgbClr val="ffffff"/>
-                  </a:solidFill>
-                </a:uFill>
-                <a:latin typeface="Arial"/>
-              </a:rPr>
-              <a:t>(Arial bold 28 pts)</a:t>
-            </a:r>
-            <a:endParaRPr b="0" lang="nl-NL" sz="1800" spc="-1" strike="noStrike">
-              <a:solidFill>
-                <a:srgbClr val="000000"/>
-              </a:solidFill>
-              <a:uFill>
-                <a:solidFill>
-                  <a:srgbClr val="ffffff"/>
+              <a:rPr lang="nl-NL" sz="2800" b="1" strike="noStrike" spc="-1">
+                <a:solidFill>
+                  <a:srgbClr val="FFFFFF"/>
+                </a:solidFill>
+                <a:uFill>
+                  <a:solidFill>
+                    <a:srgbClr val="FFFFFF"/>
+                  </a:solidFill>
+                </a:uFill>
+                <a:latin typeface="Arial"/>
+              </a:rPr>
+              <a:t>Title of your separator slide 
+(Arial bold 28 pts)</a:t>
+            </a:r>
+            <a:endParaRPr lang="nl-NL" sz="1800" b="0" strike="noStrike" spc="-1">
+              <a:solidFill>
+                <a:srgbClr val="000000"/>
+              </a:solidFill>
+              <a:uFill>
+                <a:solidFill>
+                  <a:srgbClr val="FFFFFF"/>
                 </a:solidFill>
               </a:uFill>
               <a:latin typeface="Calibri"/>
@@ -4100,7 +4478,8 @@
           </a:prstGeom>
         </p:spPr>
         <p:txBody>
-          <a:bodyPr lIns="0" rIns="0" tIns="0" bIns="0"/>
+          <a:bodyPr lIns="0" tIns="0" rIns="0" bIns="0"/>
+          <a:lstStyle/>
           <a:p>
             <a:pPr marL="432000" indent="-324000">
               <a:buClr>
@@ -4111,33 +4490,22 @@
               <a:buChar char=""/>
             </a:pPr>
             <a:r>
-              <a:rPr b="0" lang="nl-NL" sz="2200" spc="-1" strike="noStrike">
+              <a:rPr lang="nl-NL" sz="2200" b="0" strike="noStrike" spc="-1">
                 <a:solidFill>
                   <a:srgbClr val="000000"/>
                 </a:solidFill>
                 <a:uFill>
                   <a:solidFill>
-                    <a:srgbClr val="ffffff"/>
+                    <a:srgbClr val="FFFFFF"/>
                   </a:solidFill>
                 </a:uFill>
                 <a:latin typeface="Arial"/>
               </a:rPr>
               <a:t>Click to edit the outline text format</a:t>
             </a:r>
-            <a:endParaRPr b="0" lang="nl-NL" sz="2200" spc="-1" strike="noStrike">
-              <a:solidFill>
-                <a:srgbClr val="000000"/>
-              </a:solidFill>
-              <a:uFill>
-                <a:solidFill>
-                  <a:srgbClr val="ffffff"/>
-                </a:solidFill>
-              </a:uFill>
-              <a:latin typeface="Arial"/>
-            </a:endParaRPr>
-          </a:p>
-          <a:p>
-            <a:pPr lvl="1" marL="864000" indent="-324000">
+          </a:p>
+          <a:p>
+            <a:pPr marL="864000" lvl="1" indent="-324000">
               <a:buClr>
                 <a:srgbClr val="000000"/>
               </a:buClr>
@@ -4146,33 +4514,22 @@
               <a:buChar char=""/>
             </a:pPr>
             <a:r>
-              <a:rPr b="0" lang="nl-NL" sz="1800" spc="-1" strike="noStrike">
+              <a:rPr lang="nl-NL" sz="1800" b="0" strike="noStrike" spc="-1">
                 <a:solidFill>
                   <a:srgbClr val="000000"/>
                 </a:solidFill>
                 <a:uFill>
                   <a:solidFill>
-                    <a:srgbClr val="ffffff"/>
+                    <a:srgbClr val="FFFFFF"/>
                   </a:solidFill>
                 </a:uFill>
                 <a:latin typeface="Arial"/>
               </a:rPr>
               <a:t>Second Outline Level</a:t>
             </a:r>
-            <a:endParaRPr b="0" lang="nl-NL" sz="1800" spc="-1" strike="noStrike">
-              <a:solidFill>
-                <a:srgbClr val="000000"/>
-              </a:solidFill>
-              <a:uFill>
-                <a:solidFill>
-                  <a:srgbClr val="ffffff"/>
-                </a:solidFill>
-              </a:uFill>
-              <a:latin typeface="Arial"/>
-            </a:endParaRPr>
-          </a:p>
-          <a:p>
-            <a:pPr lvl="2" marL="1296000" indent="-288000">
+          </a:p>
+          <a:p>
+            <a:pPr marL="1296000" lvl="2" indent="-288000">
               <a:buClr>
                 <a:srgbClr val="000000"/>
               </a:buClr>
@@ -4181,33 +4538,22 @@
               <a:buChar char=""/>
             </a:pPr>
             <a:r>
-              <a:rPr b="0" lang="nl-NL" sz="1600" spc="-1" strike="noStrike">
+              <a:rPr lang="nl-NL" sz="1600" b="0" strike="noStrike" spc="-1">
                 <a:solidFill>
                   <a:srgbClr val="000000"/>
                 </a:solidFill>
                 <a:uFill>
                   <a:solidFill>
-                    <a:srgbClr val="ffffff"/>
+                    <a:srgbClr val="FFFFFF"/>
                   </a:solidFill>
                 </a:uFill>
                 <a:latin typeface="Arial"/>
               </a:rPr>
               <a:t>Third Outline Level</a:t>
             </a:r>
-            <a:endParaRPr b="0" lang="nl-NL" sz="1600" spc="-1" strike="noStrike">
-              <a:solidFill>
-                <a:srgbClr val="000000"/>
-              </a:solidFill>
-              <a:uFill>
-                <a:solidFill>
-                  <a:srgbClr val="ffffff"/>
-                </a:solidFill>
-              </a:uFill>
-              <a:latin typeface="Arial"/>
-            </a:endParaRPr>
-          </a:p>
-          <a:p>
-            <a:pPr lvl="3" marL="1728000" indent="-216000">
+          </a:p>
+          <a:p>
+            <a:pPr marL="1728000" lvl="3" indent="-216000">
               <a:buClr>
                 <a:srgbClr val="000000"/>
               </a:buClr>
@@ -4216,33 +4562,22 @@
               <a:buChar char=""/>
             </a:pPr>
             <a:r>
-              <a:rPr b="0" lang="nl-NL" sz="1600" spc="-1" strike="noStrike">
+              <a:rPr lang="nl-NL" sz="1600" b="0" strike="noStrike" spc="-1">
                 <a:solidFill>
                   <a:srgbClr val="000000"/>
                 </a:solidFill>
                 <a:uFill>
                   <a:solidFill>
-                    <a:srgbClr val="ffffff"/>
+                    <a:srgbClr val="FFFFFF"/>
                   </a:solidFill>
                 </a:uFill>
                 <a:latin typeface="Arial"/>
               </a:rPr>
               <a:t>Fourth Outline Level</a:t>
             </a:r>
-            <a:endParaRPr b="0" lang="nl-NL" sz="1600" spc="-1" strike="noStrike">
-              <a:solidFill>
-                <a:srgbClr val="000000"/>
-              </a:solidFill>
-              <a:uFill>
-                <a:solidFill>
-                  <a:srgbClr val="ffffff"/>
-                </a:solidFill>
-              </a:uFill>
-              <a:latin typeface="Arial"/>
-            </a:endParaRPr>
-          </a:p>
-          <a:p>
-            <a:pPr lvl="4" marL="2160000" indent="-216000">
+          </a:p>
+          <a:p>
+            <a:pPr marL="2160000" lvl="4" indent="-216000">
               <a:buClr>
                 <a:srgbClr val="000000"/>
               </a:buClr>
@@ -4251,33 +4586,22 @@
               <a:buChar char=""/>
             </a:pPr>
             <a:r>
-              <a:rPr b="0" lang="nl-NL" sz="2000" spc="-1" strike="noStrike">
+              <a:rPr lang="nl-NL" sz="2000" b="0" strike="noStrike" spc="-1">
                 <a:solidFill>
                   <a:srgbClr val="000000"/>
                 </a:solidFill>
                 <a:uFill>
                   <a:solidFill>
-                    <a:srgbClr val="ffffff"/>
+                    <a:srgbClr val="FFFFFF"/>
                   </a:solidFill>
                 </a:uFill>
                 <a:latin typeface="Arial"/>
               </a:rPr>
               <a:t>Fifth Outline Level</a:t>
             </a:r>
-            <a:endParaRPr b="0" lang="nl-NL" sz="2000" spc="-1" strike="noStrike">
-              <a:solidFill>
-                <a:srgbClr val="000000"/>
-              </a:solidFill>
-              <a:uFill>
-                <a:solidFill>
-                  <a:srgbClr val="ffffff"/>
-                </a:solidFill>
-              </a:uFill>
-              <a:latin typeface="Arial"/>
-            </a:endParaRPr>
-          </a:p>
-          <a:p>
-            <a:pPr lvl="5" marL="2592000" indent="-216000">
+          </a:p>
+          <a:p>
+            <a:pPr marL="2592000" lvl="5" indent="-216000">
               <a:buClr>
                 <a:srgbClr val="000000"/>
               </a:buClr>
@@ -4286,33 +4610,22 @@
               <a:buChar char=""/>
             </a:pPr>
             <a:r>
-              <a:rPr b="0" lang="nl-NL" sz="2000" spc="-1" strike="noStrike">
+              <a:rPr lang="nl-NL" sz="2000" b="0" strike="noStrike" spc="-1">
                 <a:solidFill>
                   <a:srgbClr val="000000"/>
                 </a:solidFill>
                 <a:uFill>
                   <a:solidFill>
-                    <a:srgbClr val="ffffff"/>
+                    <a:srgbClr val="FFFFFF"/>
                   </a:solidFill>
                 </a:uFill>
                 <a:latin typeface="Arial"/>
               </a:rPr>
               <a:t>Sixth Outline Level</a:t>
             </a:r>
-            <a:endParaRPr b="0" lang="nl-NL" sz="2000" spc="-1" strike="noStrike">
-              <a:solidFill>
-                <a:srgbClr val="000000"/>
-              </a:solidFill>
-              <a:uFill>
-                <a:solidFill>
-                  <a:srgbClr val="ffffff"/>
-                </a:solidFill>
-              </a:uFill>
-              <a:latin typeface="Arial"/>
-            </a:endParaRPr>
-          </a:p>
-          <a:p>
-            <a:pPr lvl="6" marL="3024000" indent="-216000">
+          </a:p>
+          <a:p>
+            <a:pPr marL="3024000" lvl="6" indent="-216000">
               <a:buClr>
                 <a:srgbClr val="000000"/>
               </a:buClr>
@@ -4321,64 +4634,334 @@
               <a:buChar char=""/>
             </a:pPr>
             <a:r>
-              <a:rPr b="0" lang="nl-NL" sz="2000" spc="-1" strike="noStrike">
+              <a:rPr lang="nl-NL" sz="2000" b="0" strike="noStrike" spc="-1">
                 <a:solidFill>
                   <a:srgbClr val="000000"/>
                 </a:solidFill>
                 <a:uFill>
                   <a:solidFill>
-                    <a:srgbClr val="ffffff"/>
+                    <a:srgbClr val="FFFFFF"/>
                   </a:solidFill>
                 </a:uFill>
                 <a:latin typeface="Arial"/>
               </a:rPr>
               <a:t>Seventh Outline Level</a:t>
             </a:r>
-            <a:endParaRPr b="0" lang="nl-NL" sz="2000" spc="-1" strike="noStrike">
-              <a:solidFill>
-                <a:srgbClr val="000000"/>
-              </a:solidFill>
-              <a:uFill>
-                <a:solidFill>
-                  <a:srgbClr val="ffffff"/>
-                </a:solidFill>
-              </a:uFill>
-              <a:latin typeface="Arial"/>
-            </a:endParaRPr>
           </a:p>
         </p:txBody>
       </p:sp>
     </p:spTree>
   </p:cSld>
-  <p:clrMap bg1="lt1" bg2="lt2" tx1="dk1" tx2="dk2" accent1="accent1" accent2="accent2" accent3="accent3" accent4="accent4" accent5="accent5" accent6="accent6" hlink="hlink" folHlink="folHlink"/>
+  <p:clrMap bg1="lt1" tx1="dk1" bg2="lt2" tx2="dk2" accent1="accent1" accent2="accent2" accent3="accent3" accent4="accent4" accent5="accent5" accent6="accent6" hlink="hlink" folHlink="folHlink"/>
   <p:sldLayoutIdLst>
-    <p:sldLayoutId id="2147483649" r:id="rId3"/>
-    <p:sldLayoutId id="2147483650" r:id="rId4"/>
-    <p:sldLayoutId id="2147483651" r:id="rId5"/>
-    <p:sldLayoutId id="2147483652" r:id="rId6"/>
-    <p:sldLayoutId id="2147483653" r:id="rId7"/>
-    <p:sldLayoutId id="2147483654" r:id="rId8"/>
-    <p:sldLayoutId id="2147483655" r:id="rId9"/>
-    <p:sldLayoutId id="2147483656" r:id="rId10"/>
-    <p:sldLayoutId id="2147483657" r:id="rId11"/>
-    <p:sldLayoutId id="2147483658" r:id="rId12"/>
-    <p:sldLayoutId id="2147483659" r:id="rId13"/>
-    <p:sldLayoutId id="2147483660" r:id="rId14"/>
+    <p:sldLayoutId id="2147483649" r:id="rId1"/>
+    <p:sldLayoutId id="2147483650" r:id="rId2"/>
+    <p:sldLayoutId id="2147483651" r:id="rId3"/>
+    <p:sldLayoutId id="2147483652" r:id="rId4"/>
+    <p:sldLayoutId id="2147483653" r:id="rId5"/>
+    <p:sldLayoutId id="2147483654" r:id="rId6"/>
+    <p:sldLayoutId id="2147483655" r:id="rId7"/>
+    <p:sldLayoutId id="2147483656" r:id="rId8"/>
+    <p:sldLayoutId id="2147483657" r:id="rId9"/>
+    <p:sldLayoutId id="2147483658" r:id="rId10"/>
+    <p:sldLayoutId id="2147483659" r:id="rId11"/>
+    <p:sldLayoutId id="2147483660" r:id="rId12"/>
   </p:sldLayoutIdLst>
+  <p:txStyles>
+    <p:titleStyle>
+      <a:lvl1pPr algn="l" defTabSz="914400" rtl="0" eaLnBrk="1" latinLnBrk="0" hangingPunct="1">
+        <a:lnSpc>
+          <a:spcPct val="90000"/>
+        </a:lnSpc>
+        <a:spcBef>
+          <a:spcPct val="0"/>
+        </a:spcBef>
+        <a:buNone/>
+        <a:defRPr sz="4400" kern="1200">
+          <a:solidFill>
+            <a:schemeClr val="tx1"/>
+          </a:solidFill>
+          <a:latin typeface="+mj-lt"/>
+          <a:ea typeface="+mj-ea"/>
+          <a:cs typeface="+mj-cs"/>
+        </a:defRPr>
+      </a:lvl1pPr>
+    </p:titleStyle>
+    <p:bodyStyle>
+      <a:lvl1pPr marL="228600" indent="-228600" algn="l" defTabSz="914400" rtl="0" eaLnBrk="1" latinLnBrk="0" hangingPunct="1">
+        <a:lnSpc>
+          <a:spcPct val="90000"/>
+        </a:lnSpc>
+        <a:spcBef>
+          <a:spcPts val="1000"/>
+        </a:spcBef>
+        <a:buFont typeface="Arial" panose="020B0604020202020204" pitchFamily="34" charset="0"/>
+        <a:buChar char="•"/>
+        <a:defRPr sz="2800" kern="1200">
+          <a:solidFill>
+            <a:schemeClr val="tx1"/>
+          </a:solidFill>
+          <a:latin typeface="+mn-lt"/>
+          <a:ea typeface="+mn-ea"/>
+          <a:cs typeface="+mn-cs"/>
+        </a:defRPr>
+      </a:lvl1pPr>
+      <a:lvl2pPr marL="685800" indent="-228600" algn="l" defTabSz="914400" rtl="0" eaLnBrk="1" latinLnBrk="0" hangingPunct="1">
+        <a:lnSpc>
+          <a:spcPct val="90000"/>
+        </a:lnSpc>
+        <a:spcBef>
+          <a:spcPts val="500"/>
+        </a:spcBef>
+        <a:buFont typeface="Arial" panose="020B0604020202020204" pitchFamily="34" charset="0"/>
+        <a:buChar char="•"/>
+        <a:defRPr sz="2400" kern="1200">
+          <a:solidFill>
+            <a:schemeClr val="tx1"/>
+          </a:solidFill>
+          <a:latin typeface="+mn-lt"/>
+          <a:ea typeface="+mn-ea"/>
+          <a:cs typeface="+mn-cs"/>
+        </a:defRPr>
+      </a:lvl2pPr>
+      <a:lvl3pPr marL="1143000" indent="-228600" algn="l" defTabSz="914400" rtl="0" eaLnBrk="1" latinLnBrk="0" hangingPunct="1">
+        <a:lnSpc>
+          <a:spcPct val="90000"/>
+        </a:lnSpc>
+        <a:spcBef>
+          <a:spcPts val="500"/>
+        </a:spcBef>
+        <a:buFont typeface="Arial" panose="020B0604020202020204" pitchFamily="34" charset="0"/>
+        <a:buChar char="•"/>
+        <a:defRPr sz="2000" kern="1200">
+          <a:solidFill>
+            <a:schemeClr val="tx1"/>
+          </a:solidFill>
+          <a:latin typeface="+mn-lt"/>
+          <a:ea typeface="+mn-ea"/>
+          <a:cs typeface="+mn-cs"/>
+        </a:defRPr>
+      </a:lvl3pPr>
+      <a:lvl4pPr marL="1600200" indent="-228600" algn="l" defTabSz="914400" rtl="0" eaLnBrk="1" latinLnBrk="0" hangingPunct="1">
+        <a:lnSpc>
+          <a:spcPct val="90000"/>
+        </a:lnSpc>
+        <a:spcBef>
+          <a:spcPts val="500"/>
+        </a:spcBef>
+        <a:buFont typeface="Arial" panose="020B0604020202020204" pitchFamily="34" charset="0"/>
+        <a:buChar char="•"/>
+        <a:defRPr sz="1800" kern="1200">
+          <a:solidFill>
+            <a:schemeClr val="tx1"/>
+          </a:solidFill>
+          <a:latin typeface="+mn-lt"/>
+          <a:ea typeface="+mn-ea"/>
+          <a:cs typeface="+mn-cs"/>
+        </a:defRPr>
+      </a:lvl4pPr>
+      <a:lvl5pPr marL="2057400" indent="-228600" algn="l" defTabSz="914400" rtl="0" eaLnBrk="1" latinLnBrk="0" hangingPunct="1">
+        <a:lnSpc>
+          <a:spcPct val="90000"/>
+        </a:lnSpc>
+        <a:spcBef>
+          <a:spcPts val="500"/>
+        </a:spcBef>
+        <a:buFont typeface="Arial" panose="020B0604020202020204" pitchFamily="34" charset="0"/>
+        <a:buChar char="•"/>
+        <a:defRPr sz="1800" kern="1200">
+          <a:solidFill>
+            <a:schemeClr val="tx1"/>
+          </a:solidFill>
+          <a:latin typeface="+mn-lt"/>
+          <a:ea typeface="+mn-ea"/>
+          <a:cs typeface="+mn-cs"/>
+        </a:defRPr>
+      </a:lvl5pPr>
+      <a:lvl6pPr marL="2514600" indent="-228600" algn="l" defTabSz="914400" rtl="0" eaLnBrk="1" latinLnBrk="0" hangingPunct="1">
+        <a:lnSpc>
+          <a:spcPct val="90000"/>
+        </a:lnSpc>
+        <a:spcBef>
+          <a:spcPts val="500"/>
+        </a:spcBef>
+        <a:buFont typeface="Arial" panose="020B0604020202020204" pitchFamily="34" charset="0"/>
+        <a:buChar char="•"/>
+        <a:defRPr sz="1800" kern="1200">
+          <a:solidFill>
+            <a:schemeClr val="tx1"/>
+          </a:solidFill>
+          <a:latin typeface="+mn-lt"/>
+          <a:ea typeface="+mn-ea"/>
+          <a:cs typeface="+mn-cs"/>
+        </a:defRPr>
+      </a:lvl6pPr>
+      <a:lvl7pPr marL="2971800" indent="-228600" algn="l" defTabSz="914400" rtl="0" eaLnBrk="1" latinLnBrk="0" hangingPunct="1">
+        <a:lnSpc>
+          <a:spcPct val="90000"/>
+        </a:lnSpc>
+        <a:spcBef>
+          <a:spcPts val="500"/>
+        </a:spcBef>
+        <a:buFont typeface="Arial" panose="020B0604020202020204" pitchFamily="34" charset="0"/>
+        <a:buChar char="•"/>
+        <a:defRPr sz="1800" kern="1200">
+          <a:solidFill>
+            <a:schemeClr val="tx1"/>
+          </a:solidFill>
+          <a:latin typeface="+mn-lt"/>
+          <a:ea typeface="+mn-ea"/>
+          <a:cs typeface="+mn-cs"/>
+        </a:defRPr>
+      </a:lvl7pPr>
+      <a:lvl8pPr marL="3429000" indent="-228600" algn="l" defTabSz="914400" rtl="0" eaLnBrk="1" latinLnBrk="0" hangingPunct="1">
+        <a:lnSpc>
+          <a:spcPct val="90000"/>
+        </a:lnSpc>
+        <a:spcBef>
+          <a:spcPts val="500"/>
+        </a:spcBef>
+        <a:buFont typeface="Arial" panose="020B0604020202020204" pitchFamily="34" charset="0"/>
+        <a:buChar char="•"/>
+        <a:defRPr sz="1800" kern="1200">
+          <a:solidFill>
+            <a:schemeClr val="tx1"/>
+          </a:solidFill>
+          <a:latin typeface="+mn-lt"/>
+          <a:ea typeface="+mn-ea"/>
+          <a:cs typeface="+mn-cs"/>
+        </a:defRPr>
+      </a:lvl8pPr>
+      <a:lvl9pPr marL="3886200" indent="-228600" algn="l" defTabSz="914400" rtl="0" eaLnBrk="1" latinLnBrk="0" hangingPunct="1">
+        <a:lnSpc>
+          <a:spcPct val="90000"/>
+        </a:lnSpc>
+        <a:spcBef>
+          <a:spcPts val="500"/>
+        </a:spcBef>
+        <a:buFont typeface="Arial" panose="020B0604020202020204" pitchFamily="34" charset="0"/>
+        <a:buChar char="•"/>
+        <a:defRPr sz="1800" kern="1200">
+          <a:solidFill>
+            <a:schemeClr val="tx1"/>
+          </a:solidFill>
+          <a:latin typeface="+mn-lt"/>
+          <a:ea typeface="+mn-ea"/>
+          <a:cs typeface="+mn-cs"/>
+        </a:defRPr>
+      </a:lvl9pPr>
+    </p:bodyStyle>
+    <p:otherStyle>
+      <a:defPPr>
+        <a:defRPr lang="tr-TR"/>
+      </a:defPPr>
+      <a:lvl1pPr marL="0" algn="l" defTabSz="914400" rtl="0" eaLnBrk="1" latinLnBrk="0" hangingPunct="1">
+        <a:defRPr sz="1800" kern="1200">
+          <a:solidFill>
+            <a:schemeClr val="tx1"/>
+          </a:solidFill>
+          <a:latin typeface="+mn-lt"/>
+          <a:ea typeface="+mn-ea"/>
+          <a:cs typeface="+mn-cs"/>
+        </a:defRPr>
+      </a:lvl1pPr>
+      <a:lvl2pPr marL="457200" algn="l" defTabSz="914400" rtl="0" eaLnBrk="1" latinLnBrk="0" hangingPunct="1">
+        <a:defRPr sz="1800" kern="1200">
+          <a:solidFill>
+            <a:schemeClr val="tx1"/>
+          </a:solidFill>
+          <a:latin typeface="+mn-lt"/>
+          <a:ea typeface="+mn-ea"/>
+          <a:cs typeface="+mn-cs"/>
+        </a:defRPr>
+      </a:lvl2pPr>
+      <a:lvl3pPr marL="914400" algn="l" defTabSz="914400" rtl="0" eaLnBrk="1" latinLnBrk="0" hangingPunct="1">
+        <a:defRPr sz="1800" kern="1200">
+          <a:solidFill>
+            <a:schemeClr val="tx1"/>
+          </a:solidFill>
+          <a:latin typeface="+mn-lt"/>
+          <a:ea typeface="+mn-ea"/>
+          <a:cs typeface="+mn-cs"/>
+        </a:defRPr>
+      </a:lvl3pPr>
+      <a:lvl4pPr marL="1371600" algn="l" defTabSz="914400" rtl="0" eaLnBrk="1" latinLnBrk="0" hangingPunct="1">
+        <a:defRPr sz="1800" kern="1200">
+          <a:solidFill>
+            <a:schemeClr val="tx1"/>
+          </a:solidFill>
+          <a:latin typeface="+mn-lt"/>
+          <a:ea typeface="+mn-ea"/>
+          <a:cs typeface="+mn-cs"/>
+        </a:defRPr>
+      </a:lvl4pPr>
+      <a:lvl5pPr marL="1828800" algn="l" defTabSz="914400" rtl="0" eaLnBrk="1" latinLnBrk="0" hangingPunct="1">
+        <a:defRPr sz="1800" kern="1200">
+          <a:solidFill>
+            <a:schemeClr val="tx1"/>
+          </a:solidFill>
+          <a:latin typeface="+mn-lt"/>
+          <a:ea typeface="+mn-ea"/>
+          <a:cs typeface="+mn-cs"/>
+        </a:defRPr>
+      </a:lvl5pPr>
+      <a:lvl6pPr marL="2286000" algn="l" defTabSz="914400" rtl="0" eaLnBrk="1" latinLnBrk="0" hangingPunct="1">
+        <a:defRPr sz="1800" kern="1200">
+          <a:solidFill>
+            <a:schemeClr val="tx1"/>
+          </a:solidFill>
+          <a:latin typeface="+mn-lt"/>
+          <a:ea typeface="+mn-ea"/>
+          <a:cs typeface="+mn-cs"/>
+        </a:defRPr>
+      </a:lvl6pPr>
+      <a:lvl7pPr marL="2743200" algn="l" defTabSz="914400" rtl="0" eaLnBrk="1" latinLnBrk="0" hangingPunct="1">
+        <a:defRPr sz="1800" kern="1200">
+          <a:solidFill>
+            <a:schemeClr val="tx1"/>
+          </a:solidFill>
+          <a:latin typeface="+mn-lt"/>
+          <a:ea typeface="+mn-ea"/>
+          <a:cs typeface="+mn-cs"/>
+        </a:defRPr>
+      </a:lvl7pPr>
+      <a:lvl8pPr marL="3200400" algn="l" defTabSz="914400" rtl="0" eaLnBrk="1" latinLnBrk="0" hangingPunct="1">
+        <a:defRPr sz="1800" kern="1200">
+          <a:solidFill>
+            <a:schemeClr val="tx1"/>
+          </a:solidFill>
+          <a:latin typeface="+mn-lt"/>
+          <a:ea typeface="+mn-ea"/>
+          <a:cs typeface="+mn-cs"/>
+        </a:defRPr>
+      </a:lvl8pPr>
+      <a:lvl9pPr marL="3657600" algn="l" defTabSz="914400" rtl="0" eaLnBrk="1" latinLnBrk="0" hangingPunct="1">
+        <a:defRPr sz="1800" kern="1200">
+          <a:solidFill>
+            <a:schemeClr val="tx1"/>
+          </a:solidFill>
+          <a:latin typeface="+mn-lt"/>
+          <a:ea typeface="+mn-ea"/>
+          <a:cs typeface="+mn-cs"/>
+        </a:defRPr>
+      </a:lvl9pPr>
+    </p:otherStyle>
+  </p:txStyles>
 </p:sldMaster>
 </file>
 
 <file path=ppt/slideMasters/slideMaster2.xml><?xml version="1.0" encoding="utf-8"?>
-<p:sldMaster xmlns:a="http://schemas.openxmlformats.org/drawingml/2006/main" xmlns:p="http://schemas.openxmlformats.org/presentationml/2006/main" xmlns:r="http://schemas.openxmlformats.org/officeDocument/2006/relationships" xmlns:p14="http://schemas.microsoft.com/office/powerpoint/2010/main" xmlns:p15="http://schemas.microsoft.com/office/powerpoint/2012/main" xmlns:mc="http://schemas.openxmlformats.org/markup-compatibility/2006">
+<p:sldMaster xmlns:a="http://schemas.openxmlformats.org/drawingml/2006/main" xmlns:r="http://schemas.openxmlformats.org/officeDocument/2006/relationships" xmlns:p="http://schemas.openxmlformats.org/presentationml/2006/main">
   <p:cSld>
     <p:bg>
       <p:bgPr>
         <a:blipFill>
-          <a:blip r:embed="rId2"/>
+          <a:blip r:embed="rId14"/>
           <a:stretch>
             <a:fillRect/>
           </a:stretch>
         </a:blipFill>
+        <a:effectLst/>
       </p:bgPr>
     </p:bg>
     <p:spTree>
@@ -4415,13 +4998,20 @@
           </a:ln>
         </p:spPr>
         <p:style>
-          <a:lnRef idx="0"/>
-          <a:fillRef idx="0"/>
-          <a:effectRef idx="0"/>
+          <a:lnRef idx="0">
+            <a:scrgbClr r="0" g="0" b="0"/>
+          </a:lnRef>
+          <a:fillRef idx="0">
+            <a:scrgbClr r="0" g="0" b="0"/>
+          </a:fillRef>
+          <a:effectRef idx="0">
+            <a:scrgbClr r="0" g="0" b="0"/>
+          </a:effectRef>
           <a:fontRef idx="minor"/>
         </p:style>
         <p:txBody>
-          <a:bodyPr lIns="90000" rIns="90000" tIns="45000" bIns="45000" anchor="b"/>
+          <a:bodyPr lIns="90000" tIns="45000" rIns="90000" bIns="45000" anchor="b"/>
+          <a:lstStyle/>
           <a:p>
             <a:pPr algn="r">
               <a:lnSpc>
@@ -4429,26 +5019,26 @@
               </a:lnSpc>
             </a:pPr>
             <a:fld id="{A9CBD70F-60D2-4C26-AA6C-D3FB9297B567}" type="slidenum">
-              <a:rPr b="0" lang="en-US" sz="800" spc="-1" strike="noStrike">
+              <a:rPr lang="en-US" sz="800" b="0" strike="noStrike" spc="-1">
                 <a:solidFill>
                   <a:srgbClr val="004621"/>
                 </a:solidFill>
                 <a:uFill>
                   <a:solidFill>
-                    <a:srgbClr val="ffffff"/>
-                  </a:solidFill>
-                </a:uFill>
-                <a:latin typeface="Arial"/>
-              </a:rPr>
-              <a:t>&lt;number&gt;</a:t>
+                    <a:srgbClr val="FFFFFF"/>
+                  </a:solidFill>
+                </a:uFill>
+                <a:latin typeface="Arial"/>
+              </a:rPr>
+              <a:t>‹#›</a:t>
             </a:fld>
-            <a:endParaRPr b="0" lang="en-US" sz="1800" spc="-1" strike="noStrike">
-              <a:solidFill>
-                <a:srgbClr val="000000"/>
-              </a:solidFill>
-              <a:uFill>
-                <a:solidFill>
-                  <a:srgbClr val="ffffff"/>
+            <a:endParaRPr lang="en-US" sz="1800" b="0" strike="noStrike" spc="-1">
+              <a:solidFill>
+                <a:srgbClr val="000000"/>
+              </a:solidFill>
+              <a:uFill>
+                <a:solidFill>
+                  <a:srgbClr val="FFFFFF"/>
                 </a:solidFill>
               </a:uFill>
               <a:latin typeface="Arial"/>
@@ -4477,6 +5067,7 @@
         </p:spPr>
         <p:txBody>
           <a:bodyPr anchor="b"/>
+          <a:lstStyle/>
           <a:p>
             <a:pPr>
               <a:lnSpc>
@@ -4484,55 +5075,27 @@
               </a:lnSpc>
             </a:pPr>
             <a:r>
-              <a:rPr b="1" lang="nl-NL" sz="2400" spc="-1" strike="noStrike">
-                <a:solidFill>
-                  <a:srgbClr val="00a651"/>
-                </a:solidFill>
-                <a:uFill>
-                  <a:solidFill>
-                    <a:srgbClr val="ffffff"/>
-                  </a:solidFill>
-                </a:uFill>
-                <a:latin typeface="Arial"/>
-              </a:rPr>
-              <a:t>Title of your slide (Arial bold 24 pts)</a:t>
-            </a:r>
-            <a:r>
-              <a:rPr b="1" lang="nl-NL" sz="2400" spc="-1" strike="noStrike">
-                <a:solidFill>
-                  <a:srgbClr val="00a651"/>
-                </a:solidFill>
-                <a:uFill>
-                  <a:solidFill>
-                    <a:srgbClr val="ffffff"/>
-                  </a:solidFill>
-                </a:uFill>
-                <a:latin typeface="Arial"/>
-              </a:rPr>
-              <a:t>
-</a:t>
-            </a:r>
-            <a:r>
-              <a:rPr b="1" lang="nl-NL" sz="2400" spc="-1" strike="noStrike">
-                <a:solidFill>
-                  <a:srgbClr val="00a651"/>
-                </a:solidFill>
-                <a:uFill>
-                  <a:solidFill>
-                    <a:srgbClr val="ffffff"/>
-                  </a:solidFill>
-                </a:uFill>
-                <a:latin typeface="Arial"/>
-              </a:rPr>
-              <a:t>Subtitle - if applicable - (Arial bold 24 pts)</a:t>
-            </a:r>
-            <a:endParaRPr b="0" lang="nl-NL" sz="1800" spc="-1" strike="noStrike">
-              <a:solidFill>
-                <a:srgbClr val="000000"/>
-              </a:solidFill>
-              <a:uFill>
-                <a:solidFill>
-                  <a:srgbClr val="ffffff"/>
+              <a:rPr lang="nl-NL" sz="2400" b="1" strike="noStrike" spc="-1">
+                <a:solidFill>
+                  <a:srgbClr val="00A651"/>
+                </a:solidFill>
+                <a:uFill>
+                  <a:solidFill>
+                    <a:srgbClr val="FFFFFF"/>
+                  </a:solidFill>
+                </a:uFill>
+                <a:latin typeface="Arial"/>
+              </a:rPr>
+              <a:t>Title of your slide (Arial bold 24 pts)
+Subtitle - if applicable - (Arial bold 24 pts)</a:t>
+            </a:r>
+            <a:endParaRPr lang="nl-NL" sz="1800" b="0" strike="noStrike" spc="-1">
+              <a:solidFill>
+                <a:srgbClr val="000000"/>
+              </a:solidFill>
+              <a:uFill>
+                <a:solidFill>
+                  <a:srgbClr val="FFFFFF"/>
                 </a:solidFill>
               </a:uFill>
               <a:latin typeface="Calibri"/>
@@ -4561,6 +5124,7 @@
         </p:spPr>
         <p:txBody>
           <a:bodyPr/>
+          <a:lstStyle/>
           <a:p>
             <a:pPr marL="432000" indent="-324000">
               <a:buClr>
@@ -4571,33 +5135,22 @@
               <a:buChar char=""/>
             </a:pPr>
             <a:r>
-              <a:rPr b="0" lang="nl-NL" sz="2200" spc="-1" strike="noStrike">
+              <a:rPr lang="nl-NL" sz="2200" b="0" strike="noStrike" spc="-1">
                 <a:solidFill>
                   <a:srgbClr val="000000"/>
                 </a:solidFill>
                 <a:uFill>
                   <a:solidFill>
-                    <a:srgbClr val="ffffff"/>
+                    <a:srgbClr val="FFFFFF"/>
                   </a:solidFill>
                 </a:uFill>
                 <a:latin typeface="Arial"/>
               </a:rPr>
               <a:t>Click to edit the outline text format</a:t>
             </a:r>
-            <a:endParaRPr b="0" lang="nl-NL" sz="2200" spc="-1" strike="noStrike">
-              <a:solidFill>
-                <a:srgbClr val="000000"/>
-              </a:solidFill>
-              <a:uFill>
-                <a:solidFill>
-                  <a:srgbClr val="ffffff"/>
-                </a:solidFill>
-              </a:uFill>
-              <a:latin typeface="Arial"/>
-            </a:endParaRPr>
-          </a:p>
-          <a:p>
-            <a:pPr lvl="1" marL="864000" indent="-324000">
+          </a:p>
+          <a:p>
+            <a:pPr marL="864000" lvl="1" indent="-324000">
               <a:buClr>
                 <a:srgbClr val="000000"/>
               </a:buClr>
@@ -4606,33 +5159,22 @@
               <a:buChar char=""/>
             </a:pPr>
             <a:r>
-              <a:rPr b="0" lang="nl-NL" sz="2200" spc="-1" strike="noStrike">
+              <a:rPr lang="nl-NL" sz="2200" b="0" strike="noStrike" spc="-1">
                 <a:solidFill>
                   <a:srgbClr val="000000"/>
                 </a:solidFill>
                 <a:uFill>
                   <a:solidFill>
-                    <a:srgbClr val="ffffff"/>
+                    <a:srgbClr val="FFFFFF"/>
                   </a:solidFill>
                 </a:uFill>
                 <a:latin typeface="Arial"/>
               </a:rPr>
               <a:t>Second Outline Level</a:t>
             </a:r>
-            <a:endParaRPr b="0" lang="nl-NL" sz="2200" spc="-1" strike="noStrike">
-              <a:solidFill>
-                <a:srgbClr val="000000"/>
-              </a:solidFill>
-              <a:uFill>
-                <a:solidFill>
-                  <a:srgbClr val="ffffff"/>
-                </a:solidFill>
-              </a:uFill>
-              <a:latin typeface="Arial"/>
-            </a:endParaRPr>
-          </a:p>
-          <a:p>
-            <a:pPr lvl="2" marL="1296000" indent="-288000">
+          </a:p>
+          <a:p>
+            <a:pPr marL="1296000" lvl="2" indent="-288000">
               <a:buClr>
                 <a:srgbClr val="000000"/>
               </a:buClr>
@@ -4641,33 +5183,22 @@
               <a:buChar char=""/>
             </a:pPr>
             <a:r>
-              <a:rPr b="0" lang="nl-NL" sz="2200" spc="-1" strike="noStrike">
+              <a:rPr lang="nl-NL" sz="2200" b="0" strike="noStrike" spc="-1">
                 <a:solidFill>
                   <a:srgbClr val="000000"/>
                 </a:solidFill>
                 <a:uFill>
                   <a:solidFill>
-                    <a:srgbClr val="ffffff"/>
+                    <a:srgbClr val="FFFFFF"/>
                   </a:solidFill>
                 </a:uFill>
                 <a:latin typeface="Arial"/>
               </a:rPr>
               <a:t>Third Outline Level</a:t>
             </a:r>
-            <a:endParaRPr b="0" lang="nl-NL" sz="2200" spc="-1" strike="noStrike">
-              <a:solidFill>
-                <a:srgbClr val="000000"/>
-              </a:solidFill>
-              <a:uFill>
-                <a:solidFill>
-                  <a:srgbClr val="ffffff"/>
-                </a:solidFill>
-              </a:uFill>
-              <a:latin typeface="Arial"/>
-            </a:endParaRPr>
-          </a:p>
-          <a:p>
-            <a:pPr lvl="3" marL="1728000" indent="-216000">
+          </a:p>
+          <a:p>
+            <a:pPr marL="1728000" lvl="3" indent="-216000">
               <a:buClr>
                 <a:srgbClr val="000000"/>
               </a:buClr>
@@ -4676,33 +5207,22 @@
               <a:buChar char=""/>
             </a:pPr>
             <a:r>
-              <a:rPr b="0" lang="nl-NL" sz="2200" spc="-1" strike="noStrike">
+              <a:rPr lang="nl-NL" sz="2200" b="0" strike="noStrike" spc="-1">
                 <a:solidFill>
                   <a:srgbClr val="000000"/>
                 </a:solidFill>
                 <a:uFill>
                   <a:solidFill>
-                    <a:srgbClr val="ffffff"/>
+                    <a:srgbClr val="FFFFFF"/>
                   </a:solidFill>
                 </a:uFill>
                 <a:latin typeface="Arial"/>
               </a:rPr>
               <a:t>Fourth Outline Level</a:t>
             </a:r>
-            <a:endParaRPr b="0" lang="nl-NL" sz="2200" spc="-1" strike="noStrike">
-              <a:solidFill>
-                <a:srgbClr val="000000"/>
-              </a:solidFill>
-              <a:uFill>
-                <a:solidFill>
-                  <a:srgbClr val="ffffff"/>
-                </a:solidFill>
-              </a:uFill>
-              <a:latin typeface="Arial"/>
-            </a:endParaRPr>
-          </a:p>
-          <a:p>
-            <a:pPr lvl="4" marL="2160000" indent="-216000">
+          </a:p>
+          <a:p>
+            <a:pPr marL="2160000" lvl="4" indent="-216000">
               <a:buClr>
                 <a:srgbClr val="000000"/>
               </a:buClr>
@@ -4711,33 +5231,22 @@
               <a:buChar char=""/>
             </a:pPr>
             <a:r>
-              <a:rPr b="0" lang="nl-NL" sz="2200" spc="-1" strike="noStrike">
+              <a:rPr lang="nl-NL" sz="2200" b="0" strike="noStrike" spc="-1">
                 <a:solidFill>
                   <a:srgbClr val="000000"/>
                 </a:solidFill>
                 <a:uFill>
                   <a:solidFill>
-                    <a:srgbClr val="ffffff"/>
+                    <a:srgbClr val="FFFFFF"/>
                   </a:solidFill>
                 </a:uFill>
                 <a:latin typeface="Arial"/>
               </a:rPr>
               <a:t>Fifth Outline Level</a:t>
             </a:r>
-            <a:endParaRPr b="0" lang="nl-NL" sz="2200" spc="-1" strike="noStrike">
-              <a:solidFill>
-                <a:srgbClr val="000000"/>
-              </a:solidFill>
-              <a:uFill>
-                <a:solidFill>
-                  <a:srgbClr val="ffffff"/>
-                </a:solidFill>
-              </a:uFill>
-              <a:latin typeface="Arial"/>
-            </a:endParaRPr>
-          </a:p>
-          <a:p>
-            <a:pPr lvl="5" marL="2592000" indent="-216000">
+          </a:p>
+          <a:p>
+            <a:pPr marL="2592000" lvl="5" indent="-216000">
               <a:buClr>
                 <a:srgbClr val="000000"/>
               </a:buClr>
@@ -4746,30 +5255,19 @@
               <a:buChar char=""/>
             </a:pPr>
             <a:r>
-              <a:rPr b="0" lang="nl-NL" sz="2200" spc="-1" strike="noStrike">
+              <a:rPr lang="nl-NL" sz="2200" b="0" strike="noStrike" spc="-1">
                 <a:solidFill>
                   <a:srgbClr val="000000"/>
                 </a:solidFill>
                 <a:uFill>
                   <a:solidFill>
-                    <a:srgbClr val="ffffff"/>
+                    <a:srgbClr val="FFFFFF"/>
                   </a:solidFill>
                 </a:uFill>
                 <a:latin typeface="Arial"/>
               </a:rPr>
               <a:t>Sixth Outline Level</a:t>
             </a:r>
-            <a:endParaRPr b="0" lang="nl-NL" sz="2200" spc="-1" strike="noStrike">
-              <a:solidFill>
-                <a:srgbClr val="000000"/>
-              </a:solidFill>
-              <a:uFill>
-                <a:solidFill>
-                  <a:srgbClr val="ffffff"/>
-                </a:solidFill>
-              </a:uFill>
-              <a:latin typeface="Arial"/>
-            </a:endParaRPr>
           </a:p>
           <a:p>
             <a:pPr>
@@ -4778,30 +5276,19 @@
               </a:lnSpc>
             </a:pPr>
             <a:r>
-              <a:rPr b="0" lang="nl-NL" sz="2200" spc="-1" strike="noStrike">
+              <a:rPr lang="nl-NL" sz="2200" b="0" strike="noStrike" spc="-1">
                 <a:solidFill>
                   <a:srgbClr val="000000"/>
                 </a:solidFill>
                 <a:uFill>
                   <a:solidFill>
-                    <a:srgbClr val="ffffff"/>
+                    <a:srgbClr val="FFFFFF"/>
                   </a:solidFill>
                 </a:uFill>
                 <a:latin typeface="Arial"/>
               </a:rPr>
               <a:t>Seventh Outline LevelClick to edit Master text styles (22 pts)</a:t>
             </a:r>
-            <a:endParaRPr b="0" lang="nl-NL" sz="2200" spc="-1" strike="noStrike">
-              <a:solidFill>
-                <a:srgbClr val="000000"/>
-              </a:solidFill>
-              <a:uFill>
-                <a:solidFill>
-                  <a:srgbClr val="ffffff"/>
-                </a:solidFill>
-              </a:uFill>
-              <a:latin typeface="Arial"/>
-            </a:endParaRPr>
           </a:p>
           <a:p>
             <a:pPr>
@@ -4809,13 +5296,13 @@
                 <a:spcPct val="100000"/>
               </a:lnSpc>
             </a:pPr>
-            <a:endParaRPr b="0" lang="nl-NL" sz="2200" spc="-1" strike="noStrike">
-              <a:solidFill>
-                <a:srgbClr val="000000"/>
-              </a:solidFill>
-              <a:uFill>
-                <a:solidFill>
-                  <a:srgbClr val="ffffff"/>
+            <a:endParaRPr lang="nl-NL" sz="2200" b="0" strike="noStrike" spc="-1">
+              <a:solidFill>
+                <a:srgbClr val="000000"/>
+              </a:solidFill>
+              <a:uFill>
+                <a:solidFill>
+                  <a:srgbClr val="FFFFFF"/>
                 </a:solidFill>
               </a:uFill>
               <a:latin typeface="Arial"/>
@@ -4833,33 +5320,22 @@
               <a:buChar char=""/>
             </a:pPr>
             <a:r>
-              <a:rPr b="0" lang="nl-NL" sz="2200" spc="-1" strike="noStrike">
+              <a:rPr lang="nl-NL" sz="2200" b="0" strike="noStrike" spc="-1">
                 <a:solidFill>
                   <a:srgbClr val="000000"/>
                 </a:solidFill>
                 <a:uFill>
                   <a:solidFill>
-                    <a:srgbClr val="ffffff"/>
+                    <a:srgbClr val="FFFFFF"/>
                   </a:solidFill>
                 </a:uFill>
                 <a:latin typeface="Arial"/>
               </a:rPr>
               <a:t>Click to edit Master text styles (22 pts)</a:t>
             </a:r>
-            <a:endParaRPr b="0" lang="nl-NL" sz="2200" spc="-1" strike="noStrike">
-              <a:solidFill>
-                <a:srgbClr val="000000"/>
-              </a:solidFill>
-              <a:uFill>
-                <a:solidFill>
-                  <a:srgbClr val="ffffff"/>
-                </a:solidFill>
-              </a:uFill>
-              <a:latin typeface="Arial"/>
-            </a:endParaRPr>
-          </a:p>
-          <a:p>
-            <a:pPr lvl="1" marL="625320" indent="-264600">
+          </a:p>
+          <a:p>
+            <a:pPr marL="625320" lvl="1" indent="-264600">
               <a:lnSpc>
                 <a:spcPct val="100000"/>
               </a:lnSpc>
@@ -4870,33 +5346,33 @@
               <a:buChar char="­"/>
             </a:pPr>
             <a:r>
-              <a:rPr b="0" lang="nl-NL" sz="2000" spc="-1" strike="noStrike">
+              <a:rPr lang="nl-NL" sz="2000" b="0" strike="noStrike" spc="-1">
                 <a:solidFill>
                   <a:srgbClr val="000000"/>
                 </a:solidFill>
                 <a:uFill>
                   <a:solidFill>
-                    <a:srgbClr val="ffffff"/>
+                    <a:srgbClr val="FFFFFF"/>
                   </a:solidFill>
                 </a:uFill>
                 <a:latin typeface="Arial"/>
               </a:rPr>
               <a:t>Second level (20 pts)</a:t>
             </a:r>
-            <a:endParaRPr b="0" lang="nl-NL" sz="2200" spc="-1" strike="noStrike">
-              <a:solidFill>
-                <a:srgbClr val="000000"/>
-              </a:solidFill>
-              <a:uFill>
-                <a:solidFill>
-                  <a:srgbClr val="ffffff"/>
+            <a:endParaRPr lang="nl-NL" sz="2200" b="0" strike="noStrike" spc="-1">
+              <a:solidFill>
+                <a:srgbClr val="000000"/>
+              </a:solidFill>
+              <a:uFill>
+                <a:solidFill>
+                  <a:srgbClr val="FFFFFF"/>
                 </a:solidFill>
               </a:uFill>
               <a:latin typeface="Arial"/>
             </a:endParaRPr>
           </a:p>
           <a:p>
-            <a:pPr lvl="2" marL="898560" indent="-272520">
+            <a:pPr marL="898560" lvl="2" indent="-272520">
               <a:lnSpc>
                 <a:spcPct val="100000"/>
               </a:lnSpc>
@@ -4907,33 +5383,33 @@
               <a:buChar char=""/>
             </a:pPr>
             <a:r>
-              <a:rPr b="0" lang="nl-NL" sz="1800" spc="-1" strike="noStrike">
+              <a:rPr lang="nl-NL" sz="1800" b="0" strike="noStrike" spc="-1">
                 <a:solidFill>
                   <a:srgbClr val="000000"/>
                 </a:solidFill>
                 <a:uFill>
                   <a:solidFill>
-                    <a:srgbClr val="ffffff"/>
+                    <a:srgbClr val="FFFFFF"/>
                   </a:solidFill>
                 </a:uFill>
                 <a:latin typeface="Arial"/>
               </a:rPr>
               <a:t>Third level (18 pts)</a:t>
             </a:r>
-            <a:endParaRPr b="0" lang="nl-NL" sz="2200" spc="-1" strike="noStrike">
-              <a:solidFill>
-                <a:srgbClr val="000000"/>
-              </a:solidFill>
-              <a:uFill>
-                <a:solidFill>
-                  <a:srgbClr val="ffffff"/>
+            <a:endParaRPr lang="nl-NL" sz="2200" b="0" strike="noStrike" spc="-1">
+              <a:solidFill>
+                <a:srgbClr val="000000"/>
+              </a:solidFill>
+              <a:uFill>
+                <a:solidFill>
+                  <a:srgbClr val="FFFFFF"/>
                 </a:solidFill>
               </a:uFill>
               <a:latin typeface="Arial"/>
             </a:endParaRPr>
           </a:p>
           <a:p>
-            <a:pPr lvl="3" marL="1163520" indent="-264600">
+            <a:pPr marL="1163520" lvl="3" indent="-264600">
               <a:lnSpc>
                 <a:spcPct val="100000"/>
               </a:lnSpc>
@@ -4944,33 +5420,33 @@
               <a:buChar char="­"/>
             </a:pPr>
             <a:r>
-              <a:rPr b="0" lang="nl-NL" sz="1600" spc="-1" strike="noStrike">
+              <a:rPr lang="nl-NL" sz="1600" b="0" strike="noStrike" spc="-1">
                 <a:solidFill>
                   <a:srgbClr val="000000"/>
                 </a:solidFill>
                 <a:uFill>
                   <a:solidFill>
-                    <a:srgbClr val="ffffff"/>
+                    <a:srgbClr val="FFFFFF"/>
                   </a:solidFill>
                 </a:uFill>
                 <a:latin typeface="Arial"/>
               </a:rPr>
               <a:t>Fourth level (16 pts)</a:t>
             </a:r>
-            <a:endParaRPr b="0" lang="nl-NL" sz="2200" spc="-1" strike="noStrike">
-              <a:solidFill>
-                <a:srgbClr val="000000"/>
-              </a:solidFill>
-              <a:uFill>
-                <a:solidFill>
-                  <a:srgbClr val="ffffff"/>
+            <a:endParaRPr lang="nl-NL" sz="2200" b="0" strike="noStrike" spc="-1">
+              <a:solidFill>
+                <a:srgbClr val="000000"/>
+              </a:solidFill>
+              <a:uFill>
+                <a:solidFill>
+                  <a:srgbClr val="FFFFFF"/>
                 </a:solidFill>
               </a:uFill>
               <a:latin typeface="Arial"/>
             </a:endParaRPr>
           </a:p>
           <a:p>
-            <a:pPr lvl="4" marL="1523880" indent="-360000">
+            <a:pPr marL="1523880" lvl="4" indent="-360000">
               <a:lnSpc>
                 <a:spcPct val="100000"/>
               </a:lnSpc>
@@ -4981,26 +5457,26 @@
               <a:buChar char="»"/>
             </a:pPr>
             <a:r>
-              <a:rPr b="0" lang="nl-NL" sz="1600" spc="-1" strike="noStrike">
+              <a:rPr lang="nl-NL" sz="1600" b="0" strike="noStrike" spc="-1">
                 <a:solidFill>
                   <a:srgbClr val="000000"/>
                 </a:solidFill>
                 <a:uFill>
                   <a:solidFill>
-                    <a:srgbClr val="ffffff"/>
+                    <a:srgbClr val="FFFFFF"/>
                   </a:solidFill>
                 </a:uFill>
                 <a:latin typeface="Arial"/>
               </a:rPr>
               <a:t>Fifth level (16 pts)</a:t>
             </a:r>
-            <a:endParaRPr b="0" lang="nl-NL" sz="2200" spc="-1" strike="noStrike">
-              <a:solidFill>
-                <a:srgbClr val="000000"/>
-              </a:solidFill>
-              <a:uFill>
-                <a:solidFill>
-                  <a:srgbClr val="ffffff"/>
+            <a:endParaRPr lang="nl-NL" sz="2200" b="0" strike="noStrike" spc="-1">
+              <a:solidFill>
+                <a:srgbClr val="000000"/>
+              </a:solidFill>
+              <a:uFill>
+                <a:solidFill>
+                  <a:srgbClr val="FFFFFF"/>
                 </a:solidFill>
               </a:uFill>
               <a:latin typeface="Arial"/>
@@ -5010,35 +5486,316 @@
       </p:sp>
     </p:spTree>
   </p:cSld>
-  <p:clrMap bg1="lt1" bg2="lt2" tx1="dk1" tx2="dk2" accent1="accent1" accent2="accent2" accent3="accent3" accent4="accent4" accent5="accent5" accent6="accent6" hlink="hlink" folHlink="folHlink"/>
+  <p:clrMap bg1="lt1" tx1="dk1" bg2="lt2" tx2="dk2" accent1="accent1" accent2="accent2" accent3="accent3" accent4="accent4" accent5="accent5" accent6="accent6" hlink="hlink" folHlink="folHlink"/>
   <p:sldLayoutIdLst>
-    <p:sldLayoutId id="2147483662" r:id="rId3"/>
-    <p:sldLayoutId id="2147483663" r:id="rId4"/>
-    <p:sldLayoutId id="2147483664" r:id="rId5"/>
-    <p:sldLayoutId id="2147483665" r:id="rId6"/>
-    <p:sldLayoutId id="2147483666" r:id="rId7"/>
-    <p:sldLayoutId id="2147483667" r:id="rId8"/>
-    <p:sldLayoutId id="2147483668" r:id="rId9"/>
-    <p:sldLayoutId id="2147483669" r:id="rId10"/>
-    <p:sldLayoutId id="2147483670" r:id="rId11"/>
-    <p:sldLayoutId id="2147483671" r:id="rId12"/>
-    <p:sldLayoutId id="2147483672" r:id="rId13"/>
-    <p:sldLayoutId id="2147483673" r:id="rId14"/>
+    <p:sldLayoutId id="2147483662" r:id="rId1"/>
+    <p:sldLayoutId id="2147483663" r:id="rId2"/>
+    <p:sldLayoutId id="2147483664" r:id="rId3"/>
+    <p:sldLayoutId id="2147483665" r:id="rId4"/>
+    <p:sldLayoutId id="2147483666" r:id="rId5"/>
+    <p:sldLayoutId id="2147483667" r:id="rId6"/>
+    <p:sldLayoutId id="2147483668" r:id="rId7"/>
+    <p:sldLayoutId id="2147483669" r:id="rId8"/>
+    <p:sldLayoutId id="2147483670" r:id="rId9"/>
+    <p:sldLayoutId id="2147483671" r:id="rId10"/>
+    <p:sldLayoutId id="2147483672" r:id="rId11"/>
+    <p:sldLayoutId id="2147483673" r:id="rId12"/>
   </p:sldLayoutIdLst>
+  <p:txStyles>
+    <p:titleStyle>
+      <a:lvl1pPr algn="l" defTabSz="914400" rtl="0" eaLnBrk="1" latinLnBrk="0" hangingPunct="1">
+        <a:lnSpc>
+          <a:spcPct val="90000"/>
+        </a:lnSpc>
+        <a:spcBef>
+          <a:spcPct val="0"/>
+        </a:spcBef>
+        <a:buNone/>
+        <a:defRPr sz="4400" kern="1200">
+          <a:solidFill>
+            <a:schemeClr val="tx1"/>
+          </a:solidFill>
+          <a:latin typeface="+mj-lt"/>
+          <a:ea typeface="+mj-ea"/>
+          <a:cs typeface="+mj-cs"/>
+        </a:defRPr>
+      </a:lvl1pPr>
+    </p:titleStyle>
+    <p:bodyStyle>
+      <a:lvl1pPr marL="228600" indent="-228600" algn="l" defTabSz="914400" rtl="0" eaLnBrk="1" latinLnBrk="0" hangingPunct="1">
+        <a:lnSpc>
+          <a:spcPct val="90000"/>
+        </a:lnSpc>
+        <a:spcBef>
+          <a:spcPts val="1000"/>
+        </a:spcBef>
+        <a:buFont typeface="Arial" panose="020B0604020202020204" pitchFamily="34" charset="0"/>
+        <a:buChar char="•"/>
+        <a:defRPr sz="2800" kern="1200">
+          <a:solidFill>
+            <a:schemeClr val="tx1"/>
+          </a:solidFill>
+          <a:latin typeface="+mn-lt"/>
+          <a:ea typeface="+mn-ea"/>
+          <a:cs typeface="+mn-cs"/>
+        </a:defRPr>
+      </a:lvl1pPr>
+      <a:lvl2pPr marL="685800" indent="-228600" algn="l" defTabSz="914400" rtl="0" eaLnBrk="1" latinLnBrk="0" hangingPunct="1">
+        <a:lnSpc>
+          <a:spcPct val="90000"/>
+        </a:lnSpc>
+        <a:spcBef>
+          <a:spcPts val="500"/>
+        </a:spcBef>
+        <a:buFont typeface="Arial" panose="020B0604020202020204" pitchFamily="34" charset="0"/>
+        <a:buChar char="•"/>
+        <a:defRPr sz="2400" kern="1200">
+          <a:solidFill>
+            <a:schemeClr val="tx1"/>
+          </a:solidFill>
+          <a:latin typeface="+mn-lt"/>
+          <a:ea typeface="+mn-ea"/>
+          <a:cs typeface="+mn-cs"/>
+        </a:defRPr>
+      </a:lvl2pPr>
+      <a:lvl3pPr marL="1143000" indent="-228600" algn="l" defTabSz="914400" rtl="0" eaLnBrk="1" latinLnBrk="0" hangingPunct="1">
+        <a:lnSpc>
+          <a:spcPct val="90000"/>
+        </a:lnSpc>
+        <a:spcBef>
+          <a:spcPts val="500"/>
+        </a:spcBef>
+        <a:buFont typeface="Arial" panose="020B0604020202020204" pitchFamily="34" charset="0"/>
+        <a:buChar char="•"/>
+        <a:defRPr sz="2000" kern="1200">
+          <a:solidFill>
+            <a:schemeClr val="tx1"/>
+          </a:solidFill>
+          <a:latin typeface="+mn-lt"/>
+          <a:ea typeface="+mn-ea"/>
+          <a:cs typeface="+mn-cs"/>
+        </a:defRPr>
+      </a:lvl3pPr>
+      <a:lvl4pPr marL="1600200" indent="-228600" algn="l" defTabSz="914400" rtl="0" eaLnBrk="1" latinLnBrk="0" hangingPunct="1">
+        <a:lnSpc>
+          <a:spcPct val="90000"/>
+        </a:lnSpc>
+        <a:spcBef>
+          <a:spcPts val="500"/>
+        </a:spcBef>
+        <a:buFont typeface="Arial" panose="020B0604020202020204" pitchFamily="34" charset="0"/>
+        <a:buChar char="•"/>
+        <a:defRPr sz="1800" kern="1200">
+          <a:solidFill>
+            <a:schemeClr val="tx1"/>
+          </a:solidFill>
+          <a:latin typeface="+mn-lt"/>
+          <a:ea typeface="+mn-ea"/>
+          <a:cs typeface="+mn-cs"/>
+        </a:defRPr>
+      </a:lvl4pPr>
+      <a:lvl5pPr marL="2057400" indent="-228600" algn="l" defTabSz="914400" rtl="0" eaLnBrk="1" latinLnBrk="0" hangingPunct="1">
+        <a:lnSpc>
+          <a:spcPct val="90000"/>
+        </a:lnSpc>
+        <a:spcBef>
+          <a:spcPts val="500"/>
+        </a:spcBef>
+        <a:buFont typeface="Arial" panose="020B0604020202020204" pitchFamily="34" charset="0"/>
+        <a:buChar char="•"/>
+        <a:defRPr sz="1800" kern="1200">
+          <a:solidFill>
+            <a:schemeClr val="tx1"/>
+          </a:solidFill>
+          <a:latin typeface="+mn-lt"/>
+          <a:ea typeface="+mn-ea"/>
+          <a:cs typeface="+mn-cs"/>
+        </a:defRPr>
+      </a:lvl5pPr>
+      <a:lvl6pPr marL="2514600" indent="-228600" algn="l" defTabSz="914400" rtl="0" eaLnBrk="1" latinLnBrk="0" hangingPunct="1">
+        <a:lnSpc>
+          <a:spcPct val="90000"/>
+        </a:lnSpc>
+        <a:spcBef>
+          <a:spcPts val="500"/>
+        </a:spcBef>
+        <a:buFont typeface="Arial" panose="020B0604020202020204" pitchFamily="34" charset="0"/>
+        <a:buChar char="•"/>
+        <a:defRPr sz="1800" kern="1200">
+          <a:solidFill>
+            <a:schemeClr val="tx1"/>
+          </a:solidFill>
+          <a:latin typeface="+mn-lt"/>
+          <a:ea typeface="+mn-ea"/>
+          <a:cs typeface="+mn-cs"/>
+        </a:defRPr>
+      </a:lvl6pPr>
+      <a:lvl7pPr marL="2971800" indent="-228600" algn="l" defTabSz="914400" rtl="0" eaLnBrk="1" latinLnBrk="0" hangingPunct="1">
+        <a:lnSpc>
+          <a:spcPct val="90000"/>
+        </a:lnSpc>
+        <a:spcBef>
+          <a:spcPts val="500"/>
+        </a:spcBef>
+        <a:buFont typeface="Arial" panose="020B0604020202020204" pitchFamily="34" charset="0"/>
+        <a:buChar char="•"/>
+        <a:defRPr sz="1800" kern="1200">
+          <a:solidFill>
+            <a:schemeClr val="tx1"/>
+          </a:solidFill>
+          <a:latin typeface="+mn-lt"/>
+          <a:ea typeface="+mn-ea"/>
+          <a:cs typeface="+mn-cs"/>
+        </a:defRPr>
+      </a:lvl7pPr>
+      <a:lvl8pPr marL="3429000" indent="-228600" algn="l" defTabSz="914400" rtl="0" eaLnBrk="1" latinLnBrk="0" hangingPunct="1">
+        <a:lnSpc>
+          <a:spcPct val="90000"/>
+        </a:lnSpc>
+        <a:spcBef>
+          <a:spcPts val="500"/>
+        </a:spcBef>
+        <a:buFont typeface="Arial" panose="020B0604020202020204" pitchFamily="34" charset="0"/>
+        <a:buChar char="•"/>
+        <a:defRPr sz="1800" kern="1200">
+          <a:solidFill>
+            <a:schemeClr val="tx1"/>
+          </a:solidFill>
+          <a:latin typeface="+mn-lt"/>
+          <a:ea typeface="+mn-ea"/>
+          <a:cs typeface="+mn-cs"/>
+        </a:defRPr>
+      </a:lvl8pPr>
+      <a:lvl9pPr marL="3886200" indent="-228600" algn="l" defTabSz="914400" rtl="0" eaLnBrk="1" latinLnBrk="0" hangingPunct="1">
+        <a:lnSpc>
+          <a:spcPct val="90000"/>
+        </a:lnSpc>
+        <a:spcBef>
+          <a:spcPts val="500"/>
+        </a:spcBef>
+        <a:buFont typeface="Arial" panose="020B0604020202020204" pitchFamily="34" charset="0"/>
+        <a:buChar char="•"/>
+        <a:defRPr sz="1800" kern="1200">
+          <a:solidFill>
+            <a:schemeClr val="tx1"/>
+          </a:solidFill>
+          <a:latin typeface="+mn-lt"/>
+          <a:ea typeface="+mn-ea"/>
+          <a:cs typeface="+mn-cs"/>
+        </a:defRPr>
+      </a:lvl9pPr>
+    </p:bodyStyle>
+    <p:otherStyle>
+      <a:defPPr>
+        <a:defRPr lang="tr-TR"/>
+      </a:defPPr>
+      <a:lvl1pPr marL="0" algn="l" defTabSz="914400" rtl="0" eaLnBrk="1" latinLnBrk="0" hangingPunct="1">
+        <a:defRPr sz="1800" kern="1200">
+          <a:solidFill>
+            <a:schemeClr val="tx1"/>
+          </a:solidFill>
+          <a:latin typeface="+mn-lt"/>
+          <a:ea typeface="+mn-ea"/>
+          <a:cs typeface="+mn-cs"/>
+        </a:defRPr>
+      </a:lvl1pPr>
+      <a:lvl2pPr marL="457200" algn="l" defTabSz="914400" rtl="0" eaLnBrk="1" latinLnBrk="0" hangingPunct="1">
+        <a:defRPr sz="1800" kern="1200">
+          <a:solidFill>
+            <a:schemeClr val="tx1"/>
+          </a:solidFill>
+          <a:latin typeface="+mn-lt"/>
+          <a:ea typeface="+mn-ea"/>
+          <a:cs typeface="+mn-cs"/>
+        </a:defRPr>
+      </a:lvl2pPr>
+      <a:lvl3pPr marL="914400" algn="l" defTabSz="914400" rtl="0" eaLnBrk="1" latinLnBrk="0" hangingPunct="1">
+        <a:defRPr sz="1800" kern="1200">
+          <a:solidFill>
+            <a:schemeClr val="tx1"/>
+          </a:solidFill>
+          <a:latin typeface="+mn-lt"/>
+          <a:ea typeface="+mn-ea"/>
+          <a:cs typeface="+mn-cs"/>
+        </a:defRPr>
+      </a:lvl3pPr>
+      <a:lvl4pPr marL="1371600" algn="l" defTabSz="914400" rtl="0" eaLnBrk="1" latinLnBrk="0" hangingPunct="1">
+        <a:defRPr sz="1800" kern="1200">
+          <a:solidFill>
+            <a:schemeClr val="tx1"/>
+          </a:solidFill>
+          <a:latin typeface="+mn-lt"/>
+          <a:ea typeface="+mn-ea"/>
+          <a:cs typeface="+mn-cs"/>
+        </a:defRPr>
+      </a:lvl4pPr>
+      <a:lvl5pPr marL="1828800" algn="l" defTabSz="914400" rtl="0" eaLnBrk="1" latinLnBrk="0" hangingPunct="1">
+        <a:defRPr sz="1800" kern="1200">
+          <a:solidFill>
+            <a:schemeClr val="tx1"/>
+          </a:solidFill>
+          <a:latin typeface="+mn-lt"/>
+          <a:ea typeface="+mn-ea"/>
+          <a:cs typeface="+mn-cs"/>
+        </a:defRPr>
+      </a:lvl5pPr>
+      <a:lvl6pPr marL="2286000" algn="l" defTabSz="914400" rtl="0" eaLnBrk="1" latinLnBrk="0" hangingPunct="1">
+        <a:defRPr sz="1800" kern="1200">
+          <a:solidFill>
+            <a:schemeClr val="tx1"/>
+          </a:solidFill>
+          <a:latin typeface="+mn-lt"/>
+          <a:ea typeface="+mn-ea"/>
+          <a:cs typeface="+mn-cs"/>
+        </a:defRPr>
+      </a:lvl6pPr>
+      <a:lvl7pPr marL="2743200" algn="l" defTabSz="914400" rtl="0" eaLnBrk="1" latinLnBrk="0" hangingPunct="1">
+        <a:defRPr sz="1800" kern="1200">
+          <a:solidFill>
+            <a:schemeClr val="tx1"/>
+          </a:solidFill>
+          <a:latin typeface="+mn-lt"/>
+          <a:ea typeface="+mn-ea"/>
+          <a:cs typeface="+mn-cs"/>
+        </a:defRPr>
+      </a:lvl7pPr>
+      <a:lvl8pPr marL="3200400" algn="l" defTabSz="914400" rtl="0" eaLnBrk="1" latinLnBrk="0" hangingPunct="1">
+        <a:defRPr sz="1800" kern="1200">
+          <a:solidFill>
+            <a:schemeClr val="tx1"/>
+          </a:solidFill>
+          <a:latin typeface="+mn-lt"/>
+          <a:ea typeface="+mn-ea"/>
+          <a:cs typeface="+mn-cs"/>
+        </a:defRPr>
+      </a:lvl8pPr>
+      <a:lvl9pPr marL="3657600" algn="l" defTabSz="914400" rtl="0" eaLnBrk="1" latinLnBrk="0" hangingPunct="1">
+        <a:defRPr sz="1800" kern="1200">
+          <a:solidFill>
+            <a:schemeClr val="tx1"/>
+          </a:solidFill>
+          <a:latin typeface="+mn-lt"/>
+          <a:ea typeface="+mn-ea"/>
+          <a:cs typeface="+mn-cs"/>
+        </a:defRPr>
+      </a:lvl9pPr>
+    </p:otherStyle>
+  </p:txStyles>
 </p:sldMaster>
 </file>
 
 <file path=ppt/slides/slide1.xml><?xml version="1.0" encoding="utf-8"?>
-<p:sld xmlns:a="http://schemas.openxmlformats.org/drawingml/2006/main" xmlns:p="http://schemas.openxmlformats.org/presentationml/2006/main" xmlns:r="http://schemas.openxmlformats.org/officeDocument/2006/relationships" xmlns:p14="http://schemas.microsoft.com/office/powerpoint/2010/main" xmlns:p15="http://schemas.microsoft.com/office/powerpoint/2012/main" xmlns:mc="http://schemas.openxmlformats.org/markup-compatibility/2006">
+<p:sld xmlns:a="http://schemas.openxmlformats.org/drawingml/2006/main" xmlns:r="http://schemas.openxmlformats.org/officeDocument/2006/relationships" xmlns:p="http://schemas.openxmlformats.org/presentationml/2006/main">
   <p:cSld>
     <p:bg>
       <p:bgPr>
         <a:blipFill>
-          <a:blip r:embed="rId1"/>
+          <a:blip r:embed="rId3"/>
           <a:stretch>
             <a:fillRect/>
           </a:stretch>
         </a:blipFill>
+        <a:effectLst/>
       </p:bgPr>
     </p:bg>
     <p:spTree>
@@ -5057,12 +5814,12 @@
       </p:grpSpPr>
       <p:pic>
         <p:nvPicPr>
-          <p:cNvPr id="79" name="Picture 5" descr=""/>
+          <p:cNvPr id="79" name="Picture 5"/>
           <p:cNvPicPr/>
           <p:nvPr/>
         </p:nvPicPr>
         <p:blipFill>
-          <a:blip r:embed="rId2"/>
+          <a:blip r:embed="rId4"/>
           <a:srcRect l="807" t="2257" r="3006" b="4465"/>
           <a:stretch/>
         </p:blipFill>
@@ -5100,6 +5857,7 @@
         </p:spPr>
         <p:txBody>
           <a:bodyPr anchor="b"/>
+          <a:lstStyle/>
           <a:p>
             <a:pPr>
               <a:lnSpc>
@@ -5107,13 +5865,13 @@
               </a:lnSpc>
             </a:pPr>
             <a:r>
-              <a:rPr b="1" lang="nl-NL" sz="2800" spc="-1" strike="noStrike">
-                <a:solidFill>
-                  <a:srgbClr val="00a651"/>
-                </a:solidFill>
-                <a:uFill>
-                  <a:solidFill>
-                    <a:srgbClr val="ffffff"/>
+              <a:rPr lang="nl-NL" sz="2800" b="1" strike="noStrike" spc="-1">
+                <a:solidFill>
+                  <a:srgbClr val="00A651"/>
+                </a:solidFill>
+                <a:uFill>
+                  <a:solidFill>
+                    <a:srgbClr val="FFFFFF"/>
                   </a:solidFill>
                 </a:uFill>
                 <a:latin typeface="Arial"/>
@@ -5121,13 +5879,13 @@
               <a:t>ModelWriter</a:t>
             </a:r>
             <a:r>
-              <a:rPr b="1" lang="nl-NL" sz="2800" spc="-1" strike="noStrike">
-                <a:solidFill>
-                  <a:srgbClr val="ffffff"/>
-                </a:solidFill>
-                <a:uFill>
-                  <a:solidFill>
-                    <a:srgbClr val="ffffff"/>
+              <a:rPr lang="nl-NL" sz="2800" b="1" strike="noStrike" spc="-1">
+                <a:solidFill>
+                  <a:srgbClr val="FFFFFF"/>
+                </a:solidFill>
+                <a:uFill>
+                  <a:solidFill>
+                    <a:srgbClr val="FFFFFF"/>
                   </a:solidFill>
                 </a:uFill>
                 <a:latin typeface="Arial"/>
@@ -5136,26 +5894,26 @@
 </a:t>
             </a:r>
             <a:r>
-              <a:rPr b="1" lang="nl-NL" sz="2200" spc="-1" strike="noStrike">
+              <a:rPr lang="nl-NL" sz="2200" b="1" strike="noStrike" spc="-1">
                 <a:solidFill>
                   <a:srgbClr val="808080"/>
                 </a:solidFill>
                 <a:uFill>
                   <a:solidFill>
-                    <a:srgbClr val="ffffff"/>
+                    <a:srgbClr val="FFFFFF"/>
                   </a:solidFill>
                 </a:uFill>
                 <a:latin typeface="Arial"/>
               </a:rPr>
               <a:t>Text &amp; Model-Synchronized Document Engineering Platform</a:t>
             </a:r>
-            <a:endParaRPr b="0" lang="nl-NL" sz="1800" spc="-1" strike="noStrike">
-              <a:solidFill>
-                <a:srgbClr val="000000"/>
-              </a:solidFill>
-              <a:uFill>
-                <a:solidFill>
-                  <a:srgbClr val="ffffff"/>
+            <a:endParaRPr lang="nl-NL" sz="1800" b="0" strike="noStrike" spc="-1">
+              <a:solidFill>
+                <a:srgbClr val="000000"/>
+              </a:solidFill>
+              <a:uFill>
+                <a:solidFill>
+                  <a:srgbClr val="FFFFFF"/>
                 </a:solidFill>
               </a:uFill>
               <a:latin typeface="Calibri"/>
@@ -5183,13 +5941,20 @@
           </a:ln>
         </p:spPr>
         <p:style>
-          <a:lnRef idx="0"/>
-          <a:fillRef idx="0"/>
-          <a:effectRef idx="0"/>
+          <a:lnRef idx="0">
+            <a:scrgbClr r="0" g="0" b="0"/>
+          </a:lnRef>
+          <a:fillRef idx="0">
+            <a:scrgbClr r="0" g="0" b="0"/>
+          </a:fillRef>
+          <a:effectRef idx="0">
+            <a:scrgbClr r="0" g="0" b="0"/>
+          </a:effectRef>
           <a:fontRef idx="minor"/>
         </p:style>
         <p:txBody>
           <a:bodyPr anchor="b"/>
+          <a:lstStyle/>
           <a:p>
             <a:pPr>
               <a:lnSpc>
@@ -5197,13 +5962,13 @@
               </a:lnSpc>
             </a:pPr>
             <a:r>
-              <a:rPr b="0" lang="en-US" sz="1400" spc="-1" strike="noStrike">
+              <a:rPr lang="en-US" sz="1400" b="0" strike="noStrike" spc="-1">
                 <a:solidFill>
                   <a:srgbClr val="000000"/>
                 </a:solidFill>
                 <a:uFill>
                   <a:solidFill>
-                    <a:srgbClr val="ffffff"/>
+                    <a:srgbClr val="FFFFFF"/>
                   </a:solidFill>
                 </a:uFill>
                 <a:latin typeface="Arial"/>
@@ -5211,41 +5976,41 @@
               <a:t>Project Leader: Ferhat Erata (</a:t>
             </a:r>
             <a:r>
-              <a:rPr b="0" lang="en-US" sz="1400" spc="-1" strike="noStrike">
-                <a:solidFill>
-                  <a:srgbClr val="00a651"/>
-                </a:solidFill>
-                <a:uFill>
-                  <a:solidFill>
-                    <a:srgbClr val="ffffff"/>
-                  </a:solidFill>
-                </a:uFill>
-                <a:latin typeface="Arial"/>
-                <a:hlinkClick r:id="rId3"/>
+              <a:rPr lang="en-US" sz="1400" b="0" strike="noStrike" spc="-1">
+                <a:solidFill>
+                  <a:srgbClr val="00A651"/>
+                </a:solidFill>
+                <a:uFill>
+                  <a:solidFill>
+                    <a:srgbClr val="FFFFFF"/>
+                  </a:solidFill>
+                </a:uFill>
+                <a:latin typeface="Arial"/>
+                <a:hlinkClick r:id="rId5"/>
               </a:rPr>
               <a:t>ferhat@computer.org</a:t>
             </a:r>
             <a:r>
-              <a:rPr b="0" lang="en-US" sz="1400" spc="-1" strike="noStrike">
+              <a:rPr lang="en-US" sz="1400" b="0" strike="noStrike" spc="-1">
                 <a:solidFill>
                   <a:srgbClr val="000000"/>
                 </a:solidFill>
                 <a:uFill>
                   <a:solidFill>
-                    <a:srgbClr val="ffffff"/>
+                    <a:srgbClr val="FFFFFF"/>
                   </a:solidFill>
                 </a:uFill>
                 <a:latin typeface="Arial"/>
               </a:rPr>
               <a:t>)</a:t>
             </a:r>
-            <a:endParaRPr b="0" lang="en-US" sz="2800" spc="-1" strike="noStrike">
-              <a:solidFill>
-                <a:srgbClr val="000000"/>
-              </a:solidFill>
-              <a:uFill>
-                <a:solidFill>
-                  <a:srgbClr val="ffffff"/>
+            <a:endParaRPr lang="en-US" sz="2800" b="0" strike="noStrike" spc="-1">
+              <a:solidFill>
+                <a:srgbClr val="000000"/>
+              </a:solidFill>
+              <a:uFill>
+                <a:solidFill>
+                  <a:srgbClr val="FFFFFF"/>
                 </a:solidFill>
               </a:uFill>
               <a:latin typeface="Arial"/>
@@ -5258,13 +6023,13 @@
               </a:lnSpc>
             </a:pPr>
             <a:r>
-              <a:rPr b="0" lang="en-US" sz="1400" spc="-1" strike="noStrike">
+              <a:rPr lang="en-US" sz="1400" b="0" strike="noStrike" spc="-1">
                 <a:solidFill>
                   <a:srgbClr val="000000"/>
                 </a:solidFill>
                 <a:uFill>
                   <a:solidFill>
-                    <a:srgbClr val="ffffff"/>
+                    <a:srgbClr val="FFFFFF"/>
                   </a:solidFill>
                 </a:uFill>
                 <a:latin typeface="Arial"/>
@@ -5272,41 +6037,41 @@
               <a:t>Project Email: </a:t>
             </a:r>
             <a:r>
-              <a:rPr b="0" lang="en-US" sz="1400" spc="-1" strike="noStrike">
-                <a:solidFill>
-                  <a:srgbClr val="00a651"/>
-                </a:solidFill>
-                <a:uFill>
-                  <a:solidFill>
-                    <a:srgbClr val="ffffff"/>
-                  </a:solidFill>
-                </a:uFill>
-                <a:latin typeface="Arial"/>
-                <a:hlinkClick r:id="rId4"/>
+              <a:rPr lang="en-US" sz="1400" b="0" strike="noStrike" spc="-1">
+                <a:solidFill>
+                  <a:srgbClr val="00A651"/>
+                </a:solidFill>
+                <a:uFill>
+                  <a:solidFill>
+                    <a:srgbClr val="FFFFFF"/>
+                  </a:solidFill>
+                </a:uFill>
+                <a:latin typeface="Arial"/>
+                <a:hlinkClick r:id="rId6"/>
               </a:rPr>
               <a:t>project@modelwriter.eu</a:t>
             </a:r>
             <a:r>
-              <a:rPr b="0" lang="en-US" sz="1400" spc="-1" strike="noStrike">
+              <a:rPr lang="en-US" sz="1400" b="0" strike="noStrike" spc="-1">
                 <a:solidFill>
                   <a:srgbClr val="000000"/>
                 </a:solidFill>
                 <a:uFill>
                   <a:solidFill>
-                    <a:srgbClr val="ffffff"/>
+                    <a:srgbClr val="FFFFFF"/>
                   </a:solidFill>
                 </a:uFill>
                 <a:latin typeface="Arial"/>
               </a:rPr>
               <a:t> </a:t>
             </a:r>
-            <a:endParaRPr b="0" lang="en-US" sz="2800" spc="-1" strike="noStrike">
-              <a:solidFill>
-                <a:srgbClr val="000000"/>
-              </a:solidFill>
-              <a:uFill>
-                <a:solidFill>
-                  <a:srgbClr val="ffffff"/>
+            <a:endParaRPr lang="en-US" sz="2800" b="0" strike="noStrike" spc="-1">
+              <a:solidFill>
+                <a:srgbClr val="000000"/>
+              </a:solidFill>
+              <a:uFill>
+                <a:solidFill>
+                  <a:srgbClr val="FFFFFF"/>
                 </a:solidFill>
               </a:uFill>
               <a:latin typeface="Arial"/>
@@ -5316,6 +6081,9 @@
       </p:sp>
     </p:spTree>
   </p:cSld>
+  <p:clrMapOvr>
+    <a:masterClrMapping/>
+  </p:clrMapOvr>
   <p:timing>
     <p:tnLst>
       <p:par>
@@ -5337,7 +6105,7 @@
                             </p:stCondLst>
                             <p:childTnLst>
                               <p:par>
-                                <p:cTn id="5" nodeType="clickEffect" fill="hold" presetClass="entr" presetID="14" presetSubtype="10">
+                                <p:cTn id="5" presetID="14" presetClass="entr" presetSubtype="10" fill="hold" nodeType="clickEffect">
                                   <p:stCondLst>
                                     <p:cond delay="0"/>
                                   </p:stCondLst>
@@ -5360,7 +6128,7 @@
                                         <p:strVal val="visible"/>
                                       </p:to>
                                     </p:set>
-                                    <p:animEffect filter="randombar(horizontal)" transition="in">
+                                    <p:animEffect transition="in" filter="randombar(horizontal)">
                                       <p:cBhvr additive="repl">
                                         <p:cTn id="7" dur="500"/>
                                         <p:tgtEl>
@@ -5380,14 +6148,14 @@
                 </p:childTnLst>
               </p:cTn>
               <p:prevCondLst>
-                <p:cond delay="0" evt="onPrev">
+                <p:cond evt="onPrev" delay="0">
                   <p:tgtEl>
                     <p:sldTgt/>
                   </p:tgtEl>
                 </p:cond>
               </p:prevCondLst>
               <p:nextCondLst>
-                <p:cond delay="0" evt="onNext">
+                <p:cond evt="onNext" delay="0">
                   <p:tgtEl>
                     <p:sldTgt/>
                   </p:tgtEl>
@@ -5403,16 +6171,17 @@
 </file>
 
 <file path=ppt/slides/slide2.xml><?xml version="1.0" encoding="utf-8"?>
-<p:sld xmlns:a="http://schemas.openxmlformats.org/drawingml/2006/main" xmlns:p="http://schemas.openxmlformats.org/presentationml/2006/main" xmlns:r="http://schemas.openxmlformats.org/officeDocument/2006/relationships" xmlns:p14="http://schemas.microsoft.com/office/powerpoint/2010/main" xmlns:p15="http://schemas.microsoft.com/office/powerpoint/2012/main" xmlns:mc="http://schemas.openxmlformats.org/markup-compatibility/2006">
+<p:sld xmlns:a="http://schemas.openxmlformats.org/drawingml/2006/main" xmlns:r="http://schemas.openxmlformats.org/officeDocument/2006/relationships" xmlns:p="http://schemas.openxmlformats.org/presentationml/2006/main">
   <p:cSld>
     <p:bg>
       <p:bgPr>
         <a:blipFill>
-          <a:blip r:embed="rId1"/>
+          <a:blip r:embed="rId3"/>
           <a:stretch>
             <a:fillRect/>
           </a:stretch>
         </a:blipFill>
+        <a:effectLst/>
       </p:bgPr>
     </p:bg>
     <p:spTree>
@@ -5450,6 +6219,7 @@
         </p:spPr>
         <p:txBody>
           <a:bodyPr anchor="b"/>
+          <a:lstStyle/>
           <a:p>
             <a:pPr>
               <a:lnSpc>
@@ -5457,13 +6227,13 @@
               </a:lnSpc>
             </a:pPr>
             <a:r>
-              <a:rPr b="1" lang="nl-NL" sz="2800" spc="-1" strike="noStrike">
-                <a:solidFill>
-                  <a:srgbClr val="00a651"/>
-                </a:solidFill>
-                <a:uFill>
-                  <a:solidFill>
-                    <a:srgbClr val="ffffff"/>
+              <a:rPr lang="nl-NL" sz="2800" b="1" strike="noStrike" spc="-1">
+                <a:solidFill>
+                  <a:srgbClr val="00A651"/>
+                </a:solidFill>
+                <a:uFill>
+                  <a:solidFill>
+                    <a:srgbClr val="FFFFFF"/>
                   </a:solidFill>
                 </a:uFill>
                 <a:latin typeface="Arial"/>
@@ -5471,13 +6241,13 @@
               <a:t>ModelWriter</a:t>
             </a:r>
             <a:r>
-              <a:rPr b="1" lang="nl-NL" sz="2800" spc="-1" strike="noStrike">
-                <a:solidFill>
-                  <a:srgbClr val="ffffff"/>
-                </a:solidFill>
-                <a:uFill>
-                  <a:solidFill>
-                    <a:srgbClr val="ffffff"/>
+              <a:rPr lang="nl-NL" sz="2800" b="1" strike="noStrike" spc="-1">
+                <a:solidFill>
+                  <a:srgbClr val="FFFFFF"/>
+                </a:solidFill>
+                <a:uFill>
+                  <a:solidFill>
+                    <a:srgbClr val="FFFFFF"/>
                   </a:solidFill>
                 </a:uFill>
                 <a:latin typeface="Arial"/>
@@ -5486,26 +6256,26 @@
 </a:t>
             </a:r>
             <a:r>
-              <a:rPr b="1" lang="nl-NL" sz="2200" spc="-1" strike="noStrike">
+              <a:rPr lang="nl-NL" sz="2200" b="1" strike="noStrike" spc="-1">
                 <a:solidFill>
                   <a:srgbClr val="808080"/>
                 </a:solidFill>
                 <a:uFill>
                   <a:solidFill>
-                    <a:srgbClr val="ffffff"/>
+                    <a:srgbClr val="FFFFFF"/>
                   </a:solidFill>
                 </a:uFill>
                 <a:latin typeface="Arial"/>
               </a:rPr>
               <a:t>Text &amp; Model-Synchronized Document Engineering Platform</a:t>
             </a:r>
-            <a:endParaRPr b="0" lang="nl-NL" sz="1800" spc="-1" strike="noStrike">
-              <a:solidFill>
-                <a:srgbClr val="000000"/>
-              </a:solidFill>
-              <a:uFill>
-                <a:solidFill>
-                  <a:srgbClr val="ffffff"/>
+            <a:endParaRPr lang="nl-NL" sz="1800" b="0" strike="noStrike" spc="-1">
+              <a:solidFill>
+                <a:srgbClr val="000000"/>
+              </a:solidFill>
+              <a:uFill>
+                <a:solidFill>
+                  <a:srgbClr val="FFFFFF"/>
                 </a:solidFill>
               </a:uFill>
               <a:latin typeface="Calibri"/>
@@ -5533,13 +6303,20 @@
           </a:ln>
         </p:spPr>
         <p:style>
-          <a:lnRef idx="0"/>
-          <a:fillRef idx="0"/>
-          <a:effectRef idx="0"/>
+          <a:lnRef idx="0">
+            <a:scrgbClr r="0" g="0" b="0"/>
+          </a:lnRef>
+          <a:fillRef idx="0">
+            <a:scrgbClr r="0" g="0" b="0"/>
+          </a:fillRef>
+          <a:effectRef idx="0">
+            <a:scrgbClr r="0" g="0" b="0"/>
+          </a:effectRef>
           <a:fontRef idx="minor"/>
         </p:style>
         <p:txBody>
           <a:bodyPr anchor="b"/>
+          <a:lstStyle/>
           <a:p>
             <a:pPr>
               <a:lnSpc>
@@ -5547,13 +6324,13 @@
               </a:lnSpc>
             </a:pPr>
             <a:r>
-              <a:rPr b="0" lang="en-US" sz="1400" spc="-1" strike="noStrike">
+              <a:rPr lang="en-US" sz="1400" b="0" strike="noStrike" spc="-1">
                 <a:solidFill>
                   <a:srgbClr val="000000"/>
                 </a:solidFill>
                 <a:uFill>
                   <a:solidFill>
-                    <a:srgbClr val="ffffff"/>
+                    <a:srgbClr val="FFFFFF"/>
                   </a:solidFill>
                 </a:uFill>
                 <a:latin typeface="Arial"/>
@@ -5561,41 +6338,41 @@
               <a:t>Project Leader: Ferhat Erata (</a:t>
             </a:r>
             <a:r>
-              <a:rPr b="0" lang="en-US" sz="1400" spc="-1" strike="noStrike">
-                <a:solidFill>
-                  <a:srgbClr val="00a651"/>
-                </a:solidFill>
-                <a:uFill>
-                  <a:solidFill>
-                    <a:srgbClr val="ffffff"/>
-                  </a:solidFill>
-                </a:uFill>
-                <a:latin typeface="Arial"/>
-                <a:hlinkClick r:id="rId2"/>
+              <a:rPr lang="en-US" sz="1400" b="0" strike="noStrike" spc="-1">
+                <a:solidFill>
+                  <a:srgbClr val="00A651"/>
+                </a:solidFill>
+                <a:uFill>
+                  <a:solidFill>
+                    <a:srgbClr val="FFFFFF"/>
+                  </a:solidFill>
+                </a:uFill>
+                <a:latin typeface="Arial"/>
+                <a:hlinkClick r:id="rId4"/>
               </a:rPr>
               <a:t>ferhat@computer.org</a:t>
             </a:r>
             <a:r>
-              <a:rPr b="0" lang="en-US" sz="1400" spc="-1" strike="noStrike">
+              <a:rPr lang="en-US" sz="1400" b="0" strike="noStrike" spc="-1">
                 <a:solidFill>
                   <a:srgbClr val="000000"/>
                 </a:solidFill>
                 <a:uFill>
                   <a:solidFill>
-                    <a:srgbClr val="ffffff"/>
+                    <a:srgbClr val="FFFFFF"/>
                   </a:solidFill>
                 </a:uFill>
                 <a:latin typeface="Arial"/>
               </a:rPr>
               <a:t>)</a:t>
             </a:r>
-            <a:endParaRPr b="0" lang="en-US" sz="2800" spc="-1" strike="noStrike">
-              <a:solidFill>
-                <a:srgbClr val="000000"/>
-              </a:solidFill>
-              <a:uFill>
-                <a:solidFill>
-                  <a:srgbClr val="ffffff"/>
+            <a:endParaRPr lang="en-US" sz="2800" b="0" strike="noStrike" spc="-1">
+              <a:solidFill>
+                <a:srgbClr val="000000"/>
+              </a:solidFill>
+              <a:uFill>
+                <a:solidFill>
+                  <a:srgbClr val="FFFFFF"/>
                 </a:solidFill>
               </a:uFill>
               <a:latin typeface="Arial"/>
@@ -5608,13 +6385,13 @@
               </a:lnSpc>
             </a:pPr>
             <a:r>
-              <a:rPr b="0" lang="en-US" sz="1400" spc="-1" strike="noStrike">
+              <a:rPr lang="en-US" sz="1400" b="0" strike="noStrike" spc="-1">
                 <a:solidFill>
                   <a:srgbClr val="000000"/>
                 </a:solidFill>
                 <a:uFill>
                   <a:solidFill>
-                    <a:srgbClr val="ffffff"/>
+                    <a:srgbClr val="FFFFFF"/>
                   </a:solidFill>
                 </a:uFill>
                 <a:latin typeface="Arial"/>
@@ -5622,41 +6399,41 @@
               <a:t>Project Email: </a:t>
             </a:r>
             <a:r>
-              <a:rPr b="0" lang="en-US" sz="1400" spc="-1" strike="noStrike">
-                <a:solidFill>
-                  <a:srgbClr val="00a651"/>
-                </a:solidFill>
-                <a:uFill>
-                  <a:solidFill>
-                    <a:srgbClr val="ffffff"/>
-                  </a:solidFill>
-                </a:uFill>
-                <a:latin typeface="Arial"/>
-                <a:hlinkClick r:id="rId3"/>
+              <a:rPr lang="en-US" sz="1400" b="0" strike="noStrike" spc="-1">
+                <a:solidFill>
+                  <a:srgbClr val="00A651"/>
+                </a:solidFill>
+                <a:uFill>
+                  <a:solidFill>
+                    <a:srgbClr val="FFFFFF"/>
+                  </a:solidFill>
+                </a:uFill>
+                <a:latin typeface="Arial"/>
+                <a:hlinkClick r:id="rId5"/>
               </a:rPr>
               <a:t>project@modelwriter.eu</a:t>
             </a:r>
             <a:r>
-              <a:rPr b="0" lang="en-US" sz="1400" spc="-1" strike="noStrike">
+              <a:rPr lang="en-US" sz="1400" b="0" strike="noStrike" spc="-1">
                 <a:solidFill>
                   <a:srgbClr val="000000"/>
                 </a:solidFill>
                 <a:uFill>
                   <a:solidFill>
-                    <a:srgbClr val="ffffff"/>
+                    <a:srgbClr val="FFFFFF"/>
                   </a:solidFill>
                 </a:uFill>
                 <a:latin typeface="Arial"/>
               </a:rPr>
               <a:t> </a:t>
             </a:r>
-            <a:endParaRPr b="0" lang="en-US" sz="2800" spc="-1" strike="noStrike">
-              <a:solidFill>
-                <a:srgbClr val="000000"/>
-              </a:solidFill>
-              <a:uFill>
-                <a:solidFill>
-                  <a:srgbClr val="ffffff"/>
+            <a:endParaRPr lang="en-US" sz="2800" b="0" strike="noStrike" spc="-1">
+              <a:solidFill>
+                <a:srgbClr val="000000"/>
+              </a:solidFill>
+              <a:uFill>
+                <a:solidFill>
+                  <a:srgbClr val="FFFFFF"/>
                 </a:solidFill>
               </a:uFill>
               <a:latin typeface="Arial"/>
@@ -5666,12 +6443,12 @@
       </p:sp>
       <p:pic>
         <p:nvPicPr>
-          <p:cNvPr id="84" name="Picture 1" descr=""/>
+          <p:cNvPr id="84" name="Picture 1"/>
           <p:cNvPicPr/>
           <p:nvPr/>
         </p:nvPicPr>
         <p:blipFill>
-          <a:blip r:embed="rId4"/>
+          <a:blip r:embed="rId6"/>
           <a:stretch/>
         </p:blipFill>
         <p:spPr>
@@ -5689,22 +6466,25 @@
       </p:pic>
     </p:spTree>
   </p:cSld>
+  <p:clrMapOvr>
+    <a:masterClrMapping/>
+  </p:clrMapOvr>
   <p:timing>
     <p:tnLst>
       <p:par>
-        <p:cTn id="8" dur="indefinite" restart="never" nodeType="tmRoot">
+        <p:cTn id="1" dur="indefinite" restart="never" nodeType="tmRoot">
           <p:childTnLst>
             <p:seq>
-              <p:cTn id="9" nodeType="mainSeq"/>
+              <p:cTn id="2" nodeType="mainSeq"/>
               <p:prevCondLst>
-                <p:cond delay="0" evt="onPrev">
+                <p:cond evt="onPrev" delay="0">
                   <p:tgtEl>
                     <p:sldTgt/>
                   </p:tgtEl>
                 </p:cond>
               </p:prevCondLst>
               <p:nextCondLst>
-                <p:cond delay="0" evt="onNext">
+                <p:cond evt="onNext" delay="0">
                   <p:tgtEl>
                     <p:sldTgt/>
                   </p:tgtEl>
@@ -5720,7 +6500,7 @@
 </file>
 
 <file path=ppt/slides/slide3.xml><?xml version="1.0" encoding="utf-8"?>
-<p:sld xmlns:a="http://schemas.openxmlformats.org/drawingml/2006/main" xmlns:p="http://schemas.openxmlformats.org/presentationml/2006/main" xmlns:r="http://schemas.openxmlformats.org/officeDocument/2006/relationships" xmlns:p14="http://schemas.microsoft.com/office/powerpoint/2010/main" xmlns:p15="http://schemas.microsoft.com/office/powerpoint/2012/main" xmlns:mc="http://schemas.openxmlformats.org/markup-compatibility/2006">
+<p:sld xmlns:a="http://schemas.openxmlformats.org/drawingml/2006/main" xmlns:r="http://schemas.openxmlformats.org/officeDocument/2006/relationships" xmlns:p="http://schemas.openxmlformats.org/presentationml/2006/main">
   <p:cSld>
     <p:spTree>
       <p:nvGrpSpPr>
@@ -5757,6 +6537,7 @@
         </p:spPr>
         <p:txBody>
           <a:bodyPr anchor="b"/>
+          <a:lstStyle/>
           <a:p>
             <a:pPr>
               <a:lnSpc>
@@ -5764,26 +6545,26 @@
               </a:lnSpc>
             </a:pPr>
             <a:r>
-              <a:rPr b="1" lang="nl-NL" sz="4200" spc="-1" strike="noStrike">
-                <a:solidFill>
-                  <a:srgbClr val="ffffff"/>
-                </a:solidFill>
-                <a:uFill>
-                  <a:solidFill>
-                    <a:srgbClr val="ffffff"/>
+              <a:rPr lang="nl-NL" sz="4200" b="1" strike="noStrike" spc="-1">
+                <a:solidFill>
+                  <a:srgbClr val="FFFFFF"/>
+                </a:solidFill>
+                <a:uFill>
+                  <a:solidFill>
+                    <a:srgbClr val="FFFFFF"/>
                   </a:solidFill>
                 </a:uFill>
                 <a:latin typeface="Arial"/>
               </a:rPr>
               <a:t>1 Introduction</a:t>
             </a:r>
-            <a:endParaRPr b="0" lang="nl-NL" sz="1800" spc="-1" strike="noStrike">
-              <a:solidFill>
-                <a:srgbClr val="000000"/>
-              </a:solidFill>
-              <a:uFill>
-                <a:solidFill>
-                  <a:srgbClr val="ffffff"/>
+            <a:endParaRPr lang="nl-NL" sz="1800" b="0" strike="noStrike" spc="-1">
+              <a:solidFill>
+                <a:srgbClr val="000000"/>
+              </a:solidFill>
+              <a:uFill>
+                <a:solidFill>
+                  <a:srgbClr val="FFFFFF"/>
                 </a:solidFill>
               </a:uFill>
               <a:latin typeface="Calibri"/>
@@ -5811,13 +6592,20 @@
           </a:ln>
         </p:spPr>
         <p:style>
-          <a:lnRef idx="0"/>
-          <a:fillRef idx="0"/>
-          <a:effectRef idx="0"/>
+          <a:lnRef idx="0">
+            <a:scrgbClr r="0" g="0" b="0"/>
+          </a:lnRef>
+          <a:fillRef idx="0">
+            <a:scrgbClr r="0" g="0" b="0"/>
+          </a:fillRef>
+          <a:effectRef idx="0">
+            <a:scrgbClr r="0" g="0" b="0"/>
+          </a:effectRef>
           <a:fontRef idx="minor"/>
         </p:style>
         <p:txBody>
           <a:bodyPr/>
+          <a:lstStyle/>
           <a:p>
             <a:pPr algn="just">
               <a:lnSpc>
@@ -5825,26 +6613,26 @@
               </a:lnSpc>
             </a:pPr>
             <a:r>
-              <a:rPr b="1" i="1" lang="en-US" sz="1800" spc="-1" strike="noStrike">
-                <a:solidFill>
-                  <a:srgbClr val="ffffff"/>
-                </a:solidFill>
-                <a:uFill>
-                  <a:solidFill>
-                    <a:srgbClr val="ffffff"/>
+              <a:rPr lang="en-US" sz="1800" b="1" i="1" strike="noStrike" spc="-1">
+                <a:solidFill>
+                  <a:srgbClr val="FFFFFF"/>
+                </a:solidFill>
+                <a:uFill>
+                  <a:solidFill>
+                    <a:srgbClr val="FFFFFF"/>
                   </a:solidFill>
                 </a:uFill>
                 <a:latin typeface="Arial"/>
               </a:rPr>
               <a:t>Ferhat Erata</a:t>
             </a:r>
-            <a:endParaRPr b="0" lang="en-US" sz="2000" spc="-1" strike="noStrike">
-              <a:solidFill>
-                <a:srgbClr val="000000"/>
-              </a:solidFill>
-              <a:uFill>
-                <a:solidFill>
-                  <a:srgbClr val="ffffff"/>
+            <a:endParaRPr lang="en-US" sz="2000" b="0" strike="noStrike" spc="-1">
+              <a:solidFill>
+                <a:srgbClr val="000000"/>
+              </a:solidFill>
+              <a:uFill>
+                <a:solidFill>
+                  <a:srgbClr val="FFFFFF"/>
                 </a:solidFill>
               </a:uFill>
               <a:latin typeface="Arial"/>
@@ -5857,26 +6645,26 @@
               </a:lnSpc>
             </a:pPr>
             <a:r>
-              <a:rPr b="1" i="1" lang="en-US" sz="1800" spc="-1" strike="noStrike">
-                <a:solidFill>
-                  <a:srgbClr val="ffffff"/>
-                </a:solidFill>
-                <a:uFill>
-                  <a:solidFill>
-                    <a:srgbClr val="ffffff"/>
+              <a:rPr lang="en-US" sz="1800" b="1" i="1" strike="noStrike" spc="-1">
+                <a:solidFill>
+                  <a:srgbClr val="FFFFFF"/>
+                </a:solidFill>
+                <a:uFill>
+                  <a:solidFill>
+                    <a:srgbClr val="FFFFFF"/>
                   </a:solidFill>
                 </a:uFill>
                 <a:latin typeface="Arial"/>
               </a:rPr>
               <a:t>UNIT, ModelWriter Project Leader</a:t>
             </a:r>
-            <a:endParaRPr b="0" lang="en-US" sz="2000" spc="-1" strike="noStrike">
-              <a:solidFill>
-                <a:srgbClr val="000000"/>
-              </a:solidFill>
-              <a:uFill>
-                <a:solidFill>
-                  <a:srgbClr val="ffffff"/>
+            <a:endParaRPr lang="en-US" sz="2000" b="0" strike="noStrike" spc="-1">
+              <a:solidFill>
+                <a:srgbClr val="000000"/>
+              </a:solidFill>
+              <a:uFill>
+                <a:solidFill>
+                  <a:srgbClr val="FFFFFF"/>
                 </a:solidFill>
               </a:uFill>
               <a:latin typeface="Arial"/>
@@ -5886,22 +6674,25 @@
       </p:sp>
     </p:spTree>
   </p:cSld>
+  <p:clrMapOvr>
+    <a:masterClrMapping/>
+  </p:clrMapOvr>
   <p:timing>
     <p:tnLst>
       <p:par>
-        <p:cTn id="10" dur="indefinite" restart="never" nodeType="tmRoot">
+        <p:cTn id="1" dur="indefinite" restart="never" nodeType="tmRoot">
           <p:childTnLst>
             <p:seq>
-              <p:cTn id="11" nodeType="mainSeq"/>
+              <p:cTn id="2" nodeType="mainSeq"/>
               <p:prevCondLst>
-                <p:cond delay="0" evt="onPrev">
+                <p:cond evt="onPrev" delay="0">
                   <p:tgtEl>
                     <p:sldTgt/>
                   </p:tgtEl>
                 </p:cond>
               </p:prevCondLst>
               <p:nextCondLst>
-                <p:cond delay="0" evt="onNext">
+                <p:cond evt="onNext" delay="0">
                   <p:tgtEl>
                     <p:sldTgt/>
                   </p:tgtEl>
@@ -5917,690 +6708,7 @@
 </file>
 
 <file path=ppt/slides/slide4.xml><?xml version="1.0" encoding="utf-8"?>
-<p:sld xmlns:a="http://schemas.openxmlformats.org/drawingml/2006/main" xmlns:p="http://schemas.openxmlformats.org/presentationml/2006/main" xmlns:r="http://schemas.openxmlformats.org/officeDocument/2006/relationships" xmlns:p14="http://schemas.microsoft.com/office/powerpoint/2010/main" xmlns:p15="http://schemas.microsoft.com/office/powerpoint/2012/main" xmlns:mc="http://schemas.openxmlformats.org/markup-compatibility/2006">
-  <p:cSld>
-    <p:spTree>
-      <p:nvGrpSpPr>
-        <p:cNvPr id="1" name=""/>
-        <p:cNvGrpSpPr/>
-        <p:nvPr/>
-      </p:nvGrpSpPr>
-      <p:grpSpPr>
-        <a:xfrm>
-          <a:off x="0" y="0"/>
-          <a:ext cx="0" cy="0"/>
-          <a:chOff x="0" y="0"/>
-          <a:chExt cx="0" cy="0"/>
-        </a:xfrm>
-      </p:grpSpPr>
-      <p:sp>
-        <p:nvSpPr>
-          <p:cNvPr id="87" name="TextShape 1"/>
-          <p:cNvSpPr txBox="1"/>
-          <p:nvPr/>
-        </p:nvSpPr>
-        <p:spPr>
-          <a:xfrm>
-            <a:off x="468000" y="144000"/>
-            <a:ext cx="6227640" cy="827640"/>
-          </a:xfrm>
-          <a:prstGeom prst="rect">
-            <a:avLst/>
-          </a:prstGeom>
-          <a:noFill/>
-          <a:ln>
-            <a:noFill/>
-          </a:ln>
-        </p:spPr>
-        <p:txBody>
-          <a:bodyPr anchor="b"/>
-          <a:p>
-            <a:pPr>
-              <a:lnSpc>
-                <a:spcPct val="100000"/>
-              </a:lnSpc>
-            </a:pPr>
-            <a:r>
-              <a:rPr b="1" lang="nl-NL" sz="2400" spc="-1" strike="noStrike">
-                <a:solidFill>
-                  <a:srgbClr val="00a651"/>
-                </a:solidFill>
-                <a:uFill>
-                  <a:solidFill>
-                    <a:srgbClr val="ffffff"/>
-                  </a:solidFill>
-                </a:uFill>
-                <a:latin typeface="Arial"/>
-              </a:rPr>
-              <a:t>Agenda [13:00 - 17:00]</a:t>
-            </a:r>
-            <a:endParaRPr b="0" lang="nl-NL" sz="1800" spc="-1" strike="noStrike">
-              <a:solidFill>
-                <a:srgbClr val="000000"/>
-              </a:solidFill>
-              <a:uFill>
-                <a:solidFill>
-                  <a:srgbClr val="ffffff"/>
-                </a:solidFill>
-              </a:uFill>
-              <a:latin typeface="Calibri"/>
-            </a:endParaRPr>
-          </a:p>
-        </p:txBody>
-      </p:sp>
-      <p:sp>
-        <p:nvSpPr>
-          <p:cNvPr id="88" name="TextShape 2"/>
-          <p:cNvSpPr txBox="1"/>
-          <p:nvPr/>
-        </p:nvSpPr>
-        <p:spPr>
-          <a:xfrm>
-            <a:off x="468000" y="1332000"/>
-            <a:ext cx="8424000" cy="5039640"/>
-          </a:xfrm>
-          <a:prstGeom prst="rect">
-            <a:avLst/>
-          </a:prstGeom>
-          <a:noFill/>
-          <a:ln>
-            <a:noFill/>
-          </a:ln>
-        </p:spPr>
-        <p:txBody>
-          <a:bodyPr/>
-          <a:p>
-            <a:pPr marL="457200" indent="-456840">
-              <a:lnSpc>
-                <a:spcPct val="100000"/>
-              </a:lnSpc>
-              <a:buClr>
-                <a:srgbClr val="ff0000"/>
-              </a:buClr>
-              <a:buFont typeface="Calibri"/>
-              <a:buAutoNum type="arabicPeriod"/>
-            </a:pPr>
-            <a:r>
-              <a:rPr b="0" lang="nl-NL" sz="2200" spc="-1" strike="noStrike">
-                <a:solidFill>
-                  <a:srgbClr val="ff0000"/>
-                </a:solidFill>
-                <a:uFill>
-                  <a:solidFill>
-                    <a:srgbClr val="ffffff"/>
-                  </a:solidFill>
-                </a:uFill>
-                <a:latin typeface="Arial"/>
-              </a:rPr>
-              <a:t>Introduction</a:t>
-            </a:r>
-            <a:r>
-              <a:rPr b="0" lang="nl-NL" sz="2200" spc="-1" strike="noStrike">
-                <a:solidFill>
-                  <a:srgbClr val="000000"/>
-                </a:solidFill>
-                <a:uFill>
-                  <a:solidFill>
-                    <a:srgbClr val="ffffff"/>
-                  </a:solidFill>
-                </a:uFill>
-                <a:latin typeface="Arial"/>
-              </a:rPr>
-              <a:t> (5 mins) [13:00 - 13:05]</a:t>
-            </a:r>
-            <a:endParaRPr b="0" lang="nl-NL" sz="2200" spc="-1" strike="noStrike">
-              <a:solidFill>
-                <a:srgbClr val="000000"/>
-              </a:solidFill>
-              <a:uFill>
-                <a:solidFill>
-                  <a:srgbClr val="ffffff"/>
-                </a:solidFill>
-              </a:uFill>
-              <a:latin typeface="Arial"/>
-            </a:endParaRPr>
-          </a:p>
-          <a:p>
-            <a:pPr marL="457200" indent="-456840">
-              <a:lnSpc>
-                <a:spcPct val="100000"/>
-              </a:lnSpc>
-              <a:buClr>
-                <a:srgbClr val="ff0000"/>
-              </a:buClr>
-              <a:buFont typeface="Calibri"/>
-              <a:buAutoNum type="arabicPeriod"/>
-            </a:pPr>
-            <a:r>
-              <a:rPr b="0" lang="nl-NL" sz="2200" spc="-1" strike="noStrike">
-                <a:solidFill>
-                  <a:srgbClr val="ff0000"/>
-                </a:solidFill>
-                <a:uFill>
-                  <a:solidFill>
-                    <a:srgbClr val="ffffff"/>
-                  </a:solidFill>
-                </a:uFill>
-                <a:latin typeface="Arial"/>
-              </a:rPr>
-              <a:t>Overview of the project (WP5) </a:t>
-            </a:r>
-            <a:r>
-              <a:rPr b="0" lang="nl-NL" sz="2200" spc="-1" strike="noStrike">
-                <a:solidFill>
-                  <a:srgbClr val="000000"/>
-                </a:solidFill>
-                <a:uFill>
-                  <a:solidFill>
-                    <a:srgbClr val="ffffff"/>
-                  </a:solidFill>
-                </a:uFill>
-                <a:latin typeface="Arial"/>
-              </a:rPr>
-              <a:t>(15 min) [13:05 - 13:20]</a:t>
-            </a:r>
-            <a:endParaRPr b="0" lang="nl-NL" sz="2200" spc="-1" strike="noStrike">
-              <a:solidFill>
-                <a:srgbClr val="000000"/>
-              </a:solidFill>
-              <a:uFill>
-                <a:solidFill>
-                  <a:srgbClr val="ffffff"/>
-                </a:solidFill>
-              </a:uFill>
-              <a:latin typeface="Arial"/>
-            </a:endParaRPr>
-          </a:p>
-          <a:p>
-            <a:pPr marL="457200" indent="-456840">
-              <a:lnSpc>
-                <a:spcPct val="100000"/>
-              </a:lnSpc>
-              <a:buClr>
-                <a:srgbClr val="ff0000"/>
-              </a:buClr>
-              <a:buFont typeface="Calibri"/>
-              <a:buAutoNum type="arabicPeriod"/>
-            </a:pPr>
-            <a:r>
-              <a:rPr b="0" lang="nl-NL" sz="2200" spc="-1" strike="noStrike">
-                <a:solidFill>
-                  <a:srgbClr val="ff0000"/>
-                </a:solidFill>
-                <a:uFill>
-                  <a:solidFill>
-                    <a:srgbClr val="ffffff"/>
-                  </a:solidFill>
-                </a:uFill>
-                <a:latin typeface="Arial"/>
-              </a:rPr>
-              <a:t>Industrial Use Cases (WP1) </a:t>
-            </a:r>
-            <a:r>
-              <a:rPr b="0" lang="nl-NL" sz="2200" spc="-1" strike="noStrike">
-                <a:solidFill>
-                  <a:srgbClr val="000000"/>
-                </a:solidFill>
-                <a:uFill>
-                  <a:solidFill>
-                    <a:srgbClr val="ffffff"/>
-                  </a:solidFill>
-                </a:uFill>
-                <a:latin typeface="Arial"/>
-              </a:rPr>
-              <a:t>(20 min) [13:20 - 13:40]</a:t>
-            </a:r>
-            <a:endParaRPr b="0" lang="nl-NL" sz="2200" spc="-1" strike="noStrike">
-              <a:solidFill>
-                <a:srgbClr val="000000"/>
-              </a:solidFill>
-              <a:uFill>
-                <a:solidFill>
-                  <a:srgbClr val="ffffff"/>
-                </a:solidFill>
-              </a:uFill>
-              <a:latin typeface="Arial"/>
-            </a:endParaRPr>
-          </a:p>
-          <a:p>
-            <a:pPr marL="457200" indent="-456840">
-              <a:lnSpc>
-                <a:spcPct val="100000"/>
-              </a:lnSpc>
-              <a:buClr>
-                <a:srgbClr val="ff0000"/>
-              </a:buClr>
-              <a:buFont typeface="Calibri"/>
-              <a:buAutoNum type="arabicPeriod"/>
-            </a:pPr>
-            <a:r>
-              <a:rPr b="0" lang="nl-NL" sz="2200" spc="-1" strike="noStrike">
-                <a:solidFill>
-                  <a:srgbClr val="ff0000"/>
-                </a:solidFill>
-                <a:uFill>
-                  <a:solidFill>
-                    <a:srgbClr val="ffffff"/>
-                  </a:solidFill>
-                </a:uFill>
-                <a:latin typeface="Arial"/>
-              </a:rPr>
-              <a:t>Technical Presentations (WP2, 3 &amp; 4) </a:t>
-            </a:r>
-            <a:r>
-              <a:rPr b="0" lang="nl-NL" sz="2200" spc="-1" strike="noStrike">
-                <a:solidFill>
-                  <a:srgbClr val="000000"/>
-                </a:solidFill>
-                <a:uFill>
-                  <a:solidFill>
-                    <a:srgbClr val="ffffff"/>
-                  </a:solidFill>
-                </a:uFill>
-                <a:latin typeface="Arial"/>
-              </a:rPr>
-              <a:t>(45 mins) [13:40 - 14:25]</a:t>
-            </a:r>
-            <a:endParaRPr b="0" lang="nl-NL" sz="2200" spc="-1" strike="noStrike">
-              <a:solidFill>
-                <a:srgbClr val="000000"/>
-              </a:solidFill>
-              <a:uFill>
-                <a:solidFill>
-                  <a:srgbClr val="ffffff"/>
-                </a:solidFill>
-              </a:uFill>
-              <a:latin typeface="Arial"/>
-            </a:endParaRPr>
-          </a:p>
-          <a:p>
-            <a:pPr marL="457200" indent="-456840">
-              <a:lnSpc>
-                <a:spcPct val="100000"/>
-              </a:lnSpc>
-              <a:buClr>
-                <a:srgbClr val="ff0000"/>
-              </a:buClr>
-              <a:buFont typeface="Calibri"/>
-              <a:buAutoNum type="arabicPeriod"/>
-            </a:pPr>
-            <a:r>
-              <a:rPr b="0" lang="nl-NL" sz="2200" spc="-1" strike="noStrike">
-                <a:solidFill>
-                  <a:srgbClr val="ff0000"/>
-                </a:solidFill>
-                <a:uFill>
-                  <a:solidFill>
-                    <a:srgbClr val="ffffff"/>
-                  </a:solidFill>
-                </a:uFill>
-                <a:latin typeface="Arial"/>
-              </a:rPr>
-              <a:t>User Interfaces &amp; Integration (WP6) </a:t>
-            </a:r>
-            <a:r>
-              <a:rPr b="0" lang="nl-NL" sz="2200" spc="-1" strike="noStrike">
-                <a:solidFill>
-                  <a:srgbClr val="000000"/>
-                </a:solidFill>
-                <a:uFill>
-                  <a:solidFill>
-                    <a:srgbClr val="ffffff"/>
-                  </a:solidFill>
-                </a:uFill>
-                <a:latin typeface="Arial"/>
-              </a:rPr>
-              <a:t>(10 mins) [14:25 - 14:35]</a:t>
-            </a:r>
-            <a:endParaRPr b="0" lang="nl-NL" sz="2200" spc="-1" strike="noStrike">
-              <a:solidFill>
-                <a:srgbClr val="000000"/>
-              </a:solidFill>
-              <a:uFill>
-                <a:solidFill>
-                  <a:srgbClr val="ffffff"/>
-                </a:solidFill>
-              </a:uFill>
-              <a:latin typeface="Arial"/>
-            </a:endParaRPr>
-          </a:p>
-          <a:p>
-            <a:pPr marL="343080" indent="-342720">
-              <a:lnSpc>
-                <a:spcPct val="100000"/>
-              </a:lnSpc>
-              <a:buClr>
-                <a:srgbClr val="000000"/>
-              </a:buClr>
-              <a:buFont typeface="Wingdings" charset="2"/>
-              <a:buChar char=""/>
-            </a:pPr>
-            <a:r>
-              <a:rPr b="0" lang="nl-NL" sz="2200" spc="-1" strike="noStrike">
-                <a:solidFill>
-                  <a:srgbClr val="000000"/>
-                </a:solidFill>
-                <a:uFill>
-                  <a:solidFill>
-                    <a:srgbClr val="ffffff"/>
-                  </a:solidFill>
-                </a:uFill>
-                <a:latin typeface="Arial"/>
-              </a:rPr>
-              <a:t>Break (15 mins) [14:35 - 14:50]</a:t>
-            </a:r>
-            <a:endParaRPr b="0" lang="nl-NL" sz="2200" spc="-1" strike="noStrike">
-              <a:solidFill>
-                <a:srgbClr val="000000"/>
-              </a:solidFill>
-              <a:uFill>
-                <a:solidFill>
-                  <a:srgbClr val="ffffff"/>
-                </a:solidFill>
-              </a:uFill>
-              <a:latin typeface="Arial"/>
-            </a:endParaRPr>
-          </a:p>
-          <a:p>
-            <a:pPr marL="457200" indent="-456840">
-              <a:lnSpc>
-                <a:spcPct val="100000"/>
-              </a:lnSpc>
-              <a:buClr>
-                <a:srgbClr val="ff0000"/>
-              </a:buClr>
-              <a:buFont typeface="Calibri"/>
-              <a:buAutoNum type="arabicPeriod" startAt="6"/>
-            </a:pPr>
-            <a:r>
-              <a:rPr b="0" lang="nl-NL" sz="2200" spc="-1" strike="noStrike">
-                <a:solidFill>
-                  <a:srgbClr val="ff0000"/>
-                </a:solidFill>
-                <a:uFill>
-                  <a:solidFill>
-                    <a:srgbClr val="ffffff"/>
-                  </a:solidFill>
-                </a:uFill>
-                <a:latin typeface="Arial"/>
-              </a:rPr>
-              <a:t>Exploitation Related Activities (WP7) </a:t>
-            </a:r>
-            <a:r>
-              <a:rPr b="0" lang="nl-NL" sz="2200" spc="-1" strike="noStrike">
-                <a:solidFill>
-                  <a:srgbClr val="000000"/>
-                </a:solidFill>
-                <a:uFill>
-                  <a:solidFill>
-                    <a:srgbClr val="ffffff"/>
-                  </a:solidFill>
-                </a:uFill>
-                <a:latin typeface="Arial"/>
-              </a:rPr>
-              <a:t>(10 mins) [14:50 - 15:00]</a:t>
-            </a:r>
-            <a:endParaRPr b="0" lang="nl-NL" sz="2200" spc="-1" strike="noStrike">
-              <a:solidFill>
-                <a:srgbClr val="000000"/>
-              </a:solidFill>
-              <a:uFill>
-                <a:solidFill>
-                  <a:srgbClr val="ffffff"/>
-                </a:solidFill>
-              </a:uFill>
-              <a:latin typeface="Arial"/>
-            </a:endParaRPr>
-          </a:p>
-          <a:p>
-            <a:pPr marL="457200" indent="-456840">
-              <a:lnSpc>
-                <a:spcPct val="100000"/>
-              </a:lnSpc>
-              <a:buClr>
-                <a:srgbClr val="ff0000"/>
-              </a:buClr>
-              <a:buFont typeface="Calibri"/>
-              <a:buAutoNum type="arabicPeriod" startAt="6"/>
-            </a:pPr>
-            <a:r>
-              <a:rPr b="0" lang="nl-NL" sz="2200" spc="-1" strike="noStrike">
-                <a:solidFill>
-                  <a:srgbClr val="ff0000"/>
-                </a:solidFill>
-                <a:uFill>
-                  <a:solidFill>
-                    <a:srgbClr val="ffffff"/>
-                  </a:solidFill>
-                </a:uFill>
-                <a:latin typeface="Arial"/>
-              </a:rPr>
-              <a:t>Demonstrations</a:t>
-            </a:r>
-            <a:r>
-              <a:rPr b="0" lang="nl-NL" sz="2200" spc="-1" strike="noStrike">
-                <a:solidFill>
-                  <a:srgbClr val="000000"/>
-                </a:solidFill>
-                <a:uFill>
-                  <a:solidFill>
-                    <a:srgbClr val="ffffff"/>
-                  </a:solidFill>
-                </a:uFill>
-                <a:latin typeface="Arial"/>
-              </a:rPr>
-              <a:t> (60 mins) [15:00 - 16:00]</a:t>
-            </a:r>
-            <a:endParaRPr b="0" lang="nl-NL" sz="2200" spc="-1" strike="noStrike">
-              <a:solidFill>
-                <a:srgbClr val="000000"/>
-              </a:solidFill>
-              <a:uFill>
-                <a:solidFill>
-                  <a:srgbClr val="ffffff"/>
-                </a:solidFill>
-              </a:uFill>
-              <a:latin typeface="Arial"/>
-            </a:endParaRPr>
-          </a:p>
-          <a:p>
-            <a:pPr marL="457200" indent="-456840">
-              <a:lnSpc>
-                <a:spcPct val="100000"/>
-              </a:lnSpc>
-              <a:buClr>
-                <a:srgbClr val="ff0000"/>
-              </a:buClr>
-              <a:buFont typeface="Calibri"/>
-              <a:buAutoNum type="arabicPeriod" startAt="6"/>
-            </a:pPr>
-            <a:r>
-              <a:rPr b="0" lang="nl-NL" sz="2200" spc="-1" strike="noStrike">
-                <a:solidFill>
-                  <a:srgbClr val="ff0000"/>
-                </a:solidFill>
-                <a:uFill>
-                  <a:solidFill>
-                    <a:srgbClr val="ffffff"/>
-                  </a:solidFill>
-                </a:uFill>
-                <a:latin typeface="Arial"/>
-              </a:rPr>
-              <a:t>Conclusions</a:t>
-            </a:r>
-            <a:r>
-              <a:rPr b="0" lang="nl-NL" sz="2200" spc="-1" strike="noStrike">
-                <a:solidFill>
-                  <a:srgbClr val="000000"/>
-                </a:solidFill>
-                <a:uFill>
-                  <a:solidFill>
-                    <a:srgbClr val="ffffff"/>
-                  </a:solidFill>
-                </a:uFill>
-                <a:latin typeface="Arial"/>
-              </a:rPr>
-              <a:t> (10 mins) [16:00 - 16:10]</a:t>
-            </a:r>
-            <a:endParaRPr b="0" lang="nl-NL" sz="2200" spc="-1" strike="noStrike">
-              <a:solidFill>
-                <a:srgbClr val="000000"/>
-              </a:solidFill>
-              <a:uFill>
-                <a:solidFill>
-                  <a:srgbClr val="ffffff"/>
-                </a:solidFill>
-              </a:uFill>
-              <a:latin typeface="Arial"/>
-            </a:endParaRPr>
-          </a:p>
-          <a:p>
-            <a:pPr marL="343080" indent="-342720">
-              <a:lnSpc>
-                <a:spcPct val="100000"/>
-              </a:lnSpc>
-              <a:buClr>
-                <a:srgbClr val="000000"/>
-              </a:buClr>
-              <a:buFont typeface="Wingdings" charset="2"/>
-              <a:buChar char=""/>
-            </a:pPr>
-            <a:r>
-              <a:rPr b="0" lang="nl-NL" sz="2200" spc="-1" strike="noStrike">
-                <a:solidFill>
-                  <a:srgbClr val="000000"/>
-                </a:solidFill>
-                <a:uFill>
-                  <a:solidFill>
-                    <a:srgbClr val="ffffff"/>
-                  </a:solidFill>
-                </a:uFill>
-                <a:latin typeface="Arial"/>
-              </a:rPr>
-              <a:t>Reviewers’ Private Section (30 min) [16:10 - 16:40]</a:t>
-            </a:r>
-            <a:endParaRPr b="0" lang="nl-NL" sz="2200" spc="-1" strike="noStrike">
-              <a:solidFill>
-                <a:srgbClr val="000000"/>
-              </a:solidFill>
-              <a:uFill>
-                <a:solidFill>
-                  <a:srgbClr val="ffffff"/>
-                </a:solidFill>
-              </a:uFill>
-              <a:latin typeface="Arial"/>
-            </a:endParaRPr>
-          </a:p>
-          <a:p>
-            <a:pPr marL="343080" indent="-342720">
-              <a:lnSpc>
-                <a:spcPct val="100000"/>
-              </a:lnSpc>
-              <a:buClr>
-                <a:srgbClr val="000000"/>
-              </a:buClr>
-              <a:buFont typeface="Wingdings" charset="2"/>
-              <a:buChar char=""/>
-            </a:pPr>
-            <a:r>
-              <a:rPr b="0" lang="nl-NL" sz="2200" spc="-1" strike="noStrike">
-                <a:solidFill>
-                  <a:srgbClr val="000000"/>
-                </a:solidFill>
-                <a:uFill>
-                  <a:solidFill>
-                    <a:srgbClr val="ffffff"/>
-                  </a:solidFill>
-                </a:uFill>
-                <a:latin typeface="Arial"/>
-              </a:rPr>
-              <a:t>Feedback Session (15min) [16:40 - 16:55]</a:t>
-            </a:r>
-            <a:endParaRPr b="0" lang="nl-NL" sz="2200" spc="-1" strike="noStrike">
-              <a:solidFill>
-                <a:srgbClr val="000000"/>
-              </a:solidFill>
-              <a:uFill>
-                <a:solidFill>
-                  <a:srgbClr val="ffffff"/>
-                </a:solidFill>
-              </a:uFill>
-              <a:latin typeface="Arial"/>
-            </a:endParaRPr>
-          </a:p>
-          <a:p>
-            <a:pPr marL="343080" indent="-342720">
-              <a:lnSpc>
-                <a:spcPct val="100000"/>
-              </a:lnSpc>
-              <a:buClr>
-                <a:srgbClr val="000000"/>
-              </a:buClr>
-              <a:buFont typeface="Wingdings" charset="2"/>
-              <a:buChar char=""/>
-            </a:pPr>
-            <a:r>
-              <a:rPr b="0" lang="nl-NL" sz="2200" spc="-1" strike="noStrike">
-                <a:solidFill>
-                  <a:srgbClr val="000000"/>
-                </a:solidFill>
-                <a:uFill>
-                  <a:solidFill>
-                    <a:srgbClr val="ffffff"/>
-                  </a:solidFill>
-                </a:uFill>
-                <a:latin typeface="Arial"/>
-              </a:rPr>
-              <a:t>Final Words (5 min) [16:55 - 17:00]</a:t>
-            </a:r>
-            <a:endParaRPr b="0" lang="nl-NL" sz="2200" spc="-1" strike="noStrike">
-              <a:solidFill>
-                <a:srgbClr val="000000"/>
-              </a:solidFill>
-              <a:uFill>
-                <a:solidFill>
-                  <a:srgbClr val="ffffff"/>
-                </a:solidFill>
-              </a:uFill>
-              <a:latin typeface="Arial"/>
-            </a:endParaRPr>
-          </a:p>
-        </p:txBody>
-      </p:sp>
-    </p:spTree>
-  </p:cSld>
-  <p:timing>
-    <p:tnLst>
-      <p:par>
-        <p:cTn id="12" dur="indefinite" restart="never" nodeType="tmRoot">
-          <p:childTnLst>
-            <p:seq>
-              <p:cTn id="13" nodeType="mainSeq"/>
-              <p:prevCondLst>
-                <p:cond delay="0" evt="onPrev">
-                  <p:tgtEl>
-                    <p:sldTgt/>
-                  </p:tgtEl>
-                </p:cond>
-              </p:prevCondLst>
-              <p:nextCondLst>
-                <p:cond delay="0" evt="onNext">
-                  <p:tgtEl>
-                    <p:sldTgt/>
-                  </p:tgtEl>
-                </p:cond>
-              </p:nextCondLst>
-            </p:seq>
-          </p:childTnLst>
-        </p:cTn>
-      </p:par>
-    </p:tnLst>
-  </p:timing>
-</p:sld>
-</file>
-
-<file path=ppt/slides/slide5.xml><?xml version="1.0" encoding="utf-8"?>
-<p:sld xmlns:a="http://schemas.openxmlformats.org/drawingml/2006/main" xmlns:p="http://schemas.openxmlformats.org/presentationml/2006/main" xmlns:r="http://schemas.openxmlformats.org/officeDocument/2006/relationships" xmlns:p14="http://schemas.microsoft.com/office/powerpoint/2010/main" xmlns:p15="http://schemas.microsoft.com/office/powerpoint/2012/main" xmlns:mc="http://schemas.openxmlformats.org/markup-compatibility/2006">
+<p:sld xmlns:a="http://schemas.openxmlformats.org/drawingml/2006/main" xmlns:r="http://schemas.openxmlformats.org/officeDocument/2006/relationships" xmlns:p="http://schemas.openxmlformats.org/presentationml/2006/main">
   <p:cSld>
     <p:spTree>
       <p:nvGrpSpPr>
@@ -6618,438 +6726,7 @@
       </p:grpSpPr>
       <p:pic>
         <p:nvPicPr>
-          <p:cNvPr id="89" name="Picture 2" descr=""/>
-          <p:cNvPicPr/>
-          <p:nvPr/>
-        </p:nvPicPr>
-        <p:blipFill>
-          <a:blip r:embed="rId1"/>
-          <a:stretch/>
-        </p:blipFill>
-        <p:spPr>
-          <a:xfrm>
-            <a:off x="7920" y="4948560"/>
-            <a:ext cx="1611360" cy="757080"/>
-          </a:xfrm>
-          <a:prstGeom prst="rect">
-            <a:avLst/>
-          </a:prstGeom>
-          <a:ln>
-            <a:noFill/>
-          </a:ln>
-        </p:spPr>
-      </p:pic>
-      <p:sp>
-        <p:nvSpPr>
-          <p:cNvPr id="90" name="TextShape 1"/>
-          <p:cNvSpPr txBox="1"/>
-          <p:nvPr/>
-        </p:nvSpPr>
-        <p:spPr>
-          <a:xfrm>
-            <a:off x="468000" y="144000"/>
-            <a:ext cx="6227640" cy="827640"/>
-          </a:xfrm>
-          <a:prstGeom prst="rect">
-            <a:avLst/>
-          </a:prstGeom>
-          <a:noFill/>
-          <a:ln>
-            <a:noFill/>
-          </a:ln>
-        </p:spPr>
-        <p:txBody>
-          <a:bodyPr anchor="b"/>
-          <a:p>
-            <a:pPr>
-              <a:lnSpc>
-                <a:spcPct val="100000"/>
-              </a:lnSpc>
-            </a:pPr>
-            <a:r>
-              <a:rPr b="1" lang="nl-NL" sz="2400" spc="-1" strike="noStrike">
-                <a:solidFill>
-                  <a:srgbClr val="00a651"/>
-                </a:solidFill>
-                <a:uFill>
-                  <a:solidFill>
-                    <a:srgbClr val="ffffff"/>
-                  </a:solidFill>
-                </a:uFill>
-                <a:latin typeface="Arial"/>
-              </a:rPr>
-              <a:t>Participants</a:t>
-            </a:r>
-            <a:r>
-              <a:rPr b="1" lang="nl-NL" sz="2400" spc="-1" strike="noStrike">
-                <a:solidFill>
-                  <a:srgbClr val="00a651"/>
-                </a:solidFill>
-                <a:uFill>
-                  <a:solidFill>
-                    <a:srgbClr val="ffffff"/>
-                  </a:solidFill>
-                </a:uFill>
-                <a:latin typeface="Arial"/>
-              </a:rPr>
-              <a:t>
-</a:t>
-            </a:r>
-            <a:r>
-              <a:rPr b="1" lang="nl-NL" sz="2400" spc="-1" strike="noStrike">
-                <a:solidFill>
-                  <a:srgbClr val="00a651"/>
-                </a:solidFill>
-                <a:uFill>
-                  <a:solidFill>
-                    <a:srgbClr val="ffffff"/>
-                  </a:solidFill>
-                </a:uFill>
-                <a:latin typeface="Arial"/>
-              </a:rPr>
-              <a:t>ModelWriter #1 Review</a:t>
-            </a:r>
-            <a:endParaRPr b="0" lang="nl-NL" sz="1800" spc="-1" strike="noStrike">
-              <a:solidFill>
-                <a:srgbClr val="000000"/>
-              </a:solidFill>
-              <a:uFill>
-                <a:solidFill>
-                  <a:srgbClr val="ffffff"/>
-                </a:solidFill>
-              </a:uFill>
-              <a:latin typeface="Calibri"/>
-            </a:endParaRPr>
-          </a:p>
-        </p:txBody>
-      </p:sp>
-      <p:sp>
-        <p:nvSpPr>
-          <p:cNvPr id="91" name="CustomShape 2"/>
-          <p:cNvSpPr/>
-          <p:nvPr/>
-        </p:nvSpPr>
-        <p:spPr>
-          <a:xfrm>
-            <a:off x="3492360" y="1775160"/>
-            <a:ext cx="2879640" cy="853200"/>
-          </a:xfrm>
-          <a:prstGeom prst="rect">
-            <a:avLst/>
-          </a:prstGeom>
-          <a:noFill/>
-          <a:ln>
-            <a:noFill/>
-          </a:ln>
-        </p:spPr>
-        <p:style>
-          <a:lnRef idx="0"/>
-          <a:fillRef idx="0"/>
-          <a:effectRef idx="0"/>
-          <a:fontRef idx="minor"/>
-        </p:style>
-        <p:txBody>
-          <a:bodyPr/>
-          <a:p>
-            <a:pPr marL="343080" indent="-342720">
-              <a:lnSpc>
-                <a:spcPct val="100000"/>
-              </a:lnSpc>
-              <a:buClr>
-                <a:srgbClr val="000000"/>
-              </a:buClr>
-              <a:buFont typeface="Wingdings" charset="2"/>
-              <a:buChar char=""/>
-            </a:pPr>
-            <a:r>
-              <a:rPr b="0" lang="en-US" sz="2000" spc="-1" strike="noStrike">
-                <a:solidFill>
-                  <a:srgbClr val="000000"/>
-                </a:solidFill>
-                <a:uFill>
-                  <a:solidFill>
-                    <a:srgbClr val="ffffff"/>
-                  </a:solidFill>
-                </a:uFill>
-                <a:latin typeface="Arial"/>
-              </a:rPr>
-              <a:t>Yvan Lussaud</a:t>
-            </a:r>
-            <a:endParaRPr b="0" lang="en-US" sz="2200" spc="-1" strike="noStrike">
-              <a:solidFill>
-                <a:srgbClr val="000000"/>
-              </a:solidFill>
-              <a:uFill>
-                <a:solidFill>
-                  <a:srgbClr val="ffffff"/>
-                </a:solidFill>
-              </a:uFill>
-              <a:latin typeface="Arial"/>
-            </a:endParaRPr>
-          </a:p>
-          <a:p>
-            <a:pPr marL="343080" indent="-342720">
-              <a:lnSpc>
-                <a:spcPct val="100000"/>
-              </a:lnSpc>
-              <a:buClr>
-                <a:srgbClr val="000000"/>
-              </a:buClr>
-              <a:buFont typeface="Wingdings" charset="2"/>
-              <a:buChar char=""/>
-            </a:pPr>
-            <a:r>
-              <a:rPr b="0" lang="en-US" sz="2000" spc="-1" strike="noStrike">
-                <a:solidFill>
-                  <a:srgbClr val="000000"/>
-                </a:solidFill>
-                <a:uFill>
-                  <a:solidFill>
-                    <a:srgbClr val="ffffff"/>
-                  </a:solidFill>
-                </a:uFill>
-                <a:latin typeface="Arial"/>
-              </a:rPr>
-              <a:t>Etienne Juliot</a:t>
-            </a:r>
-            <a:endParaRPr b="0" lang="en-US" sz="2200" spc="-1" strike="noStrike">
-              <a:solidFill>
-                <a:srgbClr val="000000"/>
-              </a:solidFill>
-              <a:uFill>
-                <a:solidFill>
-                  <a:srgbClr val="ffffff"/>
-                </a:solidFill>
-              </a:uFill>
-              <a:latin typeface="Arial"/>
-            </a:endParaRPr>
-          </a:p>
-        </p:txBody>
-      </p:sp>
-      <p:pic>
-        <p:nvPicPr>
-          <p:cNvPr id="92" name="Picture 14" descr=""/>
-          <p:cNvPicPr/>
-          <p:nvPr/>
-        </p:nvPicPr>
-        <p:blipFill>
-          <a:blip r:embed="rId2"/>
-          <a:stretch/>
-        </p:blipFill>
-        <p:spPr>
-          <a:xfrm>
-            <a:off x="3461400" y="1188360"/>
-            <a:ext cx="1079640" cy="550440"/>
-          </a:xfrm>
-          <a:prstGeom prst="rect">
-            <a:avLst/>
-          </a:prstGeom>
-          <a:ln>
-            <a:noFill/>
-          </a:ln>
-        </p:spPr>
-      </p:pic>
-      <p:sp>
-        <p:nvSpPr>
-          <p:cNvPr id="93" name="TextShape 3"/>
-          <p:cNvSpPr txBox="1"/>
-          <p:nvPr/>
-        </p:nvSpPr>
-        <p:spPr>
-          <a:xfrm>
-            <a:off x="-252360" y="1215720"/>
-            <a:ext cx="3887640" cy="1481040"/>
-          </a:xfrm>
-          <a:prstGeom prst="rect">
-            <a:avLst/>
-          </a:prstGeom>
-          <a:noFill/>
-          <a:ln>
-            <a:noFill/>
-          </a:ln>
-        </p:spPr>
-        <p:txBody>
-          <a:bodyPr/>
-          <a:p>
-            <a:pPr>
-              <a:lnSpc>
-                <a:spcPct val="100000"/>
-              </a:lnSpc>
-            </a:pPr>
-            <a:r>
-              <a:rPr b="0" lang="nl-NL" sz="2200" spc="-1" strike="noStrike">
-                <a:solidFill>
-                  <a:srgbClr val="000000"/>
-                </a:solidFill>
-                <a:uFill>
-                  <a:solidFill>
-                    <a:srgbClr val="ffffff"/>
-                  </a:solidFill>
-                </a:uFill>
-                <a:latin typeface="Arial"/>
-              </a:rPr>
-              <a:t> </a:t>
-            </a:r>
-            <a:endParaRPr b="0" lang="nl-NL" sz="2200" spc="-1" strike="noStrike">
-              <a:solidFill>
-                <a:srgbClr val="000000"/>
-              </a:solidFill>
-              <a:uFill>
-                <a:solidFill>
-                  <a:srgbClr val="ffffff"/>
-                </a:solidFill>
-              </a:uFill>
-              <a:latin typeface="Arial"/>
-            </a:endParaRPr>
-          </a:p>
-          <a:p>
-            <a:pPr lvl="1" marL="625320" indent="-264600">
-              <a:lnSpc>
-                <a:spcPct val="100000"/>
-              </a:lnSpc>
-              <a:buClr>
-                <a:srgbClr val="000000"/>
-              </a:buClr>
-              <a:buFont typeface="Wingdings" charset="2"/>
-              <a:buChar char=""/>
-            </a:pPr>
-            <a:r>
-              <a:rPr b="0" lang="nl-NL" sz="2000" spc="-1" strike="noStrike">
-                <a:solidFill>
-                  <a:srgbClr val="000000"/>
-                </a:solidFill>
-                <a:uFill>
-                  <a:solidFill>
-                    <a:srgbClr val="ffffff"/>
-                  </a:solidFill>
-                </a:uFill>
-                <a:latin typeface="Arial"/>
-              </a:rPr>
-              <a:t>Ferhat Erata</a:t>
-            </a:r>
-            <a:endParaRPr b="0" lang="nl-NL" sz="1800" spc="-1" strike="noStrike">
-              <a:solidFill>
-                <a:srgbClr val="000000"/>
-              </a:solidFill>
-              <a:uFill>
-                <a:solidFill>
-                  <a:srgbClr val="ffffff"/>
-                </a:solidFill>
-              </a:uFill>
-              <a:latin typeface="Arial"/>
-            </a:endParaRPr>
-          </a:p>
-          <a:p>
-            <a:pPr lvl="1" marL="625320" indent="-264600">
-              <a:lnSpc>
-                <a:spcPct val="100000"/>
-              </a:lnSpc>
-              <a:buClr>
-                <a:srgbClr val="000000"/>
-              </a:buClr>
-              <a:buFont typeface="Wingdings" charset="2"/>
-              <a:buChar char=""/>
-            </a:pPr>
-            <a:r>
-              <a:rPr b="0" lang="nl-NL" sz="2000" spc="-1" strike="noStrike">
-                <a:solidFill>
-                  <a:srgbClr val="000000"/>
-                </a:solidFill>
-                <a:uFill>
-                  <a:solidFill>
-                    <a:srgbClr val="ffffff"/>
-                  </a:solidFill>
-                </a:uFill>
-                <a:latin typeface="Arial"/>
-              </a:rPr>
-              <a:t>Dr. Moharram Challenger</a:t>
-            </a:r>
-            <a:endParaRPr b="0" lang="nl-NL" sz="1800" spc="-1" strike="noStrike">
-              <a:solidFill>
-                <a:srgbClr val="000000"/>
-              </a:solidFill>
-              <a:uFill>
-                <a:solidFill>
-                  <a:srgbClr val="ffffff"/>
-                </a:solidFill>
-              </a:uFill>
-              <a:latin typeface="Arial"/>
-            </a:endParaRPr>
-          </a:p>
-          <a:p>
-            <a:pPr lvl="1" marL="625320" indent="-264600">
-              <a:lnSpc>
-                <a:spcPct val="100000"/>
-              </a:lnSpc>
-              <a:buClr>
-                <a:srgbClr val="000000"/>
-              </a:buClr>
-              <a:buFont typeface="Wingdings" charset="2"/>
-              <a:buChar char=""/>
-            </a:pPr>
-            <a:r>
-              <a:rPr b="0" lang="nl-NL" sz="2000" spc="-1" strike="noStrike">
-                <a:solidFill>
-                  <a:srgbClr val="000000"/>
-                </a:solidFill>
-                <a:uFill>
-                  <a:solidFill>
-                    <a:srgbClr val="ffffff"/>
-                  </a:solidFill>
-                </a:uFill>
-                <a:latin typeface="Arial"/>
-              </a:rPr>
-              <a:t>Hasan Emre Kirmizi</a:t>
-            </a:r>
-            <a:endParaRPr b="0" lang="nl-NL" sz="1800" spc="-1" strike="noStrike">
-              <a:solidFill>
-                <a:srgbClr val="000000"/>
-              </a:solidFill>
-              <a:uFill>
-                <a:solidFill>
-                  <a:srgbClr val="ffffff"/>
-                </a:solidFill>
-              </a:uFill>
-              <a:latin typeface="Arial"/>
-            </a:endParaRPr>
-          </a:p>
-          <a:p>
-            <a:pPr>
-              <a:lnSpc>
-                <a:spcPct val="100000"/>
-              </a:lnSpc>
-            </a:pPr>
-            <a:r>
-              <a:rPr b="0" lang="nl-NL" sz="2200" spc="-1" strike="noStrike">
-                <a:solidFill>
-                  <a:srgbClr val="000000"/>
-                </a:solidFill>
-                <a:uFill>
-                  <a:solidFill>
-                    <a:srgbClr val="ffffff"/>
-                  </a:solidFill>
-                </a:uFill>
-                <a:latin typeface="Arial"/>
-              </a:rPr>
-              <a:t> </a:t>
-            </a:r>
-            <a:endParaRPr b="0" lang="nl-NL" sz="2200" spc="-1" strike="noStrike">
-              <a:solidFill>
-                <a:srgbClr val="000000"/>
-              </a:solidFill>
-              <a:uFill>
-                <a:solidFill>
-                  <a:srgbClr val="ffffff"/>
-                </a:solidFill>
-              </a:uFill>
-              <a:latin typeface="Arial"/>
-            </a:endParaRPr>
-          </a:p>
-        </p:txBody>
-      </p:sp>
-      <p:pic>
-        <p:nvPicPr>
-          <p:cNvPr id="94" name="Picture 4" descr=""/>
+          <p:cNvPr id="89" name="Picture 2"/>
           <p:cNvPicPr/>
           <p:nvPr/>
         </p:nvPicPr>
@@ -7059,8 +6736,8 @@
         </p:blipFill>
         <p:spPr>
           <a:xfrm>
-            <a:off x="3420000" y="4272120"/>
-            <a:ext cx="1583640" cy="704520"/>
+            <a:off x="7920" y="4948560"/>
+            <a:ext cx="1611360" cy="757080"/>
           </a:xfrm>
           <a:prstGeom prst="rect">
             <a:avLst/>
@@ -7070,9 +6747,176 @@
           </a:ln>
         </p:spPr>
       </p:pic>
+      <p:sp>
+        <p:nvSpPr>
+          <p:cNvPr id="90" name="TextShape 1"/>
+          <p:cNvSpPr txBox="1"/>
+          <p:nvPr/>
+        </p:nvSpPr>
+        <p:spPr>
+          <a:xfrm>
+            <a:off x="468000" y="144000"/>
+            <a:ext cx="6227640" cy="827640"/>
+          </a:xfrm>
+          <a:prstGeom prst="rect">
+            <a:avLst/>
+          </a:prstGeom>
+          <a:noFill/>
+          <a:ln>
+            <a:noFill/>
+          </a:ln>
+        </p:spPr>
+        <p:txBody>
+          <a:bodyPr anchor="b"/>
+          <a:lstStyle/>
+          <a:p>
+            <a:pPr>
+              <a:lnSpc>
+                <a:spcPct val="100000"/>
+              </a:lnSpc>
+            </a:pPr>
+            <a:r>
+              <a:rPr lang="nl-NL" sz="2400" b="1" strike="noStrike" spc="-1">
+                <a:solidFill>
+                  <a:srgbClr val="00A651"/>
+                </a:solidFill>
+                <a:uFill>
+                  <a:solidFill>
+                    <a:srgbClr val="FFFFFF"/>
+                  </a:solidFill>
+                </a:uFill>
+                <a:latin typeface="Arial"/>
+              </a:rPr>
+              <a:t>Participants
+ModelWriter #1 Review</a:t>
+            </a:r>
+            <a:endParaRPr lang="nl-NL" sz="1800" b="0" strike="noStrike" spc="-1">
+              <a:solidFill>
+                <a:srgbClr val="000000"/>
+              </a:solidFill>
+              <a:uFill>
+                <a:solidFill>
+                  <a:srgbClr val="FFFFFF"/>
+                </a:solidFill>
+              </a:uFill>
+              <a:latin typeface="Calibri"/>
+            </a:endParaRPr>
+          </a:p>
+        </p:txBody>
+      </p:sp>
+      <p:sp>
+        <p:nvSpPr>
+          <p:cNvPr id="91" name="CustomShape 2"/>
+          <p:cNvSpPr/>
+          <p:nvPr/>
+        </p:nvSpPr>
+        <p:spPr>
+          <a:xfrm>
+            <a:off x="3492360" y="1775160"/>
+            <a:ext cx="2879640" cy="853200"/>
+          </a:xfrm>
+          <a:prstGeom prst="rect">
+            <a:avLst/>
+          </a:prstGeom>
+          <a:noFill/>
+          <a:ln>
+            <a:noFill/>
+          </a:ln>
+        </p:spPr>
+        <p:style>
+          <a:lnRef idx="0">
+            <a:scrgbClr r="0" g="0" b="0"/>
+          </a:lnRef>
+          <a:fillRef idx="0">
+            <a:scrgbClr r="0" g="0" b="0"/>
+          </a:fillRef>
+          <a:effectRef idx="0">
+            <a:scrgbClr r="0" g="0" b="0"/>
+          </a:effectRef>
+          <a:fontRef idx="minor"/>
+        </p:style>
+        <p:txBody>
+          <a:bodyPr/>
+          <a:lstStyle/>
+          <a:p>
+            <a:pPr marL="343080" indent="-342720">
+              <a:lnSpc>
+                <a:spcPct val="100000"/>
+              </a:lnSpc>
+              <a:buClr>
+                <a:srgbClr val="000000"/>
+              </a:buClr>
+              <a:buFont typeface="Wingdings" charset="2"/>
+              <a:buChar char=""/>
+            </a:pPr>
+            <a:r>
+              <a:rPr lang="en-US" sz="2000" b="0" strike="noStrike" spc="-1">
+                <a:solidFill>
+                  <a:srgbClr val="000000"/>
+                </a:solidFill>
+                <a:uFill>
+                  <a:solidFill>
+                    <a:srgbClr val="FFFFFF"/>
+                  </a:solidFill>
+                </a:uFill>
+                <a:latin typeface="Arial"/>
+              </a:rPr>
+              <a:t>Yvan Lussaud</a:t>
+            </a:r>
+            <a:endParaRPr lang="en-US" sz="2200" b="0" strike="noStrike" spc="-1">
+              <a:solidFill>
+                <a:srgbClr val="000000"/>
+              </a:solidFill>
+              <a:uFill>
+                <a:solidFill>
+                  <a:srgbClr val="FFFFFF"/>
+                </a:solidFill>
+              </a:uFill>
+              <a:latin typeface="Arial"/>
+            </a:endParaRPr>
+          </a:p>
+          <a:p>
+            <a:pPr marL="343080" indent="-342720">
+              <a:lnSpc>
+                <a:spcPct val="100000"/>
+              </a:lnSpc>
+              <a:buClr>
+                <a:srgbClr val="000000"/>
+              </a:buClr>
+              <a:buFont typeface="Wingdings" charset="2"/>
+              <a:buChar char=""/>
+            </a:pPr>
+            <a:r>
+              <a:rPr lang="en-US" sz="2000" b="0" strike="noStrike" spc="-1">
+                <a:solidFill>
+                  <a:srgbClr val="000000"/>
+                </a:solidFill>
+                <a:uFill>
+                  <a:solidFill>
+                    <a:srgbClr val="FFFFFF"/>
+                  </a:solidFill>
+                </a:uFill>
+                <a:latin typeface="Arial"/>
+              </a:rPr>
+              <a:t>Etienne Juliot</a:t>
+            </a:r>
+            <a:endParaRPr lang="en-US" sz="2200" b="0" strike="noStrike" spc="-1">
+              <a:solidFill>
+                <a:srgbClr val="000000"/>
+              </a:solidFill>
+              <a:uFill>
+                <a:solidFill>
+                  <a:srgbClr val="FFFFFF"/>
+                </a:solidFill>
+              </a:uFill>
+              <a:latin typeface="Arial"/>
+            </a:endParaRPr>
+          </a:p>
+        </p:txBody>
+      </p:sp>
       <p:pic>
         <p:nvPicPr>
-          <p:cNvPr id="95" name="Picture 16" descr=""/>
+          <p:cNvPr id="92" name="Picture 14"/>
           <p:cNvPicPr/>
           <p:nvPr/>
         </p:nvPicPr>
@@ -7082,8 +6926,8 @@
         </p:blipFill>
         <p:spPr>
           <a:xfrm>
-            <a:off x="6405120" y="2633400"/>
-            <a:ext cx="1517760" cy="515880"/>
+            <a:off x="3461400" y="1188360"/>
+            <a:ext cx="1079640" cy="550440"/>
           </a:xfrm>
           <a:prstGeom prst="rect">
             <a:avLst/>
@@ -7093,21 +6937,197 @@
           </a:ln>
         </p:spPr>
       </p:pic>
+      <p:sp>
+        <p:nvSpPr>
+          <p:cNvPr id="93" name="TextShape 3"/>
+          <p:cNvSpPr txBox="1"/>
+          <p:nvPr/>
+        </p:nvSpPr>
+        <p:spPr>
+          <a:xfrm>
+            <a:off x="-252360" y="1215720"/>
+            <a:ext cx="3887640" cy="1481040"/>
+          </a:xfrm>
+          <a:prstGeom prst="rect">
+            <a:avLst/>
+          </a:prstGeom>
+          <a:noFill/>
+          <a:ln>
+            <a:noFill/>
+          </a:ln>
+        </p:spPr>
+        <p:txBody>
+          <a:bodyPr/>
+          <a:lstStyle/>
+          <a:p>
+            <a:pPr>
+              <a:lnSpc>
+                <a:spcPct val="100000"/>
+              </a:lnSpc>
+            </a:pPr>
+            <a:r>
+              <a:rPr lang="nl-NL" sz="2200" b="0" strike="noStrike" spc="-1">
+                <a:solidFill>
+                  <a:srgbClr val="000000"/>
+                </a:solidFill>
+                <a:uFill>
+                  <a:solidFill>
+                    <a:srgbClr val="FFFFFF"/>
+                  </a:solidFill>
+                </a:uFill>
+                <a:latin typeface="Arial"/>
+              </a:rPr>
+              <a:t> </a:t>
+            </a:r>
+          </a:p>
+          <a:p>
+            <a:pPr marL="625320" lvl="1" indent="-264600">
+              <a:lnSpc>
+                <a:spcPct val="100000"/>
+              </a:lnSpc>
+              <a:buClr>
+                <a:srgbClr val="000000"/>
+              </a:buClr>
+              <a:buFont typeface="Wingdings" charset="2"/>
+              <a:buChar char=""/>
+            </a:pPr>
+            <a:r>
+              <a:rPr lang="nl-NL" sz="2000" b="0" strike="noStrike" spc="-1">
+                <a:solidFill>
+                  <a:srgbClr val="000000"/>
+                </a:solidFill>
+                <a:uFill>
+                  <a:solidFill>
+                    <a:srgbClr val="FFFFFF"/>
+                  </a:solidFill>
+                </a:uFill>
+                <a:latin typeface="Arial"/>
+              </a:rPr>
+              <a:t>Ferhat Erata</a:t>
+            </a:r>
+            <a:endParaRPr lang="nl-NL" sz="1800" b="0" strike="noStrike" spc="-1">
+              <a:solidFill>
+                <a:srgbClr val="000000"/>
+              </a:solidFill>
+              <a:uFill>
+                <a:solidFill>
+                  <a:srgbClr val="FFFFFF"/>
+                </a:solidFill>
+              </a:uFill>
+              <a:latin typeface="Arial"/>
+            </a:endParaRPr>
+          </a:p>
+          <a:p>
+            <a:pPr marL="625320" lvl="1" indent="-264600">
+              <a:lnSpc>
+                <a:spcPct val="100000"/>
+              </a:lnSpc>
+              <a:buClr>
+                <a:srgbClr val="000000"/>
+              </a:buClr>
+              <a:buFont typeface="Wingdings" charset="2"/>
+              <a:buChar char=""/>
+            </a:pPr>
+            <a:r>
+              <a:rPr lang="nl-NL" sz="2000" b="0" strike="noStrike" spc="-1">
+                <a:solidFill>
+                  <a:srgbClr val="000000"/>
+                </a:solidFill>
+                <a:uFill>
+                  <a:solidFill>
+                    <a:srgbClr val="FFFFFF"/>
+                  </a:solidFill>
+                </a:uFill>
+                <a:latin typeface="Arial"/>
+              </a:rPr>
+              <a:t>Dr. Moharram Challenger</a:t>
+            </a:r>
+            <a:endParaRPr lang="nl-NL" sz="1800" b="0" strike="noStrike" spc="-1">
+              <a:solidFill>
+                <a:srgbClr val="000000"/>
+              </a:solidFill>
+              <a:uFill>
+                <a:solidFill>
+                  <a:srgbClr val="FFFFFF"/>
+                </a:solidFill>
+              </a:uFill>
+              <a:latin typeface="Arial"/>
+            </a:endParaRPr>
+          </a:p>
+          <a:p>
+            <a:pPr marL="625320" lvl="1" indent="-264600">
+              <a:lnSpc>
+                <a:spcPct val="100000"/>
+              </a:lnSpc>
+              <a:buClr>
+                <a:srgbClr val="000000"/>
+              </a:buClr>
+              <a:buFont typeface="Wingdings" charset="2"/>
+              <a:buChar char=""/>
+            </a:pPr>
+            <a:r>
+              <a:rPr lang="nl-NL" sz="2000" b="0" strike="noStrike" spc="-1">
+                <a:solidFill>
+                  <a:srgbClr val="000000"/>
+                </a:solidFill>
+                <a:uFill>
+                  <a:solidFill>
+                    <a:srgbClr val="FFFFFF"/>
+                  </a:solidFill>
+                </a:uFill>
+                <a:latin typeface="Arial"/>
+              </a:rPr>
+              <a:t>Hasan Emre Kirmizi</a:t>
+            </a:r>
+            <a:endParaRPr lang="nl-NL" sz="1800" b="0" strike="noStrike" spc="-1">
+              <a:solidFill>
+                <a:srgbClr val="000000"/>
+              </a:solidFill>
+              <a:uFill>
+                <a:solidFill>
+                  <a:srgbClr val="FFFFFF"/>
+                </a:solidFill>
+              </a:uFill>
+              <a:latin typeface="Arial"/>
+            </a:endParaRPr>
+          </a:p>
+          <a:p>
+            <a:pPr>
+              <a:lnSpc>
+                <a:spcPct val="100000"/>
+              </a:lnSpc>
+            </a:pPr>
+            <a:r>
+              <a:rPr lang="nl-NL" sz="2200" b="0" strike="noStrike" spc="-1">
+                <a:solidFill>
+                  <a:srgbClr val="000000"/>
+                </a:solidFill>
+                <a:uFill>
+                  <a:solidFill>
+                    <a:srgbClr val="FFFFFF"/>
+                  </a:solidFill>
+                </a:uFill>
+                <a:latin typeface="Arial"/>
+              </a:rPr>
+              <a:t> </a:t>
+            </a:r>
+          </a:p>
+        </p:txBody>
+      </p:sp>
       <p:pic>
         <p:nvPicPr>
-          <p:cNvPr id="96" name="Picture 10" descr=""/>
+          <p:cNvPr id="94" name="Picture 4"/>
           <p:cNvPicPr/>
           <p:nvPr/>
         </p:nvPicPr>
         <p:blipFill>
           <a:blip r:embed="rId5"/>
-          <a:srcRect l="0" t="23998" r="0" b="30183"/>
           <a:stretch/>
         </p:blipFill>
         <p:spPr>
           <a:xfrm>
-            <a:off x="6466680" y="4434480"/>
-            <a:ext cx="1273320" cy="384840"/>
+            <a:off x="3420000" y="4272120"/>
+            <a:ext cx="1583640" cy="704520"/>
           </a:xfrm>
           <a:prstGeom prst="rect">
             <a:avLst/>
@@ -7119,7 +7139,7 @@
       </p:pic>
       <p:pic>
         <p:nvPicPr>
-          <p:cNvPr id="97" name="Picture 4" descr=""/>
+          <p:cNvPr id="95" name="Picture 16"/>
           <p:cNvPicPr/>
           <p:nvPr/>
         </p:nvPicPr>
@@ -7129,8 +7149,8 @@
         </p:blipFill>
         <p:spPr>
           <a:xfrm>
-            <a:off x="3575880" y="2744640"/>
-            <a:ext cx="2292120" cy="267120"/>
+            <a:off x="6405120" y="2633400"/>
+            <a:ext cx="1517760" cy="515880"/>
           </a:xfrm>
           <a:prstGeom prst="rect">
             <a:avLst/>
@@ -7142,18 +7162,19 @@
       </p:pic>
       <p:pic>
         <p:nvPicPr>
-          <p:cNvPr id="98" name="Picture 6" descr=""/>
+          <p:cNvPr id="96" name="Picture 10"/>
           <p:cNvPicPr/>
           <p:nvPr/>
         </p:nvPicPr>
         <p:blipFill>
           <a:blip r:embed="rId7"/>
+          <a:srcRect t="23998" b="30183"/>
           <a:stretch/>
         </p:blipFill>
         <p:spPr>
           <a:xfrm>
-            <a:off x="6300360" y="1083240"/>
-            <a:ext cx="1262880" cy="833400"/>
+            <a:off x="6466680" y="4434480"/>
+            <a:ext cx="1273320" cy="384840"/>
           </a:xfrm>
           <a:prstGeom prst="rect">
             <a:avLst/>
@@ -7165,7 +7186,7 @@
       </p:pic>
       <p:pic>
         <p:nvPicPr>
-          <p:cNvPr id="99" name="Picture 4" descr=""/>
+          <p:cNvPr id="97" name="Picture 4"/>
           <p:cNvPicPr/>
           <p:nvPr/>
         </p:nvPicPr>
@@ -7175,8 +7196,8 @@
         </p:blipFill>
         <p:spPr>
           <a:xfrm>
-            <a:off x="251640" y="1302480"/>
-            <a:ext cx="1087560" cy="326160"/>
+            <a:off x="3575880" y="2744640"/>
+            <a:ext cx="2292120" cy="267120"/>
           </a:xfrm>
           <a:prstGeom prst="rect">
             <a:avLst/>
@@ -7188,7 +7209,7 @@
       </p:pic>
       <p:pic>
         <p:nvPicPr>
-          <p:cNvPr id="100" name="Picture 6" descr=""/>
+          <p:cNvPr id="98" name="Picture 6"/>
           <p:cNvPicPr/>
           <p:nvPr/>
         </p:nvPicPr>
@@ -7198,6 +7219,52 @@
         </p:blipFill>
         <p:spPr>
           <a:xfrm>
+            <a:off x="6300360" y="1083240"/>
+            <a:ext cx="1262880" cy="833400"/>
+          </a:xfrm>
+          <a:prstGeom prst="rect">
+            <a:avLst/>
+          </a:prstGeom>
+          <a:ln>
+            <a:noFill/>
+          </a:ln>
+        </p:spPr>
+      </p:pic>
+      <p:pic>
+        <p:nvPicPr>
+          <p:cNvPr id="99" name="Picture 4"/>
+          <p:cNvPicPr/>
+          <p:nvPr/>
+        </p:nvPicPr>
+        <p:blipFill>
+          <a:blip r:embed="rId10"/>
+          <a:stretch/>
+        </p:blipFill>
+        <p:spPr>
+          <a:xfrm>
+            <a:off x="251640" y="1302480"/>
+            <a:ext cx="1087560" cy="326160"/>
+          </a:xfrm>
+          <a:prstGeom prst="rect">
+            <a:avLst/>
+          </a:prstGeom>
+          <a:ln>
+            <a:noFill/>
+          </a:ln>
+        </p:spPr>
+      </p:pic>
+      <p:pic>
+        <p:nvPicPr>
+          <p:cNvPr id="100" name="Picture 6"/>
+          <p:cNvPicPr/>
+          <p:nvPr/>
+        </p:nvPicPr>
+        <p:blipFill>
+          <a:blip r:embed="rId11"/>
+          <a:stretch/>
+        </p:blipFill>
+        <p:spPr>
+          <a:xfrm>
             <a:off x="103320" y="2781000"/>
             <a:ext cx="691200" cy="691200"/>
           </a:xfrm>
@@ -7229,15 +7296,22 @@
           </a:ln>
         </p:spPr>
         <p:style>
-          <a:lnRef idx="0"/>
-          <a:fillRef idx="0"/>
-          <a:effectRef idx="0"/>
+          <a:lnRef idx="0">
+            <a:scrgbClr r="0" g="0" b="0"/>
+          </a:lnRef>
+          <a:fillRef idx="0">
+            <a:scrgbClr r="0" g="0" b="0"/>
+          </a:fillRef>
+          <a:effectRef idx="0">
+            <a:scrgbClr r="0" g="0" b="0"/>
+          </a:effectRef>
           <a:fontRef idx="minor"/>
         </p:style>
         <p:txBody>
           <a:bodyPr/>
-          <a:p>
-            <a:pPr lvl="1" marL="625320" indent="-264600">
+          <a:lstStyle/>
+          <a:p>
+            <a:pPr marL="625320" lvl="1" indent="-264600">
               <a:lnSpc>
                 <a:spcPct val="100000"/>
               </a:lnSpc>
@@ -7248,33 +7322,33 @@
               <a:buChar char=""/>
             </a:pPr>
             <a:r>
-              <a:rPr b="0" lang="en-US" sz="2000" spc="-1" strike="noStrike">
+              <a:rPr lang="en-US" sz="2000" b="0" strike="noStrike" spc="-1">
                 <a:solidFill>
                   <a:srgbClr val="000000"/>
                 </a:solidFill>
                 <a:uFill>
                   <a:solidFill>
-                    <a:srgbClr val="ffffff"/>
+                    <a:srgbClr val="FFFFFF"/>
                   </a:solidFill>
                 </a:uFill>
                 <a:latin typeface="Arial"/>
               </a:rPr>
               <a:t>Dr. Claire Gardent</a:t>
             </a:r>
-            <a:endParaRPr b="0" lang="en-US" sz="2200" spc="-1" strike="noStrike">
-              <a:solidFill>
-                <a:srgbClr val="000000"/>
-              </a:solidFill>
-              <a:uFill>
-                <a:solidFill>
-                  <a:srgbClr val="ffffff"/>
+            <a:endParaRPr lang="en-US" sz="2200" b="0" strike="noStrike" spc="-1">
+              <a:solidFill>
+                <a:srgbClr val="000000"/>
+              </a:solidFill>
+              <a:uFill>
+                <a:solidFill>
+                  <a:srgbClr val="FFFFFF"/>
                 </a:solidFill>
               </a:uFill>
               <a:latin typeface="Arial"/>
             </a:endParaRPr>
           </a:p>
           <a:p>
-            <a:pPr lvl="1" marL="625320" indent="-264600">
+            <a:pPr marL="625320" lvl="1" indent="-264600">
               <a:lnSpc>
                 <a:spcPct val="100000"/>
               </a:lnSpc>
@@ -7285,33 +7359,33 @@
               <a:buChar char=""/>
             </a:pPr>
             <a:r>
-              <a:rPr b="0" lang="en-US" sz="2000" spc="-1" strike="noStrike">
+              <a:rPr lang="en-US" sz="2000" b="0" strike="noStrike" spc="-1">
                 <a:solidFill>
                   <a:srgbClr val="000000"/>
                 </a:solidFill>
                 <a:uFill>
                   <a:solidFill>
-                    <a:srgbClr val="ffffff"/>
+                    <a:srgbClr val="FFFFFF"/>
                   </a:solidFill>
                 </a:uFill>
                 <a:latin typeface="Arial"/>
               </a:rPr>
               <a:t>Dr. Samuel Cruz-Lara</a:t>
             </a:r>
-            <a:endParaRPr b="0" lang="en-US" sz="2200" spc="-1" strike="noStrike">
-              <a:solidFill>
-                <a:srgbClr val="000000"/>
-              </a:solidFill>
-              <a:uFill>
-                <a:solidFill>
-                  <a:srgbClr val="ffffff"/>
+            <a:endParaRPr lang="en-US" sz="2200" b="0" strike="noStrike" spc="-1">
+              <a:solidFill>
+                <a:srgbClr val="000000"/>
+              </a:solidFill>
+              <a:uFill>
+                <a:solidFill>
+                  <a:srgbClr val="FFFFFF"/>
                 </a:solidFill>
               </a:uFill>
               <a:latin typeface="Arial"/>
             </a:endParaRPr>
           </a:p>
           <a:p>
-            <a:pPr lvl="1" marL="625320" indent="-264600">
+            <a:pPr marL="625320" lvl="1" indent="-264600">
               <a:lnSpc>
                 <a:spcPct val="100000"/>
               </a:lnSpc>
@@ -7322,33 +7396,33 @@
               <a:buChar char=""/>
             </a:pPr>
             <a:r>
-              <a:rPr b="0" lang="en-US" sz="2000" spc="-1" strike="noStrike">
+              <a:rPr lang="en-US" sz="2000" b="0" strike="noStrike" spc="-1">
                 <a:solidFill>
                   <a:srgbClr val="000000"/>
                 </a:solidFill>
                 <a:uFill>
                   <a:solidFill>
-                    <a:srgbClr val="ffffff"/>
+                    <a:srgbClr val="FFFFFF"/>
                   </a:solidFill>
                 </a:uFill>
                 <a:latin typeface="Arial"/>
               </a:rPr>
               <a:t>Bikash Gyawali</a:t>
             </a:r>
-            <a:endParaRPr b="0" lang="en-US" sz="2200" spc="-1" strike="noStrike">
-              <a:solidFill>
-                <a:srgbClr val="000000"/>
-              </a:solidFill>
-              <a:uFill>
-                <a:solidFill>
-                  <a:srgbClr val="ffffff"/>
+            <a:endParaRPr lang="en-US" sz="2200" b="0" strike="noStrike" spc="-1">
+              <a:solidFill>
+                <a:srgbClr val="000000"/>
+              </a:solidFill>
+              <a:uFill>
+                <a:solidFill>
+                  <a:srgbClr val="FFFFFF"/>
                 </a:solidFill>
               </a:uFill>
               <a:latin typeface="Arial"/>
             </a:endParaRPr>
           </a:p>
           <a:p>
-            <a:pPr lvl="1" marL="625320" indent="-264600">
+            <a:pPr marL="625320" lvl="1" indent="-264600">
               <a:lnSpc>
                 <a:spcPct val="100000"/>
               </a:lnSpc>
@@ -7359,26 +7433,26 @@
               <a:buChar char=""/>
             </a:pPr>
             <a:r>
-              <a:rPr b="0" lang="en-US" sz="2000" spc="-1" strike="noStrike">
+              <a:rPr lang="en-US" sz="2000" b="0" strike="noStrike" spc="-1">
                 <a:solidFill>
                   <a:srgbClr val="000000"/>
                 </a:solidFill>
                 <a:uFill>
                   <a:solidFill>
-                    <a:srgbClr val="ffffff"/>
+                    <a:srgbClr val="FFFFFF"/>
                   </a:solidFill>
                 </a:uFill>
                 <a:latin typeface="Arial"/>
               </a:rPr>
               <a:t>Anastasia Shimorina</a:t>
             </a:r>
-            <a:endParaRPr b="0" lang="en-US" sz="2200" spc="-1" strike="noStrike">
-              <a:solidFill>
-                <a:srgbClr val="000000"/>
-              </a:solidFill>
-              <a:uFill>
-                <a:solidFill>
-                  <a:srgbClr val="ffffff"/>
+            <a:endParaRPr lang="en-US" sz="2200" b="0" strike="noStrike" spc="-1">
+              <a:solidFill>
+                <a:srgbClr val="000000"/>
+              </a:solidFill>
+              <a:uFill>
+                <a:solidFill>
+                  <a:srgbClr val="FFFFFF"/>
                 </a:solidFill>
               </a:uFill>
               <a:latin typeface="Arial"/>
@@ -7406,15 +7480,22 @@
           </a:ln>
         </p:spPr>
         <p:style>
-          <a:lnRef idx="0"/>
-          <a:fillRef idx="0"/>
-          <a:effectRef idx="0"/>
+          <a:lnRef idx="0">
+            <a:scrgbClr r="0" g="0" b="0"/>
+          </a:lnRef>
+          <a:fillRef idx="0">
+            <a:scrgbClr r="0" g="0" b="0"/>
+          </a:fillRef>
+          <a:effectRef idx="0">
+            <a:scrgbClr r="0" g="0" b="0"/>
+          </a:effectRef>
           <a:fontRef idx="minor"/>
         </p:style>
         <p:txBody>
           <a:bodyPr/>
-          <a:p>
-            <a:pPr lvl="1" marL="625320" indent="-264600">
+          <a:lstStyle/>
+          <a:p>
+            <a:pPr marL="625320" lvl="1" indent="-264600">
               <a:lnSpc>
                 <a:spcPct val="100000"/>
               </a:lnSpc>
@@ -7425,26 +7506,26 @@
               <a:buChar char=""/>
             </a:pPr>
             <a:r>
-              <a:rPr b="0" lang="en-US" sz="2000" spc="-1" strike="noStrike">
+              <a:rPr lang="en-US" sz="2000" b="0" strike="noStrike" spc="-1">
                 <a:solidFill>
                   <a:srgbClr val="000000"/>
                 </a:solidFill>
                 <a:uFill>
                   <a:solidFill>
-                    <a:srgbClr val="ffffff"/>
+                    <a:srgbClr val="FFFFFF"/>
                   </a:solidFill>
                 </a:uFill>
                 <a:latin typeface="Arial"/>
               </a:rPr>
               <a:t>Dr. Anne Monceaux</a:t>
             </a:r>
-            <a:endParaRPr b="0" lang="en-US" sz="2200" spc="-1" strike="noStrike">
-              <a:solidFill>
-                <a:srgbClr val="000000"/>
-              </a:solidFill>
-              <a:uFill>
-                <a:solidFill>
-                  <a:srgbClr val="ffffff"/>
+            <a:endParaRPr lang="en-US" sz="2200" b="0" strike="noStrike" spc="-1">
+              <a:solidFill>
+                <a:srgbClr val="000000"/>
+              </a:solidFill>
+              <a:uFill>
+                <a:solidFill>
+                  <a:srgbClr val="FFFFFF"/>
                 </a:solidFill>
               </a:uFill>
               <a:latin typeface="Arial"/>
@@ -7472,13 +7553,20 @@
           </a:ln>
         </p:spPr>
         <p:style>
-          <a:lnRef idx="0"/>
-          <a:fillRef idx="0"/>
-          <a:effectRef idx="0"/>
+          <a:lnRef idx="0">
+            <a:scrgbClr r="0" g="0" b="0"/>
+          </a:lnRef>
+          <a:fillRef idx="0">
+            <a:scrgbClr r="0" g="0" b="0"/>
+          </a:fillRef>
+          <a:effectRef idx="0">
+            <a:scrgbClr r="0" g="0" b="0"/>
+          </a:effectRef>
           <a:fontRef idx="minor"/>
         </p:style>
         <p:txBody>
           <a:bodyPr/>
+          <a:lstStyle/>
           <a:p>
             <a:pPr marL="343080" indent="-342720">
               <a:lnSpc>
@@ -7491,26 +7579,26 @@
               <a:buChar char=""/>
             </a:pPr>
             <a:r>
-              <a:rPr b="0" lang="en-US" sz="2000" spc="-1" strike="noStrike">
+              <a:rPr lang="en-US" sz="2000" b="0" strike="noStrike" spc="-1">
                 <a:solidFill>
                   <a:srgbClr val="000000"/>
                 </a:solidFill>
                 <a:uFill>
                   <a:solidFill>
-                    <a:srgbClr val="ffffff"/>
+                    <a:srgbClr val="FFFFFF"/>
                   </a:solidFill>
                 </a:uFill>
                 <a:latin typeface="Arial"/>
               </a:rPr>
               <a:t>Dr. Geylani Kardas</a:t>
             </a:r>
-            <a:endParaRPr b="0" lang="en-US" sz="2200" spc="-1" strike="noStrike">
-              <a:solidFill>
-                <a:srgbClr val="000000"/>
-              </a:solidFill>
-              <a:uFill>
-                <a:solidFill>
-                  <a:srgbClr val="ffffff"/>
+            <a:endParaRPr lang="en-US" sz="2200" b="0" strike="noStrike" spc="-1">
+              <a:solidFill>
+                <a:srgbClr val="000000"/>
+              </a:solidFill>
+              <a:uFill>
+                <a:solidFill>
+                  <a:srgbClr val="FFFFFF"/>
                 </a:solidFill>
               </a:uFill>
               <a:latin typeface="Arial"/>
@@ -7528,26 +7616,26 @@
               <a:buChar char=""/>
             </a:pPr>
             <a:r>
-              <a:rPr b="0" lang="en-US" sz="2000" spc="-1" strike="noStrike">
+              <a:rPr lang="en-US" sz="2000" b="0" strike="noStrike" spc="-1">
                 <a:solidFill>
                   <a:srgbClr val="000000"/>
                 </a:solidFill>
                 <a:uFill>
                   <a:solidFill>
-                    <a:srgbClr val="ffffff"/>
+                    <a:srgbClr val="FFFFFF"/>
                   </a:solidFill>
                 </a:uFill>
                 <a:latin typeface="Arial"/>
               </a:rPr>
               <a:t>Mehmet Onat</a:t>
             </a:r>
-            <a:endParaRPr b="0" lang="en-US" sz="2200" spc="-1" strike="noStrike">
-              <a:solidFill>
-                <a:srgbClr val="000000"/>
-              </a:solidFill>
-              <a:uFill>
-                <a:solidFill>
-                  <a:srgbClr val="ffffff"/>
+            <a:endParaRPr lang="en-US" sz="2200" b="0" strike="noStrike" spc="-1">
+              <a:solidFill>
+                <a:srgbClr val="000000"/>
+              </a:solidFill>
+              <a:uFill>
+                <a:solidFill>
+                  <a:srgbClr val="FFFFFF"/>
                 </a:solidFill>
               </a:uFill>
               <a:latin typeface="Arial"/>
@@ -7565,26 +7653,26 @@
               <a:buChar char=""/>
             </a:pPr>
             <a:r>
-              <a:rPr b="0" lang="en-US" sz="2000" spc="-1" strike="noStrike">
+              <a:rPr lang="en-US" sz="2000" b="0" strike="noStrike" spc="-1">
                 <a:solidFill>
                   <a:srgbClr val="000000"/>
                 </a:solidFill>
                 <a:uFill>
                   <a:solidFill>
-                    <a:srgbClr val="ffffff"/>
+                    <a:srgbClr val="FFFFFF"/>
                   </a:solidFill>
                 </a:uFill>
                 <a:latin typeface="Arial"/>
               </a:rPr>
               <a:t>Hale Gezgen</a:t>
             </a:r>
-            <a:endParaRPr b="0" lang="en-US" sz="2200" spc="-1" strike="noStrike">
-              <a:solidFill>
-                <a:srgbClr val="000000"/>
-              </a:solidFill>
-              <a:uFill>
-                <a:solidFill>
-                  <a:srgbClr val="ffffff"/>
+            <a:endParaRPr lang="en-US" sz="2200" b="0" strike="noStrike" spc="-1">
+              <a:solidFill>
+                <a:srgbClr val="000000"/>
+              </a:solidFill>
+              <a:uFill>
+                <a:solidFill>
+                  <a:srgbClr val="FFFFFF"/>
                 </a:solidFill>
               </a:uFill>
               <a:latin typeface="Arial"/>
@@ -7612,13 +7700,20 @@
           </a:ln>
         </p:spPr>
         <p:style>
-          <a:lnRef idx="0"/>
-          <a:fillRef idx="0"/>
-          <a:effectRef idx="0"/>
+          <a:lnRef idx="0">
+            <a:scrgbClr r="0" g="0" b="0"/>
+          </a:lnRef>
+          <a:fillRef idx="0">
+            <a:scrgbClr r="0" g="0" b="0"/>
+          </a:fillRef>
+          <a:effectRef idx="0">
+            <a:scrgbClr r="0" g="0" b="0"/>
+          </a:effectRef>
           <a:fontRef idx="minor"/>
         </p:style>
         <p:txBody>
           <a:bodyPr/>
+          <a:lstStyle/>
           <a:p>
             <a:pPr marL="343080" indent="-342720">
               <a:lnSpc>
@@ -7631,26 +7726,26 @@
               <a:buChar char=""/>
             </a:pPr>
             <a:r>
-              <a:rPr b="0" lang="en-US" sz="2000" spc="-1" strike="noStrike">
+              <a:rPr lang="en-US" sz="2000" b="0" strike="noStrike" spc="-1">
                 <a:solidFill>
                   <a:srgbClr val="000000"/>
                 </a:solidFill>
                 <a:uFill>
                   <a:solidFill>
-                    <a:srgbClr val="ffffff"/>
+                    <a:srgbClr val="FFFFFF"/>
                   </a:solidFill>
                 </a:uFill>
                 <a:latin typeface="Arial"/>
               </a:rPr>
               <a:t>Dr. Guven Köse</a:t>
             </a:r>
-            <a:endParaRPr b="0" lang="en-US" sz="2200" spc="-1" strike="noStrike">
-              <a:solidFill>
-                <a:srgbClr val="000000"/>
-              </a:solidFill>
-              <a:uFill>
-                <a:solidFill>
-                  <a:srgbClr val="ffffff"/>
+            <a:endParaRPr lang="en-US" sz="2200" b="0" strike="noStrike" spc="-1">
+              <a:solidFill>
+                <a:srgbClr val="000000"/>
+              </a:solidFill>
+              <a:uFill>
+                <a:solidFill>
+                  <a:srgbClr val="FFFFFF"/>
                 </a:solidFill>
               </a:uFill>
               <a:latin typeface="Arial"/>
@@ -7668,26 +7763,26 @@
               <a:buChar char=""/>
             </a:pPr>
             <a:r>
-              <a:rPr b="0" lang="en-US" sz="2000" spc="-1" strike="noStrike">
+              <a:rPr lang="en-US" sz="2000" b="0" strike="noStrike" spc="-1">
                 <a:solidFill>
                   <a:srgbClr val="000000"/>
                 </a:solidFill>
                 <a:uFill>
                   <a:solidFill>
-                    <a:srgbClr val="ffffff"/>
+                    <a:srgbClr val="FFFFFF"/>
                   </a:solidFill>
                 </a:uFill>
                 <a:latin typeface="Arial"/>
               </a:rPr>
               <a:t>Omurhan Soysal</a:t>
             </a:r>
-            <a:endParaRPr b="0" lang="en-US" sz="2200" spc="-1" strike="noStrike">
-              <a:solidFill>
-                <a:srgbClr val="000000"/>
-              </a:solidFill>
-              <a:uFill>
-                <a:solidFill>
-                  <a:srgbClr val="ffffff"/>
+            <a:endParaRPr lang="en-US" sz="2200" b="0" strike="noStrike" spc="-1">
+              <a:solidFill>
+                <a:srgbClr val="000000"/>
+              </a:solidFill>
+              <a:uFill>
+                <a:solidFill>
+                  <a:srgbClr val="FFFFFF"/>
                 </a:solidFill>
               </a:uFill>
               <a:latin typeface="Arial"/>
@@ -7705,26 +7800,26 @@
               <a:buChar char=""/>
             </a:pPr>
             <a:r>
-              <a:rPr b="0" lang="en-US" sz="2000" spc="-1" strike="noStrike">
+              <a:rPr lang="en-US" sz="2000" b="0" strike="noStrike" spc="-1">
                 <a:solidFill>
                   <a:srgbClr val="000000"/>
                 </a:solidFill>
                 <a:uFill>
                   <a:solidFill>
-                    <a:srgbClr val="ffffff"/>
+                    <a:srgbClr val="FFFFFF"/>
                   </a:solidFill>
                 </a:uFill>
                 <a:latin typeface="Arial"/>
               </a:rPr>
               <a:t>Aydin Can Polatkan</a:t>
             </a:r>
-            <a:endParaRPr b="0" lang="en-US" sz="2200" spc="-1" strike="noStrike">
-              <a:solidFill>
-                <a:srgbClr val="000000"/>
-              </a:solidFill>
-              <a:uFill>
-                <a:solidFill>
-                  <a:srgbClr val="ffffff"/>
+            <a:endParaRPr lang="en-US" sz="2200" b="0" strike="noStrike" spc="-1">
+              <a:solidFill>
+                <a:srgbClr val="000000"/>
+              </a:solidFill>
+              <a:uFill>
+                <a:solidFill>
+                  <a:srgbClr val="FFFFFF"/>
                 </a:solidFill>
               </a:uFill>
               <a:latin typeface="Arial"/>
@@ -7752,13 +7847,20 @@
           </a:ln>
         </p:spPr>
         <p:style>
-          <a:lnRef idx="0"/>
-          <a:fillRef idx="0"/>
-          <a:effectRef idx="0"/>
+          <a:lnRef idx="0">
+            <a:scrgbClr r="0" g="0" b="0"/>
+          </a:lnRef>
+          <a:fillRef idx="0">
+            <a:scrgbClr r="0" g="0" b="0"/>
+          </a:fillRef>
+          <a:effectRef idx="0">
+            <a:scrgbClr r="0" g="0" b="0"/>
+          </a:effectRef>
           <a:fontRef idx="minor"/>
         </p:style>
         <p:txBody>
           <a:bodyPr/>
+          <a:lstStyle/>
           <a:p>
             <a:pPr marL="343080" indent="-342720">
               <a:lnSpc>
@@ -7771,26 +7873,26 @@
               <a:buChar char=""/>
             </a:pPr>
             <a:r>
-              <a:rPr b="0" lang="en-US" sz="2000" spc="-1" strike="noStrike">
+              <a:rPr lang="en-US" sz="2000" b="0" strike="noStrike" spc="-1">
                 <a:solidFill>
                   <a:srgbClr val="000000"/>
                 </a:solidFill>
                 <a:uFill>
                   <a:solidFill>
-                    <a:srgbClr val="ffffff"/>
+                    <a:srgbClr val="FFFFFF"/>
                   </a:solidFill>
                 </a:uFill>
                 <a:latin typeface="Arial"/>
               </a:rPr>
               <a:t>Ersan Gürdoğan</a:t>
             </a:r>
-            <a:endParaRPr b="0" lang="en-US" sz="2200" spc="-1" strike="noStrike">
-              <a:solidFill>
-                <a:srgbClr val="000000"/>
-              </a:solidFill>
-              <a:uFill>
-                <a:solidFill>
-                  <a:srgbClr val="ffffff"/>
+            <a:endParaRPr lang="en-US" sz="2200" b="0" strike="noStrike" spc="-1">
+              <a:solidFill>
+                <a:srgbClr val="000000"/>
+              </a:solidFill>
+              <a:uFill>
+                <a:solidFill>
+                  <a:srgbClr val="FFFFFF"/>
                 </a:solidFill>
               </a:uFill>
               <a:latin typeface="Arial"/>
@@ -7808,26 +7910,26 @@
               <a:buChar char=""/>
             </a:pPr>
             <a:r>
-              <a:rPr b="0" lang="en-US" sz="2000" spc="-1" strike="noStrike">
+              <a:rPr lang="en-US" sz="2000" b="0" strike="noStrike" spc="-1">
                 <a:solidFill>
                   <a:srgbClr val="000000"/>
                 </a:solidFill>
                 <a:uFill>
                   <a:solidFill>
-                    <a:srgbClr val="ffffff"/>
+                    <a:srgbClr val="FFFFFF"/>
                   </a:solidFill>
                 </a:uFill>
                 <a:latin typeface="Arial"/>
               </a:rPr>
               <a:t>Taskin Kızıl</a:t>
             </a:r>
-            <a:endParaRPr b="0" lang="en-US" sz="2200" spc="-1" strike="noStrike">
-              <a:solidFill>
-                <a:srgbClr val="000000"/>
-              </a:solidFill>
-              <a:uFill>
-                <a:solidFill>
-                  <a:srgbClr val="ffffff"/>
+            <a:endParaRPr lang="en-US" sz="2200" b="0" strike="noStrike" spc="-1">
+              <a:solidFill>
+                <a:srgbClr val="000000"/>
+              </a:solidFill>
+              <a:uFill>
+                <a:solidFill>
+                  <a:srgbClr val="FFFFFF"/>
                 </a:solidFill>
               </a:uFill>
               <a:latin typeface="Arial"/>
@@ -7845,26 +7947,26 @@
               <a:buChar char=""/>
             </a:pPr>
             <a:r>
-              <a:rPr b="0" lang="en-US" sz="2000" spc="-1" strike="noStrike">
+              <a:rPr lang="en-US" sz="2000" b="0" strike="noStrike" spc="-1">
                 <a:solidFill>
                   <a:srgbClr val="000000"/>
                 </a:solidFill>
                 <a:uFill>
                   <a:solidFill>
-                    <a:srgbClr val="ffffff"/>
+                    <a:srgbClr val="FFFFFF"/>
                   </a:solidFill>
                 </a:uFill>
                 <a:latin typeface="Arial"/>
               </a:rPr>
               <a:t>Oguz Yavuz</a:t>
             </a:r>
-            <a:endParaRPr b="0" lang="en-US" sz="2200" spc="-1" strike="noStrike">
-              <a:solidFill>
-                <a:srgbClr val="000000"/>
-              </a:solidFill>
-              <a:uFill>
-                <a:solidFill>
-                  <a:srgbClr val="ffffff"/>
+            <a:endParaRPr lang="en-US" sz="2200" b="0" strike="noStrike" spc="-1">
+              <a:solidFill>
+                <a:srgbClr val="000000"/>
+              </a:solidFill>
+              <a:uFill>
+                <a:solidFill>
+                  <a:srgbClr val="FFFFFF"/>
                 </a:solidFill>
               </a:uFill>
               <a:latin typeface="Arial"/>
@@ -7892,13 +7994,20 @@
           </a:ln>
         </p:spPr>
         <p:style>
-          <a:lnRef idx="0"/>
-          <a:fillRef idx="0"/>
-          <a:effectRef idx="0"/>
+          <a:lnRef idx="0">
+            <a:scrgbClr r="0" g="0" b="0"/>
+          </a:lnRef>
+          <a:fillRef idx="0">
+            <a:scrgbClr r="0" g="0" b="0"/>
+          </a:fillRef>
+          <a:effectRef idx="0">
+            <a:scrgbClr r="0" g="0" b="0"/>
+          </a:effectRef>
           <a:fontRef idx="minor"/>
         </p:style>
         <p:txBody>
           <a:bodyPr/>
+          <a:lstStyle/>
           <a:p>
             <a:pPr marL="343080" indent="-342720">
               <a:lnSpc>
@@ -7911,26 +8020,26 @@
               <a:buChar char=""/>
             </a:pPr>
             <a:r>
-              <a:rPr b="0" lang="en-US" sz="2000" spc="-1" strike="noStrike">
+              <a:rPr lang="en-US" sz="2000" b="0" strike="noStrike" spc="-1">
                 <a:solidFill>
                   <a:srgbClr val="000000"/>
                 </a:solidFill>
                 <a:uFill>
                   <a:solidFill>
-                    <a:srgbClr val="ffffff"/>
+                    <a:srgbClr val="FFFFFF"/>
                   </a:solidFill>
                 </a:uFill>
                 <a:latin typeface="Arial"/>
               </a:rPr>
               <a:t>Dr. Eray Tuzun</a:t>
             </a:r>
-            <a:endParaRPr b="0" lang="en-US" sz="2200" spc="-1" strike="noStrike">
-              <a:solidFill>
-                <a:srgbClr val="000000"/>
-              </a:solidFill>
-              <a:uFill>
-                <a:solidFill>
-                  <a:srgbClr val="ffffff"/>
+            <a:endParaRPr lang="en-US" sz="2200" b="0" strike="noStrike" spc="-1">
+              <a:solidFill>
+                <a:srgbClr val="000000"/>
+              </a:solidFill>
+              <a:uFill>
+                <a:solidFill>
+                  <a:srgbClr val="FFFFFF"/>
                 </a:solidFill>
               </a:uFill>
               <a:latin typeface="Arial"/>
@@ -7948,26 +8057,26 @@
               <a:buChar char=""/>
             </a:pPr>
             <a:r>
-              <a:rPr b="0" lang="en-US" sz="2000" spc="-1" strike="noStrike">
+              <a:rPr lang="en-US" sz="2000" b="0" strike="noStrike" spc="-1">
                 <a:solidFill>
                   <a:srgbClr val="000000"/>
                 </a:solidFill>
                 <a:uFill>
                   <a:solidFill>
-                    <a:srgbClr val="ffffff"/>
+                    <a:srgbClr val="FFFFFF"/>
                   </a:solidFill>
                 </a:uFill>
                 <a:latin typeface="Arial"/>
               </a:rPr>
               <a:t>Yagup Macit</a:t>
             </a:r>
-            <a:endParaRPr b="0" lang="en-US" sz="2200" spc="-1" strike="noStrike">
-              <a:solidFill>
-                <a:srgbClr val="000000"/>
-              </a:solidFill>
-              <a:uFill>
-                <a:solidFill>
-                  <a:srgbClr val="ffffff"/>
+            <a:endParaRPr lang="en-US" sz="2200" b="0" strike="noStrike" spc="-1">
+              <a:solidFill>
+                <a:srgbClr val="000000"/>
+              </a:solidFill>
+              <a:uFill>
+                <a:solidFill>
+                  <a:srgbClr val="FFFFFF"/>
                 </a:solidFill>
               </a:uFill>
               <a:latin typeface="Arial"/>
@@ -7995,13 +8104,20 @@
           </a:ln>
         </p:spPr>
         <p:style>
-          <a:lnRef idx="0"/>
-          <a:fillRef idx="0"/>
-          <a:effectRef idx="0"/>
+          <a:lnRef idx="0">
+            <a:scrgbClr r="0" g="0" b="0"/>
+          </a:lnRef>
+          <a:fillRef idx="0">
+            <a:scrgbClr r="0" g="0" b="0"/>
+          </a:fillRef>
+          <a:effectRef idx="0">
+            <a:scrgbClr r="0" g="0" b="0"/>
+          </a:effectRef>
           <a:fontRef idx="minor"/>
         </p:style>
         <p:txBody>
           <a:bodyPr/>
+          <a:lstStyle/>
           <a:p>
             <a:pPr marL="343080" indent="-342720">
               <a:lnSpc>
@@ -8014,26 +8130,26 @@
               <a:buChar char=""/>
             </a:pPr>
             <a:r>
-              <a:rPr b="0" lang="en-US" sz="2000" spc="-1" strike="noStrike">
+              <a:rPr lang="en-US" sz="2000" b="0" strike="noStrike" spc="-1">
                 <a:solidFill>
                   <a:srgbClr val="000000"/>
                 </a:solidFill>
                 <a:uFill>
                   <a:solidFill>
-                    <a:srgbClr val="ffffff"/>
+                    <a:srgbClr val="FFFFFF"/>
                   </a:solidFill>
                 </a:uFill>
                 <a:latin typeface="Arial"/>
               </a:rPr>
               <a:t>Tuğçe Yiğiter</a:t>
             </a:r>
-            <a:endParaRPr b="0" lang="en-US" sz="2200" spc="-1" strike="noStrike">
-              <a:solidFill>
-                <a:srgbClr val="000000"/>
-              </a:solidFill>
-              <a:uFill>
-                <a:solidFill>
-                  <a:srgbClr val="ffffff"/>
+            <a:endParaRPr lang="en-US" sz="2200" b="0" strike="noStrike" spc="-1">
+              <a:solidFill>
+                <a:srgbClr val="000000"/>
+              </a:solidFill>
+              <a:uFill>
+                <a:solidFill>
+                  <a:srgbClr val="FFFFFF"/>
                 </a:solidFill>
               </a:uFill>
               <a:latin typeface="Arial"/>
@@ -8051,26 +8167,26 @@
               <a:buChar char=""/>
             </a:pPr>
             <a:r>
-              <a:rPr b="0" lang="en-US" sz="2000" spc="-1" strike="noStrike">
+              <a:rPr lang="en-US" sz="2000" b="0" strike="noStrike" spc="-1">
                 <a:solidFill>
                   <a:srgbClr val="000000"/>
                 </a:solidFill>
                 <a:uFill>
                   <a:solidFill>
-                    <a:srgbClr val="ffffff"/>
+                    <a:srgbClr val="FFFFFF"/>
                   </a:solidFill>
                 </a:uFill>
                 <a:latin typeface="Arial"/>
               </a:rPr>
               <a:t>Alan Endersoy</a:t>
             </a:r>
-            <a:endParaRPr b="0" lang="en-US" sz="2200" spc="-1" strike="noStrike">
-              <a:solidFill>
-                <a:srgbClr val="000000"/>
-              </a:solidFill>
-              <a:uFill>
-                <a:solidFill>
-                  <a:srgbClr val="ffffff"/>
+            <a:endParaRPr lang="en-US" sz="2200" b="0" strike="noStrike" spc="-1">
+              <a:solidFill>
+                <a:srgbClr val="000000"/>
+              </a:solidFill>
+              <a:uFill>
+                <a:solidFill>
+                  <a:srgbClr val="FFFFFF"/>
                 </a:solidFill>
               </a:uFill>
               <a:latin typeface="Arial"/>
@@ -8088,26 +8204,26 @@
               <a:buChar char=""/>
             </a:pPr>
             <a:r>
-              <a:rPr b="0" lang="en-US" sz="2000" spc="-1" strike="noStrike">
+              <a:rPr lang="en-US" sz="2000" b="0" strike="noStrike" spc="-1">
                 <a:solidFill>
                   <a:srgbClr val="000000"/>
                 </a:solidFill>
                 <a:uFill>
                   <a:solidFill>
-                    <a:srgbClr val="ffffff"/>
+                    <a:srgbClr val="FFFFFF"/>
                   </a:solidFill>
                 </a:uFill>
                 <a:latin typeface="Arial"/>
               </a:rPr>
               <a:t>Dr. Emrah Kinav</a:t>
             </a:r>
-            <a:endParaRPr b="0" lang="en-US" sz="2200" spc="-1" strike="noStrike">
-              <a:solidFill>
-                <a:srgbClr val="000000"/>
-              </a:solidFill>
-              <a:uFill>
-                <a:solidFill>
-                  <a:srgbClr val="ffffff"/>
+            <a:endParaRPr lang="en-US" sz="2200" b="0" strike="noStrike" spc="-1">
+              <a:solidFill>
+                <a:srgbClr val="000000"/>
+              </a:solidFill>
+              <a:uFill>
+                <a:solidFill>
+                  <a:srgbClr val="FFFFFF"/>
                 </a:solidFill>
               </a:uFill>
               <a:latin typeface="Arial"/>
@@ -8117,22 +8233,581 @@
       </p:sp>
     </p:spTree>
   </p:cSld>
+  <p:clrMapOvr>
+    <a:masterClrMapping/>
+  </p:clrMapOvr>
   <p:timing>
     <p:tnLst>
       <p:par>
-        <p:cTn id="14" dur="indefinite" restart="never" nodeType="tmRoot">
+        <p:cTn id="1" dur="indefinite" restart="never" nodeType="tmRoot">
           <p:childTnLst>
             <p:seq>
-              <p:cTn id="15" nodeType="mainSeq"/>
+              <p:cTn id="2" nodeType="mainSeq"/>
               <p:prevCondLst>
-                <p:cond delay="0" evt="onPrev">
+                <p:cond evt="onPrev" delay="0">
                   <p:tgtEl>
                     <p:sldTgt/>
                   </p:tgtEl>
                 </p:cond>
               </p:prevCondLst>
               <p:nextCondLst>
-                <p:cond delay="0" evt="onNext">
+                <p:cond evt="onNext" delay="0">
+                  <p:tgtEl>
+                    <p:sldTgt/>
+                  </p:tgtEl>
+                </p:cond>
+              </p:nextCondLst>
+            </p:seq>
+          </p:childTnLst>
+        </p:cTn>
+      </p:par>
+    </p:tnLst>
+  </p:timing>
+</p:sld>
+</file>
+
+<file path=ppt/slides/slide5.xml><?xml version="1.0" encoding="utf-8"?>
+<p:sld xmlns:a="http://schemas.openxmlformats.org/drawingml/2006/main" xmlns:r="http://schemas.openxmlformats.org/officeDocument/2006/relationships" xmlns:p="http://schemas.openxmlformats.org/presentationml/2006/main">
+  <p:cSld>
+    <p:spTree>
+      <p:nvGrpSpPr>
+        <p:cNvPr id="1" name=""/>
+        <p:cNvGrpSpPr/>
+        <p:nvPr/>
+      </p:nvGrpSpPr>
+      <p:grpSpPr>
+        <a:xfrm>
+          <a:off x="0" y="0"/>
+          <a:ext cx="0" cy="0"/>
+          <a:chOff x="0" y="0"/>
+          <a:chExt cx="0" cy="0"/>
+        </a:xfrm>
+      </p:grpSpPr>
+      <p:sp>
+        <p:nvSpPr>
+          <p:cNvPr id="87" name="TextShape 1"/>
+          <p:cNvSpPr txBox="1"/>
+          <p:nvPr/>
+        </p:nvSpPr>
+        <p:spPr>
+          <a:xfrm>
+            <a:off x="468000" y="144000"/>
+            <a:ext cx="6227640" cy="827640"/>
+          </a:xfrm>
+          <a:prstGeom prst="rect">
+            <a:avLst/>
+          </a:prstGeom>
+          <a:noFill/>
+          <a:ln>
+            <a:noFill/>
+          </a:ln>
+        </p:spPr>
+        <p:txBody>
+          <a:bodyPr anchor="b"/>
+          <a:lstStyle/>
+          <a:p>
+            <a:pPr>
+              <a:lnSpc>
+                <a:spcPct val="100000"/>
+              </a:lnSpc>
+            </a:pPr>
+            <a:r>
+              <a:rPr lang="nl-NL" sz="2400" b="1" strike="noStrike" spc="-1">
+                <a:solidFill>
+                  <a:srgbClr val="00A651"/>
+                </a:solidFill>
+                <a:uFill>
+                  <a:solidFill>
+                    <a:srgbClr val="FFFFFF"/>
+                  </a:solidFill>
+                </a:uFill>
+                <a:latin typeface="Arial"/>
+              </a:rPr>
+              <a:t>Agenda [13:00 - 17:00]</a:t>
+            </a:r>
+            <a:endParaRPr lang="nl-NL" sz="1800" b="0" strike="noStrike" spc="-1">
+              <a:solidFill>
+                <a:srgbClr val="000000"/>
+              </a:solidFill>
+              <a:uFill>
+                <a:solidFill>
+                  <a:srgbClr val="FFFFFF"/>
+                </a:solidFill>
+              </a:uFill>
+              <a:latin typeface="Calibri"/>
+            </a:endParaRPr>
+          </a:p>
+        </p:txBody>
+      </p:sp>
+      <p:sp>
+        <p:nvSpPr>
+          <p:cNvPr id="88" name="TextShape 2"/>
+          <p:cNvSpPr txBox="1"/>
+          <p:nvPr/>
+        </p:nvSpPr>
+        <p:spPr>
+          <a:xfrm>
+            <a:off x="468000" y="1332000"/>
+            <a:ext cx="8424000" cy="5039640"/>
+          </a:xfrm>
+          <a:prstGeom prst="rect">
+            <a:avLst/>
+          </a:prstGeom>
+          <a:noFill/>
+          <a:ln>
+            <a:noFill/>
+          </a:ln>
+        </p:spPr>
+        <p:txBody>
+          <a:bodyPr/>
+          <a:lstStyle/>
+          <a:p>
+            <a:pPr marL="457200" indent="-456840">
+              <a:lnSpc>
+                <a:spcPct val="100000"/>
+              </a:lnSpc>
+              <a:buClr>
+                <a:srgbClr val="FF0000"/>
+              </a:buClr>
+              <a:buFont typeface="Calibri"/>
+              <a:buAutoNum type="arabicPeriod"/>
+            </a:pPr>
+            <a:r>
+              <a:rPr lang="nl-NL" sz="2200" b="0" strike="noStrike" spc="-1" dirty="0">
+                <a:solidFill>
+                  <a:srgbClr val="FF0000"/>
+                </a:solidFill>
+                <a:uFill>
+                  <a:solidFill>
+                    <a:srgbClr val="FFFFFF"/>
+                  </a:solidFill>
+                </a:uFill>
+                <a:latin typeface="Arial"/>
+              </a:rPr>
+              <a:t>Introduction</a:t>
+            </a:r>
+            <a:r>
+              <a:rPr lang="nl-NL" sz="2200" b="0" strike="noStrike" spc="-1" dirty="0">
+                <a:solidFill>
+                  <a:srgbClr val="000000"/>
+                </a:solidFill>
+                <a:uFill>
+                  <a:solidFill>
+                    <a:srgbClr val="FFFFFF"/>
+                  </a:solidFill>
+                </a:uFill>
+                <a:latin typeface="Arial"/>
+              </a:rPr>
+              <a:t> (5 mins) [13:00 - 13:05]</a:t>
+            </a:r>
+          </a:p>
+          <a:p>
+            <a:pPr marL="457200" indent="-456840">
+              <a:lnSpc>
+                <a:spcPct val="100000"/>
+              </a:lnSpc>
+              <a:buClr>
+                <a:srgbClr val="FF0000"/>
+              </a:buClr>
+              <a:buFont typeface="Calibri"/>
+              <a:buAutoNum type="arabicPeriod"/>
+            </a:pPr>
+            <a:r>
+              <a:rPr lang="nl-NL" sz="2200" b="0" strike="noStrike" spc="-1" dirty="0">
+                <a:solidFill>
+                  <a:srgbClr val="FF0000"/>
+                </a:solidFill>
+                <a:uFill>
+                  <a:solidFill>
+                    <a:srgbClr val="FFFFFF"/>
+                  </a:solidFill>
+                </a:uFill>
+                <a:latin typeface="Arial"/>
+              </a:rPr>
+              <a:t>Overview of the project (WP5) </a:t>
+            </a:r>
+            <a:r>
+              <a:rPr lang="nl-NL" sz="2200" b="0" strike="noStrike" spc="-1" dirty="0">
+                <a:solidFill>
+                  <a:srgbClr val="000000"/>
+                </a:solidFill>
+                <a:uFill>
+                  <a:solidFill>
+                    <a:srgbClr val="FFFFFF"/>
+                  </a:solidFill>
+                </a:uFill>
+                <a:latin typeface="Arial"/>
+              </a:rPr>
+              <a:t>(15 min) [13:05 - 13:20]</a:t>
+            </a:r>
+          </a:p>
+          <a:p>
+            <a:pPr marL="457200" indent="-456840">
+              <a:lnSpc>
+                <a:spcPct val="100000"/>
+              </a:lnSpc>
+              <a:buClr>
+                <a:srgbClr val="FF0000"/>
+              </a:buClr>
+              <a:buFont typeface="Calibri"/>
+              <a:buAutoNum type="arabicPeriod"/>
+            </a:pPr>
+            <a:r>
+              <a:rPr lang="nl-NL" sz="2200" b="0" strike="noStrike" spc="-1" dirty="0">
+                <a:solidFill>
+                  <a:srgbClr val="FF0000"/>
+                </a:solidFill>
+                <a:uFill>
+                  <a:solidFill>
+                    <a:srgbClr val="FFFFFF"/>
+                  </a:solidFill>
+                </a:uFill>
+                <a:latin typeface="Arial"/>
+              </a:rPr>
+              <a:t>Industrial Use Cases (WP1) </a:t>
+            </a:r>
+            <a:r>
+              <a:rPr lang="nl-NL" sz="2200" b="0" strike="noStrike" spc="-1" dirty="0">
+                <a:solidFill>
+                  <a:srgbClr val="000000"/>
+                </a:solidFill>
+                <a:uFill>
+                  <a:solidFill>
+                    <a:srgbClr val="FFFFFF"/>
+                  </a:solidFill>
+                </a:uFill>
+                <a:latin typeface="Arial"/>
+              </a:rPr>
+              <a:t>(20 min) [13:20 - 13:40]</a:t>
+            </a:r>
+          </a:p>
+          <a:p>
+            <a:pPr marL="457200" indent="-456840">
+              <a:lnSpc>
+                <a:spcPct val="100000"/>
+              </a:lnSpc>
+              <a:buClr>
+                <a:srgbClr val="FF0000"/>
+              </a:buClr>
+              <a:buFont typeface="Calibri"/>
+              <a:buAutoNum type="arabicPeriod"/>
+            </a:pPr>
+            <a:r>
+              <a:rPr lang="nl-NL" sz="2200" b="0" strike="noStrike" spc="-1" dirty="0">
+                <a:solidFill>
+                  <a:srgbClr val="FF0000"/>
+                </a:solidFill>
+                <a:uFill>
+                  <a:solidFill>
+                    <a:srgbClr val="FFFFFF"/>
+                  </a:solidFill>
+                </a:uFill>
+                <a:latin typeface="Arial"/>
+              </a:rPr>
+              <a:t>Technical Presentations (WP2, 3 &amp; 4) </a:t>
+            </a:r>
+            <a:r>
+              <a:rPr lang="nl-NL" sz="2200" b="0" strike="noStrike" spc="-1" dirty="0">
+                <a:solidFill>
+                  <a:srgbClr val="000000"/>
+                </a:solidFill>
+                <a:uFill>
+                  <a:solidFill>
+                    <a:srgbClr val="FFFFFF"/>
+                  </a:solidFill>
+                </a:uFill>
+                <a:latin typeface="Arial"/>
+              </a:rPr>
+              <a:t>(45 mins) [13:40 - 14:25]</a:t>
+            </a:r>
+          </a:p>
+          <a:p>
+            <a:pPr marL="457200" indent="-456840">
+              <a:lnSpc>
+                <a:spcPct val="100000"/>
+              </a:lnSpc>
+              <a:buClr>
+                <a:srgbClr val="FF0000"/>
+              </a:buClr>
+              <a:buFont typeface="Calibri"/>
+              <a:buAutoNum type="arabicPeriod"/>
+            </a:pPr>
+            <a:r>
+              <a:rPr lang="nl-NL" sz="2200" b="0" strike="noStrike" spc="-1" dirty="0">
+                <a:solidFill>
+                  <a:srgbClr val="FF0000"/>
+                </a:solidFill>
+                <a:uFill>
+                  <a:solidFill>
+                    <a:srgbClr val="FFFFFF"/>
+                  </a:solidFill>
+                </a:uFill>
+                <a:latin typeface="Arial"/>
+              </a:rPr>
+              <a:t>User Interfaces &amp; Integration (WP6) </a:t>
+            </a:r>
+            <a:r>
+              <a:rPr lang="nl-NL" sz="2200" b="0" strike="noStrike" spc="-1" dirty="0">
+                <a:solidFill>
+                  <a:srgbClr val="000000"/>
+                </a:solidFill>
+                <a:uFill>
+                  <a:solidFill>
+                    <a:srgbClr val="FFFFFF"/>
+                  </a:solidFill>
+                </a:uFill>
+                <a:latin typeface="Arial"/>
+              </a:rPr>
+              <a:t>(10 mins) [14:25 - 14:35]</a:t>
+            </a:r>
+          </a:p>
+          <a:p>
+            <a:pPr marL="343080" indent="-342720">
+              <a:lnSpc>
+                <a:spcPct val="100000"/>
+              </a:lnSpc>
+              <a:buClr>
+                <a:srgbClr val="000000"/>
+              </a:buClr>
+              <a:buFont typeface="Wingdings" charset="2"/>
+              <a:buChar char=""/>
+            </a:pPr>
+            <a:r>
+              <a:rPr lang="nl-NL" sz="2200" b="0" strike="noStrike" spc="-1" dirty="0">
+                <a:solidFill>
+                  <a:srgbClr val="000000"/>
+                </a:solidFill>
+                <a:uFill>
+                  <a:solidFill>
+                    <a:srgbClr val="FFFFFF"/>
+                  </a:solidFill>
+                </a:uFill>
+                <a:latin typeface="Arial"/>
+              </a:rPr>
+              <a:t>Break (15 mins) [14:35 - 14:50]</a:t>
+            </a:r>
+          </a:p>
+          <a:p>
+            <a:pPr marL="457200" indent="-456840">
+              <a:lnSpc>
+                <a:spcPct val="100000"/>
+              </a:lnSpc>
+              <a:buClr>
+                <a:srgbClr val="FF0000"/>
+              </a:buClr>
+              <a:buFont typeface="Calibri"/>
+              <a:buAutoNum type="arabicPeriod" startAt="6"/>
+            </a:pPr>
+            <a:r>
+              <a:rPr lang="nl-NL" sz="2200" b="0" strike="noStrike" spc="-1" dirty="0">
+                <a:solidFill>
+                  <a:srgbClr val="FF0000"/>
+                </a:solidFill>
+                <a:uFill>
+                  <a:solidFill>
+                    <a:srgbClr val="FFFFFF"/>
+                  </a:solidFill>
+                </a:uFill>
+                <a:latin typeface="Arial"/>
+              </a:rPr>
+              <a:t>Exploitation Related Activities (WP7) </a:t>
+            </a:r>
+            <a:r>
+              <a:rPr lang="nl-NL" sz="2200" b="0" strike="noStrike" spc="-1" dirty="0">
+                <a:solidFill>
+                  <a:srgbClr val="000000"/>
+                </a:solidFill>
+                <a:uFill>
+                  <a:solidFill>
+                    <a:srgbClr val="FFFFFF"/>
+                  </a:solidFill>
+                </a:uFill>
+                <a:latin typeface="Arial"/>
+              </a:rPr>
+              <a:t>(10 mins) [14:50 - 15:00]</a:t>
+            </a:r>
+          </a:p>
+          <a:p>
+            <a:pPr marL="457200" indent="-456840">
+              <a:lnSpc>
+                <a:spcPct val="100000"/>
+              </a:lnSpc>
+              <a:buClr>
+                <a:srgbClr val="FF0000"/>
+              </a:buClr>
+              <a:buFont typeface="Calibri"/>
+              <a:buAutoNum type="arabicPeriod" startAt="6"/>
+            </a:pPr>
+            <a:r>
+              <a:rPr lang="nl-NL" sz="2200" b="0" strike="noStrike" spc="-1" dirty="0">
+                <a:solidFill>
+                  <a:srgbClr val="FF0000"/>
+                </a:solidFill>
+                <a:uFill>
+                  <a:solidFill>
+                    <a:srgbClr val="FFFFFF"/>
+                  </a:solidFill>
+                </a:uFill>
+                <a:latin typeface="Arial"/>
+              </a:rPr>
+              <a:t>Demonstrations</a:t>
+            </a:r>
+            <a:r>
+              <a:rPr lang="nl-NL" sz="2200" b="0" strike="noStrike" spc="-1" dirty="0">
+                <a:solidFill>
+                  <a:srgbClr val="000000"/>
+                </a:solidFill>
+                <a:uFill>
+                  <a:solidFill>
+                    <a:srgbClr val="FFFFFF"/>
+                  </a:solidFill>
+                </a:uFill>
+                <a:latin typeface="Arial"/>
+              </a:rPr>
+              <a:t> (60 mins) [15:00 - 16:00]</a:t>
+            </a:r>
+          </a:p>
+          <a:p>
+            <a:pPr marL="457200" indent="-456840">
+              <a:lnSpc>
+                <a:spcPct val="100000"/>
+              </a:lnSpc>
+              <a:buClr>
+                <a:srgbClr val="FF0000"/>
+              </a:buClr>
+              <a:buFont typeface="Calibri"/>
+              <a:buAutoNum type="arabicPeriod" startAt="6"/>
+            </a:pPr>
+            <a:r>
+              <a:rPr lang="nl-NL" sz="2200" b="0" strike="noStrike" spc="-1" dirty="0">
+                <a:solidFill>
+                  <a:srgbClr val="FF0000"/>
+                </a:solidFill>
+                <a:uFill>
+                  <a:solidFill>
+                    <a:srgbClr val="FFFFFF"/>
+                  </a:solidFill>
+                </a:uFill>
+                <a:latin typeface="Arial"/>
+              </a:rPr>
+              <a:t>Conclusions</a:t>
+            </a:r>
+            <a:r>
+              <a:rPr lang="nl-NL" sz="2200" b="0" strike="noStrike" spc="-1" dirty="0">
+                <a:solidFill>
+                  <a:srgbClr val="000000"/>
+                </a:solidFill>
+                <a:uFill>
+                  <a:solidFill>
+                    <a:srgbClr val="FFFFFF"/>
+                  </a:solidFill>
+                </a:uFill>
+                <a:latin typeface="Arial"/>
+              </a:rPr>
+              <a:t> (10 mins) [16:00 - 16:10]</a:t>
+            </a:r>
+          </a:p>
+          <a:p>
+            <a:pPr marL="343080" indent="-342720">
+              <a:lnSpc>
+                <a:spcPct val="100000"/>
+              </a:lnSpc>
+              <a:buClr>
+                <a:srgbClr val="000000"/>
+              </a:buClr>
+              <a:buFont typeface="Wingdings" charset="2"/>
+              <a:buChar char=""/>
+            </a:pPr>
+            <a:r>
+              <a:rPr lang="nl-NL" sz="2200" b="0" strike="noStrike" spc="-1" dirty="0">
+                <a:solidFill>
+                  <a:srgbClr val="000000"/>
+                </a:solidFill>
+                <a:uFill>
+                  <a:solidFill>
+                    <a:srgbClr val="FFFFFF"/>
+                  </a:solidFill>
+                </a:uFill>
+                <a:latin typeface="Arial"/>
+              </a:rPr>
+              <a:t>Reviewers’ Private Section (30 min) [16:10 - 16:40]</a:t>
+            </a:r>
+          </a:p>
+          <a:p>
+            <a:pPr marL="343080" indent="-342720">
+              <a:lnSpc>
+                <a:spcPct val="100000"/>
+              </a:lnSpc>
+              <a:buClr>
+                <a:srgbClr val="000000"/>
+              </a:buClr>
+              <a:buFont typeface="Wingdings" charset="2"/>
+              <a:buChar char=""/>
+            </a:pPr>
+            <a:r>
+              <a:rPr lang="nl-NL" sz="2200" b="0" strike="noStrike" spc="-1" dirty="0">
+                <a:solidFill>
+                  <a:srgbClr val="000000"/>
+                </a:solidFill>
+                <a:uFill>
+                  <a:solidFill>
+                    <a:srgbClr val="FFFFFF"/>
+                  </a:solidFill>
+                </a:uFill>
+                <a:latin typeface="Arial"/>
+              </a:rPr>
+              <a:t>Feedback Session (15min) [16:40 - 16:55]</a:t>
+            </a:r>
+          </a:p>
+          <a:p>
+            <a:pPr marL="343080" indent="-342720">
+              <a:lnSpc>
+                <a:spcPct val="100000"/>
+              </a:lnSpc>
+              <a:buClr>
+                <a:srgbClr val="000000"/>
+              </a:buClr>
+              <a:buFont typeface="Wingdings" charset="2"/>
+              <a:buChar char=""/>
+            </a:pPr>
+            <a:r>
+              <a:rPr lang="nl-NL" sz="2200" b="0" strike="noStrike" spc="-1" dirty="0">
+                <a:solidFill>
+                  <a:srgbClr val="000000"/>
+                </a:solidFill>
+                <a:uFill>
+                  <a:solidFill>
+                    <a:srgbClr val="FFFFFF"/>
+                  </a:solidFill>
+                </a:uFill>
+                <a:latin typeface="Arial"/>
+              </a:rPr>
+              <a:t>Final Words (5 min) [16:55 - 17:00]</a:t>
+            </a:r>
+          </a:p>
+        </p:txBody>
+      </p:sp>
+    </p:spTree>
+  </p:cSld>
+  <p:clrMapOvr>
+    <a:masterClrMapping/>
+  </p:clrMapOvr>
+  <p:timing>
+    <p:tnLst>
+      <p:par>
+        <p:cTn id="1" dur="indefinite" restart="never" nodeType="tmRoot">
+          <p:childTnLst>
+            <p:seq>
+              <p:cTn id="2" nodeType="mainSeq"/>
+              <p:prevCondLst>
+                <p:cond evt="onPrev" delay="0">
+                  <p:tgtEl>
+                    <p:sldTgt/>
+                  </p:tgtEl>
+                </p:cond>
+              </p:prevCondLst>
+              <p:nextCondLst>
+                <p:cond evt="onNext" delay="0">
                   <p:tgtEl>
                     <p:sldTgt/>
                   </p:tgtEl>
@@ -8367,6 +9042,8 @@
       </a:bgFillStyleLst>
     </a:fmtScheme>
   </a:themeElements>
+  <a:objectDefaults/>
+  <a:extraClrSchemeLst/>
 </a:theme>
 </file>
 
@@ -8590,6 +9267,8 @@
       </a:bgFillStyleLst>
     </a:fmtScheme>
   </a:themeElements>
+  <a:objectDefaults/>
+  <a:extraClrSchemeLst/>
 </a:theme>
 </file>
 
@@ -8813,5 +9492,7 @@
       </a:bgFillStyleLst>
     </a:fmtScheme>
   </a:themeElements>
+  <a:objectDefaults/>
+  <a:extraClrSchemeLst/>
 </a:theme>
 </file>
--- a/Reviews/2016/wip/1 Introduction.pptx
+++ b/Reviews/2016/wip/1 Introduction.pptx
@@ -112,6 +112,11 @@
       </a:defRPr>
     </a:lvl9pPr>
   </p:defaultTextStyle>
+  <p:extLst>
+    <p:ext uri="{EFAFB233-063F-42B5-8137-9DF3F51BA10A}">
+      <p15:sldGuideLst xmlns:p15="http://schemas.microsoft.com/office/powerpoint/2012/main"/>
+    </p:ext>
+  </p:extLst>
 </p:presentation>
 </file>
 
@@ -8478,7 +8483,42 @@
                 </a:uFill>
                 <a:latin typeface="Arial"/>
               </a:rPr>
-              <a:t>(20 min) [13:20 - 13:40]</a:t>
+              <a:t>(30 min) [13:20 - 13:50]</a:t>
+            </a:r>
+          </a:p>
+          <a:p>
+            <a:pPr marL="457200" indent="-456840">
+              <a:buClr>
+                <a:srgbClr val="FF0000"/>
+              </a:buClr>
+              <a:buFont typeface="Calibri"/>
+              <a:buAutoNum type="arabicPeriod"/>
+            </a:pPr>
+            <a:r>
+              <a:rPr lang="nl-NL" sz="2200" spc="-1" dirty="0">
+                <a:solidFill>
+                  <a:srgbClr val="FF0000"/>
+                </a:solidFill>
+                <a:uFill>
+                  <a:solidFill>
+                    <a:srgbClr val="FFFFFF"/>
+                  </a:solidFill>
+                </a:uFill>
+              </a:rPr>
+              <a:t>Exploitation Related Activities (WP7) </a:t>
+            </a:r>
+            <a:r>
+              <a:rPr lang="nl-NL" sz="2200" spc="-1" dirty="0">
+                <a:solidFill>
+                  <a:srgbClr val="000000"/>
+                </a:solidFill>
+                <a:uFill>
+                  <a:solidFill>
+                    <a:srgbClr val="FFFFFF"/>
+                  </a:solidFill>
+                </a:uFill>
+              </a:rPr>
+              <a:t>(10 mins) [13:50 - 14:00]</a:t>
             </a:r>
           </a:p>
           <a:p>
@@ -8518,7 +8558,35 @@
                 </a:uFill>
                 <a:latin typeface="Arial"/>
               </a:rPr>
-              <a:t>(45 mins) [13:40 - 14:25]</a:t>
+              <a:t>(</a:t>
+            </a:r>
+            <a:r>
+              <a:rPr lang="nl-NL" sz="2200" spc="-1" dirty="0">
+                <a:solidFill>
+                  <a:srgbClr val="000000"/>
+                </a:solidFill>
+                <a:uFill>
+                  <a:solidFill>
+                    <a:srgbClr val="FFFFFF"/>
+                  </a:solidFill>
+                </a:uFill>
+                <a:latin typeface="Arial"/>
+              </a:rPr>
+              <a:t>30</a:t>
+            </a:r>
+            <a:r>
+              <a:rPr lang="nl-NL" sz="2200" b="0" strike="noStrike" spc="-1" dirty="0">
+                <a:solidFill>
+                  <a:srgbClr val="000000"/>
+                </a:solidFill>
+                <a:uFill>
+                  <a:solidFill>
+                    <a:srgbClr val="FFFFFF"/>
+                  </a:solidFill>
+                </a:uFill>
+                <a:latin typeface="Arial"/>
+              </a:rPr>
+              <a:t> mins) [14:00 - 14:30]</a:t>
             </a:r>
           </a:p>
           <a:p>
@@ -8558,7 +8626,7 @@
                 </a:uFill>
                 <a:latin typeface="Arial"/>
               </a:rPr>
-              <a:t>(10 mins) [14:25 - 14:35]</a:t>
+              <a:t>(10 mins) [14:30 - 14:40]</a:t>
             </a:r>
           </a:p>
           <a:p>
@@ -8584,47 +8652,7 @@
                 </a:uFill>
                 <a:latin typeface="Arial"/>
               </a:rPr>
-              <a:t>Break (15 mins) [14:35 - 14:50]</a:t>
-            </a:r>
-          </a:p>
-          <a:p>
-            <a:pPr marL="457200" indent="-456840">
-              <a:lnSpc>
-                <a:spcPct val="100000"/>
-              </a:lnSpc>
-              <a:buClr>
-                <a:srgbClr val="FF0000"/>
-              </a:buClr>
-              <a:buFont typeface="Calibri"/>
-              <a:buAutoNum type="arabicPeriod" startAt="6"/>
-            </a:pPr>
-            <a:r>
-              <a:rPr lang="nl-NL" sz="2200" b="0" strike="noStrike" spc="-1" dirty="0">
-                <a:solidFill>
-                  <a:srgbClr val="FF0000"/>
-                </a:solidFill>
-                <a:uFill>
-                  <a:solidFill>
-                    <a:srgbClr val="FFFFFF"/>
-                  </a:solidFill>
-                </a:uFill>
-                <a:latin typeface="Arial"/>
-              </a:rPr>
-              <a:t>Exploitation Related Activities (WP7) </a:t>
-            </a:r>
-            <a:r>
-              <a:rPr lang="nl-NL" sz="2200" b="0" strike="noStrike" spc="-1" dirty="0">
-                <a:solidFill>
-                  <a:srgbClr val="000000"/>
-                </a:solidFill>
-                <a:uFill>
-                  <a:solidFill>
-                    <a:srgbClr val="FFFFFF"/>
-                  </a:solidFill>
-                </a:uFill>
-                <a:latin typeface="Arial"/>
-              </a:rPr>
-              <a:t>(10 mins) [14:50 - 15:00]</a:t>
+              <a:t>Break (15 mins) [14:40 - 15:00]</a:t>
             </a:r>
           </a:p>
           <a:p>

--- a/Reviews/2016/wip/1 Introduction.pptx
+++ b/Reviews/2016/wip/1 Introduction.pptx
@@ -1,25 +1,28 @@
 
 <file path=ppt/presentation.xml><?xml version="1.0" encoding="utf-8"?>
-<p:presentation xmlns:a="http://schemas.openxmlformats.org/drawingml/2006/main" xmlns:r="http://schemas.openxmlformats.org/officeDocument/2006/relationships" xmlns:p="http://schemas.openxmlformats.org/presentationml/2006/main">
+<p:presentation xmlns:a="http://schemas.openxmlformats.org/drawingml/2006/main" xmlns:r="http://schemas.openxmlformats.org/officeDocument/2006/relationships" xmlns:p="http://schemas.openxmlformats.org/presentationml/2006/main" saveSubsetFonts="1">
   <p:sldMasterIdLst>
-    <p:sldMasterId id="2147483648" r:id="rId1"/>
-    <p:sldMasterId id="2147483661" r:id="rId2"/>
+    <p:sldMasterId id="2147483693" r:id="rId4"/>
+    <p:sldMasterId id="2147483706" r:id="rId5"/>
   </p:sldMasterIdLst>
   <p:notesMasterIdLst>
-    <p:notesMasterId r:id="rId8"/>
+    <p:notesMasterId r:id="rId11"/>
   </p:notesMasterIdLst>
+  <p:handoutMasterIdLst>
+    <p:handoutMasterId r:id="rId12"/>
+  </p:handoutMasterIdLst>
   <p:sldIdLst>
-    <p:sldId id="256" r:id="rId3"/>
-    <p:sldId id="257" r:id="rId4"/>
-    <p:sldId id="258" r:id="rId5"/>
-    <p:sldId id="260" r:id="rId6"/>
-    <p:sldId id="259" r:id="rId7"/>
+    <p:sldId id="410" r:id="rId6"/>
+    <p:sldId id="411" r:id="rId7"/>
+    <p:sldId id="412" r:id="rId8"/>
+    <p:sldId id="413" r:id="rId9"/>
+    <p:sldId id="414" r:id="rId10"/>
   </p:sldIdLst>
   <p:sldSz cx="9144000" cy="6858000" type="screen4x3"/>
   <p:notesSz cx="6858000" cy="9144000"/>
   <p:defaultTextStyle>
     <a:defPPr>
-      <a:defRPr lang="tr-TR"/>
+      <a:defRPr lang="nl-NL"/>
     </a:defPPr>
     <a:lvl1pPr marL="0" algn="l" defTabSz="914400" rtl="0" eaLnBrk="1" latinLnBrk="0" hangingPunct="1">
       <a:defRPr sz="1800" kern="1200">
@@ -113,11 +116,203 @@
     </a:lvl9pPr>
   </p:defaultTextStyle>
   <p:extLst>
+    <p:ext uri="{521415D9-36F7-43E2-AB2F-B90AF26B5E84}">
+      <p14:sectionLst xmlns:p14="http://schemas.microsoft.com/office/powerpoint/2010/main">
+        <p14:section name="Introduction" id="{EA206BA7-679B-43D1-B307-7993C4EE5040}">
+          <p14:sldIdLst>
+            <p14:sldId id="410"/>
+            <p14:sldId id="411"/>
+            <p14:sldId id="412"/>
+            <p14:sldId id="413"/>
+            <p14:sldId id="414"/>
+          </p14:sldIdLst>
+        </p14:section>
+      </p14:sectionLst>
+    </p:ext>
     <p:ext uri="{EFAFB233-063F-42B5-8137-9DF3F51BA10A}">
       <p15:sldGuideLst xmlns:p15="http://schemas.microsoft.com/office/powerpoint/2012/main"/>
     </p:ext>
+    <p:ext uri="{2D200454-40CA-4A62-9FC3-DE9A4176ACB9}">
+      <p15:notesGuideLst xmlns:p15="http://schemas.microsoft.com/office/powerpoint/2012/main">
+        <p15:guide id="1" orient="horz" pos="2880">
+          <p15:clr>
+            <a:srgbClr val="A4A3A4"/>
+          </p15:clr>
+        </p15:guide>
+        <p15:guide id="2" pos="2160">
+          <p15:clr>
+            <a:srgbClr val="A4A3A4"/>
+          </p15:clr>
+        </p15:guide>
+      </p15:notesGuideLst>
+    </p:ext>
   </p:extLst>
 </p:presentation>
+</file>
+
+<file path=ppt/handoutMasters/handoutMaster1.xml><?xml version="1.0" encoding="utf-8"?>
+<p:handoutMaster xmlns:a="http://schemas.openxmlformats.org/drawingml/2006/main" xmlns:r="http://schemas.openxmlformats.org/officeDocument/2006/relationships" xmlns:p="http://schemas.openxmlformats.org/presentationml/2006/main">
+  <p:cSld>
+    <p:bg>
+      <p:bgRef idx="1001">
+        <a:schemeClr val="bg1"/>
+      </p:bgRef>
+    </p:bg>
+    <p:spTree>
+      <p:nvGrpSpPr>
+        <p:cNvPr id="1" name=""/>
+        <p:cNvGrpSpPr/>
+        <p:nvPr/>
+      </p:nvGrpSpPr>
+      <p:grpSpPr>
+        <a:xfrm>
+          <a:off x="0" y="0"/>
+          <a:ext cx="0" cy="0"/>
+          <a:chOff x="0" y="0"/>
+          <a:chExt cx="0" cy="0"/>
+        </a:xfrm>
+      </p:grpSpPr>
+      <p:sp>
+        <p:nvSpPr>
+          <p:cNvPr id="2" name="Header Placeholder 1"/>
+          <p:cNvSpPr>
+            <a:spLocks noGrp="1"/>
+          </p:cNvSpPr>
+          <p:nvPr>
+            <p:ph type="hdr" sz="quarter"/>
+          </p:nvPr>
+        </p:nvSpPr>
+        <p:spPr>
+          <a:xfrm>
+            <a:off x="0" y="0"/>
+            <a:ext cx="2971800" cy="457200"/>
+          </a:xfrm>
+          <a:prstGeom prst="rect">
+            <a:avLst/>
+          </a:prstGeom>
+        </p:spPr>
+        <p:txBody>
+          <a:bodyPr vert="horz" lIns="91440" tIns="45720" rIns="91440" bIns="45720" rtlCol="0"/>
+          <a:lstStyle>
+            <a:lvl1pPr algn="l">
+              <a:defRPr sz="1200"/>
+            </a:lvl1pPr>
+          </a:lstStyle>
+          <a:p>
+            <a:endParaRPr lang="nl-NL"/>
+          </a:p>
+        </p:txBody>
+      </p:sp>
+      <p:sp>
+        <p:nvSpPr>
+          <p:cNvPr id="3" name="Date Placeholder 2"/>
+          <p:cNvSpPr>
+            <a:spLocks noGrp="1"/>
+          </p:cNvSpPr>
+          <p:nvPr>
+            <p:ph type="dt" sz="quarter" idx="1"/>
+          </p:nvPr>
+        </p:nvSpPr>
+        <p:spPr>
+          <a:xfrm>
+            <a:off x="3884613" y="0"/>
+            <a:ext cx="2971800" cy="457200"/>
+          </a:xfrm>
+          <a:prstGeom prst="rect">
+            <a:avLst/>
+          </a:prstGeom>
+        </p:spPr>
+        <p:txBody>
+          <a:bodyPr vert="horz" lIns="91440" tIns="45720" rIns="91440" bIns="45720" rtlCol="0"/>
+          <a:lstStyle>
+            <a:lvl1pPr algn="r">
+              <a:defRPr sz="1200"/>
+            </a:lvl1pPr>
+          </a:lstStyle>
+          <a:p>
+            <a:fld id="{D0E893DD-2550-44B0-8DB7-EF908CE380FD}" type="datetimeFigureOut">
+              <a:rPr lang="nl-NL" smtClean="0"/>
+              <a:t>14-11-2016</a:t>
+            </a:fld>
+            <a:endParaRPr lang="nl-NL"/>
+          </a:p>
+        </p:txBody>
+      </p:sp>
+      <p:sp>
+        <p:nvSpPr>
+          <p:cNvPr id="4" name="Footer Placeholder 3"/>
+          <p:cNvSpPr>
+            <a:spLocks noGrp="1"/>
+          </p:cNvSpPr>
+          <p:nvPr>
+            <p:ph type="ftr" sz="quarter" idx="2"/>
+          </p:nvPr>
+        </p:nvSpPr>
+        <p:spPr>
+          <a:xfrm>
+            <a:off x="0" y="8685213"/>
+            <a:ext cx="2971800" cy="457200"/>
+          </a:xfrm>
+          <a:prstGeom prst="rect">
+            <a:avLst/>
+          </a:prstGeom>
+        </p:spPr>
+        <p:txBody>
+          <a:bodyPr vert="horz" lIns="91440" tIns="45720" rIns="91440" bIns="45720" rtlCol="0" anchor="b"/>
+          <a:lstStyle>
+            <a:lvl1pPr algn="l">
+              <a:defRPr sz="1200"/>
+            </a:lvl1pPr>
+          </a:lstStyle>
+          <a:p>
+            <a:endParaRPr lang="nl-NL"/>
+          </a:p>
+        </p:txBody>
+      </p:sp>
+      <p:sp>
+        <p:nvSpPr>
+          <p:cNvPr id="5" name="Slide Number Placeholder 4"/>
+          <p:cNvSpPr>
+            <a:spLocks noGrp="1"/>
+          </p:cNvSpPr>
+          <p:nvPr>
+            <p:ph type="sldNum" sz="quarter" idx="3"/>
+          </p:nvPr>
+        </p:nvSpPr>
+        <p:spPr>
+          <a:xfrm>
+            <a:off x="3884613" y="8685213"/>
+            <a:ext cx="2971800" cy="457200"/>
+          </a:xfrm>
+          <a:prstGeom prst="rect">
+            <a:avLst/>
+          </a:prstGeom>
+        </p:spPr>
+        <p:txBody>
+          <a:bodyPr vert="horz" lIns="91440" tIns="45720" rIns="91440" bIns="45720" rtlCol="0" anchor="b"/>
+          <a:lstStyle>
+            <a:lvl1pPr algn="r">
+              <a:defRPr sz="1200"/>
+            </a:lvl1pPr>
+          </a:lstStyle>
+          <a:p>
+            <a:fld id="{C96CAD8C-ED6C-4C3B-926F-8744773A8263}" type="slidenum">
+              <a:rPr lang="nl-NL" smtClean="0"/>
+              <a:t>‹#›</a:t>
+            </a:fld>
+            <a:endParaRPr lang="nl-NL"/>
+          </a:p>
+        </p:txBody>
+      </p:sp>
+    </p:spTree>
+    <p:extLst>
+      <p:ext uri="{BB962C8B-B14F-4D97-AF65-F5344CB8AC3E}">
+        <p14:creationId xmlns:p14="http://schemas.microsoft.com/office/powerpoint/2010/main" val="2281732302"/>
+      </p:ext>
+    </p:extLst>
+  </p:cSld>
+  <p:clrMap bg1="lt1" tx1="dk1" bg2="lt2" tx2="dk2" accent1="accent1" accent2="accent2" accent3="accent3" accent4="accent4" accent5="accent5" accent6="accent6" hlink="hlink" folHlink="folHlink"/>
+</p:handoutMaster>
 </file>
 
 <file path=ppt/notesMasters/notesMaster1.xml><?xml version="1.0" encoding="utf-8"?>
@@ -144,218 +339,234 @@
       </p:grpSpPr>
       <p:sp>
         <p:nvSpPr>
-          <p:cNvPr id="74" name="PlaceHolder 1"/>
+          <p:cNvPr id="2" name="Header Placeholder 1"/>
           <p:cNvSpPr>
             <a:spLocks noGrp="1"/>
           </p:cNvSpPr>
           <p:nvPr>
-            <p:ph type="body"/>
+            <p:ph type="hdr" sz="quarter"/>
           </p:nvPr>
         </p:nvSpPr>
         <p:spPr>
           <a:xfrm>
-            <a:off x="777240" y="4777560"/>
-            <a:ext cx="6217560" cy="4525920"/>
+            <a:off x="0" y="0"/>
+            <a:ext cx="2971800" cy="458788"/>
           </a:xfrm>
           <a:prstGeom prst="rect">
             <a:avLst/>
           </a:prstGeom>
         </p:spPr>
         <p:txBody>
-          <a:bodyPr lIns="0" tIns="0" rIns="0" bIns="0"/>
-          <a:lstStyle/>
-          <a:p>
-            <a:r>
-              <a:rPr lang="en-US" sz="2000" b="0" strike="noStrike" spc="-1">
-                <a:solidFill>
-                  <a:srgbClr val="000000"/>
-                </a:solidFill>
-                <a:uFill>
-                  <a:solidFill>
-                    <a:srgbClr val="FFFFFF"/>
-                  </a:solidFill>
-                </a:uFill>
-                <a:latin typeface="Arial"/>
-              </a:rPr>
-              <a:t>Click to edit the notes format</a:t>
-            </a:r>
+          <a:bodyPr vert="horz" lIns="91440" tIns="45720" rIns="91440" bIns="45720" rtlCol="0"/>
+          <a:lstStyle>
+            <a:lvl1pPr algn="l">
+              <a:defRPr sz="1200"/>
+            </a:lvl1pPr>
+          </a:lstStyle>
+          <a:p>
+            <a:endParaRPr lang="en-US"/>
           </a:p>
         </p:txBody>
       </p:sp>
       <p:sp>
         <p:nvSpPr>
-          <p:cNvPr id="75" name="PlaceHolder 2"/>
+          <p:cNvPr id="3" name="Date Placeholder 2"/>
           <p:cNvSpPr>
             <a:spLocks noGrp="1"/>
           </p:cNvSpPr>
           <p:nvPr>
-            <p:ph type="hdr"/>
+            <p:ph type="dt" idx="1"/>
           </p:nvPr>
         </p:nvSpPr>
         <p:spPr>
           <a:xfrm>
-            <a:off x="0" y="0"/>
-            <a:ext cx="3372840" cy="502560"/>
+            <a:off x="3884613" y="0"/>
+            <a:ext cx="2971800" cy="458788"/>
           </a:xfrm>
           <a:prstGeom prst="rect">
             <a:avLst/>
           </a:prstGeom>
         </p:spPr>
         <p:txBody>
-          <a:bodyPr lIns="0" tIns="0" rIns="0" bIns="0"/>
-          <a:lstStyle/>
-          <a:p>
-            <a:r>
-              <a:rPr lang="en-US" sz="1400" b="0" strike="noStrike" spc="-1">
-                <a:solidFill>
-                  <a:srgbClr val="000000"/>
-                </a:solidFill>
-                <a:uFill>
-                  <a:solidFill>
-                    <a:srgbClr val="FFFFFF"/>
-                  </a:solidFill>
-                </a:uFill>
-                <a:latin typeface="Times New Roman"/>
-              </a:rPr>
-              <a:t>&lt;header&gt;</a:t>
-            </a:r>
+          <a:bodyPr vert="horz" lIns="91440" tIns="45720" rIns="91440" bIns="45720" rtlCol="0"/>
+          <a:lstStyle>
+            <a:lvl1pPr algn="r">
+              <a:defRPr sz="1200"/>
+            </a:lvl1pPr>
+          </a:lstStyle>
+          <a:p>
+            <a:fld id="{8129809C-3429-4047-9393-0ABBACE72C5A}" type="datetimeFigureOut">
+              <a:rPr lang="en-US" smtClean="0"/>
+              <a:t>11/14/2016</a:t>
+            </a:fld>
+            <a:endParaRPr lang="en-US"/>
           </a:p>
         </p:txBody>
       </p:sp>
       <p:sp>
         <p:nvSpPr>
-          <p:cNvPr id="76" name="PlaceHolder 3"/>
+          <p:cNvPr id="4" name="Slide Image Placeholder 3"/>
+          <p:cNvSpPr>
+            <a:spLocks noGrp="1" noRot="1" noChangeAspect="1"/>
+          </p:cNvSpPr>
+          <p:nvPr>
+            <p:ph type="sldImg" idx="2"/>
+          </p:nvPr>
+        </p:nvSpPr>
+        <p:spPr>
+          <a:xfrm>
+            <a:off x="1371600" y="1143000"/>
+            <a:ext cx="4114800" cy="3086100"/>
+          </a:xfrm>
+          <a:prstGeom prst="rect">
+            <a:avLst/>
+          </a:prstGeom>
+          <a:noFill/>
+          <a:ln w="12700">
+            <a:solidFill>
+              <a:prstClr val="black"/>
+            </a:solidFill>
+          </a:ln>
+        </p:spPr>
+        <p:txBody>
+          <a:bodyPr vert="horz" lIns="91440" tIns="45720" rIns="91440" bIns="45720" rtlCol="0" anchor="ctr"/>
+          <a:lstStyle/>
+          <a:p>
+            <a:endParaRPr lang="en-US"/>
+          </a:p>
+        </p:txBody>
+      </p:sp>
+      <p:sp>
+        <p:nvSpPr>
+          <p:cNvPr id="5" name="Notes Placeholder 4"/>
           <p:cNvSpPr>
             <a:spLocks noGrp="1"/>
           </p:cNvSpPr>
           <p:nvPr>
-            <p:ph type="dt"/>
+            <p:ph type="body" sz="quarter" idx="3"/>
           </p:nvPr>
         </p:nvSpPr>
         <p:spPr>
           <a:xfrm>
-            <a:off x="4399200" y="0"/>
-            <a:ext cx="3372840" cy="502560"/>
+            <a:off x="685800" y="4400550"/>
+            <a:ext cx="5486400" cy="3600450"/>
           </a:xfrm>
           <a:prstGeom prst="rect">
             <a:avLst/>
           </a:prstGeom>
         </p:spPr>
         <p:txBody>
-          <a:bodyPr lIns="0" tIns="0" rIns="0" bIns="0"/>
+          <a:bodyPr vert="horz" lIns="91440" tIns="45720" rIns="91440" bIns="45720" rtlCol="0"/>
           <a:lstStyle/>
           <a:p>
-            <a:pPr algn="r"/>
-            <a:r>
-              <a:rPr lang="en-US" sz="1400" b="0" strike="noStrike" spc="-1">
-                <a:solidFill>
-                  <a:srgbClr val="000000"/>
-                </a:solidFill>
-                <a:uFill>
-                  <a:solidFill>
-                    <a:srgbClr val="FFFFFF"/>
-                  </a:solidFill>
-                </a:uFill>
-                <a:latin typeface="Times New Roman"/>
-              </a:rPr>
-              <a:t>&lt;date/time&gt;</a:t>
+            <a:pPr lvl="0"/>
+            <a:r>
+              <a:rPr lang="en-US"/>
+              <a:t>Click to edit Master text styles</a:t>
+            </a:r>
+          </a:p>
+          <a:p>
+            <a:pPr lvl="1"/>
+            <a:r>
+              <a:rPr lang="en-US"/>
+              <a:t>Second level</a:t>
+            </a:r>
+          </a:p>
+          <a:p>
+            <a:pPr lvl="2"/>
+            <a:r>
+              <a:rPr lang="en-US"/>
+              <a:t>Third level</a:t>
+            </a:r>
+          </a:p>
+          <a:p>
+            <a:pPr lvl="3"/>
+            <a:r>
+              <a:rPr lang="en-US"/>
+              <a:t>Fourth level</a:t>
+            </a:r>
+          </a:p>
+          <a:p>
+            <a:pPr lvl="4"/>
+            <a:r>
+              <a:rPr lang="en-US"/>
+              <a:t>Fifth level</a:t>
             </a:r>
           </a:p>
         </p:txBody>
       </p:sp>
       <p:sp>
         <p:nvSpPr>
-          <p:cNvPr id="77" name="PlaceHolder 4"/>
+          <p:cNvPr id="6" name="Footer Placeholder 5"/>
           <p:cNvSpPr>
             <a:spLocks noGrp="1"/>
           </p:cNvSpPr>
           <p:nvPr>
-            <p:ph type="ftr"/>
+            <p:ph type="ftr" sz="quarter" idx="4"/>
           </p:nvPr>
         </p:nvSpPr>
         <p:spPr>
           <a:xfrm>
-            <a:off x="0" y="9555480"/>
-            <a:ext cx="3372840" cy="502560"/>
+            <a:off x="0" y="8685213"/>
+            <a:ext cx="2971800" cy="458787"/>
           </a:xfrm>
           <a:prstGeom prst="rect">
             <a:avLst/>
           </a:prstGeom>
         </p:spPr>
         <p:txBody>
-          <a:bodyPr lIns="0" tIns="0" rIns="0" bIns="0" anchor="b"/>
-          <a:lstStyle/>
-          <a:p>
-            <a:r>
-              <a:rPr lang="en-US" sz="1400" b="0" strike="noStrike" spc="-1">
-                <a:solidFill>
-                  <a:srgbClr val="000000"/>
-                </a:solidFill>
-                <a:uFill>
-                  <a:solidFill>
-                    <a:srgbClr val="FFFFFF"/>
-                  </a:solidFill>
-                </a:uFill>
-                <a:latin typeface="Times New Roman"/>
-              </a:rPr>
-              <a:t>&lt;footer&gt;</a:t>
-            </a:r>
+          <a:bodyPr vert="horz" lIns="91440" tIns="45720" rIns="91440" bIns="45720" rtlCol="0" anchor="b"/>
+          <a:lstStyle>
+            <a:lvl1pPr algn="l">
+              <a:defRPr sz="1200"/>
+            </a:lvl1pPr>
+          </a:lstStyle>
+          <a:p>
+            <a:endParaRPr lang="en-US"/>
           </a:p>
         </p:txBody>
       </p:sp>
       <p:sp>
         <p:nvSpPr>
-          <p:cNvPr id="78" name="PlaceHolder 5"/>
+          <p:cNvPr id="7" name="Slide Number Placeholder 6"/>
           <p:cNvSpPr>
             <a:spLocks noGrp="1"/>
           </p:cNvSpPr>
           <p:nvPr>
-            <p:ph type="sldNum"/>
+            <p:ph type="sldNum" sz="quarter" idx="5"/>
           </p:nvPr>
         </p:nvSpPr>
         <p:spPr>
           <a:xfrm>
-            <a:off x="4399200" y="9555480"/>
-            <a:ext cx="3372840" cy="502560"/>
+            <a:off x="3884613" y="8685213"/>
+            <a:ext cx="2971800" cy="458787"/>
           </a:xfrm>
           <a:prstGeom prst="rect">
             <a:avLst/>
           </a:prstGeom>
         </p:spPr>
         <p:txBody>
-          <a:bodyPr lIns="0" tIns="0" rIns="0" bIns="0" anchor="b"/>
-          <a:lstStyle/>
-          <a:p>
-            <a:pPr algn="r"/>
-            <a:fld id="{B70C3FC0-16C8-456D-AB6C-BCC8542A9D6A}" type="slidenum">
-              <a:rPr lang="en-US" sz="1400" b="0" strike="noStrike" spc="-1">
-                <a:solidFill>
-                  <a:srgbClr val="000000"/>
-                </a:solidFill>
-                <a:uFill>
-                  <a:solidFill>
-                    <a:srgbClr val="FFFFFF"/>
-                  </a:solidFill>
-                </a:uFill>
-                <a:latin typeface="Times New Roman"/>
-              </a:rPr>
+          <a:bodyPr vert="horz" lIns="91440" tIns="45720" rIns="91440" bIns="45720" rtlCol="0" anchor="b"/>
+          <a:lstStyle>
+            <a:lvl1pPr algn="r">
+              <a:defRPr sz="1200"/>
+            </a:lvl1pPr>
+          </a:lstStyle>
+          <a:p>
+            <a:fld id="{CAD567B0-648B-47ED-A227-478BCD3BEFFA}" type="slidenum">
+              <a:rPr lang="en-US" smtClean="0"/>
               <a:t>‹#›</a:t>
             </a:fld>
-            <a:endParaRPr lang="en-US" sz="1400" b="0" strike="noStrike" spc="-1">
-              <a:solidFill>
-                <a:srgbClr val="000000"/>
-              </a:solidFill>
-              <a:uFill>
-                <a:solidFill>
-                  <a:srgbClr val="FFFFFF"/>
-                </a:solidFill>
-              </a:uFill>
-              <a:latin typeface="Times New Roman"/>
-            </a:endParaRPr>
+            <a:endParaRPr lang="en-US"/>
           </a:p>
         </p:txBody>
       </p:sp>
     </p:spTree>
+    <p:extLst>
+      <p:ext uri="{BB962C8B-B14F-4D97-AF65-F5344CB8AC3E}">
+        <p14:creationId xmlns:p14="http://schemas.microsoft.com/office/powerpoint/2010/main" val="1902052941"/>
+      </p:ext>
+    </p:extLst>
   </p:cSld>
   <p:clrMap bg1="lt1" tx1="dk1" bg2="lt2" tx2="dk2" accent1="accent1" accent2="accent2" accent3="accent3" accent4="accent4" accent5="accent5" accent6="accent6" hlink="hlink" folHlink="folHlink"/>
   <p:notesStyle>
@@ -512,11 +723,6 @@
           </a:p>
           <a:p>
             <a:pPr rtl="0"/>
-            <a:br>
-              <a:rPr lang="en-US" sz="2000" b="0" dirty="0">
-                <a:effectLst/>
-              </a:rPr>
-            </a:br>
             <a:endParaRPr lang="en-US" sz="2000" b="0" dirty="0">
               <a:effectLst/>
             </a:endParaRPr>
@@ -559,11 +765,6 @@
           </a:p>
           <a:p>
             <a:pPr rtl="0"/>
-            <a:br>
-              <a:rPr lang="en-US" sz="2000" b="0" dirty="0">
-                <a:effectLst/>
-              </a:rPr>
-            </a:br>
             <a:endParaRPr lang="en-US" sz="2000" b="0" dirty="0">
               <a:effectLst/>
             </a:endParaRPr>
@@ -580,6 +781,72 @@
                 <a:cs typeface="+mn-cs"/>
               </a:rPr>
               <a:t>Before starting the presentations, I would like to invite review chairman to make the introductory speech for today’s review.</a:t>
+            </a:r>
+          </a:p>
+          <a:p>
+            <a:endParaRPr lang="en-US" sz="1200" b="0" i="0" u="none" strike="noStrike" kern="1200" spc="-1" dirty="0">
+              <a:solidFill>
+                <a:schemeClr val="tx1"/>
+              </a:solidFill>
+              <a:effectLst/>
+              <a:uFill>
+                <a:solidFill>
+                  <a:srgbClr val="FFFFFF"/>
+                </a:solidFill>
+              </a:uFill>
+              <a:latin typeface="+mn-lt"/>
+              <a:ea typeface="+mn-ea"/>
+              <a:cs typeface="+mn-cs"/>
+            </a:endParaRPr>
+          </a:p>
+          <a:p>
+            <a:r>
+              <a:rPr lang="en-US" sz="2000" b="0" i="0" u="none" strike="noStrike" kern="1200" dirty="0">
+                <a:solidFill>
+                  <a:schemeClr val="tx1"/>
+                </a:solidFill>
+                <a:effectLst/>
+                <a:latin typeface="+mn-lt"/>
+                <a:ea typeface="+mn-ea"/>
+                <a:cs typeface="+mn-cs"/>
+              </a:rPr>
+              <a:t>The graphics on this</a:t>
+            </a:r>
+            <a:r>
+              <a:rPr lang="en-US" sz="2000" b="0" i="0" u="none" strike="noStrike" kern="1200" baseline="0" dirty="0">
+                <a:solidFill>
+                  <a:schemeClr val="tx1"/>
+                </a:solidFill>
+                <a:effectLst/>
+                <a:latin typeface="+mn-lt"/>
+                <a:ea typeface="+mn-ea"/>
+                <a:cs typeface="+mn-cs"/>
+              </a:rPr>
+              <a:t> </a:t>
+            </a:r>
+            <a:r>
+              <a:rPr lang="en-US" sz="2000" b="0" i="0" u="none" strike="noStrike" kern="1200" dirty="0">
+                <a:solidFill>
+                  <a:schemeClr val="tx1"/>
+                </a:solidFill>
+                <a:effectLst/>
+                <a:latin typeface="+mn-lt"/>
+                <a:ea typeface="+mn-ea"/>
+                <a:cs typeface="+mn-cs"/>
+              </a:rPr>
+              <a:t>slide is a mock-up that shows what was envisioned before starting off the project. This demonstrates</a:t>
+            </a:r>
+            <a:r>
+              <a:rPr lang="en-US" sz="2000" b="0" i="0" u="none" strike="noStrike" kern="1200" baseline="0" dirty="0">
+                <a:solidFill>
+                  <a:schemeClr val="tx1"/>
+                </a:solidFill>
+                <a:effectLst/>
+                <a:latin typeface="+mn-lt"/>
+                <a:ea typeface="+mn-ea"/>
+                <a:cs typeface="+mn-cs"/>
+              </a:rPr>
+              <a:t> two aspects of ModelWriter. At the RHS is the writer part and at LHS is the model part. If you look at the details, the synchronization is maintained behind the scene.</a:t>
             </a:r>
             <a:endParaRPr lang="en-US" sz="2000" b="0" strike="noStrike" spc="-1" dirty="0">
               <a:solidFill>
@@ -618,16 +885,33 @@
           <a:bodyPr anchor="b"/>
           <a:lstStyle/>
           <a:p>
-            <a:pPr algn="r">
+            <a:pPr marL="0" marR="0" lvl="0" indent="0" algn="r" defTabSz="914400" eaLnBrk="1" fontAlgn="auto" latinLnBrk="0" hangingPunct="1">
               <a:lnSpc>
                 <a:spcPct val="100000"/>
               </a:lnSpc>
+              <a:spcBef>
+                <a:spcPts val="0"/>
+              </a:spcBef>
+              <a:spcAft>
+                <a:spcPts val="0"/>
+              </a:spcAft>
+              <a:buClrTx/>
+              <a:buSzTx/>
+              <a:buFontTx/>
+              <a:buNone/>
+              <a:tabLst/>
+              <a:defRPr/>
             </a:pPr>
             <a:fld id="{CF26C816-DA16-4E84-ADA7-3FAA6ADFED3B}" type="slidenum">
-              <a:rPr lang="en-US" sz="1800" b="0" strike="noStrike" spc="-1">
+              <a:rPr kumimoji="0" lang="en-US" sz="1800" b="0" i="0" u="none" strike="noStrike" kern="0" cap="none" spc="-1" normalizeH="0" baseline="0" noProof="0">
+                <a:ln>
+                  <a:noFill/>
+                </a:ln>
                 <a:solidFill>
                   <a:srgbClr val="000000"/>
                 </a:solidFill>
+                <a:effectLst/>
+                <a:uLnTx/>
                 <a:uFill>
                   <a:solidFill>
                     <a:srgbClr val="FFFFFF"/>
@@ -636,12 +920,34 @@
                 <a:latin typeface="+mn-lt"/>
                 <a:ea typeface="+mn-ea"/>
               </a:rPr>
+              <a:pPr marL="0" marR="0" lvl="0" indent="0" algn="r" defTabSz="914400" eaLnBrk="1" fontAlgn="auto" latinLnBrk="0" hangingPunct="1">
+                <a:lnSpc>
+                  <a:spcPct val="100000"/>
+                </a:lnSpc>
+                <a:spcBef>
+                  <a:spcPts val="0"/>
+                </a:spcBef>
+                <a:spcAft>
+                  <a:spcPts val="0"/>
+                </a:spcAft>
+                <a:buClrTx/>
+                <a:buSzTx/>
+                <a:buFontTx/>
+                <a:buNone/>
+                <a:tabLst/>
+                <a:defRPr/>
+              </a:pPr>
               <a:t>1</a:t>
             </a:fld>
-            <a:endParaRPr lang="en-US" sz="1400" b="0" strike="noStrike" spc="-1">
+            <a:endParaRPr kumimoji="0" lang="en-US" sz="1400" b="0" i="0" u="none" strike="noStrike" kern="0" cap="none" spc="-1" normalizeH="0" baseline="0" noProof="0">
+              <a:ln>
+                <a:noFill/>
+              </a:ln>
               <a:solidFill>
                 <a:srgbClr val="000000"/>
               </a:solidFill>
+              <a:effectLst/>
+              <a:uLnTx/>
               <a:uFill>
                 <a:solidFill>
                   <a:srgbClr val="FFFFFF"/>
@@ -653,6 +959,11 @@
         </p:txBody>
       </p:sp>
     </p:spTree>
+    <p:extLst>
+      <p:ext uri="{BB962C8B-B14F-4D97-AF65-F5344CB8AC3E}">
+        <p14:creationId xmlns:p14="http://schemas.microsoft.com/office/powerpoint/2010/main" val="1305082335"/>
+      </p:ext>
+    </p:extLst>
   </p:cSld>
   <p:clrMapOvr>
     <a:masterClrMapping/>
@@ -711,7 +1022,19 @@
                 <a:ea typeface="+mn-ea"/>
                 <a:cs typeface="+mn-cs"/>
               </a:rPr>
-              <a:t>The graphics on the former slide was a mock-up that shows what was envisioned before starting off the project. The latter one, this one, clearly shows that we achieved  the goal of having a working User Interfaces on Eclipse platform. That was what we as we anticipated. </a:t>
+              <a:t>The latter one, this one, clearly shows that we achieved the goal of having a working User Interfaces on Eclipse platform. That was what we anticipated. In addition to that, we provide a view at the bottom</a:t>
+            </a:r>
+            <a:r>
+              <a:rPr lang="en-US" sz="1200" b="0" i="0" u="none" strike="noStrike" kern="1200" baseline="0" dirty="0">
+                <a:solidFill>
+                  <a:schemeClr val="tx1"/>
+                </a:solidFill>
+                <a:effectLst/>
+                <a:latin typeface="+mn-lt"/>
+                <a:ea typeface="+mn-ea"/>
+                <a:cs typeface="+mn-cs"/>
+              </a:rPr>
+              <a:t> to visualize the those traceability links between artefacts or part of artefacts.</a:t>
             </a:r>
             <a:endParaRPr lang="en-US" sz="2000" b="0" dirty="0">
               <a:effectLst/>
@@ -755,16 +1078,33 @@
           <a:bodyPr anchor="b"/>
           <a:lstStyle/>
           <a:p>
-            <a:pPr algn="r">
+            <a:pPr marL="0" marR="0" lvl="0" indent="0" algn="r" defTabSz="914400" eaLnBrk="1" fontAlgn="auto" latinLnBrk="0" hangingPunct="1">
               <a:lnSpc>
                 <a:spcPct val="100000"/>
               </a:lnSpc>
+              <a:spcBef>
+                <a:spcPts val="0"/>
+              </a:spcBef>
+              <a:spcAft>
+                <a:spcPts val="0"/>
+              </a:spcAft>
+              <a:buClrTx/>
+              <a:buSzTx/>
+              <a:buFontTx/>
+              <a:buNone/>
+              <a:tabLst/>
+              <a:defRPr/>
             </a:pPr>
             <a:fld id="{6CBFFA31-E01D-4F77-A934-FE8E79239705}" type="slidenum">
-              <a:rPr lang="en-US" sz="1800" b="0" strike="noStrike" spc="-1">
+              <a:rPr kumimoji="0" lang="en-US" sz="1800" b="0" i="0" u="none" strike="noStrike" kern="0" cap="none" spc="-1" normalizeH="0" baseline="0" noProof="0">
+                <a:ln>
+                  <a:noFill/>
+                </a:ln>
                 <a:solidFill>
                   <a:srgbClr val="000000"/>
                 </a:solidFill>
+                <a:effectLst/>
+                <a:uLnTx/>
                 <a:uFill>
                   <a:solidFill>
                     <a:srgbClr val="FFFFFF"/>
@@ -773,12 +1113,34 @@
                 <a:latin typeface="+mn-lt"/>
                 <a:ea typeface="+mn-ea"/>
               </a:rPr>
+              <a:pPr marL="0" marR="0" lvl="0" indent="0" algn="r" defTabSz="914400" eaLnBrk="1" fontAlgn="auto" latinLnBrk="0" hangingPunct="1">
+                <a:lnSpc>
+                  <a:spcPct val="100000"/>
+                </a:lnSpc>
+                <a:spcBef>
+                  <a:spcPts val="0"/>
+                </a:spcBef>
+                <a:spcAft>
+                  <a:spcPts val="0"/>
+                </a:spcAft>
+                <a:buClrTx/>
+                <a:buSzTx/>
+                <a:buFontTx/>
+                <a:buNone/>
+                <a:tabLst/>
+                <a:defRPr/>
+              </a:pPr>
               <a:t>2</a:t>
             </a:fld>
-            <a:endParaRPr lang="en-US" sz="1400" b="0" strike="noStrike" spc="-1">
+            <a:endParaRPr kumimoji="0" lang="en-US" sz="1400" b="0" i="0" u="none" strike="noStrike" kern="0" cap="none" spc="-1" normalizeH="0" baseline="0" noProof="0">
+              <a:ln>
+                <a:noFill/>
+              </a:ln>
               <a:solidFill>
                 <a:srgbClr val="000000"/>
               </a:solidFill>
+              <a:effectLst/>
+              <a:uLnTx/>
               <a:uFill>
                 <a:solidFill>
                   <a:srgbClr val="FFFFFF"/>
@@ -790,6 +1152,11 @@
         </p:txBody>
       </p:sp>
     </p:spTree>
+    <p:extLst>
+      <p:ext uri="{BB962C8B-B14F-4D97-AF65-F5344CB8AC3E}">
+        <p14:creationId xmlns:p14="http://schemas.microsoft.com/office/powerpoint/2010/main" val="787813308"/>
+      </p:ext>
+    </p:extLst>
   </p:cSld>
   <p:clrMapOvr>
     <a:masterClrMapping/>
@@ -906,16 +1273,33 @@
           <a:bodyPr anchor="b"/>
           <a:lstStyle/>
           <a:p>
-            <a:pPr algn="r">
+            <a:pPr marL="0" marR="0" lvl="0" indent="0" algn="r" defTabSz="914400" eaLnBrk="1" fontAlgn="auto" latinLnBrk="0" hangingPunct="1">
               <a:lnSpc>
                 <a:spcPct val="100000"/>
               </a:lnSpc>
+              <a:spcBef>
+                <a:spcPts val="0"/>
+              </a:spcBef>
+              <a:spcAft>
+                <a:spcPts val="0"/>
+              </a:spcAft>
+              <a:buClrTx/>
+              <a:buSzTx/>
+              <a:buFontTx/>
+              <a:buNone/>
+              <a:tabLst/>
+              <a:defRPr/>
             </a:pPr>
             <a:fld id="{5BE92C48-2F76-4FB5-82D5-5D61945BA464}" type="slidenum">
-              <a:rPr lang="en-US" sz="1200" b="0" strike="noStrike" spc="-1">
+              <a:rPr kumimoji="0" lang="en-US" sz="1200" b="0" i="0" u="none" strike="noStrike" kern="0" cap="none" spc="-1" normalizeH="0" baseline="0" noProof="0">
+                <a:ln>
+                  <a:noFill/>
+                </a:ln>
                 <a:solidFill>
                   <a:srgbClr val="000000"/>
                 </a:solidFill>
+                <a:effectLst/>
+                <a:uLnTx/>
                 <a:uFill>
                   <a:solidFill>
                     <a:srgbClr val="FFFFFF"/>
@@ -924,12 +1308,34 @@
                 <a:latin typeface="+mn-lt"/>
                 <a:ea typeface="+mn-ea"/>
               </a:rPr>
+              <a:pPr marL="0" marR="0" lvl="0" indent="0" algn="r" defTabSz="914400" eaLnBrk="1" fontAlgn="auto" latinLnBrk="0" hangingPunct="1">
+                <a:lnSpc>
+                  <a:spcPct val="100000"/>
+                </a:lnSpc>
+                <a:spcBef>
+                  <a:spcPts val="0"/>
+                </a:spcBef>
+                <a:spcAft>
+                  <a:spcPts val="0"/>
+                </a:spcAft>
+                <a:buClrTx/>
+                <a:buSzTx/>
+                <a:buFontTx/>
+                <a:buNone/>
+                <a:tabLst/>
+                <a:defRPr/>
+              </a:pPr>
               <a:t>3</a:t>
             </a:fld>
-            <a:endParaRPr lang="en-US" sz="1400" b="0" strike="noStrike" spc="-1">
+            <a:endParaRPr kumimoji="0" lang="en-US" sz="1400" b="0" i="0" u="none" strike="noStrike" kern="0" cap="none" spc="-1" normalizeH="0" baseline="0" noProof="0">
+              <a:ln>
+                <a:noFill/>
+              </a:ln>
               <a:solidFill>
                 <a:srgbClr val="000000"/>
               </a:solidFill>
+              <a:effectLst/>
+              <a:uLnTx/>
               <a:uFill>
                 <a:solidFill>
                   <a:srgbClr val="FFFFFF"/>
@@ -941,6 +1347,11 @@
         </p:txBody>
       </p:sp>
     </p:spTree>
+    <p:extLst>
+      <p:ext uri="{BB962C8B-B14F-4D97-AF65-F5344CB8AC3E}">
+        <p14:creationId xmlns:p14="http://schemas.microsoft.com/office/powerpoint/2010/main" val="1698420841"/>
+      </p:ext>
+    </p:extLst>
   </p:cSld>
   <p:clrMapOvr>
     <a:masterClrMapping/>
@@ -1032,7 +1443,7 @@
                 </a:uFill>
                 <a:latin typeface="Arial"/>
               </a:rPr>
-              <a:t>I would like to specially thank Claire fo</a:t>
+              <a:t>I would like to specially thank Anne fo</a:t>
             </a:r>
             <a:r>
               <a:rPr lang="en-US" sz="2000" b="0" strike="noStrike" spc="-1" baseline="0" dirty="0">
@@ -1085,16 +1496,33 @@
           <a:bodyPr anchor="b"/>
           <a:lstStyle/>
           <a:p>
-            <a:pPr algn="r">
+            <a:pPr marL="0" marR="0" lvl="0" indent="0" algn="r" defTabSz="914400" eaLnBrk="1" fontAlgn="auto" latinLnBrk="0" hangingPunct="1">
               <a:lnSpc>
                 <a:spcPct val="100000"/>
               </a:lnSpc>
+              <a:spcBef>
+                <a:spcPts val="0"/>
+              </a:spcBef>
+              <a:spcAft>
+                <a:spcPts val="0"/>
+              </a:spcAft>
+              <a:buClrTx/>
+              <a:buSzTx/>
+              <a:buFontTx/>
+              <a:buNone/>
+              <a:tabLst/>
+              <a:defRPr/>
             </a:pPr>
             <a:fld id="{8930ECF0-78D3-4B67-8C3D-DB34F858B119}" type="slidenum">
-              <a:rPr lang="en-US" sz="1200" b="0" strike="noStrike" spc="-1">
+              <a:rPr kumimoji="0" lang="en-US" sz="1200" b="0" i="0" u="none" strike="noStrike" kern="0" cap="none" spc="-1" normalizeH="0" baseline="0" noProof="0">
+                <a:ln>
+                  <a:noFill/>
+                </a:ln>
                 <a:solidFill>
                   <a:srgbClr val="000000"/>
                 </a:solidFill>
+                <a:effectLst/>
+                <a:uLnTx/>
                 <a:uFill>
                   <a:solidFill>
                     <a:srgbClr val="FFFFFF"/>
@@ -1103,12 +1531,34 @@
                 <a:latin typeface="+mn-lt"/>
                 <a:ea typeface="+mn-ea"/>
               </a:rPr>
+              <a:pPr marL="0" marR="0" lvl="0" indent="0" algn="r" defTabSz="914400" eaLnBrk="1" fontAlgn="auto" latinLnBrk="0" hangingPunct="1">
+                <a:lnSpc>
+                  <a:spcPct val="100000"/>
+                </a:lnSpc>
+                <a:spcBef>
+                  <a:spcPts val="0"/>
+                </a:spcBef>
+                <a:spcAft>
+                  <a:spcPts val="0"/>
+                </a:spcAft>
+                <a:buClrTx/>
+                <a:buSzTx/>
+                <a:buFontTx/>
+                <a:buNone/>
+                <a:tabLst/>
+                <a:defRPr/>
+              </a:pPr>
               <a:t>4</a:t>
             </a:fld>
-            <a:endParaRPr lang="en-US" sz="1400" b="0" strike="noStrike" spc="-1">
+            <a:endParaRPr kumimoji="0" lang="en-US" sz="1400" b="0" i="0" u="none" strike="noStrike" kern="0" cap="none" spc="-1" normalizeH="0" baseline="0" noProof="0">
+              <a:ln>
+                <a:noFill/>
+              </a:ln>
               <a:solidFill>
                 <a:srgbClr val="000000"/>
               </a:solidFill>
+              <a:effectLst/>
+              <a:uLnTx/>
               <a:uFill>
                 <a:solidFill>
                   <a:srgbClr val="FFFFFF"/>
@@ -1120,6 +1570,11 @@
         </p:txBody>
       </p:sp>
     </p:spTree>
+    <p:extLst>
+      <p:ext uri="{BB962C8B-B14F-4D97-AF65-F5344CB8AC3E}">
+        <p14:creationId xmlns:p14="http://schemas.microsoft.com/office/powerpoint/2010/main" val="1596422833"/>
+      </p:ext>
+    </p:extLst>
   </p:cSld>
   <p:clrMapOvr>
     <a:masterClrMapping/>
@@ -1185,7 +1640,277 @@
           <a:bodyPr/>
           <a:lstStyle/>
           <a:p>
-            <a:endParaRPr lang="tr-TR" dirty="0"/>
+            <a:pPr rtl="0"/>
+            <a:r>
+              <a:rPr lang="en-US" sz="1200" b="0" i="0" u="none" strike="noStrike" kern="1200" dirty="0">
+                <a:solidFill>
+                  <a:schemeClr val="tx1"/>
+                </a:solidFill>
+                <a:effectLst/>
+                <a:latin typeface="+mn-lt"/>
+                <a:ea typeface="+mn-ea"/>
+                <a:cs typeface="+mn-cs"/>
+              </a:rPr>
+              <a:t>We’ve planned an intense schedule for today. Presentation is divided into 5 main sections. </a:t>
+            </a:r>
+            <a:endParaRPr lang="en-US" b="0" dirty="0">
+              <a:effectLst/>
+            </a:endParaRPr>
+          </a:p>
+          <a:p>
+            <a:pPr rtl="0"/>
+            <a:r>
+              <a:rPr lang="en-US" sz="1200" b="0" i="0" u="none" strike="noStrike" kern="1200" dirty="0">
+                <a:solidFill>
+                  <a:schemeClr val="tx1"/>
+                </a:solidFill>
+                <a:effectLst/>
+                <a:latin typeface="+mn-lt"/>
+                <a:ea typeface="+mn-ea"/>
+                <a:cs typeface="+mn-cs"/>
+              </a:rPr>
+              <a:t>First I will make an overview of the project. </a:t>
+            </a:r>
+            <a:endParaRPr lang="en-US" b="0" dirty="0">
+              <a:effectLst/>
+            </a:endParaRPr>
+          </a:p>
+          <a:p>
+            <a:pPr rtl="0"/>
+            <a:endParaRPr lang="en-US" sz="1200" b="0" i="0" u="none" strike="noStrike" kern="1200" dirty="0">
+              <a:solidFill>
+                <a:schemeClr val="tx1"/>
+              </a:solidFill>
+              <a:effectLst/>
+              <a:latin typeface="+mn-lt"/>
+              <a:ea typeface="+mn-ea"/>
+              <a:cs typeface="+mn-cs"/>
+            </a:endParaRPr>
+          </a:p>
+          <a:p>
+            <a:pPr rtl="0"/>
+            <a:r>
+              <a:rPr lang="en-US" sz="1200" b="0" i="0" u="none" strike="noStrike" kern="1200" dirty="0">
+                <a:solidFill>
+                  <a:schemeClr val="tx1"/>
+                </a:solidFill>
+                <a:effectLst/>
+                <a:latin typeface="+mn-lt"/>
+                <a:ea typeface="+mn-ea"/>
+                <a:cs typeface="+mn-cs"/>
+              </a:rPr>
+              <a:t>Second, Anne from Airbus will moderate the industrial use cases segment. Based on your feedbacks made after the first review, we made a decision to focus on the most rewarding use cases that</a:t>
+            </a:r>
+            <a:r>
+              <a:rPr lang="en-US" sz="1200" b="0" i="0" u="none" strike="noStrike" kern="1200" baseline="0" dirty="0">
+                <a:solidFill>
+                  <a:schemeClr val="tx1"/>
+                </a:solidFill>
+                <a:effectLst/>
+                <a:latin typeface="+mn-lt"/>
+                <a:ea typeface="+mn-ea"/>
+                <a:cs typeface="+mn-cs"/>
+              </a:rPr>
+              <a:t> are </a:t>
+            </a:r>
+            <a:r>
+              <a:rPr lang="en-US" sz="1200" b="0" i="0" u="none" strike="noStrike" kern="1200" dirty="0">
+                <a:solidFill>
+                  <a:schemeClr val="tx1"/>
+                </a:solidFill>
+                <a:effectLst/>
+                <a:latin typeface="+mn-lt"/>
+                <a:ea typeface="+mn-ea"/>
+                <a:cs typeface="+mn-cs"/>
+              </a:rPr>
+              <a:t>stemmed from the problems faced by</a:t>
+            </a:r>
+            <a:r>
+              <a:rPr lang="en-US" sz="1200" b="0" i="0" u="none" strike="noStrike" kern="1200" baseline="0" dirty="0">
+                <a:solidFill>
+                  <a:schemeClr val="tx1"/>
+                </a:solidFill>
+                <a:effectLst/>
+                <a:latin typeface="+mn-lt"/>
+                <a:ea typeface="+mn-ea"/>
+                <a:cs typeface="+mn-cs"/>
+              </a:rPr>
+              <a:t> our large</a:t>
+            </a:r>
+            <a:r>
+              <a:rPr lang="en-US" sz="1200" b="0" i="0" u="none" strike="noStrike" kern="1200" dirty="0">
+                <a:solidFill>
+                  <a:schemeClr val="tx1"/>
+                </a:solidFill>
+                <a:effectLst/>
+                <a:latin typeface="+mn-lt"/>
+                <a:ea typeface="+mn-ea"/>
+                <a:cs typeface="+mn-cs"/>
+              </a:rPr>
+              <a:t> industrial partners.  Therefore, Airbus, Ford-Otosan and Havelsan will present their use cases.  In</a:t>
+            </a:r>
+            <a:r>
+              <a:rPr lang="en-US" sz="1200" b="0" i="0" u="none" strike="noStrike" kern="1200" baseline="0" dirty="0">
+                <a:solidFill>
+                  <a:schemeClr val="tx1"/>
+                </a:solidFill>
+                <a:effectLst/>
+                <a:latin typeface="+mn-lt"/>
+                <a:ea typeface="+mn-ea"/>
+                <a:cs typeface="+mn-cs"/>
+              </a:rPr>
+              <a:t> each use case, we will describe </a:t>
+            </a:r>
+            <a:r>
+              <a:rPr lang="tr-TR" sz="1200" b="0" i="0" u="none" strike="noStrike" kern="1200" dirty="0">
+                <a:solidFill>
+                  <a:schemeClr val="tx1"/>
+                </a:solidFill>
+                <a:effectLst/>
+                <a:latin typeface="+mn-lt"/>
+                <a:ea typeface="+mn-ea"/>
+                <a:cs typeface="+mn-cs"/>
+              </a:rPr>
+              <a:t>Technical </a:t>
+            </a:r>
+            <a:r>
+              <a:rPr lang="en-US" sz="1200" b="0" i="0" u="none" strike="noStrike" kern="1200" dirty="0">
+                <a:solidFill>
+                  <a:schemeClr val="tx1"/>
+                </a:solidFill>
+                <a:effectLst/>
+                <a:latin typeface="+mn-lt"/>
+                <a:ea typeface="+mn-ea"/>
+                <a:cs typeface="+mn-cs"/>
+              </a:rPr>
+              <a:t>Challenges and corresponding KPIs.</a:t>
+            </a:r>
+            <a:r>
+              <a:rPr lang="en-US" sz="1200" b="0" i="0" u="none" strike="noStrike" kern="1200" baseline="0" dirty="0">
+                <a:solidFill>
+                  <a:schemeClr val="tx1"/>
+                </a:solidFill>
+                <a:effectLst/>
+                <a:latin typeface="+mn-lt"/>
+                <a:ea typeface="+mn-ea"/>
+                <a:cs typeface="+mn-cs"/>
+              </a:rPr>
+              <a:t> </a:t>
+            </a:r>
+            <a:br>
+              <a:rPr lang="en-US" b="0" dirty="0">
+                <a:effectLst/>
+              </a:rPr>
+            </a:br>
+            <a:endParaRPr lang="en-US" b="0" dirty="0">
+              <a:effectLst/>
+            </a:endParaRPr>
+          </a:p>
+          <a:p>
+            <a:pPr rtl="0"/>
+            <a:r>
+              <a:rPr lang="en-US" b="0" dirty="0">
+                <a:effectLst/>
+              </a:rPr>
+              <a:t>Third, once you get familiar with the problem domain,</a:t>
+            </a:r>
+            <a:r>
+              <a:rPr lang="en-US" b="0" baseline="0" dirty="0">
+                <a:effectLst/>
+              </a:rPr>
+              <a:t> we will explain the market of ModelWriter and </a:t>
+            </a:r>
+            <a:r>
+              <a:rPr lang="en-US" sz="1200" b="0" i="0" u="none" strike="noStrike" kern="1200" dirty="0">
+                <a:solidFill>
+                  <a:schemeClr val="tx1"/>
+                </a:solidFill>
+                <a:effectLst/>
+                <a:latin typeface="+mn-lt"/>
+                <a:ea typeface="+mn-ea"/>
+                <a:cs typeface="+mn-cs"/>
+              </a:rPr>
+              <a:t>our exploitation prospects.</a:t>
+            </a:r>
+          </a:p>
+          <a:p>
+            <a:pPr rtl="0"/>
+            <a:endParaRPr lang="en-US" b="0" dirty="0">
+              <a:effectLst/>
+            </a:endParaRPr>
+          </a:p>
+          <a:p>
+            <a:pPr rtl="0"/>
+            <a:r>
+              <a:rPr lang="en-US" sz="1200" b="0" i="0" u="none" strike="noStrike" kern="1200" dirty="0">
+                <a:solidFill>
+                  <a:schemeClr val="tx1"/>
+                </a:solidFill>
+                <a:effectLst/>
+                <a:latin typeface="+mn-lt"/>
+                <a:ea typeface="+mn-ea"/>
+                <a:cs typeface="+mn-cs"/>
+              </a:rPr>
+              <a:t>Fourth, we’ll describe technical achievements attained for each technical work package</a:t>
+            </a:r>
+            <a:r>
+              <a:rPr lang="en-US" sz="1200" b="0" i="0" u="none" strike="noStrike" kern="1200" baseline="0" dirty="0">
+                <a:solidFill>
+                  <a:schemeClr val="tx1"/>
+                </a:solidFill>
+                <a:effectLst/>
+                <a:latin typeface="+mn-lt"/>
+                <a:ea typeface="+mn-ea"/>
+                <a:cs typeface="+mn-cs"/>
+              </a:rPr>
+              <a:t>, which means will focus on innovations in this section. What we accomplished beyond the SotA and innovations in tackling the challenges. </a:t>
+            </a:r>
+            <a:r>
+              <a:rPr lang="en-US" sz="1200" b="0" i="0" u="none" strike="noStrike" kern="1200" dirty="0">
+                <a:solidFill>
+                  <a:schemeClr val="tx1"/>
+                </a:solidFill>
+                <a:effectLst/>
+                <a:latin typeface="+mn-lt"/>
+                <a:ea typeface="+mn-ea"/>
+                <a:cs typeface="+mn-cs"/>
+              </a:rPr>
+              <a:t>We will try to convince</a:t>
+            </a:r>
+            <a:r>
+              <a:rPr lang="en-US" sz="1200" b="0" i="0" u="none" strike="noStrike" kern="1200" baseline="0" dirty="0">
+                <a:solidFill>
+                  <a:schemeClr val="tx1"/>
+                </a:solidFill>
+                <a:effectLst/>
+                <a:latin typeface="+mn-lt"/>
+                <a:ea typeface="+mn-ea"/>
+                <a:cs typeface="+mn-cs"/>
+              </a:rPr>
+              <a:t> you that ModelWriter is an effective remedy for this set of problems.</a:t>
+            </a:r>
+            <a:br>
+              <a:rPr lang="en-US" b="0" dirty="0">
+                <a:effectLst/>
+              </a:rPr>
+            </a:br>
+            <a:endParaRPr lang="en-US" b="0" dirty="0">
+              <a:effectLst/>
+            </a:endParaRPr>
+          </a:p>
+          <a:p>
+            <a:r>
+              <a:rPr lang="en-US" sz="1200" b="0" i="0" u="none" strike="noStrike" kern="1200" dirty="0">
+                <a:solidFill>
+                  <a:schemeClr val="tx1"/>
+                </a:solidFill>
+                <a:effectLst/>
+                <a:latin typeface="+mn-lt"/>
+                <a:ea typeface="+mn-ea"/>
+                <a:cs typeface="+mn-cs"/>
+              </a:rPr>
+              <a:t>Finally, we will demonstrate what we achieved in the industrial use cases. We will make three demonstrations for Airbus, Havelsan and Ford Otosan.</a:t>
+            </a:r>
           </a:p>
         </p:txBody>
       </p:sp>
@@ -1204,12 +1929,33 @@
           <a:bodyPr/>
           <a:lstStyle/>
           <a:p>
-            <a:pPr algn="r"/>
+            <a:pPr marL="0" marR="0" lvl="0" indent="0" algn="r" defTabSz="914400" eaLnBrk="1" fontAlgn="auto" latinLnBrk="0" hangingPunct="1">
+              <a:lnSpc>
+                <a:spcPct val="100000"/>
+              </a:lnSpc>
+              <a:spcBef>
+                <a:spcPts val="0"/>
+              </a:spcBef>
+              <a:spcAft>
+                <a:spcPts val="0"/>
+              </a:spcAft>
+              <a:buClrTx/>
+              <a:buSzTx/>
+              <a:buFontTx/>
+              <a:buNone/>
+              <a:tabLst/>
+              <a:defRPr/>
+            </a:pPr>
             <a:fld id="{B70C3FC0-16C8-456D-AB6C-BCC8542A9D6A}" type="slidenum">
-              <a:rPr lang="en-US" sz="1400" b="0" strike="noStrike" spc="-1" smtClean="0">
+              <a:rPr kumimoji="0" lang="en-US" sz="1400" b="0" i="0" u="none" strike="noStrike" kern="0" cap="none" spc="-1" normalizeH="0" baseline="0" noProof="0" smtClean="0">
+                <a:ln>
+                  <a:noFill/>
+                </a:ln>
                 <a:solidFill>
                   <a:srgbClr val="000000"/>
                 </a:solidFill>
+                <a:effectLst/>
+                <a:uLnTx/>
                 <a:uFill>
                   <a:solidFill>
                     <a:srgbClr val="FFFFFF"/>
@@ -1217,12 +1963,34 @@
                 </a:uFill>
                 <a:latin typeface="Times New Roman"/>
               </a:rPr>
+              <a:pPr marL="0" marR="0" lvl="0" indent="0" algn="r" defTabSz="914400" eaLnBrk="1" fontAlgn="auto" latinLnBrk="0" hangingPunct="1">
+                <a:lnSpc>
+                  <a:spcPct val="100000"/>
+                </a:lnSpc>
+                <a:spcBef>
+                  <a:spcPts val="0"/>
+                </a:spcBef>
+                <a:spcAft>
+                  <a:spcPts val="0"/>
+                </a:spcAft>
+                <a:buClrTx/>
+                <a:buSzTx/>
+                <a:buFontTx/>
+                <a:buNone/>
+                <a:tabLst/>
+                <a:defRPr/>
+              </a:pPr>
               <a:t>5</a:t>
             </a:fld>
-            <a:endParaRPr lang="en-US" sz="1400" b="0" strike="noStrike" spc="-1">
+            <a:endParaRPr kumimoji="0" lang="en-US" sz="1400" b="0" i="0" u="none" strike="noStrike" kern="0" cap="none" spc="-1" normalizeH="0" baseline="0" noProof="0">
+              <a:ln>
+                <a:noFill/>
+              </a:ln>
               <a:solidFill>
                 <a:srgbClr val="000000"/>
               </a:solidFill>
+              <a:effectLst/>
+              <a:uLnTx/>
               <a:uFill>
                 <a:solidFill>
                   <a:srgbClr val="FFFFFF"/>
@@ -1236,7 +2004,7 @@
     </p:spTree>
     <p:extLst>
       <p:ext uri="{BB962C8B-B14F-4D97-AF65-F5344CB8AC3E}">
-        <p14:creationId xmlns:p14="http://schemas.microsoft.com/office/powerpoint/2010/main" val="74081051"/>
+        <p14:creationId xmlns:p14="http://schemas.microsoft.com/office/powerpoint/2010/main" val="1875604472"/>
       </p:ext>
     </p:extLst>
   </p:cSld>
@@ -1264,6 +2032,11 @@
         </a:xfrm>
       </p:grpSpPr>
     </p:spTree>
+    <p:extLst>
+      <p:ext uri="{BB962C8B-B14F-4D97-AF65-F5344CB8AC3E}">
+        <p14:creationId xmlns:p14="http://schemas.microsoft.com/office/powerpoint/2010/main" val="3160018259"/>
+      </p:ext>
+    </p:extLst>
   </p:cSld>
   <p:clrMapOvr>
     <a:masterClrMapping/>
@@ -1400,6 +2173,11 @@
         </p:txBody>
       </p:sp>
     </p:spTree>
+    <p:extLst>
+      <p:ext uri="{BB962C8B-B14F-4D97-AF65-F5344CB8AC3E}">
+        <p14:creationId xmlns:p14="http://schemas.microsoft.com/office/powerpoint/2010/main" val="3534567654"/>
+      </p:ext>
+    </p:extLst>
   </p:cSld>
   <p:clrMapOvr>
     <a:masterClrMapping/>
@@ -1610,6 +2388,11 @@
         </p:txBody>
       </p:sp>
     </p:spTree>
+    <p:extLst>
+      <p:ext uri="{BB962C8B-B14F-4D97-AF65-F5344CB8AC3E}">
+        <p14:creationId xmlns:p14="http://schemas.microsoft.com/office/powerpoint/2010/main" val="651608930"/>
+      </p:ext>
+    </p:extLst>
   </p:cSld>
   <p:clrMapOvr>
     <a:masterClrMapping/>
@@ -1792,6 +2575,11 @@
         </p:spPr>
       </p:pic>
     </p:spTree>
+    <p:extLst>
+      <p:ext uri="{BB962C8B-B14F-4D97-AF65-F5344CB8AC3E}">
+        <p14:creationId xmlns:p14="http://schemas.microsoft.com/office/powerpoint/2010/main" val="1979046569"/>
+      </p:ext>
+    </p:extLst>
   </p:cSld>
   <p:clrMapOvr>
     <a:masterClrMapping/>
@@ -1817,6 +2605,11 @@
         </a:xfrm>
       </p:grpSpPr>
     </p:spTree>
+    <p:extLst>
+      <p:ext uri="{BB962C8B-B14F-4D97-AF65-F5344CB8AC3E}">
+        <p14:creationId xmlns:p14="http://schemas.microsoft.com/office/powerpoint/2010/main" val="1244860008"/>
+      </p:ext>
+    </p:extLst>
   </p:cSld>
   <p:clrMapOvr>
     <a:masterClrMapping/>
@@ -1917,6 +2710,11 @@
         </p:txBody>
       </p:sp>
     </p:spTree>
+    <p:extLst>
+      <p:ext uri="{BB962C8B-B14F-4D97-AF65-F5344CB8AC3E}">
+        <p14:creationId xmlns:p14="http://schemas.microsoft.com/office/powerpoint/2010/main" val="991963455"/>
+      </p:ext>
+    </p:extLst>
   </p:cSld>
   <p:clrMapOvr>
     <a:masterClrMapping/>
@@ -2016,6 +2814,11 @@
         </p:txBody>
       </p:sp>
     </p:spTree>
+    <p:extLst>
+      <p:ext uri="{BB962C8B-B14F-4D97-AF65-F5344CB8AC3E}">
+        <p14:creationId xmlns:p14="http://schemas.microsoft.com/office/powerpoint/2010/main" val="3245903011"/>
+      </p:ext>
+    </p:extLst>
   </p:cSld>
   <p:clrMapOvr>
     <a:masterClrMapping/>
@@ -2152,6 +2955,11 @@
         </p:txBody>
       </p:sp>
     </p:spTree>
+    <p:extLst>
+      <p:ext uri="{BB962C8B-B14F-4D97-AF65-F5344CB8AC3E}">
+        <p14:creationId xmlns:p14="http://schemas.microsoft.com/office/powerpoint/2010/main" val="849017887"/>
+      </p:ext>
+    </p:extLst>
   </p:cSld>
   <p:clrMapOvr>
     <a:masterClrMapping/>
@@ -2214,6 +3022,11 @@
         </p:txBody>
       </p:sp>
     </p:spTree>
+    <p:extLst>
+      <p:ext uri="{BB962C8B-B14F-4D97-AF65-F5344CB8AC3E}">
+        <p14:creationId xmlns:p14="http://schemas.microsoft.com/office/powerpoint/2010/main" val="1169787331"/>
+      </p:ext>
+    </p:extLst>
   </p:cSld>
   <p:clrMapOvr>
     <a:masterClrMapping/>
@@ -2277,6 +3090,11 @@
         </p:txBody>
       </p:sp>
     </p:spTree>
+    <p:extLst>
+      <p:ext uri="{BB962C8B-B14F-4D97-AF65-F5344CB8AC3E}">
+        <p14:creationId xmlns:p14="http://schemas.microsoft.com/office/powerpoint/2010/main" val="2217706411"/>
+      </p:ext>
+    </p:extLst>
   </p:cSld>
   <p:clrMapOvr>
     <a:masterClrMapping/>
@@ -2450,6 +3268,11 @@
         </p:txBody>
       </p:sp>
     </p:spTree>
+    <p:extLst>
+      <p:ext uri="{BB962C8B-B14F-4D97-AF65-F5344CB8AC3E}">
+        <p14:creationId xmlns:p14="http://schemas.microsoft.com/office/powerpoint/2010/main" val="3393857047"/>
+      </p:ext>
+    </p:extLst>
   </p:cSld>
   <p:clrMapOvr>
     <a:masterClrMapping/>
@@ -2550,6 +3373,11 @@
         </p:txBody>
       </p:sp>
     </p:spTree>
+    <p:extLst>
+      <p:ext uri="{BB962C8B-B14F-4D97-AF65-F5344CB8AC3E}">
+        <p14:creationId xmlns:p14="http://schemas.microsoft.com/office/powerpoint/2010/main" val="3865816326"/>
+      </p:ext>
+    </p:extLst>
   </p:cSld>
   <p:clrMapOvr>
     <a:masterClrMapping/>
@@ -2723,6 +3551,11 @@
         </p:txBody>
       </p:sp>
     </p:spTree>
+    <p:extLst>
+      <p:ext uri="{BB962C8B-B14F-4D97-AF65-F5344CB8AC3E}">
+        <p14:creationId xmlns:p14="http://schemas.microsoft.com/office/powerpoint/2010/main" val="3919567772"/>
+      </p:ext>
+    </p:extLst>
   </p:cSld>
   <p:clrMapOvr>
     <a:masterClrMapping/>
@@ -2896,6 +3729,11 @@
         </p:txBody>
       </p:sp>
     </p:spTree>
+    <p:extLst>
+      <p:ext uri="{BB962C8B-B14F-4D97-AF65-F5344CB8AC3E}">
+        <p14:creationId xmlns:p14="http://schemas.microsoft.com/office/powerpoint/2010/main" val="1622913663"/>
+      </p:ext>
+    </p:extLst>
   </p:cSld>
   <p:clrMapOvr>
     <a:masterClrMapping/>
@@ -3032,6 +3870,11 @@
         </p:txBody>
       </p:sp>
     </p:spTree>
+    <p:extLst>
+      <p:ext uri="{BB962C8B-B14F-4D97-AF65-F5344CB8AC3E}">
+        <p14:creationId xmlns:p14="http://schemas.microsoft.com/office/powerpoint/2010/main" val="323310160"/>
+      </p:ext>
+    </p:extLst>
   </p:cSld>
   <p:clrMapOvr>
     <a:masterClrMapping/>
@@ -3242,6 +4085,11 @@
         </p:txBody>
       </p:sp>
     </p:spTree>
+    <p:extLst>
+      <p:ext uri="{BB962C8B-B14F-4D97-AF65-F5344CB8AC3E}">
+        <p14:creationId xmlns:p14="http://schemas.microsoft.com/office/powerpoint/2010/main" val="2793189386"/>
+      </p:ext>
+    </p:extLst>
   </p:cSld>
   <p:clrMapOvr>
     <a:masterClrMapping/>
@@ -3424,6 +4272,11 @@
         </p:spPr>
       </p:pic>
     </p:spTree>
+    <p:extLst>
+      <p:ext uri="{BB962C8B-B14F-4D97-AF65-F5344CB8AC3E}">
+        <p14:creationId xmlns:p14="http://schemas.microsoft.com/office/powerpoint/2010/main" val="152982589"/>
+      </p:ext>
+    </p:extLst>
   </p:cSld>
   <p:clrMapOvr>
     <a:masterClrMapping/>
@@ -3523,6 +4376,11 @@
         </p:txBody>
       </p:sp>
     </p:spTree>
+    <p:extLst>
+      <p:ext uri="{BB962C8B-B14F-4D97-AF65-F5344CB8AC3E}">
+        <p14:creationId xmlns:p14="http://schemas.microsoft.com/office/powerpoint/2010/main" val="3673046684"/>
+      </p:ext>
+    </p:extLst>
   </p:cSld>
   <p:clrMapOvr>
     <a:masterClrMapping/>
@@ -3659,6 +4517,11 @@
         </p:txBody>
       </p:sp>
     </p:spTree>
+    <p:extLst>
+      <p:ext uri="{BB962C8B-B14F-4D97-AF65-F5344CB8AC3E}">
+        <p14:creationId xmlns:p14="http://schemas.microsoft.com/office/powerpoint/2010/main" val="2316642347"/>
+      </p:ext>
+    </p:extLst>
   </p:cSld>
   <p:clrMapOvr>
     <a:masterClrMapping/>
@@ -3721,6 +4584,11 @@
         </p:txBody>
       </p:sp>
     </p:spTree>
+    <p:extLst>
+      <p:ext uri="{BB962C8B-B14F-4D97-AF65-F5344CB8AC3E}">
+        <p14:creationId xmlns:p14="http://schemas.microsoft.com/office/powerpoint/2010/main" val="228998843"/>
+      </p:ext>
+    </p:extLst>
   </p:cSld>
   <p:clrMapOvr>
     <a:masterClrMapping/>
@@ -3784,6 +4652,11 @@
         </p:txBody>
       </p:sp>
     </p:spTree>
+    <p:extLst>
+      <p:ext uri="{BB962C8B-B14F-4D97-AF65-F5344CB8AC3E}">
+        <p14:creationId xmlns:p14="http://schemas.microsoft.com/office/powerpoint/2010/main" val="3608996274"/>
+      </p:ext>
+    </p:extLst>
   </p:cSld>
   <p:clrMapOvr>
     <a:masterClrMapping/>
@@ -3957,6 +4830,11 @@
         </p:txBody>
       </p:sp>
     </p:spTree>
+    <p:extLst>
+      <p:ext uri="{BB962C8B-B14F-4D97-AF65-F5344CB8AC3E}">
+        <p14:creationId xmlns:p14="http://schemas.microsoft.com/office/powerpoint/2010/main" val="1916281738"/>
+      </p:ext>
+    </p:extLst>
   </p:cSld>
   <p:clrMapOvr>
     <a:masterClrMapping/>
@@ -4130,6 +5008,11 @@
         </p:txBody>
       </p:sp>
     </p:spTree>
+    <p:extLst>
+      <p:ext uri="{BB962C8B-B14F-4D97-AF65-F5344CB8AC3E}">
+        <p14:creationId xmlns:p14="http://schemas.microsoft.com/office/powerpoint/2010/main" val="1422043778"/>
+      </p:ext>
+    </p:extLst>
   </p:cSld>
   <p:clrMapOvr>
     <a:masterClrMapping/>
@@ -4303,6 +5186,11 @@
         </p:txBody>
       </p:sp>
     </p:spTree>
+    <p:extLst>
+      <p:ext uri="{BB962C8B-B14F-4D97-AF65-F5344CB8AC3E}">
+        <p14:creationId xmlns:p14="http://schemas.microsoft.com/office/powerpoint/2010/main" val="1185458552"/>
+      </p:ext>
+    </p:extLst>
   </p:cSld>
   <p:clrMapOvr>
     <a:masterClrMapping/>
@@ -4656,21 +5544,26 @@
         </p:txBody>
       </p:sp>
     </p:spTree>
+    <p:extLst>
+      <p:ext uri="{BB962C8B-B14F-4D97-AF65-F5344CB8AC3E}">
+        <p14:creationId xmlns:p14="http://schemas.microsoft.com/office/powerpoint/2010/main" val="1948902615"/>
+      </p:ext>
+    </p:extLst>
   </p:cSld>
   <p:clrMap bg1="lt1" tx1="dk1" bg2="lt2" tx2="dk2" accent1="accent1" accent2="accent2" accent3="accent3" accent4="accent4" accent5="accent5" accent6="accent6" hlink="hlink" folHlink="folHlink"/>
   <p:sldLayoutIdLst>
-    <p:sldLayoutId id="2147483649" r:id="rId1"/>
-    <p:sldLayoutId id="2147483650" r:id="rId2"/>
-    <p:sldLayoutId id="2147483651" r:id="rId3"/>
-    <p:sldLayoutId id="2147483652" r:id="rId4"/>
-    <p:sldLayoutId id="2147483653" r:id="rId5"/>
-    <p:sldLayoutId id="2147483654" r:id="rId6"/>
-    <p:sldLayoutId id="2147483655" r:id="rId7"/>
-    <p:sldLayoutId id="2147483656" r:id="rId8"/>
-    <p:sldLayoutId id="2147483657" r:id="rId9"/>
-    <p:sldLayoutId id="2147483658" r:id="rId10"/>
-    <p:sldLayoutId id="2147483659" r:id="rId11"/>
-    <p:sldLayoutId id="2147483660" r:id="rId12"/>
+    <p:sldLayoutId id="2147483694" r:id="rId1"/>
+    <p:sldLayoutId id="2147483695" r:id="rId2"/>
+    <p:sldLayoutId id="2147483696" r:id="rId3"/>
+    <p:sldLayoutId id="2147483697" r:id="rId4"/>
+    <p:sldLayoutId id="2147483698" r:id="rId5"/>
+    <p:sldLayoutId id="2147483699" r:id="rId6"/>
+    <p:sldLayoutId id="2147483700" r:id="rId7"/>
+    <p:sldLayoutId id="2147483701" r:id="rId8"/>
+    <p:sldLayoutId id="2147483702" r:id="rId9"/>
+    <p:sldLayoutId id="2147483703" r:id="rId10"/>
+    <p:sldLayoutId id="2147483704" r:id="rId11"/>
+    <p:sldLayoutId id="2147483705" r:id="rId12"/>
   </p:sldLayoutIdLst>
   <p:txStyles>
     <p:titleStyle>
@@ -5490,21 +6383,26 @@
         </p:txBody>
       </p:sp>
     </p:spTree>
+    <p:extLst>
+      <p:ext uri="{BB962C8B-B14F-4D97-AF65-F5344CB8AC3E}">
+        <p14:creationId xmlns:p14="http://schemas.microsoft.com/office/powerpoint/2010/main" val="444930412"/>
+      </p:ext>
+    </p:extLst>
   </p:cSld>
   <p:clrMap bg1="lt1" tx1="dk1" bg2="lt2" tx2="dk2" accent1="accent1" accent2="accent2" accent3="accent3" accent4="accent4" accent5="accent5" accent6="accent6" hlink="hlink" folHlink="folHlink"/>
   <p:sldLayoutIdLst>
-    <p:sldLayoutId id="2147483662" r:id="rId1"/>
-    <p:sldLayoutId id="2147483663" r:id="rId2"/>
-    <p:sldLayoutId id="2147483664" r:id="rId3"/>
-    <p:sldLayoutId id="2147483665" r:id="rId4"/>
-    <p:sldLayoutId id="2147483666" r:id="rId5"/>
-    <p:sldLayoutId id="2147483667" r:id="rId6"/>
-    <p:sldLayoutId id="2147483668" r:id="rId7"/>
-    <p:sldLayoutId id="2147483669" r:id="rId8"/>
-    <p:sldLayoutId id="2147483670" r:id="rId9"/>
-    <p:sldLayoutId id="2147483671" r:id="rId10"/>
-    <p:sldLayoutId id="2147483672" r:id="rId11"/>
-    <p:sldLayoutId id="2147483673" r:id="rId12"/>
+    <p:sldLayoutId id="2147483707" r:id="rId1"/>
+    <p:sldLayoutId id="2147483708" r:id="rId2"/>
+    <p:sldLayoutId id="2147483709" r:id="rId3"/>
+    <p:sldLayoutId id="2147483710" r:id="rId4"/>
+    <p:sldLayoutId id="2147483711" r:id="rId5"/>
+    <p:sldLayoutId id="2147483712" r:id="rId6"/>
+    <p:sldLayoutId id="2147483713" r:id="rId7"/>
+    <p:sldLayoutId id="2147483714" r:id="rId8"/>
+    <p:sldLayoutId id="2147483715" r:id="rId9"/>
+    <p:sldLayoutId id="2147483716" r:id="rId10"/>
+    <p:sldLayoutId id="2147483717" r:id="rId11"/>
+    <p:sldLayoutId id="2147483718" r:id="rId12"/>
   </p:sldLayoutIdLst>
   <p:txStyles>
     <p:titleStyle>
@@ -5864,16 +6762,33 @@
           <a:bodyPr anchor="b"/>
           <a:lstStyle/>
           <a:p>
-            <a:pPr>
+            <a:pPr marL="0" marR="0" lvl="0" indent="0" defTabSz="914400" eaLnBrk="1" fontAlgn="auto" latinLnBrk="0" hangingPunct="1">
               <a:lnSpc>
                 <a:spcPct val="100000"/>
               </a:lnSpc>
+              <a:spcBef>
+                <a:spcPts val="0"/>
+              </a:spcBef>
+              <a:spcAft>
+                <a:spcPts val="0"/>
+              </a:spcAft>
+              <a:buClrTx/>
+              <a:buSzTx/>
+              <a:buFontTx/>
+              <a:buNone/>
+              <a:tabLst/>
+              <a:defRPr/>
             </a:pPr>
             <a:r>
-              <a:rPr lang="nl-NL" sz="2800" b="1" strike="noStrike" spc="-1">
+              <a:rPr kumimoji="0" lang="nl-NL" sz="2800" b="1" i="0" u="none" strike="noStrike" kern="0" cap="none" spc="-1" normalizeH="0" baseline="0" noProof="0">
+                <a:ln>
+                  <a:noFill/>
+                </a:ln>
                 <a:solidFill>
                   <a:srgbClr val="00A651"/>
                 </a:solidFill>
+                <a:effectLst/>
+                <a:uLnTx/>
                 <a:uFill>
                   <a:solidFill>
                     <a:srgbClr val="FFFFFF"/>
@@ -5884,10 +6799,15 @@
               <a:t>ModelWriter</a:t>
             </a:r>
             <a:r>
-              <a:rPr lang="nl-NL" sz="2800" b="1" strike="noStrike" spc="-1">
-                <a:solidFill>
-                  <a:srgbClr val="FFFFFF"/>
-                </a:solidFill>
+              <a:rPr kumimoji="0" lang="nl-NL" sz="2800" b="1" i="0" u="none" strike="noStrike" kern="0" cap="none" spc="-1" normalizeH="0" baseline="0" noProof="0">
+                <a:ln>
+                  <a:noFill/>
+                </a:ln>
+                <a:solidFill>
+                  <a:srgbClr val="FFFFFF"/>
+                </a:solidFill>
+                <a:effectLst/>
+                <a:uLnTx/>
                 <a:uFill>
                   <a:solidFill>
                     <a:srgbClr val="FFFFFF"/>
@@ -5899,10 +6819,15 @@
 </a:t>
             </a:r>
             <a:r>
-              <a:rPr lang="nl-NL" sz="2200" b="1" strike="noStrike" spc="-1">
+              <a:rPr kumimoji="0" lang="nl-NL" sz="2200" b="1" i="0" u="none" strike="noStrike" kern="0" cap="none" spc="-1" normalizeH="0" baseline="0" noProof="0">
+                <a:ln>
+                  <a:noFill/>
+                </a:ln>
                 <a:solidFill>
                   <a:srgbClr val="808080"/>
                 </a:solidFill>
+                <a:effectLst/>
+                <a:uLnTx/>
                 <a:uFill>
                   <a:solidFill>
                     <a:srgbClr val="FFFFFF"/>
@@ -5912,10 +6837,15 @@
               </a:rPr>
               <a:t>Text &amp; Model-Synchronized Document Engineering Platform</a:t>
             </a:r>
-            <a:endParaRPr lang="nl-NL" sz="1800" b="0" strike="noStrike" spc="-1">
+            <a:endParaRPr kumimoji="0" lang="nl-NL" sz="1800" b="0" i="0" u="none" strike="noStrike" kern="0" cap="none" spc="-1" normalizeH="0" baseline="0" noProof="0">
+              <a:ln>
+                <a:noFill/>
+              </a:ln>
               <a:solidFill>
                 <a:srgbClr val="000000"/>
               </a:solidFill>
+              <a:effectLst/>
+              <a:uLnTx/>
               <a:uFill>
                 <a:solidFill>
                   <a:srgbClr val="FFFFFF"/>
@@ -5961,16 +6891,33 @@
           <a:bodyPr anchor="b"/>
           <a:lstStyle/>
           <a:p>
-            <a:pPr>
+            <a:pPr marL="0" marR="0" lvl="0" indent="0" defTabSz="914400" eaLnBrk="1" fontAlgn="auto" latinLnBrk="0" hangingPunct="1">
               <a:lnSpc>
                 <a:spcPct val="100000"/>
               </a:lnSpc>
+              <a:spcBef>
+                <a:spcPts val="0"/>
+              </a:spcBef>
+              <a:spcAft>
+                <a:spcPts val="0"/>
+              </a:spcAft>
+              <a:buClrTx/>
+              <a:buSzTx/>
+              <a:buFontTx/>
+              <a:buNone/>
+              <a:tabLst/>
+              <a:defRPr/>
             </a:pPr>
             <a:r>
-              <a:rPr lang="en-US" sz="1400" b="0" strike="noStrike" spc="-1">
+              <a:rPr kumimoji="0" lang="en-US" sz="1400" b="0" i="0" u="none" strike="noStrike" kern="0" cap="none" spc="-1" normalizeH="0" baseline="0" noProof="0">
+                <a:ln>
+                  <a:noFill/>
+                </a:ln>
                 <a:solidFill>
                   <a:srgbClr val="000000"/>
                 </a:solidFill>
+                <a:effectLst/>
+                <a:uLnTx/>
                 <a:uFill>
                   <a:solidFill>
                     <a:srgbClr val="FFFFFF"/>
@@ -5981,10 +6928,15 @@
               <a:t>Project Leader: Ferhat Erata (</a:t>
             </a:r>
             <a:r>
-              <a:rPr lang="en-US" sz="1400" b="0" strike="noStrike" spc="-1">
+              <a:rPr kumimoji="0" lang="en-US" sz="1400" b="0" i="0" u="none" strike="noStrike" kern="0" cap="none" spc="-1" normalizeH="0" baseline="0" noProof="0">
+                <a:ln>
+                  <a:noFill/>
+                </a:ln>
                 <a:solidFill>
                   <a:srgbClr val="00A651"/>
                 </a:solidFill>
+                <a:effectLst/>
+                <a:uLnTx/>
                 <a:uFill>
                   <a:solidFill>
                     <a:srgbClr val="FFFFFF"/>
@@ -5996,10 +6948,15 @@
               <a:t>ferhat@computer.org</a:t>
             </a:r>
             <a:r>
-              <a:rPr lang="en-US" sz="1400" b="0" strike="noStrike" spc="-1">
+              <a:rPr kumimoji="0" lang="en-US" sz="1400" b="0" i="0" u="none" strike="noStrike" kern="0" cap="none" spc="-1" normalizeH="0" baseline="0" noProof="0">
+                <a:ln>
+                  <a:noFill/>
+                </a:ln>
                 <a:solidFill>
                   <a:srgbClr val="000000"/>
                 </a:solidFill>
+                <a:effectLst/>
+                <a:uLnTx/>
                 <a:uFill>
                   <a:solidFill>
                     <a:srgbClr val="FFFFFF"/>
@@ -6009,10 +6966,15 @@
               </a:rPr>
               <a:t>)</a:t>
             </a:r>
-            <a:endParaRPr lang="en-US" sz="2800" b="0" strike="noStrike" spc="-1">
+            <a:endParaRPr kumimoji="0" lang="en-US" sz="2800" b="0" i="0" u="none" strike="noStrike" kern="0" cap="none" spc="-1" normalizeH="0" baseline="0" noProof="0">
+              <a:ln>
+                <a:noFill/>
+              </a:ln>
               <a:solidFill>
                 <a:srgbClr val="000000"/>
               </a:solidFill>
+              <a:effectLst/>
+              <a:uLnTx/>
               <a:uFill>
                 <a:solidFill>
                   <a:srgbClr val="FFFFFF"/>
@@ -6022,16 +6984,33 @@
             </a:endParaRPr>
           </a:p>
           <a:p>
-            <a:pPr>
+            <a:pPr marL="0" marR="0" lvl="0" indent="0" defTabSz="914400" eaLnBrk="1" fontAlgn="auto" latinLnBrk="0" hangingPunct="1">
               <a:lnSpc>
                 <a:spcPct val="100000"/>
               </a:lnSpc>
+              <a:spcBef>
+                <a:spcPts val="0"/>
+              </a:spcBef>
+              <a:spcAft>
+                <a:spcPts val="0"/>
+              </a:spcAft>
+              <a:buClrTx/>
+              <a:buSzTx/>
+              <a:buFontTx/>
+              <a:buNone/>
+              <a:tabLst/>
+              <a:defRPr/>
             </a:pPr>
             <a:r>
-              <a:rPr lang="en-US" sz="1400" b="0" strike="noStrike" spc="-1">
+              <a:rPr kumimoji="0" lang="en-US" sz="1400" b="0" i="0" u="none" strike="noStrike" kern="0" cap="none" spc="-1" normalizeH="0" baseline="0" noProof="0">
+                <a:ln>
+                  <a:noFill/>
+                </a:ln>
                 <a:solidFill>
                   <a:srgbClr val="000000"/>
                 </a:solidFill>
+                <a:effectLst/>
+                <a:uLnTx/>
                 <a:uFill>
                   <a:solidFill>
                     <a:srgbClr val="FFFFFF"/>
@@ -6042,10 +7021,15 @@
               <a:t>Project Email: </a:t>
             </a:r>
             <a:r>
-              <a:rPr lang="en-US" sz="1400" b="0" strike="noStrike" spc="-1">
+              <a:rPr kumimoji="0" lang="en-US" sz="1400" b="0" i="0" u="none" strike="noStrike" kern="0" cap="none" spc="-1" normalizeH="0" baseline="0" noProof="0">
+                <a:ln>
+                  <a:noFill/>
+                </a:ln>
                 <a:solidFill>
                   <a:srgbClr val="00A651"/>
                 </a:solidFill>
+                <a:effectLst/>
+                <a:uLnTx/>
                 <a:uFill>
                   <a:solidFill>
                     <a:srgbClr val="FFFFFF"/>
@@ -6057,10 +7041,15 @@
               <a:t>project@modelwriter.eu</a:t>
             </a:r>
             <a:r>
-              <a:rPr lang="en-US" sz="1400" b="0" strike="noStrike" spc="-1">
+              <a:rPr kumimoji="0" lang="en-US" sz="1400" b="0" i="0" u="none" strike="noStrike" kern="0" cap="none" spc="-1" normalizeH="0" baseline="0" noProof="0">
+                <a:ln>
+                  <a:noFill/>
+                </a:ln>
                 <a:solidFill>
                   <a:srgbClr val="000000"/>
                 </a:solidFill>
+                <a:effectLst/>
+                <a:uLnTx/>
                 <a:uFill>
                   <a:solidFill>
                     <a:srgbClr val="FFFFFF"/>
@@ -6070,10 +7059,15 @@
               </a:rPr>
               <a:t> </a:t>
             </a:r>
-            <a:endParaRPr lang="en-US" sz="2800" b="0" strike="noStrike" spc="-1">
+            <a:endParaRPr kumimoji="0" lang="en-US" sz="2800" b="0" i="0" u="none" strike="noStrike" kern="0" cap="none" spc="-1" normalizeH="0" baseline="0" noProof="0">
+              <a:ln>
+                <a:noFill/>
+              </a:ln>
               <a:solidFill>
                 <a:srgbClr val="000000"/>
               </a:solidFill>
+              <a:effectLst/>
+              <a:uLnTx/>
               <a:uFill>
                 <a:solidFill>
                   <a:srgbClr val="FFFFFF"/>
@@ -6085,6 +7079,11 @@
         </p:txBody>
       </p:sp>
     </p:spTree>
+    <p:extLst>
+      <p:ext uri="{BB962C8B-B14F-4D97-AF65-F5344CB8AC3E}">
+        <p14:creationId xmlns:p14="http://schemas.microsoft.com/office/powerpoint/2010/main" val="3727966636"/>
+      </p:ext>
+    </p:extLst>
   </p:cSld>
   <p:clrMapOvr>
     <a:masterClrMapping/>
@@ -6226,16 +7225,33 @@
           <a:bodyPr anchor="b"/>
           <a:lstStyle/>
           <a:p>
-            <a:pPr>
+            <a:pPr marL="0" marR="0" lvl="0" indent="0" defTabSz="914400" eaLnBrk="1" fontAlgn="auto" latinLnBrk="0" hangingPunct="1">
               <a:lnSpc>
                 <a:spcPct val="100000"/>
               </a:lnSpc>
+              <a:spcBef>
+                <a:spcPts val="0"/>
+              </a:spcBef>
+              <a:spcAft>
+                <a:spcPts val="0"/>
+              </a:spcAft>
+              <a:buClrTx/>
+              <a:buSzTx/>
+              <a:buFontTx/>
+              <a:buNone/>
+              <a:tabLst/>
+              <a:defRPr/>
             </a:pPr>
             <a:r>
-              <a:rPr lang="nl-NL" sz="2800" b="1" strike="noStrike" spc="-1">
+              <a:rPr kumimoji="0" lang="nl-NL" sz="2800" b="1" i="0" u="none" strike="noStrike" kern="0" cap="none" spc="-1" normalizeH="0" baseline="0" noProof="0">
+                <a:ln>
+                  <a:noFill/>
+                </a:ln>
                 <a:solidFill>
                   <a:srgbClr val="00A651"/>
                 </a:solidFill>
+                <a:effectLst/>
+                <a:uLnTx/>
                 <a:uFill>
                   <a:solidFill>
                     <a:srgbClr val="FFFFFF"/>
@@ -6246,10 +7262,15 @@
               <a:t>ModelWriter</a:t>
             </a:r>
             <a:r>
-              <a:rPr lang="nl-NL" sz="2800" b="1" strike="noStrike" spc="-1">
-                <a:solidFill>
-                  <a:srgbClr val="FFFFFF"/>
-                </a:solidFill>
+              <a:rPr kumimoji="0" lang="nl-NL" sz="2800" b="1" i="0" u="none" strike="noStrike" kern="0" cap="none" spc="-1" normalizeH="0" baseline="0" noProof="0">
+                <a:ln>
+                  <a:noFill/>
+                </a:ln>
+                <a:solidFill>
+                  <a:srgbClr val="FFFFFF"/>
+                </a:solidFill>
+                <a:effectLst/>
+                <a:uLnTx/>
                 <a:uFill>
                   <a:solidFill>
                     <a:srgbClr val="FFFFFF"/>
@@ -6261,10 +7282,15 @@
 </a:t>
             </a:r>
             <a:r>
-              <a:rPr lang="nl-NL" sz="2200" b="1" strike="noStrike" spc="-1">
+              <a:rPr kumimoji="0" lang="nl-NL" sz="2200" b="1" i="0" u="none" strike="noStrike" kern="0" cap="none" spc="-1" normalizeH="0" baseline="0" noProof="0">
+                <a:ln>
+                  <a:noFill/>
+                </a:ln>
                 <a:solidFill>
                   <a:srgbClr val="808080"/>
                 </a:solidFill>
+                <a:effectLst/>
+                <a:uLnTx/>
                 <a:uFill>
                   <a:solidFill>
                     <a:srgbClr val="FFFFFF"/>
@@ -6274,10 +7300,15 @@
               </a:rPr>
               <a:t>Text &amp; Model-Synchronized Document Engineering Platform</a:t>
             </a:r>
-            <a:endParaRPr lang="nl-NL" sz="1800" b="0" strike="noStrike" spc="-1">
+            <a:endParaRPr kumimoji="0" lang="nl-NL" sz="1800" b="0" i="0" u="none" strike="noStrike" kern="0" cap="none" spc="-1" normalizeH="0" baseline="0" noProof="0">
+              <a:ln>
+                <a:noFill/>
+              </a:ln>
               <a:solidFill>
                 <a:srgbClr val="000000"/>
               </a:solidFill>
+              <a:effectLst/>
+              <a:uLnTx/>
               <a:uFill>
                 <a:solidFill>
                   <a:srgbClr val="FFFFFF"/>
@@ -6323,16 +7354,33 @@
           <a:bodyPr anchor="b"/>
           <a:lstStyle/>
           <a:p>
-            <a:pPr>
+            <a:pPr marL="0" marR="0" lvl="0" indent="0" defTabSz="914400" eaLnBrk="1" fontAlgn="auto" latinLnBrk="0" hangingPunct="1">
               <a:lnSpc>
                 <a:spcPct val="100000"/>
               </a:lnSpc>
+              <a:spcBef>
+                <a:spcPts val="0"/>
+              </a:spcBef>
+              <a:spcAft>
+                <a:spcPts val="0"/>
+              </a:spcAft>
+              <a:buClrTx/>
+              <a:buSzTx/>
+              <a:buFontTx/>
+              <a:buNone/>
+              <a:tabLst/>
+              <a:defRPr/>
             </a:pPr>
             <a:r>
-              <a:rPr lang="en-US" sz="1400" b="0" strike="noStrike" spc="-1">
+              <a:rPr kumimoji="0" lang="en-US" sz="1400" b="0" i="0" u="none" strike="noStrike" kern="0" cap="none" spc="-1" normalizeH="0" baseline="0" noProof="0">
+                <a:ln>
+                  <a:noFill/>
+                </a:ln>
                 <a:solidFill>
                   <a:srgbClr val="000000"/>
                 </a:solidFill>
+                <a:effectLst/>
+                <a:uLnTx/>
                 <a:uFill>
                   <a:solidFill>
                     <a:srgbClr val="FFFFFF"/>
@@ -6343,10 +7391,15 @@
               <a:t>Project Leader: Ferhat Erata (</a:t>
             </a:r>
             <a:r>
-              <a:rPr lang="en-US" sz="1400" b="0" strike="noStrike" spc="-1">
+              <a:rPr kumimoji="0" lang="en-US" sz="1400" b="0" i="0" u="none" strike="noStrike" kern="0" cap="none" spc="-1" normalizeH="0" baseline="0" noProof="0">
+                <a:ln>
+                  <a:noFill/>
+                </a:ln>
                 <a:solidFill>
                   <a:srgbClr val="00A651"/>
                 </a:solidFill>
+                <a:effectLst/>
+                <a:uLnTx/>
                 <a:uFill>
                   <a:solidFill>
                     <a:srgbClr val="FFFFFF"/>
@@ -6358,10 +7411,15 @@
               <a:t>ferhat@computer.org</a:t>
             </a:r>
             <a:r>
-              <a:rPr lang="en-US" sz="1400" b="0" strike="noStrike" spc="-1">
+              <a:rPr kumimoji="0" lang="en-US" sz="1400" b="0" i="0" u="none" strike="noStrike" kern="0" cap="none" spc="-1" normalizeH="0" baseline="0" noProof="0">
+                <a:ln>
+                  <a:noFill/>
+                </a:ln>
                 <a:solidFill>
                   <a:srgbClr val="000000"/>
                 </a:solidFill>
+                <a:effectLst/>
+                <a:uLnTx/>
                 <a:uFill>
                   <a:solidFill>
                     <a:srgbClr val="FFFFFF"/>
@@ -6371,10 +7429,15 @@
               </a:rPr>
               <a:t>)</a:t>
             </a:r>
-            <a:endParaRPr lang="en-US" sz="2800" b="0" strike="noStrike" spc="-1">
+            <a:endParaRPr kumimoji="0" lang="en-US" sz="2800" b="0" i="0" u="none" strike="noStrike" kern="0" cap="none" spc="-1" normalizeH="0" baseline="0" noProof="0">
+              <a:ln>
+                <a:noFill/>
+              </a:ln>
               <a:solidFill>
                 <a:srgbClr val="000000"/>
               </a:solidFill>
+              <a:effectLst/>
+              <a:uLnTx/>
               <a:uFill>
                 <a:solidFill>
                   <a:srgbClr val="FFFFFF"/>
@@ -6384,16 +7447,33 @@
             </a:endParaRPr>
           </a:p>
           <a:p>
-            <a:pPr>
+            <a:pPr marL="0" marR="0" lvl="0" indent="0" defTabSz="914400" eaLnBrk="1" fontAlgn="auto" latinLnBrk="0" hangingPunct="1">
               <a:lnSpc>
                 <a:spcPct val="100000"/>
               </a:lnSpc>
+              <a:spcBef>
+                <a:spcPts val="0"/>
+              </a:spcBef>
+              <a:spcAft>
+                <a:spcPts val="0"/>
+              </a:spcAft>
+              <a:buClrTx/>
+              <a:buSzTx/>
+              <a:buFontTx/>
+              <a:buNone/>
+              <a:tabLst/>
+              <a:defRPr/>
             </a:pPr>
             <a:r>
-              <a:rPr lang="en-US" sz="1400" b="0" strike="noStrike" spc="-1">
+              <a:rPr kumimoji="0" lang="en-US" sz="1400" b="0" i="0" u="none" strike="noStrike" kern="0" cap="none" spc="-1" normalizeH="0" baseline="0" noProof="0">
+                <a:ln>
+                  <a:noFill/>
+                </a:ln>
                 <a:solidFill>
                   <a:srgbClr val="000000"/>
                 </a:solidFill>
+                <a:effectLst/>
+                <a:uLnTx/>
                 <a:uFill>
                   <a:solidFill>
                     <a:srgbClr val="FFFFFF"/>
@@ -6404,10 +7484,15 @@
               <a:t>Project Email: </a:t>
             </a:r>
             <a:r>
-              <a:rPr lang="en-US" sz="1400" b="0" strike="noStrike" spc="-1">
+              <a:rPr kumimoji="0" lang="en-US" sz="1400" b="0" i="0" u="none" strike="noStrike" kern="0" cap="none" spc="-1" normalizeH="0" baseline="0" noProof="0">
+                <a:ln>
+                  <a:noFill/>
+                </a:ln>
                 <a:solidFill>
                   <a:srgbClr val="00A651"/>
                 </a:solidFill>
+                <a:effectLst/>
+                <a:uLnTx/>
                 <a:uFill>
                   <a:solidFill>
                     <a:srgbClr val="FFFFFF"/>
@@ -6419,10 +7504,15 @@
               <a:t>project@modelwriter.eu</a:t>
             </a:r>
             <a:r>
-              <a:rPr lang="en-US" sz="1400" b="0" strike="noStrike" spc="-1">
+              <a:rPr kumimoji="0" lang="en-US" sz="1400" b="0" i="0" u="none" strike="noStrike" kern="0" cap="none" spc="-1" normalizeH="0" baseline="0" noProof="0">
+                <a:ln>
+                  <a:noFill/>
+                </a:ln>
                 <a:solidFill>
                   <a:srgbClr val="000000"/>
                 </a:solidFill>
+                <a:effectLst/>
+                <a:uLnTx/>
                 <a:uFill>
                   <a:solidFill>
                     <a:srgbClr val="FFFFFF"/>
@@ -6432,10 +7522,15 @@
               </a:rPr>
               <a:t> </a:t>
             </a:r>
-            <a:endParaRPr lang="en-US" sz="2800" b="0" strike="noStrike" spc="-1">
+            <a:endParaRPr kumimoji="0" lang="en-US" sz="2800" b="0" i="0" u="none" strike="noStrike" kern="0" cap="none" spc="-1" normalizeH="0" baseline="0" noProof="0">
+              <a:ln>
+                <a:noFill/>
+              </a:ln>
               <a:solidFill>
                 <a:srgbClr val="000000"/>
               </a:solidFill>
+              <a:effectLst/>
+              <a:uLnTx/>
               <a:uFill>
                 <a:solidFill>
                   <a:srgbClr val="FFFFFF"/>
@@ -6470,6 +7565,11 @@
         </p:spPr>
       </p:pic>
     </p:spTree>
+    <p:extLst>
+      <p:ext uri="{BB962C8B-B14F-4D97-AF65-F5344CB8AC3E}">
+        <p14:creationId xmlns:p14="http://schemas.microsoft.com/office/powerpoint/2010/main" val="2236188807"/>
+      </p:ext>
+    </p:extLst>
   </p:cSld>
   <p:clrMapOvr>
     <a:masterClrMapping/>
@@ -6544,16 +7644,33 @@
           <a:bodyPr anchor="b"/>
           <a:lstStyle/>
           <a:p>
-            <a:pPr>
+            <a:pPr marL="0" marR="0" lvl="0" indent="0" defTabSz="914400" eaLnBrk="1" fontAlgn="auto" latinLnBrk="0" hangingPunct="1">
               <a:lnSpc>
                 <a:spcPct val="100000"/>
               </a:lnSpc>
+              <a:spcBef>
+                <a:spcPts val="0"/>
+              </a:spcBef>
+              <a:spcAft>
+                <a:spcPts val="0"/>
+              </a:spcAft>
+              <a:buClrTx/>
+              <a:buSzTx/>
+              <a:buFontTx/>
+              <a:buNone/>
+              <a:tabLst/>
+              <a:defRPr/>
             </a:pPr>
             <a:r>
-              <a:rPr lang="nl-NL" sz="4200" b="1" strike="noStrike" spc="-1">
-                <a:solidFill>
-                  <a:srgbClr val="FFFFFF"/>
-                </a:solidFill>
+              <a:rPr kumimoji="0" lang="nl-NL" sz="4200" b="1" i="0" u="none" strike="noStrike" kern="0" cap="none" spc="-1" normalizeH="0" baseline="0" noProof="0">
+                <a:ln>
+                  <a:noFill/>
+                </a:ln>
+                <a:solidFill>
+                  <a:srgbClr val="FFFFFF"/>
+                </a:solidFill>
+                <a:effectLst/>
+                <a:uLnTx/>
                 <a:uFill>
                   <a:solidFill>
                     <a:srgbClr val="FFFFFF"/>
@@ -6563,10 +7680,15 @@
               </a:rPr>
               <a:t>1 Introduction</a:t>
             </a:r>
-            <a:endParaRPr lang="nl-NL" sz="1800" b="0" strike="noStrike" spc="-1">
+            <a:endParaRPr kumimoji="0" lang="nl-NL" sz="1800" b="0" i="0" u="none" strike="noStrike" kern="0" cap="none" spc="-1" normalizeH="0" baseline="0" noProof="0">
+              <a:ln>
+                <a:noFill/>
+              </a:ln>
               <a:solidFill>
                 <a:srgbClr val="000000"/>
               </a:solidFill>
+              <a:effectLst/>
+              <a:uLnTx/>
               <a:uFill>
                 <a:solidFill>
                   <a:srgbClr val="FFFFFF"/>
@@ -6612,16 +7734,33 @@
           <a:bodyPr/>
           <a:lstStyle/>
           <a:p>
-            <a:pPr algn="just">
+            <a:pPr marL="0" marR="0" lvl="0" indent="0" algn="just" defTabSz="914400" eaLnBrk="1" fontAlgn="auto" latinLnBrk="0" hangingPunct="1">
               <a:lnSpc>
                 <a:spcPct val="100000"/>
               </a:lnSpc>
+              <a:spcBef>
+                <a:spcPts val="0"/>
+              </a:spcBef>
+              <a:spcAft>
+                <a:spcPts val="0"/>
+              </a:spcAft>
+              <a:buClrTx/>
+              <a:buSzTx/>
+              <a:buFontTx/>
+              <a:buNone/>
+              <a:tabLst/>
+              <a:defRPr/>
             </a:pPr>
             <a:r>
-              <a:rPr lang="en-US" sz="1800" b="1" i="1" strike="noStrike" spc="-1">
-                <a:solidFill>
-                  <a:srgbClr val="FFFFFF"/>
-                </a:solidFill>
+              <a:rPr kumimoji="0" lang="en-US" sz="1800" b="1" i="1" u="none" strike="noStrike" kern="0" cap="none" spc="-1" normalizeH="0" baseline="0" noProof="0">
+                <a:ln>
+                  <a:noFill/>
+                </a:ln>
+                <a:solidFill>
+                  <a:srgbClr val="FFFFFF"/>
+                </a:solidFill>
+                <a:effectLst/>
+                <a:uLnTx/>
                 <a:uFill>
                   <a:solidFill>
                     <a:srgbClr val="FFFFFF"/>
@@ -6631,10 +7770,15 @@
               </a:rPr>
               <a:t>Ferhat Erata</a:t>
             </a:r>
-            <a:endParaRPr lang="en-US" sz="2000" b="0" strike="noStrike" spc="-1">
+            <a:endParaRPr kumimoji="0" lang="en-US" sz="2000" b="0" i="0" u="none" strike="noStrike" kern="0" cap="none" spc="-1" normalizeH="0" baseline="0" noProof="0">
+              <a:ln>
+                <a:noFill/>
+              </a:ln>
               <a:solidFill>
                 <a:srgbClr val="000000"/>
               </a:solidFill>
+              <a:effectLst/>
+              <a:uLnTx/>
               <a:uFill>
                 <a:solidFill>
                   <a:srgbClr val="FFFFFF"/>
@@ -6644,16 +7788,33 @@
             </a:endParaRPr>
           </a:p>
           <a:p>
-            <a:pPr algn="just">
+            <a:pPr marL="0" marR="0" lvl="0" indent="0" algn="just" defTabSz="914400" eaLnBrk="1" fontAlgn="auto" latinLnBrk="0" hangingPunct="1">
               <a:lnSpc>
                 <a:spcPct val="100000"/>
               </a:lnSpc>
+              <a:spcBef>
+                <a:spcPts val="0"/>
+              </a:spcBef>
+              <a:spcAft>
+                <a:spcPts val="0"/>
+              </a:spcAft>
+              <a:buClrTx/>
+              <a:buSzTx/>
+              <a:buFontTx/>
+              <a:buNone/>
+              <a:tabLst/>
+              <a:defRPr/>
             </a:pPr>
             <a:r>
-              <a:rPr lang="en-US" sz="1800" b="1" i="1" strike="noStrike" spc="-1">
-                <a:solidFill>
-                  <a:srgbClr val="FFFFFF"/>
-                </a:solidFill>
+              <a:rPr kumimoji="0" lang="en-US" sz="1800" b="1" i="1" u="none" strike="noStrike" kern="0" cap="none" spc="-1" normalizeH="0" baseline="0" noProof="0">
+                <a:ln>
+                  <a:noFill/>
+                </a:ln>
+                <a:solidFill>
+                  <a:srgbClr val="FFFFFF"/>
+                </a:solidFill>
+                <a:effectLst/>
+                <a:uLnTx/>
                 <a:uFill>
                   <a:solidFill>
                     <a:srgbClr val="FFFFFF"/>
@@ -6663,10 +7824,15 @@
               </a:rPr>
               <a:t>UNIT, ModelWriter Project Leader</a:t>
             </a:r>
-            <a:endParaRPr lang="en-US" sz="2000" b="0" strike="noStrike" spc="-1">
+            <a:endParaRPr kumimoji="0" lang="en-US" sz="2000" b="0" i="0" u="none" strike="noStrike" kern="0" cap="none" spc="-1" normalizeH="0" baseline="0" noProof="0">
+              <a:ln>
+                <a:noFill/>
+              </a:ln>
               <a:solidFill>
                 <a:srgbClr val="000000"/>
               </a:solidFill>
+              <a:effectLst/>
+              <a:uLnTx/>
               <a:uFill>
                 <a:solidFill>
                   <a:srgbClr val="FFFFFF"/>
@@ -6678,6 +7844,11 @@
         </p:txBody>
       </p:sp>
     </p:spTree>
+    <p:extLst>
+      <p:ext uri="{BB962C8B-B14F-4D97-AF65-F5344CB8AC3E}">
+        <p14:creationId xmlns:p14="http://schemas.microsoft.com/office/powerpoint/2010/main" val="216758057"/>
+      </p:ext>
+    </p:extLst>
   </p:cSld>
   <p:clrMapOvr>
     <a:masterClrMapping/>
@@ -6775,16 +7946,33 @@
           <a:bodyPr anchor="b"/>
           <a:lstStyle/>
           <a:p>
-            <a:pPr>
+            <a:pPr marL="0" marR="0" lvl="0" indent="0" defTabSz="914400" eaLnBrk="1" fontAlgn="auto" latinLnBrk="0" hangingPunct="1">
               <a:lnSpc>
                 <a:spcPct val="100000"/>
               </a:lnSpc>
+              <a:spcBef>
+                <a:spcPts val="0"/>
+              </a:spcBef>
+              <a:spcAft>
+                <a:spcPts val="0"/>
+              </a:spcAft>
+              <a:buClrTx/>
+              <a:buSzTx/>
+              <a:buFontTx/>
+              <a:buNone/>
+              <a:tabLst/>
+              <a:defRPr/>
             </a:pPr>
             <a:r>
-              <a:rPr lang="nl-NL" sz="2400" b="1" strike="noStrike" spc="-1">
+              <a:rPr kumimoji="0" lang="nl-NL" sz="2400" b="1" i="0" u="none" strike="noStrike" kern="0" cap="none" spc="-1" normalizeH="0" baseline="0" noProof="0">
+                <a:ln>
+                  <a:noFill/>
+                </a:ln>
                 <a:solidFill>
                   <a:srgbClr val="00A651"/>
                 </a:solidFill>
+                <a:effectLst/>
+                <a:uLnTx/>
                 <a:uFill>
                   <a:solidFill>
                     <a:srgbClr val="FFFFFF"/>
@@ -6795,10 +7983,15 @@
               <a:t>Participants
 ModelWriter #1 Review</a:t>
             </a:r>
-            <a:endParaRPr lang="nl-NL" sz="1800" b="0" strike="noStrike" spc="-1">
+            <a:endParaRPr kumimoji="0" lang="nl-NL" sz="1800" b="0" i="0" u="none" strike="noStrike" kern="0" cap="none" spc="-1" normalizeH="0" baseline="0" noProof="0">
+              <a:ln>
+                <a:noFill/>
+              </a:ln>
               <a:solidFill>
                 <a:srgbClr val="000000"/>
               </a:solidFill>
+              <a:effectLst/>
+              <a:uLnTx/>
               <a:uFill>
                 <a:solidFill>
                   <a:srgbClr val="FFFFFF"/>
@@ -6844,21 +8037,35 @@
           <a:bodyPr/>
           <a:lstStyle/>
           <a:p>
-            <a:pPr marL="343080" indent="-342720">
+            <a:pPr marL="343080" marR="0" lvl="0" indent="-342720" defTabSz="914400" eaLnBrk="1" fontAlgn="auto" latinLnBrk="0" hangingPunct="1">
               <a:lnSpc>
                 <a:spcPct val="100000"/>
               </a:lnSpc>
+              <a:spcBef>
+                <a:spcPts val="0"/>
+              </a:spcBef>
+              <a:spcAft>
+                <a:spcPts val="0"/>
+              </a:spcAft>
               <a:buClr>
                 <a:srgbClr val="000000"/>
               </a:buClr>
+              <a:buSzTx/>
               <a:buFont typeface="Wingdings" charset="2"/>
               <a:buChar char=""/>
+              <a:tabLst/>
+              <a:defRPr/>
             </a:pPr>
             <a:r>
-              <a:rPr lang="en-US" sz="2000" b="0" strike="noStrike" spc="-1">
+              <a:rPr kumimoji="0" lang="en-US" sz="2000" b="0" i="0" u="none" strike="noStrike" kern="0" cap="none" spc="-1" normalizeH="0" baseline="0" noProof="0">
+                <a:ln>
+                  <a:noFill/>
+                </a:ln>
                 <a:solidFill>
                   <a:srgbClr val="000000"/>
                 </a:solidFill>
+                <a:effectLst/>
+                <a:uLnTx/>
                 <a:uFill>
                   <a:solidFill>
                     <a:srgbClr val="FFFFFF"/>
@@ -6868,10 +8075,15 @@
               </a:rPr>
               <a:t>Yvan Lussaud</a:t>
             </a:r>
-            <a:endParaRPr lang="en-US" sz="2200" b="0" strike="noStrike" spc="-1">
+            <a:endParaRPr kumimoji="0" lang="en-US" sz="2200" b="0" i="0" u="none" strike="noStrike" kern="0" cap="none" spc="-1" normalizeH="0" baseline="0" noProof="0">
+              <a:ln>
+                <a:noFill/>
+              </a:ln>
               <a:solidFill>
                 <a:srgbClr val="000000"/>
               </a:solidFill>
+              <a:effectLst/>
+              <a:uLnTx/>
               <a:uFill>
                 <a:solidFill>
                   <a:srgbClr val="FFFFFF"/>
@@ -6881,21 +8093,35 @@
             </a:endParaRPr>
           </a:p>
           <a:p>
-            <a:pPr marL="343080" indent="-342720">
+            <a:pPr marL="343080" marR="0" lvl="0" indent="-342720" defTabSz="914400" eaLnBrk="1" fontAlgn="auto" latinLnBrk="0" hangingPunct="1">
               <a:lnSpc>
                 <a:spcPct val="100000"/>
               </a:lnSpc>
+              <a:spcBef>
+                <a:spcPts val="0"/>
+              </a:spcBef>
+              <a:spcAft>
+                <a:spcPts val="0"/>
+              </a:spcAft>
               <a:buClr>
                 <a:srgbClr val="000000"/>
               </a:buClr>
+              <a:buSzTx/>
               <a:buFont typeface="Wingdings" charset="2"/>
               <a:buChar char=""/>
+              <a:tabLst/>
+              <a:defRPr/>
             </a:pPr>
             <a:r>
-              <a:rPr lang="en-US" sz="2000" b="0" strike="noStrike" spc="-1">
+              <a:rPr kumimoji="0" lang="en-US" sz="2000" b="0" i="0" u="none" strike="noStrike" kern="0" cap="none" spc="-1" normalizeH="0" baseline="0" noProof="0">
+                <a:ln>
+                  <a:noFill/>
+                </a:ln>
                 <a:solidFill>
                   <a:srgbClr val="000000"/>
                 </a:solidFill>
+                <a:effectLst/>
+                <a:uLnTx/>
                 <a:uFill>
                   <a:solidFill>
                     <a:srgbClr val="FFFFFF"/>
@@ -6905,10 +8131,15 @@
               </a:rPr>
               <a:t>Etienne Juliot</a:t>
             </a:r>
-            <a:endParaRPr lang="en-US" sz="2200" b="0" strike="noStrike" spc="-1">
+            <a:endParaRPr kumimoji="0" lang="en-US" sz="2200" b="0" i="0" u="none" strike="noStrike" kern="0" cap="none" spc="-1" normalizeH="0" baseline="0" noProof="0">
+              <a:ln>
+                <a:noFill/>
+              </a:ln>
               <a:solidFill>
                 <a:srgbClr val="000000"/>
               </a:solidFill>
+              <a:effectLst/>
+              <a:uLnTx/>
               <a:uFill>
                 <a:solidFill>
                   <a:srgbClr val="FFFFFF"/>
@@ -6965,16 +8196,33 @@
           <a:bodyPr/>
           <a:lstStyle/>
           <a:p>
-            <a:pPr>
+            <a:pPr marL="0" marR="0" lvl="0" indent="0" defTabSz="914400" eaLnBrk="1" fontAlgn="auto" latinLnBrk="0" hangingPunct="1">
               <a:lnSpc>
                 <a:spcPct val="100000"/>
               </a:lnSpc>
+              <a:spcBef>
+                <a:spcPts val="0"/>
+              </a:spcBef>
+              <a:spcAft>
+                <a:spcPts val="0"/>
+              </a:spcAft>
+              <a:buClrTx/>
+              <a:buSzTx/>
+              <a:buFontTx/>
+              <a:buNone/>
+              <a:tabLst/>
+              <a:defRPr/>
             </a:pPr>
             <a:r>
-              <a:rPr lang="nl-NL" sz="2200" b="0" strike="noStrike" spc="-1">
+              <a:rPr kumimoji="0" lang="nl-NL" sz="2200" b="0" i="0" u="none" strike="noStrike" kern="0" cap="none" spc="-1" normalizeH="0" baseline="0" noProof="0">
+                <a:ln>
+                  <a:noFill/>
+                </a:ln>
                 <a:solidFill>
                   <a:srgbClr val="000000"/>
                 </a:solidFill>
+                <a:effectLst/>
+                <a:uLnTx/>
                 <a:uFill>
                   <a:solidFill>
                     <a:srgbClr val="FFFFFF"/>
@@ -6986,21 +8234,35 @@
             </a:r>
           </a:p>
           <a:p>
-            <a:pPr marL="625320" lvl="1" indent="-264600">
+            <a:pPr marL="625320" marR="0" lvl="1" indent="-264600" defTabSz="914400" eaLnBrk="1" fontAlgn="auto" latinLnBrk="0" hangingPunct="1">
               <a:lnSpc>
                 <a:spcPct val="100000"/>
               </a:lnSpc>
+              <a:spcBef>
+                <a:spcPts val="0"/>
+              </a:spcBef>
+              <a:spcAft>
+                <a:spcPts val="0"/>
+              </a:spcAft>
               <a:buClr>
                 <a:srgbClr val="000000"/>
               </a:buClr>
+              <a:buSzTx/>
               <a:buFont typeface="Wingdings" charset="2"/>
               <a:buChar char=""/>
+              <a:tabLst/>
+              <a:defRPr/>
             </a:pPr>
             <a:r>
-              <a:rPr lang="nl-NL" sz="2000" b="0" strike="noStrike" spc="-1">
+              <a:rPr kumimoji="0" lang="nl-NL" sz="2000" b="0" i="0" u="none" strike="noStrike" kern="0" cap="none" spc="-1" normalizeH="0" baseline="0" noProof="0">
+                <a:ln>
+                  <a:noFill/>
+                </a:ln>
                 <a:solidFill>
                   <a:srgbClr val="000000"/>
                 </a:solidFill>
+                <a:effectLst/>
+                <a:uLnTx/>
                 <a:uFill>
                   <a:solidFill>
                     <a:srgbClr val="FFFFFF"/>
@@ -7010,10 +8272,15 @@
               </a:rPr>
               <a:t>Ferhat Erata</a:t>
             </a:r>
-            <a:endParaRPr lang="nl-NL" sz="1800" b="0" strike="noStrike" spc="-1">
+            <a:endParaRPr kumimoji="0" lang="nl-NL" sz="1800" b="0" i="0" u="none" strike="noStrike" kern="0" cap="none" spc="-1" normalizeH="0" baseline="0" noProof="0">
+              <a:ln>
+                <a:noFill/>
+              </a:ln>
               <a:solidFill>
                 <a:srgbClr val="000000"/>
               </a:solidFill>
+              <a:effectLst/>
+              <a:uLnTx/>
               <a:uFill>
                 <a:solidFill>
                   <a:srgbClr val="FFFFFF"/>
@@ -7023,21 +8290,35 @@
             </a:endParaRPr>
           </a:p>
           <a:p>
-            <a:pPr marL="625320" lvl="1" indent="-264600">
+            <a:pPr marL="625320" marR="0" lvl="1" indent="-264600" defTabSz="914400" eaLnBrk="1" fontAlgn="auto" latinLnBrk="0" hangingPunct="1">
               <a:lnSpc>
                 <a:spcPct val="100000"/>
               </a:lnSpc>
+              <a:spcBef>
+                <a:spcPts val="0"/>
+              </a:spcBef>
+              <a:spcAft>
+                <a:spcPts val="0"/>
+              </a:spcAft>
               <a:buClr>
                 <a:srgbClr val="000000"/>
               </a:buClr>
+              <a:buSzTx/>
               <a:buFont typeface="Wingdings" charset="2"/>
               <a:buChar char=""/>
+              <a:tabLst/>
+              <a:defRPr/>
             </a:pPr>
             <a:r>
-              <a:rPr lang="nl-NL" sz="2000" b="0" strike="noStrike" spc="-1">
+              <a:rPr kumimoji="0" lang="nl-NL" sz="2000" b="0" i="0" u="none" strike="noStrike" kern="0" cap="none" spc="-1" normalizeH="0" baseline="0" noProof="0">
+                <a:ln>
+                  <a:noFill/>
+                </a:ln>
                 <a:solidFill>
                   <a:srgbClr val="000000"/>
                 </a:solidFill>
+                <a:effectLst/>
+                <a:uLnTx/>
                 <a:uFill>
                   <a:solidFill>
                     <a:srgbClr val="FFFFFF"/>
@@ -7047,10 +8328,15 @@
               </a:rPr>
               <a:t>Dr. Moharram Challenger</a:t>
             </a:r>
-            <a:endParaRPr lang="nl-NL" sz="1800" b="0" strike="noStrike" spc="-1">
+            <a:endParaRPr kumimoji="0" lang="nl-NL" sz="1800" b="0" i="0" u="none" strike="noStrike" kern="0" cap="none" spc="-1" normalizeH="0" baseline="0" noProof="0">
+              <a:ln>
+                <a:noFill/>
+              </a:ln>
               <a:solidFill>
                 <a:srgbClr val="000000"/>
               </a:solidFill>
+              <a:effectLst/>
+              <a:uLnTx/>
               <a:uFill>
                 <a:solidFill>
                   <a:srgbClr val="FFFFFF"/>
@@ -7060,21 +8346,35 @@
             </a:endParaRPr>
           </a:p>
           <a:p>
-            <a:pPr marL="625320" lvl="1" indent="-264600">
+            <a:pPr marL="625320" marR="0" lvl="1" indent="-264600" defTabSz="914400" eaLnBrk="1" fontAlgn="auto" latinLnBrk="0" hangingPunct="1">
               <a:lnSpc>
                 <a:spcPct val="100000"/>
               </a:lnSpc>
+              <a:spcBef>
+                <a:spcPts val="0"/>
+              </a:spcBef>
+              <a:spcAft>
+                <a:spcPts val="0"/>
+              </a:spcAft>
               <a:buClr>
                 <a:srgbClr val="000000"/>
               </a:buClr>
+              <a:buSzTx/>
               <a:buFont typeface="Wingdings" charset="2"/>
               <a:buChar char=""/>
+              <a:tabLst/>
+              <a:defRPr/>
             </a:pPr>
             <a:r>
-              <a:rPr lang="nl-NL" sz="2000" b="0" strike="noStrike" spc="-1">
+              <a:rPr kumimoji="0" lang="nl-NL" sz="2000" b="0" i="0" u="none" strike="noStrike" kern="0" cap="none" spc="-1" normalizeH="0" baseline="0" noProof="0">
+                <a:ln>
+                  <a:noFill/>
+                </a:ln>
                 <a:solidFill>
                   <a:srgbClr val="000000"/>
                 </a:solidFill>
+                <a:effectLst/>
+                <a:uLnTx/>
                 <a:uFill>
                   <a:solidFill>
                     <a:srgbClr val="FFFFFF"/>
@@ -7084,10 +8384,15 @@
               </a:rPr>
               <a:t>Hasan Emre Kirmizi</a:t>
             </a:r>
-            <a:endParaRPr lang="nl-NL" sz="1800" b="0" strike="noStrike" spc="-1">
+            <a:endParaRPr kumimoji="0" lang="nl-NL" sz="1800" b="0" i="0" u="none" strike="noStrike" kern="0" cap="none" spc="-1" normalizeH="0" baseline="0" noProof="0">
+              <a:ln>
+                <a:noFill/>
+              </a:ln>
               <a:solidFill>
                 <a:srgbClr val="000000"/>
               </a:solidFill>
+              <a:effectLst/>
+              <a:uLnTx/>
               <a:uFill>
                 <a:solidFill>
                   <a:srgbClr val="FFFFFF"/>
@@ -7097,16 +8402,33 @@
             </a:endParaRPr>
           </a:p>
           <a:p>
-            <a:pPr>
+            <a:pPr marL="0" marR="0" lvl="0" indent="0" defTabSz="914400" eaLnBrk="1" fontAlgn="auto" latinLnBrk="0" hangingPunct="1">
               <a:lnSpc>
                 <a:spcPct val="100000"/>
               </a:lnSpc>
+              <a:spcBef>
+                <a:spcPts val="0"/>
+              </a:spcBef>
+              <a:spcAft>
+                <a:spcPts val="0"/>
+              </a:spcAft>
+              <a:buClrTx/>
+              <a:buSzTx/>
+              <a:buFontTx/>
+              <a:buNone/>
+              <a:tabLst/>
+              <a:defRPr/>
             </a:pPr>
             <a:r>
-              <a:rPr lang="nl-NL" sz="2200" b="0" strike="noStrike" spc="-1">
+              <a:rPr kumimoji="0" lang="nl-NL" sz="2200" b="0" i="0" u="none" strike="noStrike" kern="0" cap="none" spc="-1" normalizeH="0" baseline="0" noProof="0">
+                <a:ln>
+                  <a:noFill/>
+                </a:ln>
                 <a:solidFill>
                   <a:srgbClr val="000000"/>
                 </a:solidFill>
+                <a:effectLst/>
+                <a:uLnTx/>
                 <a:uFill>
                   <a:solidFill>
                     <a:srgbClr val="FFFFFF"/>
@@ -7316,21 +8638,35 @@
           <a:bodyPr/>
           <a:lstStyle/>
           <a:p>
-            <a:pPr marL="625320" lvl="1" indent="-264600">
+            <a:pPr marL="625320" marR="0" lvl="1" indent="-264600" defTabSz="914400" eaLnBrk="1" fontAlgn="auto" latinLnBrk="0" hangingPunct="1">
               <a:lnSpc>
                 <a:spcPct val="100000"/>
               </a:lnSpc>
+              <a:spcBef>
+                <a:spcPts val="0"/>
+              </a:spcBef>
+              <a:spcAft>
+                <a:spcPts val="0"/>
+              </a:spcAft>
               <a:buClr>
                 <a:srgbClr val="000000"/>
               </a:buClr>
+              <a:buSzTx/>
               <a:buFont typeface="Wingdings" charset="2"/>
               <a:buChar char=""/>
+              <a:tabLst/>
+              <a:defRPr/>
             </a:pPr>
             <a:r>
-              <a:rPr lang="en-US" sz="2000" b="0" strike="noStrike" spc="-1">
+              <a:rPr kumimoji="0" lang="en-US" sz="2000" b="0" i="0" u="none" strike="noStrike" kern="0" cap="none" spc="-1" normalizeH="0" baseline="0" noProof="0" dirty="0">
+                <a:ln>
+                  <a:noFill/>
+                </a:ln>
                 <a:solidFill>
                   <a:srgbClr val="000000"/>
                 </a:solidFill>
+                <a:effectLst/>
+                <a:uLnTx/>
                 <a:uFill>
                   <a:solidFill>
                     <a:srgbClr val="FFFFFF"/>
@@ -7340,10 +8676,15 @@
               </a:rPr>
               <a:t>Dr. Claire Gardent</a:t>
             </a:r>
-            <a:endParaRPr lang="en-US" sz="2200" b="0" strike="noStrike" spc="-1">
+            <a:endParaRPr kumimoji="0" lang="en-US" sz="2200" b="0" i="0" u="none" strike="noStrike" kern="0" cap="none" spc="-1" normalizeH="0" baseline="0" noProof="0" dirty="0">
+              <a:ln>
+                <a:noFill/>
+              </a:ln>
               <a:solidFill>
                 <a:srgbClr val="000000"/>
               </a:solidFill>
+              <a:effectLst/>
+              <a:uLnTx/>
               <a:uFill>
                 <a:solidFill>
                   <a:srgbClr val="FFFFFF"/>
@@ -7353,21 +8694,35 @@
             </a:endParaRPr>
           </a:p>
           <a:p>
-            <a:pPr marL="625320" lvl="1" indent="-264600">
+            <a:pPr marL="625320" marR="0" lvl="1" indent="-264600" defTabSz="914400" eaLnBrk="1" fontAlgn="auto" latinLnBrk="0" hangingPunct="1">
               <a:lnSpc>
                 <a:spcPct val="100000"/>
               </a:lnSpc>
+              <a:spcBef>
+                <a:spcPts val="0"/>
+              </a:spcBef>
+              <a:spcAft>
+                <a:spcPts val="0"/>
+              </a:spcAft>
               <a:buClr>
                 <a:srgbClr val="000000"/>
               </a:buClr>
+              <a:buSzTx/>
               <a:buFont typeface="Wingdings" charset="2"/>
               <a:buChar char=""/>
+              <a:tabLst/>
+              <a:defRPr/>
             </a:pPr>
             <a:r>
-              <a:rPr lang="en-US" sz="2000" b="0" strike="noStrike" spc="-1">
+              <a:rPr kumimoji="0" lang="en-US" sz="2000" b="0" i="0" u="none" strike="noStrike" kern="0" cap="none" spc="-1" normalizeH="0" baseline="0" noProof="0" dirty="0">
+                <a:ln>
+                  <a:noFill/>
+                </a:ln>
                 <a:solidFill>
                   <a:srgbClr val="000000"/>
                 </a:solidFill>
+                <a:effectLst/>
+                <a:uLnTx/>
                 <a:uFill>
                   <a:solidFill>
                     <a:srgbClr val="FFFFFF"/>
@@ -7377,10 +8732,15 @@
               </a:rPr>
               <a:t>Dr. Samuel Cruz-Lara</a:t>
             </a:r>
-            <a:endParaRPr lang="en-US" sz="2200" b="0" strike="noStrike" spc="-1">
+            <a:endParaRPr kumimoji="0" lang="en-US" sz="2200" b="0" i="0" u="none" strike="noStrike" kern="0" cap="none" spc="-1" normalizeH="0" baseline="0" noProof="0" dirty="0">
+              <a:ln>
+                <a:noFill/>
+              </a:ln>
               <a:solidFill>
                 <a:srgbClr val="000000"/>
               </a:solidFill>
+              <a:effectLst/>
+              <a:uLnTx/>
               <a:uFill>
                 <a:solidFill>
                   <a:srgbClr val="FFFFFF"/>
@@ -7390,21 +8750,35 @@
             </a:endParaRPr>
           </a:p>
           <a:p>
-            <a:pPr marL="625320" lvl="1" indent="-264600">
+            <a:pPr marL="625320" marR="0" lvl="1" indent="-264600" defTabSz="914400" eaLnBrk="1" fontAlgn="auto" latinLnBrk="0" hangingPunct="1">
               <a:lnSpc>
                 <a:spcPct val="100000"/>
               </a:lnSpc>
+              <a:spcBef>
+                <a:spcPts val="0"/>
+              </a:spcBef>
+              <a:spcAft>
+                <a:spcPts val="0"/>
+              </a:spcAft>
               <a:buClr>
                 <a:srgbClr val="000000"/>
               </a:buClr>
+              <a:buSzTx/>
               <a:buFont typeface="Wingdings" charset="2"/>
               <a:buChar char=""/>
+              <a:tabLst/>
+              <a:defRPr/>
             </a:pPr>
             <a:r>
-              <a:rPr lang="en-US" sz="2000" b="0" strike="noStrike" spc="-1">
+              <a:rPr kumimoji="0" lang="en-US" sz="2000" b="0" i="0" u="none" strike="noStrike" kern="0" cap="none" spc="-1" normalizeH="0" baseline="0" noProof="0" dirty="0">
+                <a:ln>
+                  <a:noFill/>
+                </a:ln>
                 <a:solidFill>
                   <a:srgbClr val="000000"/>
                 </a:solidFill>
+                <a:effectLst/>
+                <a:uLnTx/>
                 <a:uFill>
                   <a:solidFill>
                     <a:srgbClr val="FFFFFF"/>
@@ -7412,36 +8786,18 @@
                 </a:uFill>
                 <a:latin typeface="Arial"/>
               </a:rPr>
-              <a:t>Bikash Gyawali</a:t>
-            </a:r>
-            <a:endParaRPr lang="en-US" sz="2200" b="0" strike="noStrike" spc="-1">
-              <a:solidFill>
-                <a:srgbClr val="000000"/>
-              </a:solidFill>
-              <a:uFill>
-                <a:solidFill>
-                  <a:srgbClr val="FFFFFF"/>
-                </a:solidFill>
-              </a:uFill>
-              <a:latin typeface="Arial"/>
-            </a:endParaRPr>
-          </a:p>
-          <a:p>
-            <a:pPr marL="625320" lvl="1" indent="-264600">
-              <a:lnSpc>
-                <a:spcPct val="100000"/>
-              </a:lnSpc>
-              <a:buClr>
-                <a:srgbClr val="000000"/>
-              </a:buClr>
-              <a:buFont typeface="Wingdings" charset="2"/>
-              <a:buChar char=""/>
-            </a:pPr>
-            <a:r>
-              <a:rPr lang="en-US" sz="2000" b="0" strike="noStrike" spc="-1">
+              <a:t>Dr. </a:t>
+            </a:r>
+            <a:r>
+              <a:rPr kumimoji="0" lang="en-US" sz="2000" b="0" i="0" u="none" strike="noStrike" kern="0" cap="none" spc="-1" normalizeH="0" baseline="0" noProof="0" dirty="0" err="1">
+                <a:ln>
+                  <a:noFill/>
+                </a:ln>
                 <a:solidFill>
                   <a:srgbClr val="000000"/>
                 </a:solidFill>
+                <a:effectLst/>
+                <a:uLnTx/>
                 <a:uFill>
                   <a:solidFill>
                     <a:srgbClr val="FFFFFF"/>
@@ -7449,12 +8805,130 @@
                 </a:uFill>
                 <a:latin typeface="Arial"/>
               </a:rPr>
-              <a:t>Anastasia Shimorina</a:t>
-            </a:r>
-            <a:endParaRPr lang="en-US" sz="2200" b="0" strike="noStrike" spc="-1">
+              <a:t>Bikash</a:t>
+            </a:r>
+            <a:r>
+              <a:rPr kumimoji="0" lang="en-US" sz="2000" b="0" i="0" u="none" strike="noStrike" kern="0" cap="none" spc="-1" normalizeH="0" baseline="0" noProof="0" dirty="0">
+                <a:ln>
+                  <a:noFill/>
+                </a:ln>
+                <a:solidFill>
+                  <a:srgbClr val="000000"/>
+                </a:solidFill>
+                <a:effectLst/>
+                <a:uLnTx/>
+                <a:uFill>
+                  <a:solidFill>
+                    <a:srgbClr val="FFFFFF"/>
+                  </a:solidFill>
+                </a:uFill>
+                <a:latin typeface="Arial"/>
+              </a:rPr>
+              <a:t> </a:t>
+            </a:r>
+            <a:r>
+              <a:rPr kumimoji="0" lang="en-US" sz="2000" b="0" i="0" u="none" strike="noStrike" kern="0" cap="none" spc="-1" normalizeH="0" baseline="0" noProof="0" dirty="0" err="1">
+                <a:ln>
+                  <a:noFill/>
+                </a:ln>
+                <a:solidFill>
+                  <a:srgbClr val="000000"/>
+                </a:solidFill>
+                <a:effectLst/>
+                <a:uLnTx/>
+                <a:uFill>
+                  <a:solidFill>
+                    <a:srgbClr val="FFFFFF"/>
+                  </a:solidFill>
+                </a:uFill>
+                <a:latin typeface="Arial"/>
+              </a:rPr>
+              <a:t>Gyawali</a:t>
+            </a:r>
+            <a:endParaRPr kumimoji="0" lang="en-US" sz="2200" b="0" i="0" u="none" strike="noStrike" kern="0" cap="none" spc="-1" normalizeH="0" baseline="0" noProof="0" dirty="0">
+              <a:ln>
+                <a:noFill/>
+              </a:ln>
               <a:solidFill>
                 <a:srgbClr val="000000"/>
               </a:solidFill>
+              <a:effectLst/>
+              <a:uLnTx/>
+              <a:uFill>
+                <a:solidFill>
+                  <a:srgbClr val="FFFFFF"/>
+                </a:solidFill>
+              </a:uFill>
+              <a:latin typeface="Arial"/>
+            </a:endParaRPr>
+          </a:p>
+          <a:p>
+            <a:pPr marL="625320" marR="0" lvl="1" indent="-264600" defTabSz="914400" eaLnBrk="1" fontAlgn="auto" latinLnBrk="0" hangingPunct="1">
+              <a:lnSpc>
+                <a:spcPct val="100000"/>
+              </a:lnSpc>
+              <a:spcBef>
+                <a:spcPts val="0"/>
+              </a:spcBef>
+              <a:spcAft>
+                <a:spcPts val="0"/>
+              </a:spcAft>
+              <a:buClr>
+                <a:srgbClr val="000000"/>
+              </a:buClr>
+              <a:buSzTx/>
+              <a:buFont typeface="Wingdings" charset="2"/>
+              <a:buChar char=""/>
+              <a:tabLst/>
+              <a:defRPr/>
+            </a:pPr>
+            <a:r>
+              <a:rPr kumimoji="0" lang="en-US" sz="2000" b="0" i="0" u="none" strike="noStrike" kern="0" cap="none" spc="-1" normalizeH="0" baseline="0" noProof="0" dirty="0">
+                <a:ln>
+                  <a:noFill/>
+                </a:ln>
+                <a:solidFill>
+                  <a:srgbClr val="000000"/>
+                </a:solidFill>
+                <a:effectLst/>
+                <a:uLnTx/>
+                <a:uFill>
+                  <a:solidFill>
+                    <a:srgbClr val="FFFFFF"/>
+                  </a:solidFill>
+                </a:uFill>
+                <a:latin typeface="Arial"/>
+              </a:rPr>
+              <a:t>Anastasia </a:t>
+            </a:r>
+            <a:r>
+              <a:rPr kumimoji="0" lang="en-US" sz="2000" b="0" i="0" u="none" strike="noStrike" kern="0" cap="none" spc="-1" normalizeH="0" baseline="0" noProof="0" dirty="0" err="1">
+                <a:ln>
+                  <a:noFill/>
+                </a:ln>
+                <a:solidFill>
+                  <a:srgbClr val="000000"/>
+                </a:solidFill>
+                <a:effectLst/>
+                <a:uLnTx/>
+                <a:uFill>
+                  <a:solidFill>
+                    <a:srgbClr val="FFFFFF"/>
+                  </a:solidFill>
+                </a:uFill>
+                <a:latin typeface="Arial"/>
+              </a:rPr>
+              <a:t>Shimorina</a:t>
+            </a:r>
+            <a:endParaRPr kumimoji="0" lang="en-US" sz="2200" b="0" i="0" u="none" strike="noStrike" kern="0" cap="none" spc="-1" normalizeH="0" baseline="0" noProof="0" dirty="0">
+              <a:ln>
+                <a:noFill/>
+              </a:ln>
+              <a:solidFill>
+                <a:srgbClr val="000000"/>
+              </a:solidFill>
+              <a:effectLst/>
+              <a:uLnTx/>
               <a:uFill>
                 <a:solidFill>
                   <a:srgbClr val="FFFFFF"/>
@@ -7500,21 +8974,35 @@
           <a:bodyPr/>
           <a:lstStyle/>
           <a:p>
-            <a:pPr marL="625320" lvl="1" indent="-264600">
+            <a:pPr marL="625320" marR="0" lvl="1" indent="-264600" defTabSz="914400" eaLnBrk="1" fontAlgn="auto" latinLnBrk="0" hangingPunct="1">
               <a:lnSpc>
                 <a:spcPct val="100000"/>
               </a:lnSpc>
+              <a:spcBef>
+                <a:spcPts val="0"/>
+              </a:spcBef>
+              <a:spcAft>
+                <a:spcPts val="0"/>
+              </a:spcAft>
               <a:buClr>
                 <a:srgbClr val="000000"/>
               </a:buClr>
+              <a:buSzTx/>
               <a:buFont typeface="Wingdings" charset="2"/>
               <a:buChar char=""/>
+              <a:tabLst/>
+              <a:defRPr/>
             </a:pPr>
             <a:r>
-              <a:rPr lang="en-US" sz="2000" b="0" strike="noStrike" spc="-1">
+              <a:rPr kumimoji="0" lang="en-US" sz="2000" b="0" i="0" u="none" strike="noStrike" kern="0" cap="none" spc="-1" normalizeH="0" baseline="0" noProof="0">
+                <a:ln>
+                  <a:noFill/>
+                </a:ln>
                 <a:solidFill>
                   <a:srgbClr val="000000"/>
                 </a:solidFill>
+                <a:effectLst/>
+                <a:uLnTx/>
                 <a:uFill>
                   <a:solidFill>
                     <a:srgbClr val="FFFFFF"/>
@@ -7524,10 +9012,15 @@
               </a:rPr>
               <a:t>Dr. Anne Monceaux</a:t>
             </a:r>
-            <a:endParaRPr lang="en-US" sz="2200" b="0" strike="noStrike" spc="-1">
+            <a:endParaRPr kumimoji="0" lang="en-US" sz="2200" b="0" i="0" u="none" strike="noStrike" kern="0" cap="none" spc="-1" normalizeH="0" baseline="0" noProof="0">
+              <a:ln>
+                <a:noFill/>
+              </a:ln>
               <a:solidFill>
                 <a:srgbClr val="000000"/>
               </a:solidFill>
+              <a:effectLst/>
+              <a:uLnTx/>
               <a:uFill>
                 <a:solidFill>
                   <a:srgbClr val="FFFFFF"/>
@@ -7573,21 +9066,35 @@
           <a:bodyPr/>
           <a:lstStyle/>
           <a:p>
-            <a:pPr marL="343080" indent="-342720">
+            <a:pPr marL="343080" marR="0" lvl="0" indent="-342720" defTabSz="914400" eaLnBrk="1" fontAlgn="auto" latinLnBrk="0" hangingPunct="1">
               <a:lnSpc>
                 <a:spcPct val="100000"/>
               </a:lnSpc>
+              <a:spcBef>
+                <a:spcPts val="0"/>
+              </a:spcBef>
+              <a:spcAft>
+                <a:spcPts val="0"/>
+              </a:spcAft>
               <a:buClr>
                 <a:srgbClr val="000000"/>
               </a:buClr>
+              <a:buSzTx/>
               <a:buFont typeface="Wingdings" charset="2"/>
               <a:buChar char=""/>
+              <a:tabLst/>
+              <a:defRPr/>
             </a:pPr>
             <a:r>
-              <a:rPr lang="en-US" sz="2000" b="0" strike="noStrike" spc="-1">
+              <a:rPr kumimoji="0" lang="en-US" sz="2000" b="0" i="0" u="none" strike="noStrike" kern="0" cap="none" spc="-1" normalizeH="0" baseline="0" noProof="0">
+                <a:ln>
+                  <a:noFill/>
+                </a:ln>
                 <a:solidFill>
                   <a:srgbClr val="000000"/>
                 </a:solidFill>
+                <a:effectLst/>
+                <a:uLnTx/>
                 <a:uFill>
                   <a:solidFill>
                     <a:srgbClr val="FFFFFF"/>
@@ -7597,10 +9104,15 @@
               </a:rPr>
               <a:t>Dr. Geylani Kardas</a:t>
             </a:r>
-            <a:endParaRPr lang="en-US" sz="2200" b="0" strike="noStrike" spc="-1">
+            <a:endParaRPr kumimoji="0" lang="en-US" sz="2200" b="0" i="0" u="none" strike="noStrike" kern="0" cap="none" spc="-1" normalizeH="0" baseline="0" noProof="0">
+              <a:ln>
+                <a:noFill/>
+              </a:ln>
               <a:solidFill>
                 <a:srgbClr val="000000"/>
               </a:solidFill>
+              <a:effectLst/>
+              <a:uLnTx/>
               <a:uFill>
                 <a:solidFill>
                   <a:srgbClr val="FFFFFF"/>
@@ -7610,21 +9122,35 @@
             </a:endParaRPr>
           </a:p>
           <a:p>
-            <a:pPr marL="343080" indent="-342720">
+            <a:pPr marL="343080" marR="0" lvl="0" indent="-342720" defTabSz="914400" eaLnBrk="1" fontAlgn="auto" latinLnBrk="0" hangingPunct="1">
               <a:lnSpc>
                 <a:spcPct val="100000"/>
               </a:lnSpc>
+              <a:spcBef>
+                <a:spcPts val="0"/>
+              </a:spcBef>
+              <a:spcAft>
+                <a:spcPts val="0"/>
+              </a:spcAft>
               <a:buClr>
                 <a:srgbClr val="000000"/>
               </a:buClr>
+              <a:buSzTx/>
               <a:buFont typeface="Wingdings" charset="2"/>
               <a:buChar char=""/>
+              <a:tabLst/>
+              <a:defRPr/>
             </a:pPr>
             <a:r>
-              <a:rPr lang="en-US" sz="2000" b="0" strike="noStrike" spc="-1">
+              <a:rPr kumimoji="0" lang="en-US" sz="2000" b="0" i="0" u="none" strike="noStrike" kern="0" cap="none" spc="-1" normalizeH="0" baseline="0" noProof="0">
+                <a:ln>
+                  <a:noFill/>
+                </a:ln>
                 <a:solidFill>
                   <a:srgbClr val="000000"/>
                 </a:solidFill>
+                <a:effectLst/>
+                <a:uLnTx/>
                 <a:uFill>
                   <a:solidFill>
                     <a:srgbClr val="FFFFFF"/>
@@ -7634,10 +9160,15 @@
               </a:rPr>
               <a:t>Mehmet Onat</a:t>
             </a:r>
-            <a:endParaRPr lang="en-US" sz="2200" b="0" strike="noStrike" spc="-1">
+            <a:endParaRPr kumimoji="0" lang="en-US" sz="2200" b="0" i="0" u="none" strike="noStrike" kern="0" cap="none" spc="-1" normalizeH="0" baseline="0" noProof="0">
+              <a:ln>
+                <a:noFill/>
+              </a:ln>
               <a:solidFill>
                 <a:srgbClr val="000000"/>
               </a:solidFill>
+              <a:effectLst/>
+              <a:uLnTx/>
               <a:uFill>
                 <a:solidFill>
                   <a:srgbClr val="FFFFFF"/>
@@ -7647,21 +9178,35 @@
             </a:endParaRPr>
           </a:p>
           <a:p>
-            <a:pPr marL="343080" indent="-342720">
+            <a:pPr marL="343080" marR="0" lvl="0" indent="-342720" defTabSz="914400" eaLnBrk="1" fontAlgn="auto" latinLnBrk="0" hangingPunct="1">
               <a:lnSpc>
                 <a:spcPct val="100000"/>
               </a:lnSpc>
+              <a:spcBef>
+                <a:spcPts val="0"/>
+              </a:spcBef>
+              <a:spcAft>
+                <a:spcPts val="0"/>
+              </a:spcAft>
               <a:buClr>
                 <a:srgbClr val="000000"/>
               </a:buClr>
+              <a:buSzTx/>
               <a:buFont typeface="Wingdings" charset="2"/>
               <a:buChar char=""/>
+              <a:tabLst/>
+              <a:defRPr/>
             </a:pPr>
             <a:r>
-              <a:rPr lang="en-US" sz="2000" b="0" strike="noStrike" spc="-1">
+              <a:rPr kumimoji="0" lang="en-US" sz="2000" b="0" i="0" u="none" strike="noStrike" kern="0" cap="none" spc="-1" normalizeH="0" baseline="0" noProof="0">
+                <a:ln>
+                  <a:noFill/>
+                </a:ln>
                 <a:solidFill>
                   <a:srgbClr val="000000"/>
                 </a:solidFill>
+                <a:effectLst/>
+                <a:uLnTx/>
                 <a:uFill>
                   <a:solidFill>
                     <a:srgbClr val="FFFFFF"/>
@@ -7671,10 +9216,15 @@
               </a:rPr>
               <a:t>Hale Gezgen</a:t>
             </a:r>
-            <a:endParaRPr lang="en-US" sz="2200" b="0" strike="noStrike" spc="-1">
+            <a:endParaRPr kumimoji="0" lang="en-US" sz="2200" b="0" i="0" u="none" strike="noStrike" kern="0" cap="none" spc="-1" normalizeH="0" baseline="0" noProof="0">
+              <a:ln>
+                <a:noFill/>
+              </a:ln>
               <a:solidFill>
                 <a:srgbClr val="000000"/>
               </a:solidFill>
+              <a:effectLst/>
+              <a:uLnTx/>
               <a:uFill>
                 <a:solidFill>
                   <a:srgbClr val="FFFFFF"/>
@@ -7720,21 +9270,35 @@
           <a:bodyPr/>
           <a:lstStyle/>
           <a:p>
-            <a:pPr marL="343080" indent="-342720">
+            <a:pPr marL="343080" marR="0" lvl="0" indent="-342720" defTabSz="914400" eaLnBrk="1" fontAlgn="auto" latinLnBrk="0" hangingPunct="1">
               <a:lnSpc>
                 <a:spcPct val="100000"/>
               </a:lnSpc>
+              <a:spcBef>
+                <a:spcPts val="0"/>
+              </a:spcBef>
+              <a:spcAft>
+                <a:spcPts val="0"/>
+              </a:spcAft>
               <a:buClr>
                 <a:srgbClr val="000000"/>
               </a:buClr>
+              <a:buSzTx/>
               <a:buFont typeface="Wingdings" charset="2"/>
               <a:buChar char=""/>
+              <a:tabLst/>
+              <a:defRPr/>
             </a:pPr>
             <a:r>
-              <a:rPr lang="en-US" sz="2000" b="0" strike="noStrike" spc="-1">
+              <a:rPr kumimoji="0" lang="en-US" sz="2000" b="0" i="0" u="none" strike="noStrike" kern="0" cap="none" spc="-1" normalizeH="0" baseline="0" noProof="0">
+                <a:ln>
+                  <a:noFill/>
+                </a:ln>
                 <a:solidFill>
                   <a:srgbClr val="000000"/>
                 </a:solidFill>
+                <a:effectLst/>
+                <a:uLnTx/>
                 <a:uFill>
                   <a:solidFill>
                     <a:srgbClr val="FFFFFF"/>
@@ -7744,10 +9308,15 @@
               </a:rPr>
               <a:t>Dr. Guven Köse</a:t>
             </a:r>
-            <a:endParaRPr lang="en-US" sz="2200" b="0" strike="noStrike" spc="-1">
+            <a:endParaRPr kumimoji="0" lang="en-US" sz="2200" b="0" i="0" u="none" strike="noStrike" kern="0" cap="none" spc="-1" normalizeH="0" baseline="0" noProof="0">
+              <a:ln>
+                <a:noFill/>
+              </a:ln>
               <a:solidFill>
                 <a:srgbClr val="000000"/>
               </a:solidFill>
+              <a:effectLst/>
+              <a:uLnTx/>
               <a:uFill>
                 <a:solidFill>
                   <a:srgbClr val="FFFFFF"/>
@@ -7757,21 +9326,35 @@
             </a:endParaRPr>
           </a:p>
           <a:p>
-            <a:pPr marL="343080" indent="-342720">
+            <a:pPr marL="343080" marR="0" lvl="0" indent="-342720" defTabSz="914400" eaLnBrk="1" fontAlgn="auto" latinLnBrk="0" hangingPunct="1">
               <a:lnSpc>
                 <a:spcPct val="100000"/>
               </a:lnSpc>
+              <a:spcBef>
+                <a:spcPts val="0"/>
+              </a:spcBef>
+              <a:spcAft>
+                <a:spcPts val="0"/>
+              </a:spcAft>
               <a:buClr>
                 <a:srgbClr val="000000"/>
               </a:buClr>
+              <a:buSzTx/>
               <a:buFont typeface="Wingdings" charset="2"/>
               <a:buChar char=""/>
+              <a:tabLst/>
+              <a:defRPr/>
             </a:pPr>
             <a:r>
-              <a:rPr lang="en-US" sz="2000" b="0" strike="noStrike" spc="-1">
+              <a:rPr kumimoji="0" lang="en-US" sz="2000" b="0" i="0" u="none" strike="noStrike" kern="0" cap="none" spc="-1" normalizeH="0" baseline="0" noProof="0">
+                <a:ln>
+                  <a:noFill/>
+                </a:ln>
                 <a:solidFill>
                   <a:srgbClr val="000000"/>
                 </a:solidFill>
+                <a:effectLst/>
+                <a:uLnTx/>
                 <a:uFill>
                   <a:solidFill>
                     <a:srgbClr val="FFFFFF"/>
@@ -7781,10 +9364,15 @@
               </a:rPr>
               <a:t>Omurhan Soysal</a:t>
             </a:r>
-            <a:endParaRPr lang="en-US" sz="2200" b="0" strike="noStrike" spc="-1">
+            <a:endParaRPr kumimoji="0" lang="en-US" sz="2200" b="0" i="0" u="none" strike="noStrike" kern="0" cap="none" spc="-1" normalizeH="0" baseline="0" noProof="0">
+              <a:ln>
+                <a:noFill/>
+              </a:ln>
               <a:solidFill>
                 <a:srgbClr val="000000"/>
               </a:solidFill>
+              <a:effectLst/>
+              <a:uLnTx/>
               <a:uFill>
                 <a:solidFill>
                   <a:srgbClr val="FFFFFF"/>
@@ -7794,21 +9382,35 @@
             </a:endParaRPr>
           </a:p>
           <a:p>
-            <a:pPr marL="343080" indent="-342720">
+            <a:pPr marL="343080" marR="0" lvl="0" indent="-342720" defTabSz="914400" eaLnBrk="1" fontAlgn="auto" latinLnBrk="0" hangingPunct="1">
               <a:lnSpc>
                 <a:spcPct val="100000"/>
               </a:lnSpc>
+              <a:spcBef>
+                <a:spcPts val="0"/>
+              </a:spcBef>
+              <a:spcAft>
+                <a:spcPts val="0"/>
+              </a:spcAft>
               <a:buClr>
                 <a:srgbClr val="000000"/>
               </a:buClr>
+              <a:buSzTx/>
               <a:buFont typeface="Wingdings" charset="2"/>
               <a:buChar char=""/>
+              <a:tabLst/>
+              <a:defRPr/>
             </a:pPr>
             <a:r>
-              <a:rPr lang="en-US" sz="2000" b="0" strike="noStrike" spc="-1">
+              <a:rPr kumimoji="0" lang="en-US" sz="2000" b="0" i="0" u="none" strike="noStrike" kern="0" cap="none" spc="-1" normalizeH="0" baseline="0" noProof="0">
+                <a:ln>
+                  <a:noFill/>
+                </a:ln>
                 <a:solidFill>
                   <a:srgbClr val="000000"/>
                 </a:solidFill>
+                <a:effectLst/>
+                <a:uLnTx/>
                 <a:uFill>
                   <a:solidFill>
                     <a:srgbClr val="FFFFFF"/>
@@ -7818,10 +9420,15 @@
               </a:rPr>
               <a:t>Aydin Can Polatkan</a:t>
             </a:r>
-            <a:endParaRPr lang="en-US" sz="2200" b="0" strike="noStrike" spc="-1">
+            <a:endParaRPr kumimoji="0" lang="en-US" sz="2200" b="0" i="0" u="none" strike="noStrike" kern="0" cap="none" spc="-1" normalizeH="0" baseline="0" noProof="0">
+              <a:ln>
+                <a:noFill/>
+              </a:ln>
               <a:solidFill>
                 <a:srgbClr val="000000"/>
               </a:solidFill>
+              <a:effectLst/>
+              <a:uLnTx/>
               <a:uFill>
                 <a:solidFill>
                   <a:srgbClr val="FFFFFF"/>
@@ -7867,21 +9474,35 @@
           <a:bodyPr/>
           <a:lstStyle/>
           <a:p>
-            <a:pPr marL="343080" indent="-342720">
+            <a:pPr marL="343080" marR="0" lvl="0" indent="-342720" defTabSz="914400" eaLnBrk="1" fontAlgn="auto" latinLnBrk="0" hangingPunct="1">
               <a:lnSpc>
                 <a:spcPct val="100000"/>
               </a:lnSpc>
+              <a:spcBef>
+                <a:spcPts val="0"/>
+              </a:spcBef>
+              <a:spcAft>
+                <a:spcPts val="0"/>
+              </a:spcAft>
               <a:buClr>
                 <a:srgbClr val="000000"/>
               </a:buClr>
+              <a:buSzTx/>
               <a:buFont typeface="Wingdings" charset="2"/>
               <a:buChar char=""/>
+              <a:tabLst/>
+              <a:defRPr/>
             </a:pPr>
             <a:r>
-              <a:rPr lang="en-US" sz="2000" b="0" strike="noStrike" spc="-1">
+              <a:rPr kumimoji="0" lang="en-US" sz="2000" b="0" i="0" u="none" strike="noStrike" kern="0" cap="none" spc="-1" normalizeH="0" baseline="0" noProof="0">
+                <a:ln>
+                  <a:noFill/>
+                </a:ln>
                 <a:solidFill>
                   <a:srgbClr val="000000"/>
                 </a:solidFill>
+                <a:effectLst/>
+                <a:uLnTx/>
                 <a:uFill>
                   <a:solidFill>
                     <a:srgbClr val="FFFFFF"/>
@@ -7891,10 +9512,15 @@
               </a:rPr>
               <a:t>Ersan Gürdoğan</a:t>
             </a:r>
-            <a:endParaRPr lang="en-US" sz="2200" b="0" strike="noStrike" spc="-1">
+            <a:endParaRPr kumimoji="0" lang="en-US" sz="2200" b="0" i="0" u="none" strike="noStrike" kern="0" cap="none" spc="-1" normalizeH="0" baseline="0" noProof="0">
+              <a:ln>
+                <a:noFill/>
+              </a:ln>
               <a:solidFill>
                 <a:srgbClr val="000000"/>
               </a:solidFill>
+              <a:effectLst/>
+              <a:uLnTx/>
               <a:uFill>
                 <a:solidFill>
                   <a:srgbClr val="FFFFFF"/>
@@ -7904,21 +9530,35 @@
             </a:endParaRPr>
           </a:p>
           <a:p>
-            <a:pPr marL="343080" indent="-342720">
+            <a:pPr marL="343080" marR="0" lvl="0" indent="-342720" defTabSz="914400" eaLnBrk="1" fontAlgn="auto" latinLnBrk="0" hangingPunct="1">
               <a:lnSpc>
                 <a:spcPct val="100000"/>
               </a:lnSpc>
+              <a:spcBef>
+                <a:spcPts val="0"/>
+              </a:spcBef>
+              <a:spcAft>
+                <a:spcPts val="0"/>
+              </a:spcAft>
               <a:buClr>
                 <a:srgbClr val="000000"/>
               </a:buClr>
+              <a:buSzTx/>
               <a:buFont typeface="Wingdings" charset="2"/>
               <a:buChar char=""/>
+              <a:tabLst/>
+              <a:defRPr/>
             </a:pPr>
             <a:r>
-              <a:rPr lang="en-US" sz="2000" b="0" strike="noStrike" spc="-1">
+              <a:rPr kumimoji="0" lang="en-US" sz="2000" b="0" i="0" u="none" strike="noStrike" kern="0" cap="none" spc="-1" normalizeH="0" baseline="0" noProof="0">
+                <a:ln>
+                  <a:noFill/>
+                </a:ln>
                 <a:solidFill>
                   <a:srgbClr val="000000"/>
                 </a:solidFill>
+                <a:effectLst/>
+                <a:uLnTx/>
                 <a:uFill>
                   <a:solidFill>
                     <a:srgbClr val="FFFFFF"/>
@@ -7928,10 +9568,15 @@
               </a:rPr>
               <a:t>Taskin Kızıl</a:t>
             </a:r>
-            <a:endParaRPr lang="en-US" sz="2200" b="0" strike="noStrike" spc="-1">
+            <a:endParaRPr kumimoji="0" lang="en-US" sz="2200" b="0" i="0" u="none" strike="noStrike" kern="0" cap="none" spc="-1" normalizeH="0" baseline="0" noProof="0">
+              <a:ln>
+                <a:noFill/>
+              </a:ln>
               <a:solidFill>
                 <a:srgbClr val="000000"/>
               </a:solidFill>
+              <a:effectLst/>
+              <a:uLnTx/>
               <a:uFill>
                 <a:solidFill>
                   <a:srgbClr val="FFFFFF"/>
@@ -7941,21 +9586,35 @@
             </a:endParaRPr>
           </a:p>
           <a:p>
-            <a:pPr marL="343080" indent="-342720">
+            <a:pPr marL="343080" marR="0" lvl="0" indent="-342720" defTabSz="914400" eaLnBrk="1" fontAlgn="auto" latinLnBrk="0" hangingPunct="1">
               <a:lnSpc>
                 <a:spcPct val="100000"/>
               </a:lnSpc>
+              <a:spcBef>
+                <a:spcPts val="0"/>
+              </a:spcBef>
+              <a:spcAft>
+                <a:spcPts val="0"/>
+              </a:spcAft>
               <a:buClr>
                 <a:srgbClr val="000000"/>
               </a:buClr>
+              <a:buSzTx/>
               <a:buFont typeface="Wingdings" charset="2"/>
               <a:buChar char=""/>
+              <a:tabLst/>
+              <a:defRPr/>
             </a:pPr>
             <a:r>
-              <a:rPr lang="en-US" sz="2000" b="0" strike="noStrike" spc="-1">
+              <a:rPr kumimoji="0" lang="en-US" sz="2000" b="0" i="0" u="none" strike="noStrike" kern="0" cap="none" spc="-1" normalizeH="0" baseline="0" noProof="0">
+                <a:ln>
+                  <a:noFill/>
+                </a:ln>
                 <a:solidFill>
                   <a:srgbClr val="000000"/>
                 </a:solidFill>
+                <a:effectLst/>
+                <a:uLnTx/>
                 <a:uFill>
                   <a:solidFill>
                     <a:srgbClr val="FFFFFF"/>
@@ -7965,10 +9624,15 @@
               </a:rPr>
               <a:t>Oguz Yavuz</a:t>
             </a:r>
-            <a:endParaRPr lang="en-US" sz="2200" b="0" strike="noStrike" spc="-1">
+            <a:endParaRPr kumimoji="0" lang="en-US" sz="2200" b="0" i="0" u="none" strike="noStrike" kern="0" cap="none" spc="-1" normalizeH="0" baseline="0" noProof="0">
+              <a:ln>
+                <a:noFill/>
+              </a:ln>
               <a:solidFill>
                 <a:srgbClr val="000000"/>
               </a:solidFill>
+              <a:effectLst/>
+              <a:uLnTx/>
               <a:uFill>
                 <a:solidFill>
                   <a:srgbClr val="FFFFFF"/>
@@ -8014,21 +9678,35 @@
           <a:bodyPr/>
           <a:lstStyle/>
           <a:p>
-            <a:pPr marL="343080" indent="-342720">
+            <a:pPr marL="343080" marR="0" lvl="0" indent="-342720" defTabSz="914400" eaLnBrk="1" fontAlgn="auto" latinLnBrk="0" hangingPunct="1">
               <a:lnSpc>
                 <a:spcPct val="100000"/>
               </a:lnSpc>
+              <a:spcBef>
+                <a:spcPts val="0"/>
+              </a:spcBef>
+              <a:spcAft>
+                <a:spcPts val="0"/>
+              </a:spcAft>
               <a:buClr>
                 <a:srgbClr val="000000"/>
               </a:buClr>
+              <a:buSzTx/>
               <a:buFont typeface="Wingdings" charset="2"/>
               <a:buChar char=""/>
+              <a:tabLst/>
+              <a:defRPr/>
             </a:pPr>
             <a:r>
-              <a:rPr lang="en-US" sz="2000" b="0" strike="noStrike" spc="-1">
+              <a:rPr kumimoji="0" lang="en-US" sz="2000" b="0" i="0" u="none" strike="noStrike" kern="0" cap="none" spc="-1" normalizeH="0" baseline="0" noProof="0">
+                <a:ln>
+                  <a:noFill/>
+                </a:ln>
                 <a:solidFill>
                   <a:srgbClr val="000000"/>
                 </a:solidFill>
+                <a:effectLst/>
+                <a:uLnTx/>
                 <a:uFill>
                   <a:solidFill>
                     <a:srgbClr val="FFFFFF"/>
@@ -8038,10 +9716,15 @@
               </a:rPr>
               <a:t>Dr. Eray Tuzun</a:t>
             </a:r>
-            <a:endParaRPr lang="en-US" sz="2200" b="0" strike="noStrike" spc="-1">
+            <a:endParaRPr kumimoji="0" lang="en-US" sz="2200" b="0" i="0" u="none" strike="noStrike" kern="0" cap="none" spc="-1" normalizeH="0" baseline="0" noProof="0">
+              <a:ln>
+                <a:noFill/>
+              </a:ln>
               <a:solidFill>
                 <a:srgbClr val="000000"/>
               </a:solidFill>
+              <a:effectLst/>
+              <a:uLnTx/>
               <a:uFill>
                 <a:solidFill>
                   <a:srgbClr val="FFFFFF"/>
@@ -8051,21 +9734,35 @@
             </a:endParaRPr>
           </a:p>
           <a:p>
-            <a:pPr marL="343080" indent="-342720">
+            <a:pPr marL="343080" marR="0" lvl="0" indent="-342720" defTabSz="914400" eaLnBrk="1" fontAlgn="auto" latinLnBrk="0" hangingPunct="1">
               <a:lnSpc>
                 <a:spcPct val="100000"/>
               </a:lnSpc>
+              <a:spcBef>
+                <a:spcPts val="0"/>
+              </a:spcBef>
+              <a:spcAft>
+                <a:spcPts val="0"/>
+              </a:spcAft>
               <a:buClr>
                 <a:srgbClr val="000000"/>
               </a:buClr>
+              <a:buSzTx/>
               <a:buFont typeface="Wingdings" charset="2"/>
               <a:buChar char=""/>
+              <a:tabLst/>
+              <a:defRPr/>
             </a:pPr>
             <a:r>
-              <a:rPr lang="en-US" sz="2000" b="0" strike="noStrike" spc="-1">
+              <a:rPr kumimoji="0" lang="en-US" sz="2000" b="0" i="0" u="none" strike="noStrike" kern="0" cap="none" spc="-1" normalizeH="0" baseline="0" noProof="0">
+                <a:ln>
+                  <a:noFill/>
+                </a:ln>
                 <a:solidFill>
                   <a:srgbClr val="000000"/>
                 </a:solidFill>
+                <a:effectLst/>
+                <a:uLnTx/>
                 <a:uFill>
                   <a:solidFill>
                     <a:srgbClr val="FFFFFF"/>
@@ -8075,10 +9772,15 @@
               </a:rPr>
               <a:t>Yagup Macit</a:t>
             </a:r>
-            <a:endParaRPr lang="en-US" sz="2200" b="0" strike="noStrike" spc="-1">
+            <a:endParaRPr kumimoji="0" lang="en-US" sz="2200" b="0" i="0" u="none" strike="noStrike" kern="0" cap="none" spc="-1" normalizeH="0" baseline="0" noProof="0">
+              <a:ln>
+                <a:noFill/>
+              </a:ln>
               <a:solidFill>
                 <a:srgbClr val="000000"/>
               </a:solidFill>
+              <a:effectLst/>
+              <a:uLnTx/>
               <a:uFill>
                 <a:solidFill>
                   <a:srgbClr val="FFFFFF"/>
@@ -8124,21 +9826,35 @@
           <a:bodyPr/>
           <a:lstStyle/>
           <a:p>
-            <a:pPr marL="343080" indent="-342720">
+            <a:pPr marL="343080" marR="0" lvl="0" indent="-342720" defTabSz="914400" eaLnBrk="1" fontAlgn="auto" latinLnBrk="0" hangingPunct="1">
               <a:lnSpc>
                 <a:spcPct val="100000"/>
               </a:lnSpc>
+              <a:spcBef>
+                <a:spcPts val="0"/>
+              </a:spcBef>
+              <a:spcAft>
+                <a:spcPts val="0"/>
+              </a:spcAft>
               <a:buClr>
                 <a:srgbClr val="000000"/>
               </a:buClr>
+              <a:buSzTx/>
               <a:buFont typeface="Wingdings" charset="2"/>
               <a:buChar char=""/>
+              <a:tabLst/>
+              <a:defRPr/>
             </a:pPr>
             <a:r>
-              <a:rPr lang="en-US" sz="2000" b="0" strike="noStrike" spc="-1">
+              <a:rPr kumimoji="0" lang="en-US" sz="2000" b="0" i="0" u="none" strike="noStrike" kern="0" cap="none" spc="-1" normalizeH="0" baseline="0" noProof="0">
+                <a:ln>
+                  <a:noFill/>
+                </a:ln>
                 <a:solidFill>
                   <a:srgbClr val="000000"/>
                 </a:solidFill>
+                <a:effectLst/>
+                <a:uLnTx/>
                 <a:uFill>
                   <a:solidFill>
                     <a:srgbClr val="FFFFFF"/>
@@ -8148,10 +9864,15 @@
               </a:rPr>
               <a:t>Tuğçe Yiğiter</a:t>
             </a:r>
-            <a:endParaRPr lang="en-US" sz="2200" b="0" strike="noStrike" spc="-1">
+            <a:endParaRPr kumimoji="0" lang="en-US" sz="2200" b="0" i="0" u="none" strike="noStrike" kern="0" cap="none" spc="-1" normalizeH="0" baseline="0" noProof="0">
+              <a:ln>
+                <a:noFill/>
+              </a:ln>
               <a:solidFill>
                 <a:srgbClr val="000000"/>
               </a:solidFill>
+              <a:effectLst/>
+              <a:uLnTx/>
               <a:uFill>
                 <a:solidFill>
                   <a:srgbClr val="FFFFFF"/>
@@ -8161,21 +9882,35 @@
             </a:endParaRPr>
           </a:p>
           <a:p>
-            <a:pPr marL="343080" indent="-342720">
+            <a:pPr marL="343080" marR="0" lvl="0" indent="-342720" defTabSz="914400" eaLnBrk="1" fontAlgn="auto" latinLnBrk="0" hangingPunct="1">
               <a:lnSpc>
                 <a:spcPct val="100000"/>
               </a:lnSpc>
+              <a:spcBef>
+                <a:spcPts val="0"/>
+              </a:spcBef>
+              <a:spcAft>
+                <a:spcPts val="0"/>
+              </a:spcAft>
               <a:buClr>
                 <a:srgbClr val="000000"/>
               </a:buClr>
+              <a:buSzTx/>
               <a:buFont typeface="Wingdings" charset="2"/>
               <a:buChar char=""/>
+              <a:tabLst/>
+              <a:defRPr/>
             </a:pPr>
             <a:r>
-              <a:rPr lang="en-US" sz="2000" b="0" strike="noStrike" spc="-1">
+              <a:rPr kumimoji="0" lang="en-US" sz="2000" b="0" i="0" u="none" strike="noStrike" kern="0" cap="none" spc="-1" normalizeH="0" baseline="0" noProof="0">
+                <a:ln>
+                  <a:noFill/>
+                </a:ln>
                 <a:solidFill>
                   <a:srgbClr val="000000"/>
                 </a:solidFill>
+                <a:effectLst/>
+                <a:uLnTx/>
                 <a:uFill>
                   <a:solidFill>
                     <a:srgbClr val="FFFFFF"/>
@@ -8185,10 +9920,15 @@
               </a:rPr>
               <a:t>Alan Endersoy</a:t>
             </a:r>
-            <a:endParaRPr lang="en-US" sz="2200" b="0" strike="noStrike" spc="-1">
+            <a:endParaRPr kumimoji="0" lang="en-US" sz="2200" b="0" i="0" u="none" strike="noStrike" kern="0" cap="none" spc="-1" normalizeH="0" baseline="0" noProof="0">
+              <a:ln>
+                <a:noFill/>
+              </a:ln>
               <a:solidFill>
                 <a:srgbClr val="000000"/>
               </a:solidFill>
+              <a:effectLst/>
+              <a:uLnTx/>
               <a:uFill>
                 <a:solidFill>
                   <a:srgbClr val="FFFFFF"/>
@@ -8198,21 +9938,35 @@
             </a:endParaRPr>
           </a:p>
           <a:p>
-            <a:pPr marL="343080" indent="-342720">
+            <a:pPr marL="343080" marR="0" lvl="0" indent="-342720" defTabSz="914400" eaLnBrk="1" fontAlgn="auto" latinLnBrk="0" hangingPunct="1">
               <a:lnSpc>
                 <a:spcPct val="100000"/>
               </a:lnSpc>
+              <a:spcBef>
+                <a:spcPts val="0"/>
+              </a:spcBef>
+              <a:spcAft>
+                <a:spcPts val="0"/>
+              </a:spcAft>
               <a:buClr>
                 <a:srgbClr val="000000"/>
               </a:buClr>
+              <a:buSzTx/>
               <a:buFont typeface="Wingdings" charset="2"/>
               <a:buChar char=""/>
+              <a:tabLst/>
+              <a:defRPr/>
             </a:pPr>
             <a:r>
-              <a:rPr lang="en-US" sz="2000" b="0" strike="noStrike" spc="-1">
+              <a:rPr kumimoji="0" lang="en-US" sz="2000" b="0" i="0" u="none" strike="noStrike" kern="0" cap="none" spc="-1" normalizeH="0" baseline="0" noProof="0">
+                <a:ln>
+                  <a:noFill/>
+                </a:ln>
                 <a:solidFill>
                   <a:srgbClr val="000000"/>
                 </a:solidFill>
+                <a:effectLst/>
+                <a:uLnTx/>
                 <a:uFill>
                   <a:solidFill>
                     <a:srgbClr val="FFFFFF"/>
@@ -8222,10 +9976,15 @@
               </a:rPr>
               <a:t>Dr. Emrah Kinav</a:t>
             </a:r>
-            <a:endParaRPr lang="en-US" sz="2200" b="0" strike="noStrike" spc="-1">
+            <a:endParaRPr kumimoji="0" lang="en-US" sz="2200" b="0" i="0" u="none" strike="noStrike" kern="0" cap="none" spc="-1" normalizeH="0" baseline="0" noProof="0">
+              <a:ln>
+                <a:noFill/>
+              </a:ln>
               <a:solidFill>
                 <a:srgbClr val="000000"/>
               </a:solidFill>
+              <a:effectLst/>
+              <a:uLnTx/>
               <a:uFill>
                 <a:solidFill>
                   <a:srgbClr val="FFFFFF"/>
@@ -8237,6 +9996,11 @@
         </p:txBody>
       </p:sp>
     </p:spTree>
+    <p:extLst>
+      <p:ext uri="{BB962C8B-B14F-4D97-AF65-F5344CB8AC3E}">
+        <p14:creationId xmlns:p14="http://schemas.microsoft.com/office/powerpoint/2010/main" val="90943783"/>
+      </p:ext>
+    </p:extLst>
   </p:cSld>
   <p:clrMapOvr>
     <a:masterClrMapping/>
@@ -8311,16 +10075,33 @@
           <a:bodyPr anchor="b"/>
           <a:lstStyle/>
           <a:p>
-            <a:pPr>
+            <a:pPr marL="0" marR="0" lvl="0" indent="0" defTabSz="914400" eaLnBrk="1" fontAlgn="auto" latinLnBrk="0" hangingPunct="1">
               <a:lnSpc>
                 <a:spcPct val="100000"/>
               </a:lnSpc>
+              <a:spcBef>
+                <a:spcPts val="0"/>
+              </a:spcBef>
+              <a:spcAft>
+                <a:spcPts val="0"/>
+              </a:spcAft>
+              <a:buClrTx/>
+              <a:buSzTx/>
+              <a:buFontTx/>
+              <a:buNone/>
+              <a:tabLst/>
+              <a:defRPr/>
             </a:pPr>
             <a:r>
-              <a:rPr lang="nl-NL" sz="2400" b="1" strike="noStrike" spc="-1">
+              <a:rPr kumimoji="0" lang="nl-NL" sz="2400" b="1" i="0" u="none" strike="noStrike" kern="0" cap="none" spc="-1" normalizeH="0" baseline="0" noProof="0">
+                <a:ln>
+                  <a:noFill/>
+                </a:ln>
                 <a:solidFill>
                   <a:srgbClr val="00A651"/>
                 </a:solidFill>
+                <a:effectLst/>
+                <a:uLnTx/>
                 <a:uFill>
                   <a:solidFill>
                     <a:srgbClr val="FFFFFF"/>
@@ -8330,10 +10111,15 @@
               </a:rPr>
               <a:t>Agenda [13:00 - 17:00]</a:t>
             </a:r>
-            <a:endParaRPr lang="nl-NL" sz="1800" b="0" strike="noStrike" spc="-1">
+            <a:endParaRPr kumimoji="0" lang="nl-NL" sz="1800" b="0" i="0" u="none" strike="noStrike" kern="0" cap="none" spc="-1" normalizeH="0" baseline="0" noProof="0">
+              <a:ln>
+                <a:noFill/>
+              </a:ln>
               <a:solidFill>
                 <a:srgbClr val="000000"/>
               </a:solidFill>
+              <a:effectLst/>
+              <a:uLnTx/>
               <a:uFill>
                 <a:solidFill>
                   <a:srgbClr val="FFFFFF"/>
@@ -8367,21 +10153,35 @@
           <a:bodyPr/>
           <a:lstStyle/>
           <a:p>
-            <a:pPr marL="457200" indent="-456840">
+            <a:pPr marL="457200" marR="0" lvl="0" indent="-456840" defTabSz="914400" eaLnBrk="1" fontAlgn="auto" latinLnBrk="0" hangingPunct="1">
               <a:lnSpc>
                 <a:spcPct val="100000"/>
               </a:lnSpc>
+              <a:spcBef>
+                <a:spcPts val="0"/>
+              </a:spcBef>
+              <a:spcAft>
+                <a:spcPts val="0"/>
+              </a:spcAft>
               <a:buClr>
                 <a:srgbClr val="FF0000"/>
               </a:buClr>
+              <a:buSzTx/>
               <a:buFont typeface="Calibri"/>
               <a:buAutoNum type="arabicPeriod"/>
+              <a:tabLst/>
+              <a:defRPr/>
             </a:pPr>
             <a:r>
-              <a:rPr lang="nl-NL" sz="2200" b="0" strike="noStrike" spc="-1" dirty="0">
+              <a:rPr kumimoji="0" lang="nl-NL" sz="2200" b="0" i="0" u="none" strike="noStrike" kern="0" cap="none" spc="-1" normalizeH="0" baseline="0" noProof="0" dirty="0">
+                <a:ln>
+                  <a:noFill/>
+                </a:ln>
                 <a:solidFill>
                   <a:srgbClr val="FF0000"/>
                 </a:solidFill>
+                <a:effectLst/>
+                <a:uLnTx/>
                 <a:uFill>
                   <a:solidFill>
                     <a:srgbClr val="FFFFFF"/>
@@ -8392,10 +10192,15 @@
               <a:t>Introduction</a:t>
             </a:r>
             <a:r>
-              <a:rPr lang="nl-NL" sz="2200" b="0" strike="noStrike" spc="-1" dirty="0">
+              <a:rPr kumimoji="0" lang="nl-NL" sz="2200" b="0" i="0" u="none" strike="noStrike" kern="0" cap="none" spc="-1" normalizeH="0" baseline="0" noProof="0" dirty="0">
+                <a:ln>
+                  <a:noFill/>
+                </a:ln>
                 <a:solidFill>
                   <a:srgbClr val="000000"/>
                 </a:solidFill>
+                <a:effectLst/>
+                <a:uLnTx/>
                 <a:uFill>
                   <a:solidFill>
                     <a:srgbClr val="FFFFFF"/>
@@ -8407,21 +10212,35 @@
             </a:r>
           </a:p>
           <a:p>
-            <a:pPr marL="457200" indent="-456840">
+            <a:pPr marL="457200" marR="0" lvl="0" indent="-456840" defTabSz="914400" eaLnBrk="1" fontAlgn="auto" latinLnBrk="0" hangingPunct="1">
               <a:lnSpc>
                 <a:spcPct val="100000"/>
               </a:lnSpc>
+              <a:spcBef>
+                <a:spcPts val="0"/>
+              </a:spcBef>
+              <a:spcAft>
+                <a:spcPts val="0"/>
+              </a:spcAft>
               <a:buClr>
                 <a:srgbClr val="FF0000"/>
               </a:buClr>
+              <a:buSzTx/>
               <a:buFont typeface="Calibri"/>
               <a:buAutoNum type="arabicPeriod"/>
+              <a:tabLst/>
+              <a:defRPr/>
             </a:pPr>
             <a:r>
-              <a:rPr lang="nl-NL" sz="2200" b="0" strike="noStrike" spc="-1" dirty="0">
+              <a:rPr kumimoji="0" lang="nl-NL" sz="2200" b="0" i="0" u="none" strike="noStrike" kern="0" cap="none" spc="-1" normalizeH="0" baseline="0" noProof="0" dirty="0">
+                <a:ln>
+                  <a:noFill/>
+                </a:ln>
                 <a:solidFill>
                   <a:srgbClr val="FF0000"/>
                 </a:solidFill>
+                <a:effectLst/>
+                <a:uLnTx/>
                 <a:uFill>
                   <a:solidFill>
                     <a:srgbClr val="FFFFFF"/>
@@ -8432,10 +10251,15 @@
               <a:t>Overview of the project (WP5) </a:t>
             </a:r>
             <a:r>
-              <a:rPr lang="nl-NL" sz="2200" b="0" strike="noStrike" spc="-1" dirty="0">
+              <a:rPr kumimoji="0" lang="nl-NL" sz="2200" b="0" i="0" u="none" strike="noStrike" kern="0" cap="none" spc="-1" normalizeH="0" baseline="0" noProof="0" dirty="0">
+                <a:ln>
+                  <a:noFill/>
+                </a:ln>
                 <a:solidFill>
                   <a:srgbClr val="000000"/>
                 </a:solidFill>
+                <a:effectLst/>
+                <a:uLnTx/>
                 <a:uFill>
                   <a:solidFill>
                     <a:srgbClr val="FFFFFF"/>
@@ -8447,21 +10271,35 @@
             </a:r>
           </a:p>
           <a:p>
-            <a:pPr marL="457200" indent="-456840">
+            <a:pPr marL="457200" marR="0" lvl="0" indent="-456840" defTabSz="914400" eaLnBrk="1" fontAlgn="auto" latinLnBrk="0" hangingPunct="1">
               <a:lnSpc>
                 <a:spcPct val="100000"/>
               </a:lnSpc>
+              <a:spcBef>
+                <a:spcPts val="0"/>
+              </a:spcBef>
+              <a:spcAft>
+                <a:spcPts val="0"/>
+              </a:spcAft>
               <a:buClr>
                 <a:srgbClr val="FF0000"/>
               </a:buClr>
+              <a:buSzTx/>
               <a:buFont typeface="Calibri"/>
               <a:buAutoNum type="arabicPeriod"/>
+              <a:tabLst/>
+              <a:defRPr/>
             </a:pPr>
             <a:r>
-              <a:rPr lang="nl-NL" sz="2200" b="0" strike="noStrike" spc="-1" dirty="0">
+              <a:rPr kumimoji="0" lang="nl-NL" sz="2200" b="0" i="0" u="none" strike="noStrike" kern="0" cap="none" spc="-1" normalizeH="0" baseline="0" noProof="0" dirty="0">
+                <a:ln>
+                  <a:noFill/>
+                </a:ln>
                 <a:solidFill>
                   <a:srgbClr val="FF0000"/>
                 </a:solidFill>
+                <a:effectLst/>
+                <a:uLnTx/>
                 <a:uFill>
                   <a:solidFill>
                     <a:srgbClr val="FFFFFF"/>
@@ -8472,10 +10310,15 @@
               <a:t>Industrial Use Cases (WP1) </a:t>
             </a:r>
             <a:r>
-              <a:rPr lang="nl-NL" sz="2200" b="0" strike="noStrike" spc="-1" dirty="0">
+              <a:rPr kumimoji="0" lang="nl-NL" sz="2200" b="0" i="0" u="none" strike="noStrike" kern="0" cap="none" spc="-1" normalizeH="0" baseline="0" noProof="0" dirty="0">
+                <a:ln>
+                  <a:noFill/>
+                </a:ln>
                 <a:solidFill>
                   <a:srgbClr val="000000"/>
                 </a:solidFill>
+                <a:effectLst/>
+                <a:uLnTx/>
                 <a:uFill>
                   <a:solidFill>
                     <a:srgbClr val="FFFFFF"/>
@@ -8487,18 +10330,35 @@
             </a:r>
           </a:p>
           <a:p>
-            <a:pPr marL="457200" indent="-456840">
+            <a:pPr marL="457200" marR="0" lvl="0" indent="-456840" defTabSz="914400" eaLnBrk="1" fontAlgn="auto" latinLnBrk="0" hangingPunct="1">
+              <a:lnSpc>
+                <a:spcPct val="100000"/>
+              </a:lnSpc>
+              <a:spcBef>
+                <a:spcPts val="0"/>
+              </a:spcBef>
+              <a:spcAft>
+                <a:spcPts val="0"/>
+              </a:spcAft>
               <a:buClr>
                 <a:srgbClr val="FF0000"/>
               </a:buClr>
+              <a:buSzTx/>
               <a:buFont typeface="Calibri"/>
               <a:buAutoNum type="arabicPeriod"/>
+              <a:tabLst/>
+              <a:defRPr/>
             </a:pPr>
             <a:r>
-              <a:rPr lang="nl-NL" sz="2200" spc="-1" dirty="0">
+              <a:rPr kumimoji="0" lang="nl-NL" sz="2200" b="0" i="0" u="none" strike="noStrike" kern="0" cap="none" spc="-1" normalizeH="0" baseline="0" noProof="0" dirty="0">
+                <a:ln>
+                  <a:noFill/>
+                </a:ln>
                 <a:solidFill>
                   <a:srgbClr val="FF0000"/>
                 </a:solidFill>
+                <a:effectLst/>
+                <a:uLnTx/>
                 <a:uFill>
                   <a:solidFill>
                     <a:srgbClr val="FFFFFF"/>
@@ -8508,10 +10368,15 @@
               <a:t>Exploitation Related Activities (WP7) </a:t>
             </a:r>
             <a:r>
-              <a:rPr lang="nl-NL" sz="2200" spc="-1" dirty="0">
+              <a:rPr kumimoji="0" lang="nl-NL" sz="2200" b="0" i="0" u="none" strike="noStrike" kern="0" cap="none" spc="-1" normalizeH="0" baseline="0" noProof="0" dirty="0">
+                <a:ln>
+                  <a:noFill/>
+                </a:ln>
                 <a:solidFill>
                   <a:srgbClr val="000000"/>
                 </a:solidFill>
+                <a:effectLst/>
+                <a:uLnTx/>
                 <a:uFill>
                   <a:solidFill>
                     <a:srgbClr val="FFFFFF"/>
@@ -8522,21 +10387,35 @@
             </a:r>
           </a:p>
           <a:p>
-            <a:pPr marL="457200" indent="-456840">
+            <a:pPr marL="457200" marR="0" lvl="0" indent="-456840" defTabSz="914400" eaLnBrk="1" fontAlgn="auto" latinLnBrk="0" hangingPunct="1">
               <a:lnSpc>
                 <a:spcPct val="100000"/>
               </a:lnSpc>
+              <a:spcBef>
+                <a:spcPts val="0"/>
+              </a:spcBef>
+              <a:spcAft>
+                <a:spcPts val="0"/>
+              </a:spcAft>
               <a:buClr>
                 <a:srgbClr val="FF0000"/>
               </a:buClr>
+              <a:buSzTx/>
               <a:buFont typeface="Calibri"/>
               <a:buAutoNum type="arabicPeriod"/>
+              <a:tabLst/>
+              <a:defRPr/>
             </a:pPr>
             <a:r>
-              <a:rPr lang="nl-NL" sz="2200" b="0" strike="noStrike" spc="-1" dirty="0">
+              <a:rPr kumimoji="0" lang="nl-NL" sz="2200" b="0" i="0" u="none" strike="noStrike" kern="0" cap="none" spc="-1" normalizeH="0" baseline="0" noProof="0" dirty="0">
+                <a:ln>
+                  <a:noFill/>
+                </a:ln>
                 <a:solidFill>
                   <a:srgbClr val="FF0000"/>
                 </a:solidFill>
+                <a:effectLst/>
+                <a:uLnTx/>
                 <a:uFill>
                   <a:solidFill>
                     <a:srgbClr val="FFFFFF"/>
@@ -8544,13 +10423,18 @@
                 </a:uFill>
                 <a:latin typeface="Arial"/>
               </a:rPr>
-              <a:t>Technical Presentations (WP2, 3 &amp; 4) </a:t>
-            </a:r>
-            <a:r>
-              <a:rPr lang="nl-NL" sz="2200" b="0" strike="noStrike" spc="-1" dirty="0">
+              <a:t>Technical Innovations (WP2, 3 &amp; 4) </a:t>
+            </a:r>
+            <a:r>
+              <a:rPr kumimoji="0" lang="nl-NL" sz="2200" b="0" i="0" u="none" strike="noStrike" kern="0" cap="none" spc="-1" normalizeH="0" baseline="0" noProof="0" dirty="0">
+                <a:ln>
+                  <a:noFill/>
+                </a:ln>
                 <a:solidFill>
                   <a:srgbClr val="000000"/>
                 </a:solidFill>
+                <a:effectLst/>
+                <a:uLnTx/>
                 <a:uFill>
                   <a:solidFill>
                     <a:srgbClr val="FFFFFF"/>
@@ -8558,13 +10442,39 @@
                 </a:uFill>
                 <a:latin typeface="Arial"/>
               </a:rPr>
-              <a:t>(</a:t>
-            </a:r>
-            <a:r>
-              <a:rPr lang="nl-NL" sz="2200" spc="-1" dirty="0">
-                <a:solidFill>
-                  <a:srgbClr val="000000"/>
-                </a:solidFill>
+              <a:t>(30 mins) [14:00 - 14:30]</a:t>
+            </a:r>
+          </a:p>
+          <a:p>
+            <a:pPr marL="457200" marR="0" lvl="0" indent="-456840" defTabSz="914400" eaLnBrk="1" fontAlgn="auto" latinLnBrk="0" hangingPunct="1">
+              <a:lnSpc>
+                <a:spcPct val="100000"/>
+              </a:lnSpc>
+              <a:spcBef>
+                <a:spcPts val="0"/>
+              </a:spcBef>
+              <a:spcAft>
+                <a:spcPts val="0"/>
+              </a:spcAft>
+              <a:buClr>
+                <a:srgbClr val="FF0000"/>
+              </a:buClr>
+              <a:buSzTx/>
+              <a:buFont typeface="Calibri"/>
+              <a:buAutoNum type="arabicPeriod"/>
+              <a:tabLst/>
+              <a:defRPr/>
+            </a:pPr>
+            <a:r>
+              <a:rPr kumimoji="0" lang="nl-NL" sz="2200" b="0" i="0" u="none" strike="noStrike" kern="0" cap="none" spc="-1" normalizeH="0" baseline="0" noProof="0" dirty="0">
+                <a:ln>
+                  <a:noFill/>
+                </a:ln>
+                <a:solidFill>
+                  <a:srgbClr val="FF0000"/>
+                </a:solidFill>
+                <a:effectLst/>
+                <a:uLnTx/>
                 <a:uFill>
                   <a:solidFill>
                     <a:srgbClr val="FFFFFF"/>
@@ -8572,13 +10482,18 @@
                 </a:uFill>
                 <a:latin typeface="Arial"/>
               </a:rPr>
-              <a:t>30</a:t>
-            </a:r>
-            <a:r>
-              <a:rPr lang="nl-NL" sz="2200" b="0" strike="noStrike" spc="-1" dirty="0">
+              <a:t>User Interfaces &amp; Integration (WP6) </a:t>
+            </a:r>
+            <a:r>
+              <a:rPr kumimoji="0" lang="nl-NL" sz="2200" b="0" i="0" u="none" strike="noStrike" kern="0" cap="none" spc="-1" normalizeH="0" baseline="0" noProof="0" dirty="0">
+                <a:ln>
+                  <a:noFill/>
+                </a:ln>
                 <a:solidFill>
                   <a:srgbClr val="000000"/>
                 </a:solidFill>
+                <a:effectLst/>
+                <a:uLnTx/>
                 <a:uFill>
                   <a:solidFill>
                     <a:srgbClr val="FFFFFF"/>
@@ -8586,25 +10501,39 @@
                 </a:uFill>
                 <a:latin typeface="Arial"/>
               </a:rPr>
-              <a:t> mins) [14:00 - 14:30]</a:t>
-            </a:r>
-          </a:p>
-          <a:p>
-            <a:pPr marL="457200" indent="-456840">
+              <a:t>(10 mins) [14:30 - 14:40]</a:t>
+            </a:r>
+          </a:p>
+          <a:p>
+            <a:pPr marL="343080" marR="0" lvl="0" indent="-342720" defTabSz="914400" eaLnBrk="1" fontAlgn="auto" latinLnBrk="0" hangingPunct="1">
               <a:lnSpc>
                 <a:spcPct val="100000"/>
               </a:lnSpc>
+              <a:spcBef>
+                <a:spcPts val="0"/>
+              </a:spcBef>
+              <a:spcAft>
+                <a:spcPts val="0"/>
+              </a:spcAft>
               <a:buClr>
-                <a:srgbClr val="FF0000"/>
+                <a:srgbClr val="000000"/>
               </a:buClr>
-              <a:buFont typeface="Calibri"/>
-              <a:buAutoNum type="arabicPeriod"/>
+              <a:buSzTx/>
+              <a:buFont typeface="Wingdings" charset="2"/>
+              <a:buChar char=""/>
+              <a:tabLst/>
+              <a:defRPr/>
             </a:pPr>
             <a:r>
-              <a:rPr lang="nl-NL" sz="2200" b="0" strike="noStrike" spc="-1" dirty="0">
-                <a:solidFill>
-                  <a:srgbClr val="FF0000"/>
-                </a:solidFill>
+              <a:rPr kumimoji="0" lang="nl-NL" sz="2200" b="0" i="0" u="none" strike="noStrike" kern="0" cap="none" spc="-1" normalizeH="0" baseline="0" noProof="0" dirty="0">
+                <a:ln>
+                  <a:noFill/>
+                </a:ln>
+                <a:solidFill>
+                  <a:srgbClr val="000000"/>
+                </a:solidFill>
+                <a:effectLst/>
+                <a:uLnTx/>
                 <a:uFill>
                   <a:solidFill>
                     <a:srgbClr val="FFFFFF"/>
@@ -8612,13 +10541,39 @@
                 </a:uFill>
                 <a:latin typeface="Arial"/>
               </a:rPr>
-              <a:t>User Interfaces &amp; Integration (WP6) </a:t>
-            </a:r>
-            <a:r>
-              <a:rPr lang="nl-NL" sz="2200" b="0" strike="noStrike" spc="-1" dirty="0">
-                <a:solidFill>
-                  <a:srgbClr val="000000"/>
-                </a:solidFill>
+              <a:t>Break (20 mins) [14:40 - 15:00]</a:t>
+            </a:r>
+          </a:p>
+          <a:p>
+            <a:pPr marL="457200" marR="0" lvl="0" indent="-456840" defTabSz="914400" eaLnBrk="1" fontAlgn="auto" latinLnBrk="0" hangingPunct="1">
+              <a:lnSpc>
+                <a:spcPct val="100000"/>
+              </a:lnSpc>
+              <a:spcBef>
+                <a:spcPts val="0"/>
+              </a:spcBef>
+              <a:spcAft>
+                <a:spcPts val="0"/>
+              </a:spcAft>
+              <a:buClr>
+                <a:srgbClr val="FF0000"/>
+              </a:buClr>
+              <a:buSzTx/>
+              <a:buFont typeface="Calibri"/>
+              <a:buAutoNum type="arabicPeriod" startAt="6"/>
+              <a:tabLst/>
+              <a:defRPr/>
+            </a:pPr>
+            <a:r>
+              <a:rPr kumimoji="0" lang="nl-NL" sz="2200" b="0" i="0" u="none" strike="noStrike" kern="0" cap="none" spc="-1" normalizeH="0" baseline="0" noProof="0" dirty="0">
+                <a:ln>
+                  <a:noFill/>
+                </a:ln>
+                <a:solidFill>
+                  <a:srgbClr val="FF0000"/>
+                </a:solidFill>
+                <a:effectLst/>
+                <a:uLnTx/>
                 <a:uFill>
                   <a:solidFill>
                     <a:srgbClr val="FFFFFF"/>
@@ -8626,25 +10581,18 @@
                 </a:uFill>
                 <a:latin typeface="Arial"/>
               </a:rPr>
-              <a:t>(10 mins) [14:30 - 14:40]</a:t>
-            </a:r>
-          </a:p>
-          <a:p>
-            <a:pPr marL="343080" indent="-342720">
-              <a:lnSpc>
-                <a:spcPct val="100000"/>
-              </a:lnSpc>
-              <a:buClr>
-                <a:srgbClr val="000000"/>
-              </a:buClr>
-              <a:buFont typeface="Wingdings" charset="2"/>
-              <a:buChar char=""/>
-            </a:pPr>
-            <a:r>
-              <a:rPr lang="nl-NL" sz="2200" b="0" strike="noStrike" spc="-1" dirty="0">
+              <a:t>Demonstrations</a:t>
+            </a:r>
+            <a:r>
+              <a:rPr kumimoji="0" lang="nl-NL" sz="2200" b="0" i="0" u="none" strike="noStrike" kern="0" cap="none" spc="-1" normalizeH="0" baseline="0" noProof="0" dirty="0">
+                <a:ln>
+                  <a:noFill/>
+                </a:ln>
                 <a:solidFill>
                   <a:srgbClr val="000000"/>
                 </a:solidFill>
+                <a:effectLst/>
+                <a:uLnTx/>
                 <a:uFill>
                   <a:solidFill>
                     <a:srgbClr val="FFFFFF"/>
@@ -8652,25 +10600,39 @@
                 </a:uFill>
                 <a:latin typeface="Arial"/>
               </a:rPr>
-              <a:t>Break (15 mins) [14:40 - 15:00]</a:t>
-            </a:r>
-          </a:p>
-          <a:p>
-            <a:pPr marL="457200" indent="-456840">
+              <a:t> (60 mins) [15:00 - 16:00]</a:t>
+            </a:r>
+          </a:p>
+          <a:p>
+            <a:pPr marL="457200" marR="0" lvl="0" indent="-456840" defTabSz="914400" eaLnBrk="1" fontAlgn="auto" latinLnBrk="0" hangingPunct="1">
               <a:lnSpc>
                 <a:spcPct val="100000"/>
               </a:lnSpc>
+              <a:spcBef>
+                <a:spcPts val="0"/>
+              </a:spcBef>
+              <a:spcAft>
+                <a:spcPts val="0"/>
+              </a:spcAft>
               <a:buClr>
                 <a:srgbClr val="FF0000"/>
               </a:buClr>
+              <a:buSzTx/>
               <a:buFont typeface="Calibri"/>
               <a:buAutoNum type="arabicPeriod" startAt="6"/>
+              <a:tabLst/>
+              <a:defRPr/>
             </a:pPr>
             <a:r>
-              <a:rPr lang="nl-NL" sz="2200" b="0" strike="noStrike" spc="-1" dirty="0">
+              <a:rPr kumimoji="0" lang="nl-NL" sz="2200" b="0" i="0" u="none" strike="noStrike" kern="0" cap="none" spc="-1" normalizeH="0" baseline="0" noProof="0" dirty="0">
+                <a:ln>
+                  <a:noFill/>
+                </a:ln>
                 <a:solidFill>
                   <a:srgbClr val="FF0000"/>
                 </a:solidFill>
+                <a:effectLst/>
+                <a:uLnTx/>
                 <a:uFill>
                   <a:solidFill>
                     <a:srgbClr val="FFFFFF"/>
@@ -8678,13 +10640,18 @@
                 </a:uFill>
                 <a:latin typeface="Arial"/>
               </a:rPr>
-              <a:t>Demonstrations</a:t>
-            </a:r>
-            <a:r>
-              <a:rPr lang="nl-NL" sz="2200" b="0" strike="noStrike" spc="-1" dirty="0">
+              <a:t>Conclusions</a:t>
+            </a:r>
+            <a:r>
+              <a:rPr kumimoji="0" lang="nl-NL" sz="2200" b="0" i="0" u="none" strike="noStrike" kern="0" cap="none" spc="-1" normalizeH="0" baseline="0" noProof="0" dirty="0">
+                <a:ln>
+                  <a:noFill/>
+                </a:ln>
                 <a:solidFill>
                   <a:srgbClr val="000000"/>
                 </a:solidFill>
+                <a:effectLst/>
+                <a:uLnTx/>
                 <a:uFill>
                   <a:solidFill>
                     <a:srgbClr val="FFFFFF"/>
@@ -8692,25 +10659,39 @@
                 </a:uFill>
                 <a:latin typeface="Arial"/>
               </a:rPr>
-              <a:t> (60 mins) [15:00 - 16:00]</a:t>
-            </a:r>
-          </a:p>
-          <a:p>
-            <a:pPr marL="457200" indent="-456840">
+              <a:t> (10 mins) [16:00 - 16:10]</a:t>
+            </a:r>
+          </a:p>
+          <a:p>
+            <a:pPr marL="343080" marR="0" lvl="0" indent="-342720" defTabSz="914400" eaLnBrk="1" fontAlgn="auto" latinLnBrk="0" hangingPunct="1">
               <a:lnSpc>
                 <a:spcPct val="100000"/>
               </a:lnSpc>
+              <a:spcBef>
+                <a:spcPts val="0"/>
+              </a:spcBef>
+              <a:spcAft>
+                <a:spcPts val="0"/>
+              </a:spcAft>
               <a:buClr>
-                <a:srgbClr val="FF0000"/>
+                <a:srgbClr val="000000"/>
               </a:buClr>
-              <a:buFont typeface="Calibri"/>
-              <a:buAutoNum type="arabicPeriod" startAt="6"/>
+              <a:buSzTx/>
+              <a:buFont typeface="Wingdings" charset="2"/>
+              <a:buChar char=""/>
+              <a:tabLst/>
+              <a:defRPr/>
             </a:pPr>
             <a:r>
-              <a:rPr lang="nl-NL" sz="2200" b="0" strike="noStrike" spc="-1" dirty="0">
-                <a:solidFill>
-                  <a:srgbClr val="FF0000"/>
-                </a:solidFill>
+              <a:rPr kumimoji="0" lang="nl-NL" sz="2200" b="0" i="0" u="none" strike="noStrike" kern="0" cap="none" spc="-1" normalizeH="0" baseline="0" noProof="0" dirty="0">
+                <a:ln>
+                  <a:noFill/>
+                </a:ln>
+                <a:solidFill>
+                  <a:srgbClr val="000000"/>
+                </a:solidFill>
+                <a:effectLst/>
+                <a:uLnTx/>
                 <a:uFill>
                   <a:solidFill>
                     <a:srgbClr val="FFFFFF"/>
@@ -8718,13 +10699,39 @@
                 </a:uFill>
                 <a:latin typeface="Arial"/>
               </a:rPr>
-              <a:t>Conclusions</a:t>
-            </a:r>
-            <a:r>
-              <a:rPr lang="nl-NL" sz="2200" b="0" strike="noStrike" spc="-1" dirty="0">
+              <a:t>Reviewers’ Private Section (30 min) [16:10 - 16:40]</a:t>
+            </a:r>
+          </a:p>
+          <a:p>
+            <a:pPr marL="343080" marR="0" lvl="0" indent="-342720" defTabSz="914400" eaLnBrk="1" fontAlgn="auto" latinLnBrk="0" hangingPunct="1">
+              <a:lnSpc>
+                <a:spcPct val="100000"/>
+              </a:lnSpc>
+              <a:spcBef>
+                <a:spcPts val="0"/>
+              </a:spcBef>
+              <a:spcAft>
+                <a:spcPts val="0"/>
+              </a:spcAft>
+              <a:buClr>
+                <a:srgbClr val="000000"/>
+              </a:buClr>
+              <a:buSzTx/>
+              <a:buFont typeface="Wingdings" charset="2"/>
+              <a:buChar char=""/>
+              <a:tabLst/>
+              <a:defRPr/>
+            </a:pPr>
+            <a:r>
+              <a:rPr kumimoji="0" lang="nl-NL" sz="2200" b="0" i="0" u="none" strike="noStrike" kern="0" cap="none" spc="-1" normalizeH="0" baseline="0" noProof="0" dirty="0">
+                <a:ln>
+                  <a:noFill/>
+                </a:ln>
                 <a:solidFill>
                   <a:srgbClr val="000000"/>
                 </a:solidFill>
+                <a:effectLst/>
+                <a:uLnTx/>
                 <a:uFill>
                   <a:solidFill>
                     <a:srgbClr val="FFFFFF"/>
@@ -8732,25 +10739,39 @@
                 </a:uFill>
                 <a:latin typeface="Arial"/>
               </a:rPr>
-              <a:t> (10 mins) [16:00 - 16:10]</a:t>
-            </a:r>
-          </a:p>
-          <a:p>
-            <a:pPr marL="343080" indent="-342720">
+              <a:t>Feedback Session (15min) [16:40 - 16:55]</a:t>
+            </a:r>
+          </a:p>
+          <a:p>
+            <a:pPr marL="343080" marR="0" lvl="0" indent="-342720" defTabSz="914400" eaLnBrk="1" fontAlgn="auto" latinLnBrk="0" hangingPunct="1">
               <a:lnSpc>
                 <a:spcPct val="100000"/>
               </a:lnSpc>
+              <a:spcBef>
+                <a:spcPts val="0"/>
+              </a:spcBef>
+              <a:spcAft>
+                <a:spcPts val="0"/>
+              </a:spcAft>
               <a:buClr>
                 <a:srgbClr val="000000"/>
               </a:buClr>
+              <a:buSzTx/>
               <a:buFont typeface="Wingdings" charset="2"/>
               <a:buChar char=""/>
+              <a:tabLst/>
+              <a:defRPr/>
             </a:pPr>
             <a:r>
-              <a:rPr lang="nl-NL" sz="2200" b="0" strike="noStrike" spc="-1" dirty="0">
+              <a:rPr kumimoji="0" lang="nl-NL" sz="2200" b="0" i="0" u="none" strike="noStrike" kern="0" cap="none" spc="-1" normalizeH="0" baseline="0" noProof="0" dirty="0">
+                <a:ln>
+                  <a:noFill/>
+                </a:ln>
                 <a:solidFill>
                   <a:srgbClr val="000000"/>
                 </a:solidFill>
+                <a:effectLst/>
+                <a:uLnTx/>
                 <a:uFill>
                   <a:solidFill>
                     <a:srgbClr val="FFFFFF"/>
@@ -8758,64 +10779,17 @@
                 </a:uFill>
                 <a:latin typeface="Arial"/>
               </a:rPr>
-              <a:t>Reviewers’ Private Section (30 min) [16:10 - 16:40]</a:t>
-            </a:r>
-          </a:p>
-          <a:p>
-            <a:pPr marL="343080" indent="-342720">
-              <a:lnSpc>
-                <a:spcPct val="100000"/>
-              </a:lnSpc>
-              <a:buClr>
-                <a:srgbClr val="000000"/>
-              </a:buClr>
-              <a:buFont typeface="Wingdings" charset="2"/>
-              <a:buChar char=""/>
-            </a:pPr>
-            <a:r>
-              <a:rPr lang="nl-NL" sz="2200" b="0" strike="noStrike" spc="-1" dirty="0">
-                <a:solidFill>
-                  <a:srgbClr val="000000"/>
-                </a:solidFill>
-                <a:uFill>
-                  <a:solidFill>
-                    <a:srgbClr val="FFFFFF"/>
-                  </a:solidFill>
-                </a:uFill>
-                <a:latin typeface="Arial"/>
-              </a:rPr>
-              <a:t>Feedback Session (15min) [16:40 - 16:55]</a:t>
-            </a:r>
-          </a:p>
-          <a:p>
-            <a:pPr marL="343080" indent="-342720">
-              <a:lnSpc>
-                <a:spcPct val="100000"/>
-              </a:lnSpc>
-              <a:buClr>
-                <a:srgbClr val="000000"/>
-              </a:buClr>
-              <a:buFont typeface="Wingdings" charset="2"/>
-              <a:buChar char=""/>
-            </a:pPr>
-            <a:r>
-              <a:rPr lang="nl-NL" sz="2200" b="0" strike="noStrike" spc="-1" dirty="0">
-                <a:solidFill>
-                  <a:srgbClr val="000000"/>
-                </a:solidFill>
-                <a:uFill>
-                  <a:solidFill>
-                    <a:srgbClr val="FFFFFF"/>
-                  </a:solidFill>
-                </a:uFill>
-                <a:latin typeface="Arial"/>
-              </a:rPr>
               <a:t>Final Words (5 min) [16:55 - 17:00]</a:t>
             </a:r>
           </a:p>
         </p:txBody>
       </p:sp>
     </p:spTree>
+    <p:extLst>
+      <p:ext uri="{BB962C8B-B14F-4D97-AF65-F5344CB8AC3E}">
+        <p14:creationId xmlns:p14="http://schemas.microsoft.com/office/powerpoint/2010/main" val="1930553710"/>
+      </p:ext>
+    </p:extLst>
   </p:cSld>
   <p:clrMapOvr>
     <a:masterClrMapping/>
@@ -9076,7 +11050,7 @@
 </file>
 
 <file path=ppt/theme/theme2.xml><?xml version="1.0" encoding="utf-8"?>
-<a:theme xmlns:a="http://schemas.openxmlformats.org/drawingml/2006/main" name="Office Theme">
+<a:theme xmlns:a="http://schemas.openxmlformats.org/drawingml/2006/main" name="1_Office Theme">
   <a:themeElements>
     <a:clrScheme name="Office">
       <a:dk1>
@@ -9311,6 +11285,267 @@
         <a:sysClr val="window" lastClr="FFFFFF"/>
       </a:lt1>
       <a:dk2>
+        <a:srgbClr val="44546A"/>
+      </a:dk2>
+      <a:lt2>
+        <a:srgbClr val="E7E6E6"/>
+      </a:lt2>
+      <a:accent1>
+        <a:srgbClr val="5B9BD5"/>
+      </a:accent1>
+      <a:accent2>
+        <a:srgbClr val="ED7D31"/>
+      </a:accent2>
+      <a:accent3>
+        <a:srgbClr val="A5A5A5"/>
+      </a:accent3>
+      <a:accent4>
+        <a:srgbClr val="FFC000"/>
+      </a:accent4>
+      <a:accent5>
+        <a:srgbClr val="4472C4"/>
+      </a:accent5>
+      <a:accent6>
+        <a:srgbClr val="70AD47"/>
+      </a:accent6>
+      <a:hlink>
+        <a:srgbClr val="0563C1"/>
+      </a:hlink>
+      <a:folHlink>
+        <a:srgbClr val="954F72"/>
+      </a:folHlink>
+    </a:clrScheme>
+    <a:fontScheme name="Office">
+      <a:majorFont>
+        <a:latin typeface="Calibri Light" panose="020F0302020204030204"/>
+        <a:ea typeface=""/>
+        <a:cs typeface=""/>
+        <a:font script="Jpan" typeface="ＭＳ Ｐゴシック"/>
+        <a:font script="Hang" typeface="맑은 고딕"/>
+        <a:font script="Hans" typeface="宋体"/>
+        <a:font script="Hant" typeface="新細明體"/>
+        <a:font script="Arab" typeface="Times New Roman"/>
+        <a:font script="Hebr" typeface="Times New Roman"/>
+        <a:font script="Thai" typeface="Angsana New"/>
+        <a:font script="Ethi" typeface="Nyala"/>
+        <a:font script="Beng" typeface="Vrinda"/>
+        <a:font script="Gujr" typeface="Shruti"/>
+        <a:font script="Khmr" typeface="MoolBoran"/>
+        <a:font script="Knda" typeface="Tunga"/>
+        <a:font script="Guru" typeface="Raavi"/>
+        <a:font script="Cans" typeface="Euphemia"/>
+        <a:font script="Cher" typeface="Plantagenet Cherokee"/>
+        <a:font script="Yiii" typeface="Microsoft Yi Baiti"/>
+        <a:font script="Tibt" typeface="Microsoft Himalaya"/>
+        <a:font script="Thaa" typeface="MV Boli"/>
+        <a:font script="Deva" typeface="Mangal"/>
+        <a:font script="Telu" typeface="Gautami"/>
+        <a:font script="Taml" typeface="Latha"/>
+        <a:font script="Syrc" typeface="Estrangelo Edessa"/>
+        <a:font script="Orya" typeface="Kalinga"/>
+        <a:font script="Mlym" typeface="Kartika"/>
+        <a:font script="Laoo" typeface="DokChampa"/>
+        <a:font script="Sinh" typeface="Iskoola Pota"/>
+        <a:font script="Mong" typeface="Mongolian Baiti"/>
+        <a:font script="Viet" typeface="Times New Roman"/>
+        <a:font script="Uigh" typeface="Microsoft Uighur"/>
+        <a:font script="Geor" typeface="Sylfaen"/>
+      </a:majorFont>
+      <a:minorFont>
+        <a:latin typeface="Calibri" panose="020F0502020204030204"/>
+        <a:ea typeface=""/>
+        <a:cs typeface=""/>
+        <a:font script="Jpan" typeface="ＭＳ Ｐゴシック"/>
+        <a:font script="Hang" typeface="맑은 고딕"/>
+        <a:font script="Hans" typeface="宋体"/>
+        <a:font script="Hant" typeface="新細明體"/>
+        <a:font script="Arab" typeface="Arial"/>
+        <a:font script="Hebr" typeface="Arial"/>
+        <a:font script="Thai" typeface="Cordia New"/>
+        <a:font script="Ethi" typeface="Nyala"/>
+        <a:font script="Beng" typeface="Vrinda"/>
+        <a:font script="Gujr" typeface="Shruti"/>
+        <a:font script="Khmr" typeface="DaunPenh"/>
+        <a:font script="Knda" typeface="Tunga"/>
+        <a:font script="Guru" typeface="Raavi"/>
+        <a:font script="Cans" typeface="Euphemia"/>
+        <a:font script="Cher" typeface="Plantagenet Cherokee"/>
+        <a:font script="Yiii" typeface="Microsoft Yi Baiti"/>
+        <a:font script="Tibt" typeface="Microsoft Himalaya"/>
+        <a:font script="Thaa" typeface="MV Boli"/>
+        <a:font script="Deva" typeface="Mangal"/>
+        <a:font script="Telu" typeface="Gautami"/>
+        <a:font script="Taml" typeface="Latha"/>
+        <a:font script="Syrc" typeface="Estrangelo Edessa"/>
+        <a:font script="Orya" typeface="Kalinga"/>
+        <a:font script="Mlym" typeface="Kartika"/>
+        <a:font script="Laoo" typeface="DokChampa"/>
+        <a:font script="Sinh" typeface="Iskoola Pota"/>
+        <a:font script="Mong" typeface="Mongolian Baiti"/>
+        <a:font script="Viet" typeface="Arial"/>
+        <a:font script="Uigh" typeface="Microsoft Uighur"/>
+        <a:font script="Geor" typeface="Sylfaen"/>
+      </a:minorFont>
+    </a:fontScheme>
+    <a:fmtScheme name="Office">
+      <a:fillStyleLst>
+        <a:solidFill>
+          <a:schemeClr val="phClr"/>
+        </a:solidFill>
+        <a:gradFill rotWithShape="1">
+          <a:gsLst>
+            <a:gs pos="0">
+              <a:schemeClr val="phClr">
+                <a:lumMod val="110000"/>
+                <a:satMod val="105000"/>
+                <a:tint val="67000"/>
+              </a:schemeClr>
+            </a:gs>
+            <a:gs pos="50000">
+              <a:schemeClr val="phClr">
+                <a:lumMod val="105000"/>
+                <a:satMod val="103000"/>
+                <a:tint val="73000"/>
+              </a:schemeClr>
+            </a:gs>
+            <a:gs pos="100000">
+              <a:schemeClr val="phClr">
+                <a:lumMod val="105000"/>
+                <a:satMod val="109000"/>
+                <a:tint val="81000"/>
+              </a:schemeClr>
+            </a:gs>
+          </a:gsLst>
+          <a:lin ang="5400000" scaled="0"/>
+        </a:gradFill>
+        <a:gradFill rotWithShape="1">
+          <a:gsLst>
+            <a:gs pos="0">
+              <a:schemeClr val="phClr">
+                <a:satMod val="103000"/>
+                <a:lumMod val="102000"/>
+                <a:tint val="94000"/>
+              </a:schemeClr>
+            </a:gs>
+            <a:gs pos="50000">
+              <a:schemeClr val="phClr">
+                <a:satMod val="110000"/>
+                <a:lumMod val="100000"/>
+                <a:shade val="100000"/>
+              </a:schemeClr>
+            </a:gs>
+            <a:gs pos="100000">
+              <a:schemeClr val="phClr">
+                <a:lumMod val="99000"/>
+                <a:satMod val="120000"/>
+                <a:shade val="78000"/>
+              </a:schemeClr>
+            </a:gs>
+          </a:gsLst>
+          <a:lin ang="5400000" scaled="0"/>
+        </a:gradFill>
+      </a:fillStyleLst>
+      <a:lnStyleLst>
+        <a:ln w="6350" cap="flat" cmpd="sng" algn="ctr">
+          <a:solidFill>
+            <a:schemeClr val="phClr"/>
+          </a:solidFill>
+          <a:prstDash val="solid"/>
+          <a:miter lim="800000"/>
+        </a:ln>
+        <a:ln w="12700" cap="flat" cmpd="sng" algn="ctr">
+          <a:solidFill>
+            <a:schemeClr val="phClr"/>
+          </a:solidFill>
+          <a:prstDash val="solid"/>
+          <a:miter lim="800000"/>
+        </a:ln>
+        <a:ln w="19050" cap="flat" cmpd="sng" algn="ctr">
+          <a:solidFill>
+            <a:schemeClr val="phClr"/>
+          </a:solidFill>
+          <a:prstDash val="solid"/>
+          <a:miter lim="800000"/>
+        </a:ln>
+      </a:lnStyleLst>
+      <a:effectStyleLst>
+        <a:effectStyle>
+          <a:effectLst/>
+        </a:effectStyle>
+        <a:effectStyle>
+          <a:effectLst/>
+        </a:effectStyle>
+        <a:effectStyle>
+          <a:effectLst>
+            <a:outerShdw blurRad="57150" dist="19050" dir="5400000" algn="ctr" rotWithShape="0">
+              <a:srgbClr val="000000">
+                <a:alpha val="63000"/>
+              </a:srgbClr>
+            </a:outerShdw>
+          </a:effectLst>
+        </a:effectStyle>
+      </a:effectStyleLst>
+      <a:bgFillStyleLst>
+        <a:solidFill>
+          <a:schemeClr val="phClr"/>
+        </a:solidFill>
+        <a:solidFill>
+          <a:schemeClr val="phClr">
+            <a:tint val="95000"/>
+            <a:satMod val="170000"/>
+          </a:schemeClr>
+        </a:solidFill>
+        <a:gradFill rotWithShape="1">
+          <a:gsLst>
+            <a:gs pos="0">
+              <a:schemeClr val="phClr">
+                <a:tint val="93000"/>
+                <a:satMod val="150000"/>
+                <a:shade val="98000"/>
+                <a:lumMod val="102000"/>
+              </a:schemeClr>
+            </a:gs>
+            <a:gs pos="50000">
+              <a:schemeClr val="phClr">
+                <a:tint val="98000"/>
+                <a:satMod val="130000"/>
+                <a:shade val="90000"/>
+                <a:lumMod val="103000"/>
+              </a:schemeClr>
+            </a:gs>
+            <a:gs pos="100000">
+              <a:schemeClr val="phClr">
+                <a:shade val="63000"/>
+                <a:satMod val="120000"/>
+              </a:schemeClr>
+            </a:gs>
+          </a:gsLst>
+          <a:lin ang="5400000" scaled="0"/>
+        </a:gradFill>
+      </a:bgFillStyleLst>
+    </a:fmtScheme>
+  </a:themeElements>
+  <a:objectDefaults/>
+  <a:extraClrSchemeLst/>
+  <a:extLst>
+    <a:ext uri="{05A4C25C-085E-4340-85A3-A5531E510DB2}">
+      <thm15:themeFamily xmlns:thm15="http://schemas.microsoft.com/office/thememl/2012/main" name="Office Theme" id="{62F939B6-93AF-4DB8-9C6B-D6C7DFDC589F}" vid="{4A3C46E8-61CC-4603-A589-7422A47A8E4A}"/>
+    </a:ext>
+  </a:extLst>
+</a:theme>
+</file>
+
+<file path=ppt/theme/theme4.xml><?xml version="1.0" encoding="utf-8"?>
+<a:theme xmlns:a="http://schemas.openxmlformats.org/drawingml/2006/main" name="Office Theme">
+  <a:themeElements>
+    <a:clrScheme name="Office">
+      <a:dk1>
+        <a:sysClr val="windowText" lastClr="000000"/>
+      </a:dk1>
+      <a:lt1>
+        <a:sysClr val="window" lastClr="FFFFFF"/>
+      </a:lt1>
+      <a:dk2>
         <a:srgbClr val="1F497D"/>
       </a:dk2>
       <a:lt2>
@@ -9343,14 +11578,74 @@
     </a:clrScheme>
     <a:fontScheme name="Office">
       <a:majorFont>
-        <a:latin typeface="Arial"/>
-        <a:ea typeface="DejaVu Sans"/>
-        <a:cs typeface="DejaVu Sans"/>
+        <a:latin typeface="Calibri"/>
+        <a:ea typeface=""/>
+        <a:cs typeface=""/>
+        <a:font script="Jpan" typeface="ＭＳ Ｐゴシック"/>
+        <a:font script="Hang" typeface="맑은 고딕"/>
+        <a:font script="Hans" typeface="宋体"/>
+        <a:font script="Hant" typeface="新細明體"/>
+        <a:font script="Arab" typeface="Times New Roman"/>
+        <a:font script="Hebr" typeface="Times New Roman"/>
+        <a:font script="Thai" typeface="Angsana New"/>
+        <a:font script="Ethi" typeface="Nyala"/>
+        <a:font script="Beng" typeface="Vrinda"/>
+        <a:font script="Gujr" typeface="Shruti"/>
+        <a:font script="Khmr" typeface="MoolBoran"/>
+        <a:font script="Knda" typeface="Tunga"/>
+        <a:font script="Guru" typeface="Raavi"/>
+        <a:font script="Cans" typeface="Euphemia"/>
+        <a:font script="Cher" typeface="Plantagenet Cherokee"/>
+        <a:font script="Yiii" typeface="Microsoft Yi Baiti"/>
+        <a:font script="Tibt" typeface="Microsoft Himalaya"/>
+        <a:font script="Thaa" typeface="MV Boli"/>
+        <a:font script="Deva" typeface="Mangal"/>
+        <a:font script="Telu" typeface="Gautami"/>
+        <a:font script="Taml" typeface="Latha"/>
+        <a:font script="Syrc" typeface="Estrangelo Edessa"/>
+        <a:font script="Orya" typeface="Kalinga"/>
+        <a:font script="Mlym" typeface="Kartika"/>
+        <a:font script="Laoo" typeface="DokChampa"/>
+        <a:font script="Sinh" typeface="Iskoola Pota"/>
+        <a:font script="Mong" typeface="Mongolian Baiti"/>
+        <a:font script="Viet" typeface="Times New Roman"/>
+        <a:font script="Uigh" typeface="Microsoft Uighur"/>
+        <a:font script="Geor" typeface="Sylfaen"/>
       </a:majorFont>
       <a:minorFont>
-        <a:latin typeface="Arial"/>
-        <a:ea typeface="DejaVu Sans"/>
-        <a:cs typeface="DejaVu Sans"/>
+        <a:latin typeface="Calibri"/>
+        <a:ea typeface=""/>
+        <a:cs typeface=""/>
+        <a:font script="Jpan" typeface="ＭＳ Ｐゴシック"/>
+        <a:font script="Hang" typeface="맑은 고딕"/>
+        <a:font script="Hans" typeface="宋体"/>
+        <a:font script="Hant" typeface="新細明體"/>
+        <a:font script="Arab" typeface="Arial"/>
+        <a:font script="Hebr" typeface="Arial"/>
+        <a:font script="Thai" typeface="Cordia New"/>
+        <a:font script="Ethi" typeface="Nyala"/>
+        <a:font script="Beng" typeface="Vrinda"/>
+        <a:font script="Gujr" typeface="Shruti"/>
+        <a:font script="Khmr" typeface="DaunPenh"/>
+        <a:font script="Knda" typeface="Tunga"/>
+        <a:font script="Guru" typeface="Raavi"/>
+        <a:font script="Cans" typeface="Euphemia"/>
+        <a:font script="Cher" typeface="Plantagenet Cherokee"/>
+        <a:font script="Yiii" typeface="Microsoft Yi Baiti"/>
+        <a:font script="Tibt" typeface="Microsoft Himalaya"/>
+        <a:font script="Thaa" typeface="MV Boli"/>
+        <a:font script="Deva" typeface="Mangal"/>
+        <a:font script="Telu" typeface="Gautami"/>
+        <a:font script="Taml" typeface="Latha"/>
+        <a:font script="Syrc" typeface="Estrangelo Edessa"/>
+        <a:font script="Orya" typeface="Kalinga"/>
+        <a:font script="Mlym" typeface="Kartika"/>
+        <a:font script="Laoo" typeface="DokChampa"/>
+        <a:font script="Sinh" typeface="Iskoola Pota"/>
+        <a:font script="Mong" typeface="Mongolian Baiti"/>
+        <a:font script="Viet" typeface="Arial"/>
+        <a:font script="Uigh" typeface="Microsoft Uighur"/>
+        <a:font script="Geor" typeface="Sylfaen"/>
       </a:minorFont>
     </a:fontScheme>
     <a:fmtScheme name="Office">
@@ -9523,4 +11818,206 @@
   <a:objectDefaults/>
   <a:extraClrSchemeLst/>
 </a:theme>
+</file>
+
+<file path=customXml/item1.xml><?xml version="1.0" encoding="utf-8"?>
+<ct:contentTypeSchema xmlns:ct="http://schemas.microsoft.com/office/2006/metadata/contentType" xmlns:ma="http://schemas.microsoft.com/office/2006/metadata/properties/metaAttributes" ct:_="" ma:_="" ma:contentTypeName="Document" ma:contentTypeID="0x0101005BFB70258BA69E4DAF3FE5F4C0DA7431" ma:contentTypeVersion="3" ma:contentTypeDescription="Create a new document." ma:contentTypeScope="" ma:versionID="73b0da4689f410ccc075ca2e5729e523">
+  <xsd:schema xmlns:xsd="http://www.w3.org/2001/XMLSchema" xmlns:xs="http://www.w3.org/2001/XMLSchema" xmlns:p="http://schemas.microsoft.com/office/2006/metadata/properties" xmlns:ns2="194ccb06-a9bd-44be-8233-5ea8b0721088" targetNamespace="http://schemas.microsoft.com/office/2006/metadata/properties" ma:root="true" ma:fieldsID="e94a1f9785d1c13fc1ca94d7aa1cdcfb" ns2:_="">
+    <xsd:import namespace="194ccb06-a9bd-44be-8233-5ea8b0721088"/>
+    <xsd:element name="properties">
+      <xsd:complexType>
+        <xsd:sequence>
+          <xsd:element name="documentManagement">
+            <xsd:complexType>
+              <xsd:all>
+                <xsd:element ref="ns2:TaxKeywordTaxHTField" minOccurs="0"/>
+                <xsd:element ref="ns2:TaxCatchAll" minOccurs="0"/>
+              </xsd:all>
+            </xsd:complexType>
+          </xsd:element>
+        </xsd:sequence>
+      </xsd:complexType>
+    </xsd:element>
+  </xsd:schema>
+  <xsd:schema xmlns:xsd="http://www.w3.org/2001/XMLSchema" xmlns:xs="http://www.w3.org/2001/XMLSchema" xmlns:dms="http://schemas.microsoft.com/office/2006/documentManagement/types" xmlns:pc="http://schemas.microsoft.com/office/infopath/2007/PartnerControls" targetNamespace="194ccb06-a9bd-44be-8233-5ea8b0721088" elementFormDefault="qualified">
+    <xsd:import namespace="http://schemas.microsoft.com/office/2006/documentManagement/types"/>
+    <xsd:import namespace="http://schemas.microsoft.com/office/infopath/2007/PartnerControls"/>
+    <xsd:element name="TaxKeywordTaxHTField" ma:index="9" nillable="true" ma:taxonomy="true" ma:internalName="TaxKeywordTaxHTField" ma:taxonomyFieldName="TaxKeyword" ma:displayName="Enterprise Keywords" ma:fieldId="{23f27201-bee3-471e-b2e7-b64fd8b7ca38}" ma:taxonomyMulti="true" ma:sspId="8694947a-f9e1-4fea-940e-70fade438c93" ma:termSetId="00000000-0000-0000-0000-000000000000" ma:anchorId="00000000-0000-0000-0000-000000000000" ma:open="true" ma:isKeyword="true">
+      <xsd:complexType>
+        <xsd:sequence>
+          <xsd:element ref="pc:Terms" minOccurs="0" maxOccurs="1"/>
+        </xsd:sequence>
+      </xsd:complexType>
+    </xsd:element>
+    <xsd:element name="TaxCatchAll" ma:index="10" nillable="true" ma:displayName="Taxonomy Catch All Column" ma:hidden="true" ma:list="{b9554250-f774-4ea1-8361-d72e998c4d22}" ma:internalName="TaxCatchAll" ma:showField="CatchAllData" ma:web="194ccb06-a9bd-44be-8233-5ea8b0721088">
+      <xsd:complexType>
+        <xsd:complexContent>
+          <xsd:extension base="dms:MultiChoiceLookup">
+            <xsd:sequence>
+              <xsd:element name="Value" type="dms:Lookup" maxOccurs="unbounded" minOccurs="0" nillable="true"/>
+            </xsd:sequence>
+          </xsd:extension>
+        </xsd:complexContent>
+      </xsd:complexType>
+    </xsd:element>
+  </xsd:schema>
+  <xsd:schema xmlns="http://schemas.openxmlformats.org/package/2006/metadata/core-properties" xmlns:xsd="http://www.w3.org/2001/XMLSchema" xmlns:xsi="http://www.w3.org/2001/XMLSchema-instance" xmlns:dc="http://purl.org/dc/elements/1.1/" xmlns:dcterms="http://purl.org/dc/terms/" xmlns:odoc="http://schemas.microsoft.com/internal/obd" targetNamespace="http://schemas.openxmlformats.org/package/2006/metadata/core-properties" elementFormDefault="qualified" attributeFormDefault="unqualified" blockDefault="#all">
+    <xsd:import namespace="http://purl.org/dc/elements/1.1/" schemaLocation="http://dublincore.org/schemas/xmls/qdc/2003/04/02/dc.xsd"/>
+    <xsd:import namespace="http://purl.org/dc/terms/" schemaLocation="http://dublincore.org/schemas/xmls/qdc/2003/04/02/dcterms.xsd"/>
+    <xsd:element name="coreProperties" type="CT_coreProperties"/>
+    <xsd:complexType name="CT_coreProperties">
+      <xsd:all>
+        <xsd:element ref="dc:creator" minOccurs="0" maxOccurs="1"/>
+        <xsd:element ref="dcterms:created" minOccurs="0" maxOccurs="1"/>
+        <xsd:element ref="dc:identifier" minOccurs="0" maxOccurs="1"/>
+        <xsd:element name="contentType" minOccurs="0" maxOccurs="1" type="xsd:string" ma:index="0" ma:displayName="Content Type"/>
+        <xsd:element ref="dc:title" minOccurs="0" maxOccurs="1" ma:index="4" ma:displayName="Title"/>
+        <xsd:element ref="dc:subject" minOccurs="0" maxOccurs="1"/>
+        <xsd:element ref="dc:description" minOccurs="0" maxOccurs="1"/>
+        <xsd:element name="keywords" minOccurs="0" maxOccurs="1" type="xsd:string"/>
+        <xsd:element ref="dc:language" minOccurs="0" maxOccurs="1"/>
+        <xsd:element name="category" minOccurs="0" maxOccurs="1" type="xsd:string"/>
+        <xsd:element name="version" minOccurs="0" maxOccurs="1" type="xsd:string"/>
+        <xsd:element name="revision" minOccurs="0" maxOccurs="1" type="xsd:string">
+          <xsd:annotation>
+            <xsd:documentation>
+                        This value indicates the number of saves or revisions. The application is responsible for updating this value after each revision.
+                    </xsd:documentation>
+          </xsd:annotation>
+        </xsd:element>
+        <xsd:element name="lastModifiedBy" minOccurs="0" maxOccurs="1" type="xsd:string"/>
+        <xsd:element ref="dcterms:modified" minOccurs="0" maxOccurs="1"/>
+        <xsd:element name="contentStatus" minOccurs="0" maxOccurs="1" type="xsd:string"/>
+      </xsd:all>
+    </xsd:complexType>
+  </xsd:schema>
+  <xs:schema xmlns:pc="http://schemas.microsoft.com/office/infopath/2007/PartnerControls" xmlns:xs="http://www.w3.org/2001/XMLSchema" targetNamespace="http://schemas.microsoft.com/office/infopath/2007/PartnerControls" elementFormDefault="qualified" attributeFormDefault="unqualified">
+    <xs:element name="Person">
+      <xs:complexType>
+        <xs:sequence>
+          <xs:element ref="pc:DisplayName" minOccurs="0"/>
+          <xs:element ref="pc:AccountId" minOccurs="0"/>
+          <xs:element ref="pc:AccountType" minOccurs="0"/>
+        </xs:sequence>
+      </xs:complexType>
+    </xs:element>
+    <xs:element name="DisplayName" type="xs:string"/>
+    <xs:element name="AccountId" type="xs:string"/>
+    <xs:element name="AccountType" type="xs:string"/>
+    <xs:element name="BDCAssociatedEntity">
+      <xs:complexType>
+        <xs:sequence>
+          <xs:element ref="pc:BDCEntity" minOccurs="0" maxOccurs="unbounded"/>
+        </xs:sequence>
+        <xs:attribute ref="pc:EntityNamespace"/>
+        <xs:attribute ref="pc:EntityName"/>
+        <xs:attribute ref="pc:SystemInstanceName"/>
+        <xs:attribute ref="pc:AssociationName"/>
+      </xs:complexType>
+    </xs:element>
+    <xs:attribute name="EntityNamespace" type="xs:string"/>
+    <xs:attribute name="EntityName" type="xs:string"/>
+    <xs:attribute name="SystemInstanceName" type="xs:string"/>
+    <xs:attribute name="AssociationName" type="xs:string"/>
+    <xs:element name="BDCEntity">
+      <xs:complexType>
+        <xs:sequence>
+          <xs:element ref="pc:EntityDisplayName" minOccurs="0"/>
+          <xs:element ref="pc:EntityInstanceReference" minOccurs="0"/>
+          <xs:element ref="pc:EntityId1" minOccurs="0"/>
+          <xs:element ref="pc:EntityId2" minOccurs="0"/>
+          <xs:element ref="pc:EntityId3" minOccurs="0"/>
+          <xs:element ref="pc:EntityId4" minOccurs="0"/>
+          <xs:element ref="pc:EntityId5" minOccurs="0"/>
+        </xs:sequence>
+      </xs:complexType>
+    </xs:element>
+    <xs:element name="EntityDisplayName" type="xs:string"/>
+    <xs:element name="EntityInstanceReference" type="xs:string"/>
+    <xs:element name="EntityId1" type="xs:string"/>
+    <xs:element name="EntityId2" type="xs:string"/>
+    <xs:element name="EntityId3" type="xs:string"/>
+    <xs:element name="EntityId4" type="xs:string"/>
+    <xs:element name="EntityId5" type="xs:string"/>
+    <xs:element name="Terms">
+      <xs:complexType>
+        <xs:sequence>
+          <xs:element ref="pc:TermInfo" minOccurs="0" maxOccurs="unbounded"/>
+        </xs:sequence>
+      </xs:complexType>
+    </xs:element>
+    <xs:element name="TermInfo">
+      <xs:complexType>
+        <xs:sequence>
+          <xs:element ref="pc:TermName" minOccurs="0"/>
+          <xs:element ref="pc:TermId" minOccurs="0"/>
+        </xs:sequence>
+      </xs:complexType>
+    </xs:element>
+    <xs:element name="TermName" type="xs:string"/>
+    <xs:element name="TermId" type="xs:string"/>
+  </xs:schema>
+</ct:contentTypeSchema>
+</file>
+
+<file path=customXml/item2.xml><?xml version="1.0" encoding="utf-8"?>
+<p:properties xmlns:p="http://schemas.microsoft.com/office/2006/metadata/properties" xmlns:xsi="http://www.w3.org/2001/XMLSchema-instance" xmlns:pc="http://schemas.microsoft.com/office/infopath/2007/PartnerControls">
+  <documentManagement>
+    <TaxCatchAll xmlns="194ccb06-a9bd-44be-8233-5ea8b0721088"/>
+    <TaxKeywordTaxHTField xmlns="194ccb06-a9bd-44be-8233-5ea8b0721088">
+      <Terms xmlns="http://schemas.microsoft.com/office/infopath/2007/PartnerControls"/>
+    </TaxKeywordTaxHTField>
+  </documentManagement>
+</p:properties>
+</file>
+
+<file path=customXml/item3.xml><?xml version="1.0" encoding="utf-8"?>
+<?mso-contentType ?>
+<FormTemplates xmlns="http://schemas.microsoft.com/sharepoint/v3/contenttype/forms">
+  <Display>DocumentLibraryForm</Display>
+  <Edit>DocumentLibraryForm</Edit>
+  <New>DocumentLibraryForm</New>
+</FormTemplates>
+</file>
+
+<file path=customXml/itemProps1.xml><?xml version="1.0" encoding="utf-8"?>
+<ds:datastoreItem xmlns:ds="http://schemas.openxmlformats.org/officeDocument/2006/customXml" ds:itemID="{FFEC1D47-CEFF-4EDB-A79F-5DF302C4CC19}">
+  <ds:schemaRefs>
+    <ds:schemaRef ds:uri="http://schemas.microsoft.com/office/2006/metadata/contentType"/>
+    <ds:schemaRef ds:uri="http://schemas.microsoft.com/office/2006/metadata/properties/metaAttributes"/>
+    <ds:schemaRef ds:uri="http://www.w3.org/2001/XMLSchema"/>
+    <ds:schemaRef ds:uri="http://schemas.microsoft.com/office/2006/metadata/properties"/>
+    <ds:schemaRef ds:uri="194ccb06-a9bd-44be-8233-5ea8b0721088"/>
+    <ds:schemaRef ds:uri="http://schemas.microsoft.com/office/2006/documentManagement/types"/>
+    <ds:schemaRef ds:uri="http://schemas.microsoft.com/office/infopath/2007/PartnerControls"/>
+    <ds:schemaRef ds:uri="http://schemas.openxmlformats.org/package/2006/metadata/core-properties"/>
+    <ds:schemaRef ds:uri="http://purl.org/dc/elements/1.1/"/>
+    <ds:schemaRef ds:uri="http://purl.org/dc/terms/"/>
+    <ds:schemaRef ds:uri="http://schemas.microsoft.com/internal/obd"/>
+  </ds:schemaRefs>
+</ds:datastoreItem>
+</file>
+
+<file path=customXml/itemProps2.xml><?xml version="1.0" encoding="utf-8"?>
+<ds:datastoreItem xmlns:ds="http://schemas.openxmlformats.org/officeDocument/2006/customXml" ds:itemID="{CF7BC5A0-E964-415D-AAEB-6461FAEAF8E1}">
+  <ds:schemaRefs>
+    <ds:schemaRef ds:uri="http://purl.org/dc/terms/"/>
+    <ds:schemaRef ds:uri="http://schemas.microsoft.com/office/infopath/2007/PartnerControls"/>
+    <ds:schemaRef ds:uri="http://schemas.microsoft.com/office/2006/documentManagement/types"/>
+    <ds:schemaRef ds:uri="http://schemas.microsoft.com/office/2006/metadata/properties"/>
+    <ds:schemaRef ds:uri="http://purl.org/dc/elements/1.1/"/>
+    <ds:schemaRef ds:uri="http://www.w3.org/XML/1998/namespace"/>
+    <ds:schemaRef ds:uri="http://schemas.openxmlformats.org/package/2006/metadata/core-properties"/>
+    <ds:schemaRef ds:uri="194ccb06-a9bd-44be-8233-5ea8b0721088"/>
+    <ds:schemaRef ds:uri="http://purl.org/dc/dcmitype/"/>
+  </ds:schemaRefs>
+</ds:datastoreItem>
+</file>
+
+<file path=customXml/itemProps3.xml><?xml version="1.0" encoding="utf-8"?>
+<ds:datastoreItem xmlns:ds="http://schemas.openxmlformats.org/officeDocument/2006/customXml" ds:itemID="{CDEEE30E-D541-4A3D-BCD3-C9760DDDF4BE}">
+  <ds:schemaRefs>
+    <ds:schemaRef ds:uri="http://schemas.microsoft.com/sharepoint/v3/contenttype/forms"/>
+  </ds:schemaRefs>
+</ds:datastoreItem>
 </file>
--- a/Reviews/2016/wip/1 Introduction.pptx
+++ b/Reviews/2016/wip/1 Introduction.pptx
@@ -770,6 +770,70 @@
             </a:endParaRPr>
           </a:p>
           <a:p>
+            <a:pPr marL="0" marR="0" lvl="0" indent="0" algn="l" defTabSz="914400" rtl="0" eaLnBrk="1" fontAlgn="auto" latinLnBrk="0" hangingPunct="1">
+              <a:lnSpc>
+                <a:spcPct val="100000"/>
+              </a:lnSpc>
+              <a:spcBef>
+                <a:spcPts val="0"/>
+              </a:spcBef>
+              <a:spcAft>
+                <a:spcPts val="0"/>
+              </a:spcAft>
+              <a:buClrTx/>
+              <a:buSzTx/>
+              <a:buFontTx/>
+              <a:buNone/>
+              <a:tabLst/>
+              <a:defRPr/>
+            </a:pPr>
+            <a:r>
+              <a:rPr lang="en-US" sz="2000" b="0" strike="noStrike" spc="-1" dirty="0">
+                <a:solidFill>
+                  <a:srgbClr val="000000"/>
+                </a:solidFill>
+                <a:uFill>
+                  <a:solidFill>
+                    <a:srgbClr val="FFFFFF"/>
+                  </a:solidFill>
+                </a:uFill>
+                <a:latin typeface="Arial"/>
+              </a:rPr>
+              <a:t>I would like to specially thank Anne fo</a:t>
+            </a:r>
+            <a:r>
+              <a:rPr lang="en-US" sz="2000" b="0" strike="noStrike" spc="-1" baseline="0" dirty="0">
+                <a:solidFill>
+                  <a:srgbClr val="000000"/>
+                </a:solidFill>
+                <a:uFill>
+                  <a:solidFill>
+                    <a:srgbClr val="FFFFFF"/>
+                  </a:solidFill>
+                </a:uFill>
+                <a:latin typeface="Arial"/>
+              </a:rPr>
+              <a:t>r hosting the meeting, to Vincent for his mentorship.</a:t>
+            </a:r>
+            <a:endParaRPr lang="en-US" sz="2000" b="0" strike="noStrike" spc="-1" dirty="0">
+              <a:solidFill>
+                <a:srgbClr val="000000"/>
+              </a:solidFill>
+              <a:uFill>
+                <a:solidFill>
+                  <a:srgbClr val="FFFFFF"/>
+                </a:solidFill>
+              </a:uFill>
+              <a:latin typeface="Arial"/>
+            </a:endParaRPr>
+          </a:p>
+          <a:p>
+            <a:pPr rtl="0"/>
+            <a:endParaRPr lang="en-US" sz="2000" b="0" dirty="0">
+              <a:effectLst/>
+            </a:endParaRPr>
+          </a:p>
+          <a:p>
             <a:r>
               <a:rPr lang="en-US" sz="1200" b="0" i="0" u="none" strike="noStrike" kern="1200" dirty="0">
                 <a:solidFill>
@@ -1427,49 +1491,8 @@
                 </a:uFill>
                 <a:latin typeface="+mn-lt"/>
               </a:rPr>
-              <a:t>Let’s begin with CNRS/LORIA, Prof. Claire, could you introduce yourself and your research organization…</a:t>
-            </a:r>
-          </a:p>
-          <a:p>
-            <a:r>
-              <a:rPr lang="en-US" sz="2000" b="0" strike="noStrike" spc="-1" dirty="0">
-                <a:solidFill>
-                  <a:srgbClr val="000000"/>
-                </a:solidFill>
-                <a:uFill>
-                  <a:solidFill>
-                    <a:srgbClr val="FFFFFF"/>
-                  </a:solidFill>
-                </a:uFill>
-                <a:latin typeface="Arial"/>
-              </a:rPr>
-              <a:t>I would like to specially thank Anne fo</a:t>
-            </a:r>
-            <a:r>
-              <a:rPr lang="en-US" sz="2000" b="0" strike="noStrike" spc="-1" baseline="0" dirty="0">
-                <a:solidFill>
-                  <a:srgbClr val="000000"/>
-                </a:solidFill>
-                <a:uFill>
-                  <a:solidFill>
-                    <a:srgbClr val="FFFFFF"/>
-                  </a:solidFill>
-                </a:uFill>
-                <a:latin typeface="Arial"/>
-              </a:rPr>
-              <a:t>r hosting the meeting, to Vincent for his mentorship.</a:t>
-            </a:r>
-            <a:endParaRPr lang="en-US" sz="2000" b="0" strike="noStrike" spc="-1" dirty="0">
-              <a:solidFill>
-                <a:srgbClr val="000000"/>
-              </a:solidFill>
-              <a:uFill>
-                <a:solidFill>
-                  <a:srgbClr val="FFFFFF"/>
-                </a:solidFill>
-              </a:uFill>
-              <a:latin typeface="Arial"/>
-            </a:endParaRPr>
+              <a:t>Let’s begin with CNRS/LORIA, Prof. Claire, could you introduce yourself and your research organization</a:t>
+            </a:r>
           </a:p>
         </p:txBody>
       </p:sp>
@@ -11821,6 +11844,26 @@
 </file>
 
 <file path=customXml/item1.xml><?xml version="1.0" encoding="utf-8"?>
+<?mso-contentType ?>
+<FormTemplates xmlns="http://schemas.microsoft.com/sharepoint/v3/contenttype/forms">
+  <Display>DocumentLibraryForm</Display>
+  <Edit>DocumentLibraryForm</Edit>
+  <New>DocumentLibraryForm</New>
+</FormTemplates>
+</file>
+
+<file path=customXml/item2.xml><?xml version="1.0" encoding="utf-8"?>
+<p:properties xmlns:p="http://schemas.microsoft.com/office/2006/metadata/properties" xmlns:xsi="http://www.w3.org/2001/XMLSchema-instance" xmlns:pc="http://schemas.microsoft.com/office/infopath/2007/PartnerControls">
+  <documentManagement>
+    <TaxCatchAll xmlns="194ccb06-a9bd-44be-8233-5ea8b0721088"/>
+    <TaxKeywordTaxHTField xmlns="194ccb06-a9bd-44be-8233-5ea8b0721088">
+      <Terms xmlns="http://schemas.microsoft.com/office/infopath/2007/PartnerControls"/>
+    </TaxKeywordTaxHTField>
+  </documentManagement>
+</p:properties>
+</file>
+
+<file path=customXml/item3.xml><?xml version="1.0" encoding="utf-8"?>
 <ct:contentTypeSchema xmlns:ct="http://schemas.microsoft.com/office/2006/metadata/contentType" xmlns:ma="http://schemas.microsoft.com/office/2006/metadata/properties/metaAttributes" ct:_="" ma:_="" ma:contentTypeName="Document" ma:contentTypeID="0x0101005BFB70258BA69E4DAF3FE5F4C0DA7431" ma:contentTypeVersion="3" ma:contentTypeDescription="Create a new document." ma:contentTypeScope="" ma:versionID="73b0da4689f410ccc075ca2e5729e523">
   <xsd:schema xmlns:xsd="http://www.w3.org/2001/XMLSchema" xmlns:xs="http://www.w3.org/2001/XMLSchema" xmlns:p="http://schemas.microsoft.com/office/2006/metadata/properties" xmlns:ns2="194ccb06-a9bd-44be-8233-5ea8b0721088" targetNamespace="http://schemas.microsoft.com/office/2006/metadata/properties" ma:root="true" ma:fieldsID="e94a1f9785d1c13fc1ca94d7aa1cdcfb" ns2:_="">
     <xsd:import namespace="194ccb06-a9bd-44be-8233-5ea8b0721088"/>
@@ -11960,40 +12003,10 @@
 </ct:contentTypeSchema>
 </file>
 
-<file path=customXml/item2.xml><?xml version="1.0" encoding="utf-8"?>
-<p:properties xmlns:p="http://schemas.microsoft.com/office/2006/metadata/properties" xmlns:xsi="http://www.w3.org/2001/XMLSchema-instance" xmlns:pc="http://schemas.microsoft.com/office/infopath/2007/PartnerControls">
-  <documentManagement>
-    <TaxCatchAll xmlns="194ccb06-a9bd-44be-8233-5ea8b0721088"/>
-    <TaxKeywordTaxHTField xmlns="194ccb06-a9bd-44be-8233-5ea8b0721088">
-      <Terms xmlns="http://schemas.microsoft.com/office/infopath/2007/PartnerControls"/>
-    </TaxKeywordTaxHTField>
-  </documentManagement>
-</p:properties>
-</file>
-
-<file path=customXml/item3.xml><?xml version="1.0" encoding="utf-8"?>
-<?mso-contentType ?>
-<FormTemplates xmlns="http://schemas.microsoft.com/sharepoint/v3/contenttype/forms">
-  <Display>DocumentLibraryForm</Display>
-  <Edit>DocumentLibraryForm</Edit>
-  <New>DocumentLibraryForm</New>
-</FormTemplates>
-</file>
-
 <file path=customXml/itemProps1.xml><?xml version="1.0" encoding="utf-8"?>
-<ds:datastoreItem xmlns:ds="http://schemas.openxmlformats.org/officeDocument/2006/customXml" ds:itemID="{FFEC1D47-CEFF-4EDB-A79F-5DF302C4CC19}">
+<ds:datastoreItem xmlns:ds="http://schemas.openxmlformats.org/officeDocument/2006/customXml" ds:itemID="{CDEEE30E-D541-4A3D-BCD3-C9760DDDF4BE}">
   <ds:schemaRefs>
-    <ds:schemaRef ds:uri="http://schemas.microsoft.com/office/2006/metadata/contentType"/>
-    <ds:schemaRef ds:uri="http://schemas.microsoft.com/office/2006/metadata/properties/metaAttributes"/>
-    <ds:schemaRef ds:uri="http://www.w3.org/2001/XMLSchema"/>
-    <ds:schemaRef ds:uri="http://schemas.microsoft.com/office/2006/metadata/properties"/>
-    <ds:schemaRef ds:uri="194ccb06-a9bd-44be-8233-5ea8b0721088"/>
-    <ds:schemaRef ds:uri="http://schemas.microsoft.com/office/2006/documentManagement/types"/>
-    <ds:schemaRef ds:uri="http://schemas.microsoft.com/office/infopath/2007/PartnerControls"/>
-    <ds:schemaRef ds:uri="http://schemas.openxmlformats.org/package/2006/metadata/core-properties"/>
-    <ds:schemaRef ds:uri="http://purl.org/dc/elements/1.1/"/>
-    <ds:schemaRef ds:uri="http://purl.org/dc/terms/"/>
-    <ds:schemaRef ds:uri="http://schemas.microsoft.com/internal/obd"/>
+    <ds:schemaRef ds:uri="http://schemas.microsoft.com/sharepoint/v3/contenttype/forms"/>
   </ds:schemaRefs>
 </ds:datastoreItem>
 </file>
@@ -12015,9 +12028,19 @@
 </file>
 
 <file path=customXml/itemProps3.xml><?xml version="1.0" encoding="utf-8"?>
-<ds:datastoreItem xmlns:ds="http://schemas.openxmlformats.org/officeDocument/2006/customXml" ds:itemID="{CDEEE30E-D541-4A3D-BCD3-C9760DDDF4BE}">
+<ds:datastoreItem xmlns:ds="http://schemas.openxmlformats.org/officeDocument/2006/customXml" ds:itemID="{FFEC1D47-CEFF-4EDB-A79F-5DF302C4CC19}">
   <ds:schemaRefs>
-    <ds:schemaRef ds:uri="http://schemas.microsoft.com/sharepoint/v3/contenttype/forms"/>
+    <ds:schemaRef ds:uri="http://schemas.microsoft.com/office/2006/metadata/contentType"/>
+    <ds:schemaRef ds:uri="http://schemas.microsoft.com/office/2006/metadata/properties/metaAttributes"/>
+    <ds:schemaRef ds:uri="http://www.w3.org/2001/XMLSchema"/>
+    <ds:schemaRef ds:uri="http://schemas.microsoft.com/office/2006/metadata/properties"/>
+    <ds:schemaRef ds:uri="194ccb06-a9bd-44be-8233-5ea8b0721088"/>
+    <ds:schemaRef ds:uri="http://schemas.microsoft.com/office/2006/documentManagement/types"/>
+    <ds:schemaRef ds:uri="http://schemas.microsoft.com/office/infopath/2007/PartnerControls"/>
+    <ds:schemaRef ds:uri="http://schemas.openxmlformats.org/package/2006/metadata/core-properties"/>
+    <ds:schemaRef ds:uri="http://purl.org/dc/elements/1.1/"/>
+    <ds:schemaRef ds:uri="http://purl.org/dc/terms/"/>
+    <ds:schemaRef ds:uri="http://schemas.microsoft.com/internal/obd"/>
   </ds:schemaRefs>
 </ds:datastoreItem>
 </file>